--- a/01 Classes/Aula 02 - Aplicação Cloud Indústria 40 Python.pptx
+++ b/01 Classes/Aula 02 - Aplicação Cloud Indústria 40 Python.pptx
@@ -5,18 +5,20 @@
     <p:sldMasterId id="2147483648" r:id="rId1"/>
   </p:sldMasterIdLst>
   <p:notesMasterIdLst>
-    <p:notesMasterId r:id="rId11"/>
+    <p:notesMasterId r:id="rId13"/>
   </p:notesMasterIdLst>
   <p:sldIdLst>
     <p:sldId id="256" r:id="rId2"/>
     <p:sldId id="291" r:id="rId3"/>
-    <p:sldId id="331" r:id="rId4"/>
-    <p:sldId id="347" r:id="rId5"/>
-    <p:sldId id="333" r:id="rId6"/>
-    <p:sldId id="323" r:id="rId7"/>
-    <p:sldId id="345" r:id="rId8"/>
-    <p:sldId id="337" r:id="rId9"/>
-    <p:sldId id="309" r:id="rId10"/>
+    <p:sldId id="348" r:id="rId4"/>
+    <p:sldId id="331" r:id="rId5"/>
+    <p:sldId id="349" r:id="rId6"/>
+    <p:sldId id="347" r:id="rId7"/>
+    <p:sldId id="333" r:id="rId8"/>
+    <p:sldId id="323" r:id="rId9"/>
+    <p:sldId id="345" r:id="rId10"/>
+    <p:sldId id="337" r:id="rId11"/>
+    <p:sldId id="309" r:id="rId12"/>
   </p:sldIdLst>
   <p:sldSz cx="9144000" cy="5143500" type="screen16x9"/>
   <p:notesSz cx="6858000" cy="9144000"/>
@@ -619,7 +621,7 @@
     </p:spTree>
     <p:extLst>
       <p:ext uri="{BB962C8B-B14F-4D97-AF65-F5344CB8AC3E}">
-        <p14:creationId xmlns:p14="http://schemas.microsoft.com/office/powerpoint/2010/main" val="3035753547"/>
+        <p14:creationId xmlns:p14="http://schemas.microsoft.com/office/powerpoint/2010/main" val="2998481219"/>
       </p:ext>
     </p:extLst>
   </p:cSld>
@@ -685,7 +687,7 @@
     </p:spTree>
     <p:extLst>
       <p:ext uri="{BB962C8B-B14F-4D97-AF65-F5344CB8AC3E}">
-        <p14:creationId xmlns:p14="http://schemas.microsoft.com/office/powerpoint/2010/main" val="1662896905"/>
+        <p14:creationId xmlns:p14="http://schemas.microsoft.com/office/powerpoint/2010/main" val="3035753547"/>
       </p:ext>
     </p:extLst>
   </p:cSld>
@@ -751,7 +753,7 @@
     </p:spTree>
     <p:extLst>
       <p:ext uri="{BB962C8B-B14F-4D97-AF65-F5344CB8AC3E}">
-        <p14:creationId xmlns:p14="http://schemas.microsoft.com/office/powerpoint/2010/main" val="585304384"/>
+        <p14:creationId xmlns:p14="http://schemas.microsoft.com/office/powerpoint/2010/main" val="225684915"/>
       </p:ext>
     </p:extLst>
   </p:cSld>
@@ -817,7 +819,7 @@
     </p:spTree>
     <p:extLst>
       <p:ext uri="{BB962C8B-B14F-4D97-AF65-F5344CB8AC3E}">
-        <p14:creationId xmlns:p14="http://schemas.microsoft.com/office/powerpoint/2010/main" val="2709569597"/>
+        <p14:creationId xmlns:p14="http://schemas.microsoft.com/office/powerpoint/2010/main" val="1662896905"/>
       </p:ext>
     </p:extLst>
   </p:cSld>
@@ -883,6 +885,138 @@
     </p:spTree>
     <p:extLst>
       <p:ext uri="{BB962C8B-B14F-4D97-AF65-F5344CB8AC3E}">
+        <p14:creationId xmlns:p14="http://schemas.microsoft.com/office/powerpoint/2010/main" val="585304384"/>
+      </p:ext>
+    </p:extLst>
+  </p:cSld>
+  <p:clrMapOvr>
+    <a:masterClrMapping/>
+  </p:clrMapOvr>
+</p:notes>
+</file>
+
+<file path=ppt/notesSlides/notesSlide7.xml><?xml version="1.0" encoding="utf-8"?>
+<p:notes xmlns:a="http://schemas.openxmlformats.org/drawingml/2006/main" xmlns:r="http://schemas.openxmlformats.org/officeDocument/2006/relationships" xmlns:p="http://schemas.openxmlformats.org/presentationml/2006/main">
+  <p:cSld>
+    <p:spTree>
+      <p:nvGrpSpPr>
+        <p:cNvPr id="1" name=""/>
+        <p:cNvGrpSpPr/>
+        <p:nvPr/>
+      </p:nvGrpSpPr>
+      <p:grpSpPr>
+        <a:xfrm>
+          <a:off x="0" y="0"/>
+          <a:ext cx="0" cy="0"/>
+          <a:chOff x="0" y="0"/>
+          <a:chExt cx="0" cy="0"/>
+        </a:xfrm>
+      </p:grpSpPr>
+      <p:sp>
+        <p:nvSpPr>
+          <p:cNvPr id="2" name="Espaço Reservado para Imagem de Slide 1"/>
+          <p:cNvSpPr>
+            <a:spLocks noGrp="1" noRot="1" noChangeAspect="1"/>
+          </p:cNvSpPr>
+          <p:nvPr>
+            <p:ph type="sldImg"/>
+          </p:nvPr>
+        </p:nvSpPr>
+        <p:spPr>
+          <a:xfrm>
+            <a:off x="381000" y="685800"/>
+            <a:ext cx="6096000" cy="3429000"/>
+          </a:xfrm>
+        </p:spPr>
+      </p:sp>
+      <p:sp>
+        <p:nvSpPr>
+          <p:cNvPr id="3" name="Espaço Reservado para Anotações 2"/>
+          <p:cNvSpPr>
+            <a:spLocks noGrp="1"/>
+          </p:cNvSpPr>
+          <p:nvPr>
+            <p:ph type="body" idx="1"/>
+          </p:nvPr>
+        </p:nvSpPr>
+        <p:spPr/>
+        <p:txBody>
+          <a:bodyPr/>
+          <a:lstStyle/>
+          <a:p>
+            <a:endParaRPr lang="pt-BR" dirty="0"/>
+          </a:p>
+        </p:txBody>
+      </p:sp>
+    </p:spTree>
+    <p:extLst>
+      <p:ext uri="{BB962C8B-B14F-4D97-AF65-F5344CB8AC3E}">
+        <p14:creationId xmlns:p14="http://schemas.microsoft.com/office/powerpoint/2010/main" val="2709569597"/>
+      </p:ext>
+    </p:extLst>
+  </p:cSld>
+  <p:clrMapOvr>
+    <a:masterClrMapping/>
+  </p:clrMapOvr>
+</p:notes>
+</file>
+
+<file path=ppt/notesSlides/notesSlide8.xml><?xml version="1.0" encoding="utf-8"?>
+<p:notes xmlns:a="http://schemas.openxmlformats.org/drawingml/2006/main" xmlns:r="http://schemas.openxmlformats.org/officeDocument/2006/relationships" xmlns:p="http://schemas.openxmlformats.org/presentationml/2006/main">
+  <p:cSld>
+    <p:spTree>
+      <p:nvGrpSpPr>
+        <p:cNvPr id="1" name=""/>
+        <p:cNvGrpSpPr/>
+        <p:nvPr/>
+      </p:nvGrpSpPr>
+      <p:grpSpPr>
+        <a:xfrm>
+          <a:off x="0" y="0"/>
+          <a:ext cx="0" cy="0"/>
+          <a:chOff x="0" y="0"/>
+          <a:chExt cx="0" cy="0"/>
+        </a:xfrm>
+      </p:grpSpPr>
+      <p:sp>
+        <p:nvSpPr>
+          <p:cNvPr id="2" name="Espaço Reservado para Imagem de Slide 1"/>
+          <p:cNvSpPr>
+            <a:spLocks noGrp="1" noRot="1" noChangeAspect="1"/>
+          </p:cNvSpPr>
+          <p:nvPr>
+            <p:ph type="sldImg"/>
+          </p:nvPr>
+        </p:nvSpPr>
+        <p:spPr>
+          <a:xfrm>
+            <a:off x="381000" y="685800"/>
+            <a:ext cx="6096000" cy="3429000"/>
+          </a:xfrm>
+        </p:spPr>
+      </p:sp>
+      <p:sp>
+        <p:nvSpPr>
+          <p:cNvPr id="3" name="Espaço Reservado para Anotações 2"/>
+          <p:cNvSpPr>
+            <a:spLocks noGrp="1"/>
+          </p:cNvSpPr>
+          <p:nvPr>
+            <p:ph type="body" idx="1"/>
+          </p:nvPr>
+        </p:nvSpPr>
+        <p:spPr/>
+        <p:txBody>
+          <a:bodyPr/>
+          <a:lstStyle/>
+          <a:p>
+            <a:endParaRPr lang="pt-BR" dirty="0"/>
+          </a:p>
+        </p:txBody>
+      </p:sp>
+    </p:spTree>
+    <p:extLst>
+      <p:ext uri="{BB962C8B-B14F-4D97-AF65-F5344CB8AC3E}">
         <p14:creationId xmlns:p14="http://schemas.microsoft.com/office/powerpoint/2010/main" val="3863516043"/>
       </p:ext>
     </p:extLst>
@@ -893,7 +1027,7 @@
 </p:notes>
 </file>
 
-<file path=ppt/notesSlides/notesSlide7.xml><?xml version="1.0" encoding="utf-8"?>
+<file path=ppt/notesSlides/notesSlide9.xml><?xml version="1.0" encoding="utf-8"?>
 <p:notes xmlns:a="http://schemas.openxmlformats.org/drawingml/2006/main" xmlns:r="http://schemas.openxmlformats.org/officeDocument/2006/relationships" xmlns:p="http://schemas.openxmlformats.org/presentationml/2006/main">
   <p:cSld>
     <p:spTree>
@@ -3896,7 +4030,173 @@
 </p:sld>
 </file>
 
-<file path=ppt/slides/slide2.xml><?xml version="1.0" encoding="utf-8"?>
+<file path=ppt/slides/slide10.xml><?xml version="1.0" encoding="utf-8"?>
+<p:sld xmlns:a="http://schemas.openxmlformats.org/drawingml/2006/main" xmlns:r="http://schemas.openxmlformats.org/officeDocument/2006/relationships" xmlns:p="http://schemas.openxmlformats.org/presentationml/2006/main">
+  <p:cSld>
+    <p:spTree>
+      <p:nvGrpSpPr>
+        <p:cNvPr id="1" name=""/>
+        <p:cNvGrpSpPr/>
+        <p:nvPr/>
+      </p:nvGrpSpPr>
+      <p:grpSpPr>
+        <a:xfrm>
+          <a:off x="0" y="0"/>
+          <a:ext cx="0" cy="0"/>
+          <a:chOff x="0" y="0"/>
+          <a:chExt cx="0" cy="0"/>
+        </a:xfrm>
+      </p:grpSpPr>
+      <p:sp>
+        <p:nvSpPr>
+          <p:cNvPr id="6" name="Title 1"/>
+          <p:cNvSpPr>
+            <a:spLocks noGrp="1"/>
+          </p:cNvSpPr>
+          <p:nvPr>
+            <p:ph type="title"/>
+          </p:nvPr>
+        </p:nvSpPr>
+        <p:spPr>
+          <a:xfrm>
+            <a:off x="457200" y="205980"/>
+            <a:ext cx="8229600" cy="857251"/>
+          </a:xfrm>
+        </p:spPr>
+        <p:txBody>
+          <a:bodyPr>
+            <a:normAutofit/>
+          </a:bodyPr>
+          <a:lstStyle/>
+          <a:p>
+            <a:r>
+              <a:rPr lang="en-US" b="1" dirty="0" err="1">
+                <a:solidFill>
+                  <a:srgbClr val="0070C0"/>
+                </a:solidFill>
+              </a:rPr>
+              <a:t>Referências</a:t>
+            </a:r>
+            <a:r>
+              <a:rPr lang="en-US" b="1" dirty="0">
+                <a:solidFill>
+                  <a:srgbClr val="0070C0"/>
+                </a:solidFill>
+              </a:rPr>
+              <a:t> </a:t>
+            </a:r>
+            <a:r>
+              <a:rPr lang="en-US" b="1" dirty="0" err="1">
+                <a:solidFill>
+                  <a:srgbClr val="0070C0"/>
+                </a:solidFill>
+              </a:rPr>
+              <a:t>Bibliográficas</a:t>
+            </a:r>
+            <a:endParaRPr lang="en-US" b="1" dirty="0">
+              <a:solidFill>
+                <a:srgbClr val="0070C0"/>
+              </a:solidFill>
+            </a:endParaRPr>
+          </a:p>
+        </p:txBody>
+      </p:sp>
+      <p:sp>
+        <p:nvSpPr>
+          <p:cNvPr id="8" name="Text Placeholder 2"/>
+          <p:cNvSpPr>
+            <a:spLocks noGrp="1"/>
+          </p:cNvSpPr>
+          <p:nvPr>
+            <p:ph type="body" sz="half" idx="1"/>
+          </p:nvPr>
+        </p:nvSpPr>
+        <p:spPr>
+          <a:xfrm>
+            <a:off x="142865" y="1200151"/>
+            <a:ext cx="8865056" cy="3394472"/>
+          </a:xfrm>
+        </p:spPr>
+        <p:txBody>
+          <a:bodyPr>
+            <a:noAutofit/>
+          </a:bodyPr>
+          <a:lstStyle/>
+          <a:p>
+            <a:pPr marL="0" indent="0" algn="just">
+              <a:buNone/>
+            </a:pPr>
+            <a:r>
+              <a:rPr lang="pt-BR" sz="2000" dirty="0">
+                <a:latin typeface="Times New Roman" panose="02020603050405020304" pitchFamily="18" charset="0"/>
+                <a:cs typeface="Times New Roman" panose="02020603050405020304" pitchFamily="18" charset="0"/>
+              </a:rPr>
+              <a:t>[1] .</a:t>
+            </a:r>
+          </a:p>
+          <a:p>
+            <a:pPr marL="0" indent="0" algn="just">
+              <a:buNone/>
+            </a:pPr>
+            <a:endParaRPr lang="pt-BR" sz="2000" dirty="0">
+              <a:latin typeface="Times New Roman" panose="02020603050405020304" pitchFamily="18" charset="0"/>
+              <a:cs typeface="Times New Roman" panose="02020603050405020304" pitchFamily="18" charset="0"/>
+            </a:endParaRPr>
+          </a:p>
+          <a:p>
+            <a:pPr marL="0" indent="0" algn="just">
+              <a:buNone/>
+            </a:pPr>
+            <a:r>
+              <a:rPr lang="pt-BR" sz="2000" dirty="0">
+                <a:latin typeface="Times New Roman" panose="02020603050405020304" pitchFamily="18" charset="0"/>
+                <a:cs typeface="Times New Roman" panose="02020603050405020304" pitchFamily="18" charset="0"/>
+              </a:rPr>
+              <a:t>[2] </a:t>
+            </a:r>
+            <a:r>
+              <a:rPr lang="pt-BR" sz="2000" dirty="0">
+                <a:latin typeface="Calibri" panose="020F0502020204030204" pitchFamily="34" charset="0"/>
+              </a:rPr>
+              <a:t>.</a:t>
+            </a:r>
+          </a:p>
+          <a:p>
+            <a:pPr marL="0" indent="0" algn="just">
+              <a:buNone/>
+            </a:pPr>
+            <a:endParaRPr lang="pt-BR" sz="2000" dirty="0">
+              <a:latin typeface="Calibri" panose="020F0502020204030204" pitchFamily="34" charset="0"/>
+            </a:endParaRPr>
+          </a:p>
+          <a:p>
+            <a:pPr marL="0" indent="0" algn="just">
+              <a:buNone/>
+            </a:pPr>
+            <a:r>
+              <a:rPr lang="pt-BR" sz="2000" dirty="0">
+                <a:latin typeface="Calibri" panose="020F0502020204030204" pitchFamily="34" charset="0"/>
+              </a:rPr>
+              <a:t>[3] .</a:t>
+            </a:r>
+          </a:p>
+        </p:txBody>
+      </p:sp>
+    </p:spTree>
+    <p:extLst>
+      <p:ext uri="{BB962C8B-B14F-4D97-AF65-F5344CB8AC3E}">
+        <p14:creationId xmlns:p14="http://schemas.microsoft.com/office/powerpoint/2010/main" val="1115311843"/>
+      </p:ext>
+    </p:extLst>
+  </p:cSld>
+  <p:clrMapOvr>
+    <a:masterClrMapping/>
+  </p:clrMapOvr>
+  <p:transition spd="med"/>
+</p:sld>
+</file>
+
+<file path=ppt/slides/slide11.xml><?xml version="1.0" encoding="utf-8"?>
 <p:sld xmlns:a="http://schemas.openxmlformats.org/drawingml/2006/main" xmlns:r="http://schemas.openxmlformats.org/officeDocument/2006/relationships" xmlns:p="http://schemas.openxmlformats.org/presentationml/2006/main">
   <p:cSld>
     <p:spTree>
@@ -3922,7 +4222,7 @@
           <p:nvPr/>
         </p:nvPicPr>
         <p:blipFill>
-          <a:blip r:embed="rId3"/>
+          <a:blip r:embed="rId2"/>
           <a:stretch>
             <a:fillRect/>
           </a:stretch>
@@ -3951,7 +4251,7 @@
           <p:nvPr/>
         </p:nvPicPr>
         <p:blipFill>
-          <a:blip r:embed="rId4"/>
+          <a:blip r:embed="rId3"/>
           <a:stretch>
             <a:fillRect/>
           </a:stretch>
@@ -3983,8 +4283,8 @@
         </p:nvSpPr>
         <p:spPr>
           <a:xfrm>
-            <a:off x="348258" y="2277667"/>
-            <a:ext cx="8681444" cy="1102519"/>
+            <a:off x="285751" y="2386770"/>
+            <a:ext cx="8615364" cy="1102519"/>
           </a:xfrm>
         </p:spPr>
         <p:txBody>
@@ -3993,44 +4293,13 @@
           </a:bodyPr>
           <a:lstStyle/>
           <a:p>
-            <a:pPr algn="l"/>
-            <a:br>
-              <a:rPr lang="pt-BR" b="1" dirty="0">
+            <a:r>
+              <a:rPr lang="pt-BR" sz="4800" b="1" dirty="0">
                 <a:solidFill>
                   <a:schemeClr val="bg1"/>
                 </a:solidFill>
               </a:rPr>
-            </a:br>
-            <a:r>
-              <a:rPr lang="pt-BR" b="1" dirty="0">
-                <a:solidFill>
-                  <a:schemeClr val="bg1"/>
-                </a:solidFill>
-              </a:rPr>
-              <a:t>Aula 02</a:t>
-            </a:r>
-            <a:br>
-              <a:rPr lang="pt-BR" b="1" dirty="0">
-                <a:solidFill>
-                  <a:schemeClr val="bg1"/>
-                </a:solidFill>
-              </a:rPr>
-            </a:br>
-            <a:r>
-              <a:rPr lang="pt-BR" b="1" dirty="0">
-                <a:solidFill>
-                  <a:schemeClr val="bg1"/>
-                </a:solidFill>
-              </a:rPr>
-              <a:t>	</a:t>
-            </a:r>
-            <a:r>
-              <a:rPr lang="pt-BR" sz="3600" b="1" dirty="0">
-                <a:solidFill>
-                  <a:schemeClr val="bg1"/>
-                </a:solidFill>
-              </a:rPr>
-              <a:t>Plataformas Middleware e Protocolos IOT</a:t>
+              <a:t>Aplicação Cloud Indústria 40 Python</a:t>
             </a:r>
           </a:p>
         </p:txBody>
@@ -4322,12 +4591,12 @@
               <a:t>Professor </a:t>
             </a:r>
             <a:r>
-              <a:rPr lang="pt-BR" sz="2000" b="1" dirty="0" err="1">
+              <a:rPr lang="pt-BR" sz="2000" b="1">
                 <a:solidFill>
                   <a:schemeClr val="bg1"/>
                 </a:solidFill>
               </a:rPr>
-              <a:t>MSc</a:t>
+              <a:t>M.Sc</a:t>
             </a:r>
             <a:r>
               <a:rPr lang="pt-BR" sz="2000" b="1" dirty="0">
@@ -4342,10 +4611,10 @@
       </p:sp>
       <p:pic>
         <p:nvPicPr>
-          <p:cNvPr id="4" name="Google Shape;62;p1" descr="Imagem">
+          <p:cNvPr id="2" name="Google Shape;62;p1" descr="Imagem">
             <a:extLst>
               <a:ext uri="{FF2B5EF4-FFF2-40B4-BE49-F238E27FC236}">
-                <a16:creationId xmlns:a16="http://schemas.microsoft.com/office/drawing/2014/main" id="{652F850C-6AD9-5CD4-839F-152858F13612}"/>
+                <a16:creationId xmlns:a16="http://schemas.microsoft.com/office/drawing/2014/main" id="{9C895622-2963-024D-634E-EA58F5381D06}"/>
               </a:ext>
             </a:extLst>
           </p:cNvPr>
@@ -4353,7 +4622,7 @@
           <p:nvPr/>
         </p:nvPicPr>
         <p:blipFill rotWithShape="1">
-          <a:blip r:embed="rId5">
+          <a:blip r:embed="rId4">
             <a:alphaModFix/>
           </a:blip>
           <a:srcRect/>
@@ -4382,1081 +4651,7 @@
 </p:sld>
 </file>
 
-<file path=ppt/slides/slide3.xml><?xml version="1.0" encoding="utf-8"?>
-<p:sld xmlns:a="http://schemas.openxmlformats.org/drawingml/2006/main" xmlns:r="http://schemas.openxmlformats.org/officeDocument/2006/relationships" xmlns:p="http://schemas.openxmlformats.org/presentationml/2006/main">
-  <p:cSld>
-    <p:spTree>
-      <p:nvGrpSpPr>
-        <p:cNvPr id="1" name=""/>
-        <p:cNvGrpSpPr/>
-        <p:nvPr/>
-      </p:nvGrpSpPr>
-      <p:grpSpPr>
-        <a:xfrm>
-          <a:off x="0" y="0"/>
-          <a:ext cx="0" cy="0"/>
-          <a:chOff x="0" y="0"/>
-          <a:chExt cx="0" cy="0"/>
-        </a:xfrm>
-      </p:grpSpPr>
-      <p:sp>
-        <p:nvSpPr>
-          <p:cNvPr id="6" name="Title 1"/>
-          <p:cNvSpPr>
-            <a:spLocks noGrp="1"/>
-          </p:cNvSpPr>
-          <p:nvPr>
-            <p:ph type="title"/>
-          </p:nvPr>
-        </p:nvSpPr>
-        <p:spPr>
-          <a:xfrm>
-            <a:off x="457200" y="205980"/>
-            <a:ext cx="8229600" cy="857251"/>
-          </a:xfrm>
-        </p:spPr>
-        <p:txBody>
-          <a:bodyPr>
-            <a:normAutofit/>
-          </a:bodyPr>
-          <a:lstStyle/>
-          <a:p>
-            <a:r>
-              <a:rPr lang="pt-BR" b="1" dirty="0">
-                <a:solidFill>
-                  <a:srgbClr val="0070C0"/>
-                </a:solidFill>
-              </a:rPr>
-              <a:t>Plataformas Middleware</a:t>
-            </a:r>
-            <a:endParaRPr lang="en-US" b="1" dirty="0">
-              <a:solidFill>
-                <a:srgbClr val="0070C0"/>
-              </a:solidFill>
-            </a:endParaRPr>
-          </a:p>
-        </p:txBody>
-      </p:sp>
-      <p:sp>
-        <p:nvSpPr>
-          <p:cNvPr id="8" name="Text Placeholder 2"/>
-          <p:cNvSpPr>
-            <a:spLocks noGrp="1"/>
-          </p:cNvSpPr>
-          <p:nvPr>
-            <p:ph type="body" sz="half" idx="1"/>
-          </p:nvPr>
-        </p:nvSpPr>
-        <p:spPr>
-          <a:xfrm>
-            <a:off x="142865" y="1200150"/>
-            <a:ext cx="8865056" cy="3737370"/>
-          </a:xfrm>
-        </p:spPr>
-        <p:txBody>
-          <a:bodyPr>
-            <a:noAutofit/>
-          </a:bodyPr>
-          <a:lstStyle/>
-          <a:p>
-            <a:pPr marL="0" indent="0" algn="just">
-              <a:buNone/>
-            </a:pPr>
-            <a:r>
-              <a:rPr lang="pt-BR" sz="1400" dirty="0"/>
-              <a:t>ETAPAS</a:t>
-            </a:r>
-            <a:endParaRPr lang="pt-BR" sz="2000" dirty="0">
-              <a:solidFill>
-                <a:schemeClr val="tx1"/>
-              </a:solidFill>
-              <a:latin typeface="Times New Roman" panose="02020603050405020304" pitchFamily="18" charset="0"/>
-              <a:cs typeface="Times New Roman" panose="02020603050405020304" pitchFamily="18" charset="0"/>
-            </a:endParaRPr>
-          </a:p>
-        </p:txBody>
-      </p:sp>
-    </p:spTree>
-    <p:extLst>
-      <p:ext uri="{BB962C8B-B14F-4D97-AF65-F5344CB8AC3E}">
-        <p14:creationId xmlns:p14="http://schemas.microsoft.com/office/powerpoint/2010/main" val="1362980025"/>
-      </p:ext>
-    </p:extLst>
-  </p:cSld>
-  <p:clrMapOvr>
-    <a:masterClrMapping/>
-  </p:clrMapOvr>
-  <p:transition spd="med"/>
-</p:sld>
-</file>
-
-<file path=ppt/slides/slide4.xml><?xml version="1.0" encoding="utf-8"?>
-<p:sld xmlns:a="http://schemas.openxmlformats.org/drawingml/2006/main" xmlns:r="http://schemas.openxmlformats.org/officeDocument/2006/relationships" xmlns:p="http://schemas.openxmlformats.org/presentationml/2006/main">
-  <p:cSld>
-    <p:spTree>
-      <p:nvGrpSpPr>
-        <p:cNvPr id="1" name=""/>
-        <p:cNvGrpSpPr/>
-        <p:nvPr/>
-      </p:nvGrpSpPr>
-      <p:grpSpPr>
-        <a:xfrm>
-          <a:off x="0" y="0"/>
-          <a:ext cx="0" cy="0"/>
-          <a:chOff x="0" y="0"/>
-          <a:chExt cx="0" cy="0"/>
-        </a:xfrm>
-      </p:grpSpPr>
-      <p:sp>
-        <p:nvSpPr>
-          <p:cNvPr id="6" name="Title 1"/>
-          <p:cNvSpPr>
-            <a:spLocks noGrp="1"/>
-          </p:cNvSpPr>
-          <p:nvPr>
-            <p:ph type="title"/>
-          </p:nvPr>
-        </p:nvSpPr>
-        <p:spPr>
-          <a:xfrm>
-            <a:off x="457200" y="205980"/>
-            <a:ext cx="8229600" cy="857251"/>
-          </a:xfrm>
-        </p:spPr>
-        <p:txBody>
-          <a:bodyPr>
-            <a:normAutofit/>
-          </a:bodyPr>
-          <a:lstStyle/>
-          <a:p>
-            <a:r>
-              <a:rPr lang="pt-BR" b="1" dirty="0">
-                <a:solidFill>
-                  <a:srgbClr val="0070C0"/>
-                </a:solidFill>
-              </a:rPr>
-              <a:t>Protocolos de Rede para IOT</a:t>
-            </a:r>
-            <a:endParaRPr lang="en-US" b="1" dirty="0">
-              <a:solidFill>
-                <a:srgbClr val="0070C0"/>
-              </a:solidFill>
-            </a:endParaRPr>
-          </a:p>
-        </p:txBody>
-      </p:sp>
-      <p:sp>
-        <p:nvSpPr>
-          <p:cNvPr id="8" name="Text Placeholder 2"/>
-          <p:cNvSpPr>
-            <a:spLocks noGrp="1"/>
-          </p:cNvSpPr>
-          <p:nvPr>
-            <p:ph type="body" sz="half" idx="1"/>
-          </p:nvPr>
-        </p:nvSpPr>
-        <p:spPr>
-          <a:xfrm>
-            <a:off x="142865" y="1200150"/>
-            <a:ext cx="8865056" cy="3737370"/>
-          </a:xfrm>
-        </p:spPr>
-        <p:txBody>
-          <a:bodyPr>
-            <a:noAutofit/>
-          </a:bodyPr>
-          <a:lstStyle/>
-          <a:p>
-            <a:pPr marL="0" indent="0" algn="just">
-              <a:buNone/>
-            </a:pPr>
-            <a:r>
-              <a:rPr lang="pt-BR" sz="1400" dirty="0"/>
-              <a:t>ETAPAS</a:t>
-            </a:r>
-            <a:endParaRPr lang="pt-BR" sz="2000" dirty="0">
-              <a:solidFill>
-                <a:schemeClr val="tx1"/>
-              </a:solidFill>
-              <a:latin typeface="Times New Roman" panose="02020603050405020304" pitchFamily="18" charset="0"/>
-              <a:cs typeface="Times New Roman" panose="02020603050405020304" pitchFamily="18" charset="0"/>
-            </a:endParaRPr>
-          </a:p>
-        </p:txBody>
-      </p:sp>
-    </p:spTree>
-    <p:extLst>
-      <p:ext uri="{BB962C8B-B14F-4D97-AF65-F5344CB8AC3E}">
-        <p14:creationId xmlns:p14="http://schemas.microsoft.com/office/powerpoint/2010/main" val="1754424786"/>
-      </p:ext>
-    </p:extLst>
-  </p:cSld>
-  <p:clrMapOvr>
-    <a:masterClrMapping/>
-  </p:clrMapOvr>
-  <p:transition spd="med"/>
-</p:sld>
-</file>
-
-<file path=ppt/slides/slide5.xml><?xml version="1.0" encoding="utf-8"?>
-<p:sld xmlns:a="http://schemas.openxmlformats.org/drawingml/2006/main" xmlns:r="http://schemas.openxmlformats.org/officeDocument/2006/relationships" xmlns:p="http://schemas.openxmlformats.org/presentationml/2006/main">
-  <p:cSld>
-    <p:spTree>
-      <p:nvGrpSpPr>
-        <p:cNvPr id="1" name=""/>
-        <p:cNvGrpSpPr/>
-        <p:nvPr/>
-      </p:nvGrpSpPr>
-      <p:grpSpPr>
-        <a:xfrm>
-          <a:off x="0" y="0"/>
-          <a:ext cx="0" cy="0"/>
-          <a:chOff x="0" y="0"/>
-          <a:chExt cx="0" cy="0"/>
-        </a:xfrm>
-      </p:grpSpPr>
-      <p:sp>
-        <p:nvSpPr>
-          <p:cNvPr id="6" name="Title 1"/>
-          <p:cNvSpPr>
-            <a:spLocks noGrp="1"/>
-          </p:cNvSpPr>
-          <p:nvPr>
-            <p:ph type="title"/>
-          </p:nvPr>
-        </p:nvSpPr>
-        <p:spPr>
-          <a:xfrm>
-            <a:off x="457200" y="205980"/>
-            <a:ext cx="8229600" cy="857251"/>
-          </a:xfrm>
-        </p:spPr>
-        <p:txBody>
-          <a:bodyPr>
-            <a:normAutofit/>
-          </a:bodyPr>
-          <a:lstStyle/>
-          <a:p>
-            <a:r>
-              <a:rPr lang="en-US" b="1" dirty="0" err="1">
-                <a:solidFill>
-                  <a:srgbClr val="0070C0"/>
-                </a:solidFill>
-              </a:rPr>
-              <a:t>Leitura</a:t>
-            </a:r>
-            <a:r>
-              <a:rPr lang="en-US" b="1" dirty="0">
-                <a:solidFill>
-                  <a:srgbClr val="0070C0"/>
-                </a:solidFill>
-              </a:rPr>
-              <a:t> </a:t>
-            </a:r>
-            <a:r>
-              <a:rPr lang="en-US" b="1" dirty="0" err="1">
-                <a:solidFill>
-                  <a:srgbClr val="0070C0"/>
-                </a:solidFill>
-              </a:rPr>
-              <a:t>Específica</a:t>
-            </a:r>
-            <a:endParaRPr lang="en-US" b="1" dirty="0">
-              <a:solidFill>
-                <a:srgbClr val="0070C0"/>
-              </a:solidFill>
-            </a:endParaRPr>
-          </a:p>
-        </p:txBody>
-      </p:sp>
-      <p:sp>
-        <p:nvSpPr>
-          <p:cNvPr id="8" name="Text Placeholder 2"/>
-          <p:cNvSpPr>
-            <a:spLocks noGrp="1"/>
-          </p:cNvSpPr>
-          <p:nvPr>
-            <p:ph type="body" sz="half" idx="1"/>
-          </p:nvPr>
-        </p:nvSpPr>
-        <p:spPr>
-          <a:xfrm>
-            <a:off x="142865" y="1200151"/>
-            <a:ext cx="8865056" cy="3394472"/>
-          </a:xfrm>
-        </p:spPr>
-        <p:txBody>
-          <a:bodyPr>
-            <a:noAutofit/>
-          </a:bodyPr>
-          <a:lstStyle/>
-          <a:p>
-            <a:pPr marL="0" indent="0" algn="just">
-              <a:buNone/>
-            </a:pPr>
-            <a:r>
-              <a:rPr lang="pt-BR" sz="2400" dirty="0">
-                <a:latin typeface="Times New Roman" panose="02020603050405020304" pitchFamily="18" charset="0"/>
-                <a:cs typeface="Times New Roman" panose="02020603050405020304" pitchFamily="18" charset="0"/>
-              </a:rPr>
-              <a:t>[1] Plataformas de Middleware para IOT em Python.</a:t>
-            </a:r>
-          </a:p>
-          <a:p>
-            <a:pPr marL="0" indent="0" algn="just">
-              <a:buNone/>
-            </a:pPr>
-            <a:r>
-              <a:rPr lang="pt-BR" sz="2400" b="1" dirty="0">
-                <a:solidFill>
-                  <a:srgbClr val="FF0000"/>
-                </a:solidFill>
-                <a:latin typeface="Times New Roman" panose="02020603050405020304" pitchFamily="18" charset="0"/>
-                <a:cs typeface="Times New Roman" panose="02020603050405020304" pitchFamily="18" charset="0"/>
-              </a:rPr>
-              <a:t>Disponível em: </a:t>
-            </a:r>
-            <a:r>
-              <a:rPr lang="pt-BR" sz="2400" dirty="0">
-                <a:latin typeface="Times New Roman" panose="02020603050405020304" pitchFamily="18" charset="0"/>
-                <a:cs typeface="Times New Roman" panose="02020603050405020304" pitchFamily="18" charset="0"/>
-                <a:hlinkClick r:id="rId3"/>
-              </a:rPr>
-              <a:t>https://</a:t>
-            </a:r>
-            <a:endParaRPr lang="pt-BR" sz="2400" dirty="0">
-              <a:latin typeface="Times New Roman" panose="02020603050405020304" pitchFamily="18" charset="0"/>
-              <a:cs typeface="Times New Roman" panose="02020603050405020304" pitchFamily="18" charset="0"/>
-            </a:endParaRPr>
-          </a:p>
-          <a:p>
-            <a:pPr marL="0" indent="0" algn="just">
-              <a:buNone/>
-            </a:pPr>
-            <a:endParaRPr lang="pt-BR" sz="2400" dirty="0">
-              <a:latin typeface="Times New Roman" panose="02020603050405020304" pitchFamily="18" charset="0"/>
-              <a:cs typeface="Times New Roman" panose="02020603050405020304" pitchFamily="18" charset="0"/>
-            </a:endParaRPr>
-          </a:p>
-          <a:p>
-            <a:pPr marL="0" indent="0" algn="just">
-              <a:buNone/>
-            </a:pPr>
-            <a:r>
-              <a:rPr lang="pt-BR" sz="2400" dirty="0">
-                <a:latin typeface="Times New Roman" panose="02020603050405020304" pitchFamily="18" charset="0"/>
-                <a:cs typeface="Times New Roman" panose="02020603050405020304" pitchFamily="18" charset="0"/>
-              </a:rPr>
-              <a:t>[2] Protocolos de Rede para IOT em Python. </a:t>
-            </a:r>
-          </a:p>
-          <a:p>
-            <a:pPr marL="0" indent="0" algn="just">
-              <a:buNone/>
-            </a:pPr>
-            <a:r>
-              <a:rPr lang="pt-BR" sz="2400" b="1" dirty="0">
-                <a:solidFill>
-                  <a:srgbClr val="FF0000"/>
-                </a:solidFill>
-                <a:latin typeface="Times New Roman" panose="02020603050405020304" pitchFamily="18" charset="0"/>
-                <a:cs typeface="Times New Roman" panose="02020603050405020304" pitchFamily="18" charset="0"/>
-              </a:rPr>
-              <a:t>Disponível em: </a:t>
-            </a:r>
-            <a:r>
-              <a:rPr lang="pt-BR" sz="2400" dirty="0">
-                <a:latin typeface="Times New Roman" panose="02020603050405020304" pitchFamily="18" charset="0"/>
-                <a:cs typeface="Times New Roman" panose="02020603050405020304" pitchFamily="18" charset="0"/>
-                <a:hlinkClick r:id="rId4"/>
-              </a:rPr>
-              <a:t>https:</a:t>
-            </a:r>
-            <a:r>
-              <a:rPr lang="pt-BR" sz="2400" dirty="0">
-                <a:latin typeface="Times New Roman" panose="02020603050405020304" pitchFamily="18" charset="0"/>
-                <a:cs typeface="Times New Roman" panose="02020603050405020304" pitchFamily="18" charset="0"/>
-              </a:rPr>
-              <a:t>//</a:t>
-            </a:r>
-          </a:p>
-          <a:p>
-            <a:pPr marL="0" indent="0" algn="just">
-              <a:buNone/>
-            </a:pPr>
-            <a:endParaRPr lang="pt-BR" sz="2400" dirty="0">
-              <a:latin typeface="Times New Roman" panose="02020603050405020304" pitchFamily="18" charset="0"/>
-              <a:cs typeface="Times New Roman" panose="02020603050405020304" pitchFamily="18" charset="0"/>
-            </a:endParaRPr>
-          </a:p>
-          <a:p>
-            <a:pPr marL="0" indent="0" algn="just">
-              <a:buNone/>
-            </a:pPr>
-            <a:endParaRPr lang="pt-BR" sz="2400" dirty="0">
-              <a:latin typeface="Times New Roman" panose="02020603050405020304" pitchFamily="18" charset="0"/>
-              <a:cs typeface="Times New Roman" panose="02020603050405020304" pitchFamily="18" charset="0"/>
-            </a:endParaRPr>
-          </a:p>
-          <a:p>
-            <a:pPr marL="0" indent="0" algn="just">
-              <a:buNone/>
-            </a:pPr>
-            <a:endParaRPr lang="pt-BR" sz="2400" dirty="0">
-              <a:latin typeface="Times New Roman" panose="02020603050405020304" pitchFamily="18" charset="0"/>
-              <a:cs typeface="Times New Roman" panose="02020603050405020304" pitchFamily="18" charset="0"/>
-            </a:endParaRPr>
-          </a:p>
-          <a:p>
-            <a:pPr marL="0" indent="0" algn="just">
-              <a:buNone/>
-            </a:pPr>
-            <a:endParaRPr lang="pt-BR" sz="2400" dirty="0">
-              <a:latin typeface="Calibri" panose="020F0502020204030204" pitchFamily="34" charset="0"/>
-            </a:endParaRPr>
-          </a:p>
-        </p:txBody>
-      </p:sp>
-    </p:spTree>
-    <p:extLst>
-      <p:ext uri="{BB962C8B-B14F-4D97-AF65-F5344CB8AC3E}">
-        <p14:creationId xmlns:p14="http://schemas.microsoft.com/office/powerpoint/2010/main" val="3680270425"/>
-      </p:ext>
-    </p:extLst>
-  </p:cSld>
-  <p:clrMapOvr>
-    <a:masterClrMapping/>
-  </p:clrMapOvr>
-  <p:transition spd="med"/>
-</p:sld>
-</file>
-
-<file path=ppt/slides/slide6.xml><?xml version="1.0" encoding="utf-8"?>
-<p:sld xmlns:a="http://schemas.openxmlformats.org/drawingml/2006/main" xmlns:r="http://schemas.openxmlformats.org/officeDocument/2006/relationships" xmlns:p="http://schemas.openxmlformats.org/presentationml/2006/main">
-  <p:cSld>
-    <p:spTree>
-      <p:nvGrpSpPr>
-        <p:cNvPr id="1" name=""/>
-        <p:cNvGrpSpPr/>
-        <p:nvPr/>
-      </p:nvGrpSpPr>
-      <p:grpSpPr>
-        <a:xfrm>
-          <a:off x="0" y="0"/>
-          <a:ext cx="0" cy="0"/>
-          <a:chOff x="0" y="0"/>
-          <a:chExt cx="0" cy="0"/>
-        </a:xfrm>
-      </p:grpSpPr>
-      <p:sp>
-        <p:nvSpPr>
-          <p:cNvPr id="6" name="Title 1"/>
-          <p:cNvSpPr>
-            <a:spLocks noGrp="1"/>
-          </p:cNvSpPr>
-          <p:nvPr>
-            <p:ph type="title"/>
-          </p:nvPr>
-        </p:nvSpPr>
-        <p:spPr>
-          <a:xfrm>
-            <a:off x="457200" y="205980"/>
-            <a:ext cx="8229600" cy="857251"/>
-          </a:xfrm>
-        </p:spPr>
-        <p:txBody>
-          <a:bodyPr>
-            <a:normAutofit/>
-          </a:bodyPr>
-          <a:lstStyle/>
-          <a:p>
-            <a:r>
-              <a:rPr lang="en-US" b="1" dirty="0" err="1">
-                <a:solidFill>
-                  <a:srgbClr val="0070C0"/>
-                </a:solidFill>
-              </a:rPr>
-              <a:t>Aprenda</a:t>
-            </a:r>
-            <a:r>
-              <a:rPr lang="en-US" b="1" dirty="0">
-                <a:solidFill>
-                  <a:srgbClr val="0070C0"/>
-                </a:solidFill>
-              </a:rPr>
-              <a:t>+</a:t>
-            </a:r>
-          </a:p>
-        </p:txBody>
-      </p:sp>
-      <p:sp>
-        <p:nvSpPr>
-          <p:cNvPr id="8" name="Text Placeholder 2"/>
-          <p:cNvSpPr>
-            <a:spLocks noGrp="1"/>
-          </p:cNvSpPr>
-          <p:nvPr>
-            <p:ph type="body" sz="half" idx="1"/>
-          </p:nvPr>
-        </p:nvSpPr>
-        <p:spPr>
-          <a:xfrm>
-            <a:off x="142865" y="1200150"/>
-            <a:ext cx="8865056" cy="3737370"/>
-          </a:xfrm>
-        </p:spPr>
-        <p:txBody>
-          <a:bodyPr>
-            <a:noAutofit/>
-          </a:bodyPr>
-          <a:lstStyle/>
-          <a:p>
-            <a:pPr marL="0" indent="0" algn="just">
-              <a:buNone/>
-            </a:pPr>
-            <a:r>
-              <a:rPr lang="pt-BR" sz="2400" dirty="0">
-                <a:latin typeface="Times New Roman" panose="02020603050405020304" pitchFamily="18" charset="0"/>
-                <a:cs typeface="Times New Roman" panose="02020603050405020304" pitchFamily="18" charset="0"/>
-              </a:rPr>
-              <a:t>[1] Plataformas de Middleware para IOT em Python.</a:t>
-            </a:r>
-          </a:p>
-          <a:p>
-            <a:pPr marL="0" indent="0" algn="just">
-              <a:buNone/>
-            </a:pPr>
-            <a:r>
-              <a:rPr lang="pt-BR" sz="2400" b="1" dirty="0">
-                <a:solidFill>
-                  <a:srgbClr val="FF0000"/>
-                </a:solidFill>
-                <a:latin typeface="Times New Roman" panose="02020603050405020304" pitchFamily="18" charset="0"/>
-                <a:cs typeface="Times New Roman" panose="02020603050405020304" pitchFamily="18" charset="0"/>
-              </a:rPr>
-              <a:t>Disponível em: </a:t>
-            </a:r>
-            <a:r>
-              <a:rPr lang="pt-BR" sz="2400" dirty="0">
-                <a:latin typeface="Times New Roman" panose="02020603050405020304" pitchFamily="18" charset="0"/>
-                <a:cs typeface="Times New Roman" panose="02020603050405020304" pitchFamily="18" charset="0"/>
-                <a:hlinkClick r:id="rId3"/>
-              </a:rPr>
-              <a:t>https://</a:t>
-            </a:r>
-            <a:endParaRPr lang="pt-BR" sz="2400" dirty="0">
-              <a:latin typeface="Times New Roman" panose="02020603050405020304" pitchFamily="18" charset="0"/>
-              <a:cs typeface="Times New Roman" panose="02020603050405020304" pitchFamily="18" charset="0"/>
-            </a:endParaRPr>
-          </a:p>
-          <a:p>
-            <a:pPr marL="0" indent="0" algn="just">
-              <a:buNone/>
-            </a:pPr>
-            <a:endParaRPr lang="pt-BR" sz="2400" dirty="0">
-              <a:latin typeface="Times New Roman" panose="02020603050405020304" pitchFamily="18" charset="0"/>
-              <a:cs typeface="Times New Roman" panose="02020603050405020304" pitchFamily="18" charset="0"/>
-            </a:endParaRPr>
-          </a:p>
-          <a:p>
-            <a:pPr marL="0" indent="0" algn="just">
-              <a:buNone/>
-            </a:pPr>
-            <a:r>
-              <a:rPr lang="pt-BR" sz="2400" dirty="0">
-                <a:latin typeface="Times New Roman" panose="02020603050405020304" pitchFamily="18" charset="0"/>
-                <a:cs typeface="Times New Roman" panose="02020603050405020304" pitchFamily="18" charset="0"/>
-              </a:rPr>
-              <a:t>[2</a:t>
-            </a:r>
-            <a:r>
-              <a:rPr lang="pt-BR" sz="2400">
-                <a:latin typeface="Times New Roman" panose="02020603050405020304" pitchFamily="18" charset="0"/>
-                <a:cs typeface="Times New Roman" panose="02020603050405020304" pitchFamily="18" charset="0"/>
-              </a:rPr>
-              <a:t>] Protocolos de Rede para IOT em Python. </a:t>
-            </a:r>
-            <a:endParaRPr lang="pt-BR" sz="2400" dirty="0">
-              <a:latin typeface="Times New Roman" panose="02020603050405020304" pitchFamily="18" charset="0"/>
-              <a:cs typeface="Times New Roman" panose="02020603050405020304" pitchFamily="18" charset="0"/>
-            </a:endParaRPr>
-          </a:p>
-          <a:p>
-            <a:pPr marL="0" indent="0" algn="just">
-              <a:buNone/>
-            </a:pPr>
-            <a:r>
-              <a:rPr lang="pt-BR" sz="2400" b="1" dirty="0">
-                <a:solidFill>
-                  <a:srgbClr val="FF0000"/>
-                </a:solidFill>
-                <a:latin typeface="Times New Roman" panose="02020603050405020304" pitchFamily="18" charset="0"/>
-                <a:cs typeface="Times New Roman" panose="02020603050405020304" pitchFamily="18" charset="0"/>
-              </a:rPr>
-              <a:t>Disponível em: </a:t>
-            </a:r>
-            <a:r>
-              <a:rPr lang="pt-BR" sz="2400" dirty="0">
-                <a:latin typeface="Times New Roman" panose="02020603050405020304" pitchFamily="18" charset="0"/>
-                <a:cs typeface="Times New Roman" panose="02020603050405020304" pitchFamily="18" charset="0"/>
-                <a:hlinkClick r:id="rId4"/>
-              </a:rPr>
-              <a:t>https://</a:t>
-            </a:r>
-            <a:endParaRPr lang="pt-BR" sz="2400" dirty="0">
-              <a:latin typeface="Times New Roman" panose="02020603050405020304" pitchFamily="18" charset="0"/>
-              <a:cs typeface="Times New Roman" panose="02020603050405020304" pitchFamily="18" charset="0"/>
-            </a:endParaRPr>
-          </a:p>
-          <a:p>
-            <a:pPr marL="0" indent="0" algn="just">
-              <a:buNone/>
-            </a:pPr>
-            <a:endParaRPr lang="pt-BR" sz="2400" dirty="0">
-              <a:latin typeface="Times New Roman" panose="02020603050405020304" pitchFamily="18" charset="0"/>
-              <a:cs typeface="Times New Roman" panose="02020603050405020304" pitchFamily="18" charset="0"/>
-            </a:endParaRPr>
-          </a:p>
-        </p:txBody>
-      </p:sp>
-    </p:spTree>
-    <p:extLst>
-      <p:ext uri="{BB962C8B-B14F-4D97-AF65-F5344CB8AC3E}">
-        <p14:creationId xmlns:p14="http://schemas.microsoft.com/office/powerpoint/2010/main" val="2747596967"/>
-      </p:ext>
-    </p:extLst>
-  </p:cSld>
-  <p:clrMapOvr>
-    <a:masterClrMapping/>
-  </p:clrMapOvr>
-  <p:transition spd="med"/>
-</p:sld>
-</file>
-
-<file path=ppt/slides/slide7.xml><?xml version="1.0" encoding="utf-8"?>
-<p:sld xmlns:a="http://schemas.openxmlformats.org/drawingml/2006/main" xmlns:r="http://schemas.openxmlformats.org/officeDocument/2006/relationships" xmlns:p="http://schemas.openxmlformats.org/presentationml/2006/main">
-  <p:cSld>
-    <p:spTree>
-      <p:nvGrpSpPr>
-        <p:cNvPr id="1" name=""/>
-        <p:cNvGrpSpPr/>
-        <p:nvPr/>
-      </p:nvGrpSpPr>
-      <p:grpSpPr>
-        <a:xfrm>
-          <a:off x="0" y="0"/>
-          <a:ext cx="0" cy="0"/>
-          <a:chOff x="0" y="0"/>
-          <a:chExt cx="0" cy="0"/>
-        </a:xfrm>
-      </p:grpSpPr>
-      <p:sp>
-        <p:nvSpPr>
-          <p:cNvPr id="6" name="Title 1"/>
-          <p:cNvSpPr>
-            <a:spLocks noGrp="1"/>
-          </p:cNvSpPr>
-          <p:nvPr>
-            <p:ph type="title"/>
-          </p:nvPr>
-        </p:nvSpPr>
-        <p:spPr>
-          <a:xfrm>
-            <a:off x="457200" y="205980"/>
-            <a:ext cx="8229600" cy="857251"/>
-          </a:xfrm>
-        </p:spPr>
-        <p:txBody>
-          <a:bodyPr>
-            <a:normAutofit/>
-          </a:bodyPr>
-          <a:lstStyle/>
-          <a:p>
-            <a:r>
-              <a:rPr lang="en-US" b="1" dirty="0" err="1">
-                <a:solidFill>
-                  <a:srgbClr val="0070C0"/>
-                </a:solidFill>
-              </a:rPr>
-              <a:t>Dinâmica</a:t>
-            </a:r>
-            <a:r>
-              <a:rPr lang="en-US" b="1" dirty="0">
-                <a:solidFill>
-                  <a:srgbClr val="0070C0"/>
-                </a:solidFill>
-              </a:rPr>
-              <a:t>/</a:t>
-            </a:r>
-            <a:r>
-              <a:rPr lang="en-US" b="1" dirty="0" err="1">
-                <a:solidFill>
-                  <a:srgbClr val="0070C0"/>
-                </a:solidFill>
-              </a:rPr>
-              <a:t>Atividades</a:t>
-            </a:r>
-            <a:endParaRPr lang="en-US" b="1" dirty="0">
-              <a:solidFill>
-                <a:srgbClr val="0070C0"/>
-              </a:solidFill>
-            </a:endParaRPr>
-          </a:p>
-        </p:txBody>
-      </p:sp>
-      <p:sp>
-        <p:nvSpPr>
-          <p:cNvPr id="8" name="Text Placeholder 2"/>
-          <p:cNvSpPr>
-            <a:spLocks noGrp="1"/>
-          </p:cNvSpPr>
-          <p:nvPr>
-            <p:ph type="body" sz="half" idx="1"/>
-          </p:nvPr>
-        </p:nvSpPr>
-        <p:spPr>
-          <a:xfrm>
-            <a:off x="139472" y="1063230"/>
-            <a:ext cx="8865056" cy="3606305"/>
-          </a:xfrm>
-        </p:spPr>
-        <p:txBody>
-          <a:bodyPr>
-            <a:noAutofit/>
-          </a:bodyPr>
-          <a:lstStyle/>
-          <a:p>
-            <a:pPr marL="0" indent="0" algn="just">
-              <a:buNone/>
-            </a:pPr>
-            <a:r>
-              <a:rPr lang="pt-BR" sz="2400" dirty="0">
-                <a:latin typeface="Times New Roman" panose="02020603050405020304" pitchFamily="18" charset="0"/>
-                <a:cs typeface="Times New Roman" panose="02020603050405020304" pitchFamily="18" charset="0"/>
-              </a:rPr>
-              <a:t>Exercícios (Atividade Verificadora de Aprendizagem)</a:t>
-            </a:r>
-          </a:p>
-          <a:p>
-            <a:pPr marL="0" indent="0" algn="just">
-              <a:buNone/>
-            </a:pPr>
-            <a:r>
-              <a:rPr lang="pt-BR" sz="2400" dirty="0">
-                <a:latin typeface="Times New Roman" panose="02020603050405020304" pitchFamily="18" charset="0"/>
-                <a:cs typeface="Times New Roman" panose="02020603050405020304" pitchFamily="18" charset="0"/>
-              </a:rPr>
-              <a:t> 	</a:t>
-            </a:r>
-          </a:p>
-          <a:p>
-            <a:pPr marL="0" indent="0" algn="just">
-              <a:buNone/>
-            </a:pPr>
-            <a:r>
-              <a:rPr lang="pt-BR" sz="2400" dirty="0">
-                <a:latin typeface="Times New Roman" panose="02020603050405020304" pitchFamily="18" charset="0"/>
-                <a:cs typeface="Times New Roman" panose="02020603050405020304" pitchFamily="18" charset="0"/>
-              </a:rPr>
-              <a:t>-- Plataforma </a:t>
-            </a:r>
-            <a:r>
-              <a:rPr lang="pt-BR" sz="2400" dirty="0" err="1">
-                <a:latin typeface="Times New Roman" panose="02020603050405020304" pitchFamily="18" charset="0"/>
-                <a:cs typeface="Times New Roman" panose="02020603050405020304" pitchFamily="18" charset="0"/>
-              </a:rPr>
-              <a:t>Netlify</a:t>
-            </a:r>
-            <a:r>
-              <a:rPr lang="pt-BR" sz="2400" dirty="0">
-                <a:latin typeface="Times New Roman" panose="02020603050405020304" pitchFamily="18" charset="0"/>
-                <a:cs typeface="Times New Roman" panose="02020603050405020304" pitchFamily="18" charset="0"/>
-              </a:rPr>
-              <a:t> + Integrada com o </a:t>
-            </a:r>
-            <a:r>
-              <a:rPr lang="pt-BR" sz="2400" dirty="0" err="1">
-                <a:latin typeface="Times New Roman" panose="02020603050405020304" pitchFamily="18" charset="0"/>
-                <a:cs typeface="Times New Roman" panose="02020603050405020304" pitchFamily="18" charset="0"/>
-              </a:rPr>
-              <a:t>Github</a:t>
-            </a:r>
-            <a:r>
-              <a:rPr lang="pt-BR" sz="2400" dirty="0">
-                <a:latin typeface="Times New Roman" panose="02020603050405020304" pitchFamily="18" charset="0"/>
-                <a:cs typeface="Times New Roman" panose="02020603050405020304" pitchFamily="18" charset="0"/>
-              </a:rPr>
-              <a:t>/</a:t>
-            </a:r>
-            <a:r>
-              <a:rPr lang="pt-BR" sz="2400" dirty="0" err="1">
-                <a:latin typeface="Times New Roman" panose="02020603050405020304" pitchFamily="18" charset="0"/>
-                <a:cs typeface="Times New Roman" panose="02020603050405020304" pitchFamily="18" charset="0"/>
-              </a:rPr>
-              <a:t>Git</a:t>
-            </a:r>
-            <a:endParaRPr lang="pt-BR" sz="2400" dirty="0">
-              <a:latin typeface="Times New Roman" panose="02020603050405020304" pitchFamily="18" charset="0"/>
-              <a:cs typeface="Times New Roman" panose="02020603050405020304" pitchFamily="18" charset="0"/>
-            </a:endParaRPr>
-          </a:p>
-          <a:p>
-            <a:pPr marL="0" indent="0" algn="just">
-              <a:buNone/>
-            </a:pPr>
-            <a:r>
-              <a:rPr lang="pt-BR" sz="2400" dirty="0">
-                <a:latin typeface="Times New Roman" panose="02020603050405020304" pitchFamily="18" charset="0"/>
-                <a:cs typeface="Times New Roman" panose="02020603050405020304" pitchFamily="18" charset="0"/>
-              </a:rPr>
-              <a:t>https://github.com/</a:t>
-            </a:r>
-          </a:p>
-          <a:p>
-            <a:pPr marL="0" indent="0" algn="just">
-              <a:buNone/>
-            </a:pPr>
-            <a:r>
-              <a:rPr lang="pt-BR" sz="2400" dirty="0">
-                <a:latin typeface="Times New Roman" panose="02020603050405020304" pitchFamily="18" charset="0"/>
-                <a:cs typeface="Times New Roman" panose="02020603050405020304" pitchFamily="18" charset="0"/>
-              </a:rPr>
-              <a:t>https://git-scm.com/downloads</a:t>
-            </a:r>
-          </a:p>
-          <a:p>
-            <a:pPr marL="0" indent="0" algn="just">
-              <a:buNone/>
-            </a:pPr>
-            <a:r>
-              <a:rPr lang="pt-BR" sz="2400" dirty="0">
-                <a:latin typeface="Times New Roman" panose="02020603050405020304" pitchFamily="18" charset="0"/>
-                <a:cs typeface="Times New Roman" panose="02020603050405020304" pitchFamily="18" charset="0"/>
-              </a:rPr>
-              <a:t>https://www.netlify.com/</a:t>
-            </a:r>
-          </a:p>
-          <a:p>
-            <a:pPr marL="0" indent="0" algn="just">
-              <a:buNone/>
-            </a:pPr>
-            <a:endParaRPr lang="pt-BR" sz="2400" dirty="0">
-              <a:latin typeface="Times New Roman" panose="02020603050405020304" pitchFamily="18" charset="0"/>
-              <a:cs typeface="Times New Roman" panose="02020603050405020304" pitchFamily="18" charset="0"/>
-            </a:endParaRPr>
-          </a:p>
-          <a:p>
-            <a:pPr marL="0" indent="0" algn="just">
-              <a:buNone/>
-            </a:pPr>
-            <a:r>
-              <a:rPr lang="pt-BR" sz="2400" dirty="0">
-                <a:latin typeface="Times New Roman" panose="02020603050405020304" pitchFamily="18" charset="0"/>
-                <a:cs typeface="Times New Roman" panose="02020603050405020304" pitchFamily="18" charset="0"/>
-              </a:rPr>
-              <a:t>Criar e </a:t>
-            </a:r>
-            <a:r>
-              <a:rPr lang="pt-BR" sz="2400" dirty="0" err="1">
-                <a:latin typeface="Times New Roman" panose="02020603050405020304" pitchFamily="18" charset="0"/>
-                <a:cs typeface="Times New Roman" panose="02020603050405020304" pitchFamily="18" charset="0"/>
-              </a:rPr>
-              <a:t>deploy</a:t>
-            </a:r>
-            <a:r>
-              <a:rPr lang="pt-BR" sz="2400" dirty="0">
-                <a:latin typeface="Times New Roman" panose="02020603050405020304" pitchFamily="18" charset="0"/>
-                <a:cs typeface="Times New Roman" panose="02020603050405020304" pitchFamily="18" charset="0"/>
-              </a:rPr>
-              <a:t> app teste</a:t>
-            </a:r>
-            <a:endParaRPr lang="pt-BR" sz="2400" dirty="0">
-              <a:latin typeface="Calibri" panose="020F0502020204030204" pitchFamily="34" charset="0"/>
-            </a:endParaRPr>
-          </a:p>
-        </p:txBody>
-      </p:sp>
-    </p:spTree>
-    <p:extLst>
-      <p:ext uri="{BB962C8B-B14F-4D97-AF65-F5344CB8AC3E}">
-        <p14:creationId xmlns:p14="http://schemas.microsoft.com/office/powerpoint/2010/main" val="1397642976"/>
-      </p:ext>
-    </p:extLst>
-  </p:cSld>
-  <p:clrMapOvr>
-    <a:masterClrMapping/>
-  </p:clrMapOvr>
-  <p:transition spd="med"/>
-</p:sld>
-</file>
-
-<file path=ppt/slides/slide8.xml><?xml version="1.0" encoding="utf-8"?>
-<p:sld xmlns:a="http://schemas.openxmlformats.org/drawingml/2006/main" xmlns:r="http://schemas.openxmlformats.org/officeDocument/2006/relationships" xmlns:p="http://schemas.openxmlformats.org/presentationml/2006/main">
-  <p:cSld>
-    <p:spTree>
-      <p:nvGrpSpPr>
-        <p:cNvPr id="1" name=""/>
-        <p:cNvGrpSpPr/>
-        <p:nvPr/>
-      </p:nvGrpSpPr>
-      <p:grpSpPr>
-        <a:xfrm>
-          <a:off x="0" y="0"/>
-          <a:ext cx="0" cy="0"/>
-          <a:chOff x="0" y="0"/>
-          <a:chExt cx="0" cy="0"/>
-        </a:xfrm>
-      </p:grpSpPr>
-      <p:sp>
-        <p:nvSpPr>
-          <p:cNvPr id="6" name="Title 1"/>
-          <p:cNvSpPr>
-            <a:spLocks noGrp="1"/>
-          </p:cNvSpPr>
-          <p:nvPr>
-            <p:ph type="title"/>
-          </p:nvPr>
-        </p:nvSpPr>
-        <p:spPr>
-          <a:xfrm>
-            <a:off x="457200" y="205980"/>
-            <a:ext cx="8229600" cy="857251"/>
-          </a:xfrm>
-        </p:spPr>
-        <p:txBody>
-          <a:bodyPr>
-            <a:normAutofit/>
-          </a:bodyPr>
-          <a:lstStyle/>
-          <a:p>
-            <a:r>
-              <a:rPr lang="en-US" b="1" dirty="0" err="1">
-                <a:solidFill>
-                  <a:srgbClr val="0070C0"/>
-                </a:solidFill>
-              </a:rPr>
-              <a:t>Referências</a:t>
-            </a:r>
-            <a:r>
-              <a:rPr lang="en-US" b="1" dirty="0">
-                <a:solidFill>
-                  <a:srgbClr val="0070C0"/>
-                </a:solidFill>
-              </a:rPr>
-              <a:t> </a:t>
-            </a:r>
-            <a:r>
-              <a:rPr lang="en-US" b="1" dirty="0" err="1">
-                <a:solidFill>
-                  <a:srgbClr val="0070C0"/>
-                </a:solidFill>
-              </a:rPr>
-              <a:t>Bibliográficas</a:t>
-            </a:r>
-            <a:endParaRPr lang="en-US" b="1" dirty="0">
-              <a:solidFill>
-                <a:srgbClr val="0070C0"/>
-              </a:solidFill>
-            </a:endParaRPr>
-          </a:p>
-        </p:txBody>
-      </p:sp>
-      <p:sp>
-        <p:nvSpPr>
-          <p:cNvPr id="8" name="Text Placeholder 2"/>
-          <p:cNvSpPr>
-            <a:spLocks noGrp="1"/>
-          </p:cNvSpPr>
-          <p:nvPr>
-            <p:ph type="body" sz="half" idx="1"/>
-          </p:nvPr>
-        </p:nvSpPr>
-        <p:spPr>
-          <a:xfrm>
-            <a:off x="142865" y="1200151"/>
-            <a:ext cx="8865056" cy="3394472"/>
-          </a:xfrm>
-        </p:spPr>
-        <p:txBody>
-          <a:bodyPr>
-            <a:noAutofit/>
-          </a:bodyPr>
-          <a:lstStyle/>
-          <a:p>
-            <a:pPr marL="0" indent="0" algn="just">
-              <a:buNone/>
-            </a:pPr>
-            <a:r>
-              <a:rPr lang="pt-BR" sz="2000" dirty="0">
-                <a:latin typeface="Times New Roman" panose="02020603050405020304" pitchFamily="18" charset="0"/>
-                <a:cs typeface="Times New Roman" panose="02020603050405020304" pitchFamily="18" charset="0"/>
-              </a:rPr>
-              <a:t>[1] .</a:t>
-            </a:r>
-          </a:p>
-          <a:p>
-            <a:pPr marL="0" indent="0" algn="just">
-              <a:buNone/>
-            </a:pPr>
-            <a:endParaRPr lang="pt-BR" sz="2000" dirty="0">
-              <a:latin typeface="Times New Roman" panose="02020603050405020304" pitchFamily="18" charset="0"/>
-              <a:cs typeface="Times New Roman" panose="02020603050405020304" pitchFamily="18" charset="0"/>
-            </a:endParaRPr>
-          </a:p>
-          <a:p>
-            <a:pPr marL="0" indent="0" algn="just">
-              <a:buNone/>
-            </a:pPr>
-            <a:r>
-              <a:rPr lang="pt-BR" sz="2000" dirty="0">
-                <a:latin typeface="Times New Roman" panose="02020603050405020304" pitchFamily="18" charset="0"/>
-                <a:cs typeface="Times New Roman" panose="02020603050405020304" pitchFamily="18" charset="0"/>
-              </a:rPr>
-              <a:t>[2] </a:t>
-            </a:r>
-            <a:r>
-              <a:rPr lang="pt-BR" sz="2000" dirty="0">
-                <a:latin typeface="Calibri" panose="020F0502020204030204" pitchFamily="34" charset="0"/>
-              </a:rPr>
-              <a:t>.</a:t>
-            </a:r>
-          </a:p>
-          <a:p>
-            <a:pPr marL="0" indent="0" algn="just">
-              <a:buNone/>
-            </a:pPr>
-            <a:endParaRPr lang="pt-BR" sz="2000" dirty="0">
-              <a:latin typeface="Calibri" panose="020F0502020204030204" pitchFamily="34" charset="0"/>
-            </a:endParaRPr>
-          </a:p>
-          <a:p>
-            <a:pPr marL="0" indent="0" algn="just">
-              <a:buNone/>
-            </a:pPr>
-            <a:r>
-              <a:rPr lang="pt-BR" sz="2000" dirty="0">
-                <a:latin typeface="Calibri" panose="020F0502020204030204" pitchFamily="34" charset="0"/>
-              </a:rPr>
-              <a:t>[3] .</a:t>
-            </a:r>
-          </a:p>
-        </p:txBody>
-      </p:sp>
-    </p:spTree>
-    <p:extLst>
-      <p:ext uri="{BB962C8B-B14F-4D97-AF65-F5344CB8AC3E}">
-        <p14:creationId xmlns:p14="http://schemas.microsoft.com/office/powerpoint/2010/main" val="1115311843"/>
-      </p:ext>
-    </p:extLst>
-  </p:cSld>
-  <p:clrMapOvr>
-    <a:masterClrMapping/>
-  </p:clrMapOvr>
-  <p:transition spd="med"/>
-</p:sld>
-</file>
-
-<file path=ppt/slides/slide9.xml><?xml version="1.0" encoding="utf-8"?>
+<file path=ppt/slides/slide2.xml><?xml version="1.0" encoding="utf-8"?>
 <p:sld xmlns:a="http://schemas.openxmlformats.org/drawingml/2006/main" xmlns:r="http://schemas.openxmlformats.org/officeDocument/2006/relationships" xmlns:p="http://schemas.openxmlformats.org/presentationml/2006/main">
   <p:cSld>
     <p:spTree>
@@ -5482,7 +4677,7 @@
           <p:nvPr/>
         </p:nvPicPr>
         <p:blipFill>
-          <a:blip r:embed="rId2"/>
+          <a:blip r:embed="rId3"/>
           <a:stretch>
             <a:fillRect/>
           </a:stretch>
@@ -5511,7 +4706,7 @@
           <p:nvPr/>
         </p:nvPicPr>
         <p:blipFill>
-          <a:blip r:embed="rId3"/>
+          <a:blip r:embed="rId4"/>
           <a:stretch>
             <a:fillRect/>
           </a:stretch>
@@ -5543,8 +4738,8 @@
         </p:nvSpPr>
         <p:spPr>
           <a:xfrm>
-            <a:off x="285751" y="2386770"/>
-            <a:ext cx="8615364" cy="1102519"/>
+            <a:off x="348258" y="2277667"/>
+            <a:ext cx="8681444" cy="1102519"/>
           </a:xfrm>
         </p:spPr>
         <p:txBody>
@@ -5553,13 +4748,44 @@
           </a:bodyPr>
           <a:lstStyle/>
           <a:p>
-            <a:r>
-              <a:rPr lang="pt-BR" sz="4800" b="1" dirty="0">
+            <a:pPr algn="l"/>
+            <a:br>
+              <a:rPr lang="pt-BR" b="1" dirty="0">
                 <a:solidFill>
                   <a:schemeClr val="bg1"/>
                 </a:solidFill>
               </a:rPr>
-              <a:t>Aplicação Cloud Indústria 40 Python</a:t>
+            </a:br>
+            <a:r>
+              <a:rPr lang="pt-BR" b="1" dirty="0">
+                <a:solidFill>
+                  <a:schemeClr val="bg1"/>
+                </a:solidFill>
+              </a:rPr>
+              <a:t>Aula 02</a:t>
+            </a:r>
+            <a:br>
+              <a:rPr lang="pt-BR" b="1" dirty="0">
+                <a:solidFill>
+                  <a:schemeClr val="bg1"/>
+                </a:solidFill>
+              </a:rPr>
+            </a:br>
+            <a:r>
+              <a:rPr lang="pt-BR" b="1" dirty="0">
+                <a:solidFill>
+                  <a:schemeClr val="bg1"/>
+                </a:solidFill>
+              </a:rPr>
+              <a:t>	</a:t>
+            </a:r>
+            <a:r>
+              <a:rPr lang="pt-BR" sz="3600" b="1" dirty="0">
+                <a:solidFill>
+                  <a:schemeClr val="bg1"/>
+                </a:solidFill>
+              </a:rPr>
+              <a:t>Plataformas Middleware,  Comunicação e Protocolos de Rede IOT</a:t>
             </a:r>
           </a:p>
         </p:txBody>
@@ -5851,12 +5077,12 @@
               <a:t>Professor </a:t>
             </a:r>
             <a:r>
-              <a:rPr lang="pt-BR" sz="2000" b="1">
+              <a:rPr lang="pt-BR" sz="2000" b="1" dirty="0" err="1">
                 <a:solidFill>
                   <a:schemeClr val="bg1"/>
                 </a:solidFill>
               </a:rPr>
-              <a:t>M.Sc</a:t>
+              <a:t>MSc</a:t>
             </a:r>
             <a:r>
               <a:rPr lang="pt-BR" sz="2000" b="1" dirty="0">
@@ -5871,10 +5097,10 @@
       </p:sp>
       <p:pic>
         <p:nvPicPr>
-          <p:cNvPr id="2" name="Google Shape;62;p1" descr="Imagem">
+          <p:cNvPr id="4" name="Google Shape;62;p1" descr="Imagem">
             <a:extLst>
               <a:ext uri="{FF2B5EF4-FFF2-40B4-BE49-F238E27FC236}">
-                <a16:creationId xmlns:a16="http://schemas.microsoft.com/office/drawing/2014/main" id="{9C895622-2963-024D-634E-EA58F5381D06}"/>
+                <a16:creationId xmlns:a16="http://schemas.microsoft.com/office/drawing/2014/main" id="{652F850C-6AD9-5CD4-839F-152858F13612}"/>
               </a:ext>
             </a:extLst>
           </p:cNvPr>
@@ -5882,7 +5108,7 @@
           <p:nvPr/>
         </p:nvPicPr>
         <p:blipFill rotWithShape="1">
-          <a:blip r:embed="rId4">
+          <a:blip r:embed="rId5">
             <a:alphaModFix/>
           </a:blip>
           <a:srcRect/>
@@ -5903,6 +5129,1299 @@
         </p:spPr>
       </p:pic>
     </p:spTree>
+  </p:cSld>
+  <p:clrMapOvr>
+    <a:masterClrMapping/>
+  </p:clrMapOvr>
+  <p:transition spd="med"/>
+</p:sld>
+</file>
+
+<file path=ppt/slides/slide3.xml><?xml version="1.0" encoding="utf-8"?>
+<p:sld xmlns:a="http://schemas.openxmlformats.org/drawingml/2006/main" xmlns:r="http://schemas.openxmlformats.org/officeDocument/2006/relationships" xmlns:p="http://schemas.openxmlformats.org/presentationml/2006/main">
+  <p:cSld>
+    <p:spTree>
+      <p:nvGrpSpPr>
+        <p:cNvPr id="1" name=""/>
+        <p:cNvGrpSpPr/>
+        <p:nvPr/>
+      </p:nvGrpSpPr>
+      <p:grpSpPr>
+        <a:xfrm>
+          <a:off x="0" y="0"/>
+          <a:ext cx="0" cy="0"/>
+          <a:chOff x="0" y="0"/>
+          <a:chExt cx="0" cy="0"/>
+        </a:xfrm>
+      </p:grpSpPr>
+      <p:sp>
+        <p:nvSpPr>
+          <p:cNvPr id="6" name="Title 1"/>
+          <p:cNvSpPr>
+            <a:spLocks noGrp="1"/>
+          </p:cNvSpPr>
+          <p:nvPr>
+            <p:ph type="title"/>
+          </p:nvPr>
+        </p:nvSpPr>
+        <p:spPr>
+          <a:xfrm>
+            <a:off x="457200" y="205980"/>
+            <a:ext cx="8229600" cy="857251"/>
+          </a:xfrm>
+        </p:spPr>
+        <p:txBody>
+          <a:bodyPr>
+            <a:normAutofit/>
+          </a:bodyPr>
+          <a:lstStyle/>
+          <a:p>
+            <a:r>
+              <a:rPr lang="pt-BR" b="1" dirty="0">
+                <a:solidFill>
+                  <a:srgbClr val="0070C0"/>
+                </a:solidFill>
+              </a:rPr>
+              <a:t>Plataformas Middleware</a:t>
+            </a:r>
+            <a:endParaRPr lang="en-US" b="1" dirty="0">
+              <a:solidFill>
+                <a:srgbClr val="0070C0"/>
+              </a:solidFill>
+            </a:endParaRPr>
+          </a:p>
+        </p:txBody>
+      </p:sp>
+      <p:sp>
+        <p:nvSpPr>
+          <p:cNvPr id="8" name="Text Placeholder 2"/>
+          <p:cNvSpPr>
+            <a:spLocks noGrp="1"/>
+          </p:cNvSpPr>
+          <p:nvPr>
+            <p:ph type="body" sz="half" idx="1"/>
+          </p:nvPr>
+        </p:nvSpPr>
+        <p:spPr>
+          <a:xfrm>
+            <a:off x="142865" y="1200150"/>
+            <a:ext cx="8865056" cy="3737370"/>
+          </a:xfrm>
+        </p:spPr>
+        <p:txBody>
+          <a:bodyPr>
+            <a:noAutofit/>
+          </a:bodyPr>
+          <a:lstStyle/>
+          <a:p>
+            <a:pPr marL="0" indent="0" algn="just">
+              <a:buNone/>
+            </a:pPr>
+            <a:r>
+              <a:rPr lang="pt-BR" sz="2000" dirty="0">
+                <a:latin typeface="Times New Roman" panose="02020603050405020304" pitchFamily="18" charset="0"/>
+                <a:cs typeface="Times New Roman" panose="02020603050405020304" pitchFamily="18" charset="0"/>
+              </a:rPr>
+              <a:t>Middleware</a:t>
+            </a:r>
+          </a:p>
+          <a:p>
+            <a:pPr marL="0" indent="0" algn="just">
+              <a:buNone/>
+            </a:pPr>
+            <a:endParaRPr lang="pt-BR" sz="2000" dirty="0">
+              <a:solidFill>
+                <a:schemeClr val="tx1"/>
+              </a:solidFill>
+              <a:latin typeface="Times New Roman" panose="02020603050405020304" pitchFamily="18" charset="0"/>
+              <a:cs typeface="Times New Roman" panose="02020603050405020304" pitchFamily="18" charset="0"/>
+            </a:endParaRPr>
+          </a:p>
+        </p:txBody>
+      </p:sp>
+    </p:spTree>
+    <p:extLst>
+      <p:ext uri="{BB962C8B-B14F-4D97-AF65-F5344CB8AC3E}">
+        <p14:creationId xmlns:p14="http://schemas.microsoft.com/office/powerpoint/2010/main" val="1263249216"/>
+      </p:ext>
+    </p:extLst>
+  </p:cSld>
+  <p:clrMapOvr>
+    <a:masterClrMapping/>
+  </p:clrMapOvr>
+  <p:transition spd="med"/>
+</p:sld>
+</file>
+
+<file path=ppt/slides/slide4.xml><?xml version="1.0" encoding="utf-8"?>
+<p:sld xmlns:a="http://schemas.openxmlformats.org/drawingml/2006/main" xmlns:r="http://schemas.openxmlformats.org/officeDocument/2006/relationships" xmlns:p="http://schemas.openxmlformats.org/presentationml/2006/main">
+  <p:cSld>
+    <p:spTree>
+      <p:nvGrpSpPr>
+        <p:cNvPr id="1" name=""/>
+        <p:cNvGrpSpPr/>
+        <p:nvPr/>
+      </p:nvGrpSpPr>
+      <p:grpSpPr>
+        <a:xfrm>
+          <a:off x="0" y="0"/>
+          <a:ext cx="0" cy="0"/>
+          <a:chOff x="0" y="0"/>
+          <a:chExt cx="0" cy="0"/>
+        </a:xfrm>
+      </p:grpSpPr>
+      <p:sp>
+        <p:nvSpPr>
+          <p:cNvPr id="6" name="Title 1"/>
+          <p:cNvSpPr>
+            <a:spLocks noGrp="1"/>
+          </p:cNvSpPr>
+          <p:nvPr>
+            <p:ph type="title"/>
+          </p:nvPr>
+        </p:nvSpPr>
+        <p:spPr>
+          <a:xfrm>
+            <a:off x="457200" y="205980"/>
+            <a:ext cx="8229600" cy="857251"/>
+          </a:xfrm>
+        </p:spPr>
+        <p:txBody>
+          <a:bodyPr>
+            <a:normAutofit/>
+          </a:bodyPr>
+          <a:lstStyle/>
+          <a:p>
+            <a:r>
+              <a:rPr lang="pt-BR" b="1" dirty="0">
+                <a:solidFill>
+                  <a:srgbClr val="0070C0"/>
+                </a:solidFill>
+              </a:rPr>
+              <a:t>Plataformas de Comunicação </a:t>
+            </a:r>
+            <a:r>
+              <a:rPr lang="pt-BR" b="1" dirty="0" err="1">
+                <a:solidFill>
+                  <a:srgbClr val="0070C0"/>
+                </a:solidFill>
+              </a:rPr>
+              <a:t>IoT</a:t>
+            </a:r>
+            <a:endParaRPr lang="en-US" b="1" dirty="0">
+              <a:solidFill>
+                <a:srgbClr val="0070C0"/>
+              </a:solidFill>
+            </a:endParaRPr>
+          </a:p>
+        </p:txBody>
+      </p:sp>
+      <p:sp>
+        <p:nvSpPr>
+          <p:cNvPr id="8" name="Text Placeholder 2"/>
+          <p:cNvSpPr>
+            <a:spLocks noGrp="1"/>
+          </p:cNvSpPr>
+          <p:nvPr>
+            <p:ph type="body" sz="half" idx="1"/>
+          </p:nvPr>
+        </p:nvSpPr>
+        <p:spPr>
+          <a:xfrm>
+            <a:off x="142865" y="1200150"/>
+            <a:ext cx="8865056" cy="3737370"/>
+          </a:xfrm>
+        </p:spPr>
+        <p:txBody>
+          <a:bodyPr>
+            <a:noAutofit/>
+          </a:bodyPr>
+          <a:lstStyle/>
+          <a:p>
+            <a:pPr marL="0" indent="0" algn="just">
+              <a:buNone/>
+            </a:pPr>
+            <a:r>
+              <a:rPr lang="pt-BR" sz="2000" dirty="0">
+                <a:latin typeface="Times New Roman" panose="02020603050405020304" pitchFamily="18" charset="0"/>
+                <a:cs typeface="Times New Roman" panose="02020603050405020304" pitchFamily="18" charset="0"/>
+              </a:rPr>
+              <a:t>Comunicação</a:t>
+            </a:r>
+            <a:endParaRPr lang="pt-BR" sz="2000" dirty="0">
+              <a:solidFill>
+                <a:schemeClr val="tx1"/>
+              </a:solidFill>
+              <a:latin typeface="Times New Roman" panose="02020603050405020304" pitchFamily="18" charset="0"/>
+              <a:cs typeface="Times New Roman" panose="02020603050405020304" pitchFamily="18" charset="0"/>
+            </a:endParaRPr>
+          </a:p>
+        </p:txBody>
+      </p:sp>
+    </p:spTree>
+    <p:extLst>
+      <p:ext uri="{BB962C8B-B14F-4D97-AF65-F5344CB8AC3E}">
+        <p14:creationId xmlns:p14="http://schemas.microsoft.com/office/powerpoint/2010/main" val="1362980025"/>
+      </p:ext>
+    </p:extLst>
+  </p:cSld>
+  <p:clrMapOvr>
+    <a:masterClrMapping/>
+  </p:clrMapOvr>
+  <p:transition spd="med"/>
+</p:sld>
+</file>
+
+<file path=ppt/slides/slide5.xml><?xml version="1.0" encoding="utf-8"?>
+<p:sld xmlns:a="http://schemas.openxmlformats.org/drawingml/2006/main" xmlns:r="http://schemas.openxmlformats.org/officeDocument/2006/relationships" xmlns:p="http://schemas.openxmlformats.org/presentationml/2006/main">
+  <p:cSld>
+    <p:spTree>
+      <p:nvGrpSpPr>
+        <p:cNvPr id="1" name=""/>
+        <p:cNvGrpSpPr/>
+        <p:nvPr/>
+      </p:nvGrpSpPr>
+      <p:grpSpPr>
+        <a:xfrm>
+          <a:off x="0" y="0"/>
+          <a:ext cx="0" cy="0"/>
+          <a:chOff x="0" y="0"/>
+          <a:chExt cx="0" cy="0"/>
+        </a:xfrm>
+      </p:grpSpPr>
+      <p:sp>
+        <p:nvSpPr>
+          <p:cNvPr id="6" name="Title 1"/>
+          <p:cNvSpPr>
+            <a:spLocks noGrp="1"/>
+          </p:cNvSpPr>
+          <p:nvPr>
+            <p:ph type="title"/>
+          </p:nvPr>
+        </p:nvSpPr>
+        <p:spPr>
+          <a:xfrm>
+            <a:off x="457200" y="205980"/>
+            <a:ext cx="8229600" cy="857251"/>
+          </a:xfrm>
+        </p:spPr>
+        <p:txBody>
+          <a:bodyPr>
+            <a:normAutofit/>
+          </a:bodyPr>
+          <a:lstStyle/>
+          <a:p>
+            <a:r>
+              <a:rPr lang="pt-BR" b="1" dirty="0">
+                <a:solidFill>
+                  <a:srgbClr val="0070C0"/>
+                </a:solidFill>
+              </a:rPr>
+              <a:t>Plataformas Middleware</a:t>
+            </a:r>
+            <a:endParaRPr lang="en-US" b="1" dirty="0">
+              <a:solidFill>
+                <a:srgbClr val="0070C0"/>
+              </a:solidFill>
+            </a:endParaRPr>
+          </a:p>
+        </p:txBody>
+      </p:sp>
+      <p:sp>
+        <p:nvSpPr>
+          <p:cNvPr id="8" name="Text Placeholder 2"/>
+          <p:cNvSpPr>
+            <a:spLocks noGrp="1"/>
+          </p:cNvSpPr>
+          <p:nvPr>
+            <p:ph type="body" sz="half" idx="1"/>
+          </p:nvPr>
+        </p:nvSpPr>
+        <p:spPr>
+          <a:xfrm>
+            <a:off x="142865" y="1200150"/>
+            <a:ext cx="8865056" cy="3737370"/>
+          </a:xfrm>
+        </p:spPr>
+        <p:txBody>
+          <a:bodyPr>
+            <a:noAutofit/>
+          </a:bodyPr>
+          <a:lstStyle/>
+          <a:p>
+            <a:pPr algn="just">
+              <a:buFont typeface="Wingdings" panose="05000000000000000000" pitchFamily="2" charset="2"/>
+              <a:buChar char="§"/>
+            </a:pPr>
+            <a:r>
+              <a:rPr lang="pt-BR" sz="2000" dirty="0">
+                <a:solidFill>
+                  <a:schemeClr val="tx1"/>
+                </a:solidFill>
+                <a:latin typeface="Times New Roman" panose="02020603050405020304" pitchFamily="18" charset="0"/>
+                <a:cs typeface="Times New Roman" panose="02020603050405020304" pitchFamily="18" charset="0"/>
+              </a:rPr>
+              <a:t>XIVELY</a:t>
+            </a:r>
+          </a:p>
+          <a:p>
+            <a:pPr algn="just">
+              <a:buFont typeface="Wingdings" panose="05000000000000000000" pitchFamily="2" charset="2"/>
+              <a:buChar char="§"/>
+            </a:pPr>
+            <a:r>
+              <a:rPr lang="pt-BR" sz="2000" dirty="0">
+                <a:solidFill>
+                  <a:schemeClr val="tx1"/>
+                </a:solidFill>
+                <a:latin typeface="Times New Roman" panose="02020603050405020304" pitchFamily="18" charset="0"/>
+                <a:cs typeface="Times New Roman" panose="02020603050405020304" pitchFamily="18" charset="0"/>
+              </a:rPr>
+              <a:t>WSO2</a:t>
+            </a:r>
+          </a:p>
+          <a:p>
+            <a:pPr algn="just">
+              <a:buFont typeface="Wingdings" panose="05000000000000000000" pitchFamily="2" charset="2"/>
+              <a:buChar char="§"/>
+            </a:pPr>
+            <a:r>
+              <a:rPr lang="pt-BR" sz="2000" dirty="0">
+                <a:solidFill>
+                  <a:schemeClr val="tx1"/>
+                </a:solidFill>
+                <a:latin typeface="Times New Roman" panose="02020603050405020304" pitchFamily="18" charset="0"/>
+                <a:cs typeface="Times New Roman" panose="02020603050405020304" pitchFamily="18" charset="0"/>
+              </a:rPr>
+              <a:t>THINGSPEAK</a:t>
+            </a:r>
+          </a:p>
+          <a:p>
+            <a:pPr algn="just">
+              <a:buFont typeface="Wingdings" panose="05000000000000000000" pitchFamily="2" charset="2"/>
+              <a:buChar char="§"/>
+            </a:pPr>
+            <a:r>
+              <a:rPr lang="pt-BR" sz="2000" dirty="0">
+                <a:solidFill>
+                  <a:schemeClr val="tx1"/>
+                </a:solidFill>
+                <a:latin typeface="Times New Roman" panose="02020603050405020304" pitchFamily="18" charset="0"/>
+                <a:cs typeface="Times New Roman" panose="02020603050405020304" pitchFamily="18" charset="0"/>
+              </a:rPr>
+              <a:t>OPENIOT</a:t>
+            </a:r>
+          </a:p>
+          <a:p>
+            <a:pPr algn="just">
+              <a:buFont typeface="Wingdings" panose="05000000000000000000" pitchFamily="2" charset="2"/>
+              <a:buChar char="§"/>
+            </a:pPr>
+            <a:r>
+              <a:rPr lang="pt-BR" sz="2000" dirty="0">
+                <a:solidFill>
+                  <a:schemeClr val="tx1"/>
+                </a:solidFill>
+                <a:latin typeface="Times New Roman" panose="02020603050405020304" pitchFamily="18" charset="0"/>
+                <a:cs typeface="Times New Roman" panose="02020603050405020304" pitchFamily="18" charset="0"/>
+              </a:rPr>
+              <a:t>THINGSBOARD</a:t>
+            </a:r>
+          </a:p>
+          <a:p>
+            <a:pPr marL="0" indent="0" algn="just">
+              <a:buNone/>
+            </a:pPr>
+            <a:endParaRPr lang="pt-BR" sz="2000" dirty="0">
+              <a:solidFill>
+                <a:schemeClr val="tx1"/>
+              </a:solidFill>
+              <a:latin typeface="Times New Roman" panose="02020603050405020304" pitchFamily="18" charset="0"/>
+              <a:cs typeface="Times New Roman" panose="02020603050405020304" pitchFamily="18" charset="0"/>
+            </a:endParaRPr>
+          </a:p>
+        </p:txBody>
+      </p:sp>
+    </p:spTree>
+    <p:extLst>
+      <p:ext uri="{BB962C8B-B14F-4D97-AF65-F5344CB8AC3E}">
+        <p14:creationId xmlns:p14="http://schemas.microsoft.com/office/powerpoint/2010/main" val="2053137068"/>
+      </p:ext>
+    </p:extLst>
+  </p:cSld>
+  <p:clrMapOvr>
+    <a:masterClrMapping/>
+  </p:clrMapOvr>
+  <p:transition spd="med"/>
+</p:sld>
+</file>
+
+<file path=ppt/slides/slide6.xml><?xml version="1.0" encoding="utf-8"?>
+<p:sld xmlns:a="http://schemas.openxmlformats.org/drawingml/2006/main" xmlns:r="http://schemas.openxmlformats.org/officeDocument/2006/relationships" xmlns:p="http://schemas.openxmlformats.org/presentationml/2006/main">
+  <p:cSld>
+    <p:spTree>
+      <p:nvGrpSpPr>
+        <p:cNvPr id="1" name=""/>
+        <p:cNvGrpSpPr/>
+        <p:nvPr/>
+      </p:nvGrpSpPr>
+      <p:grpSpPr>
+        <a:xfrm>
+          <a:off x="0" y="0"/>
+          <a:ext cx="0" cy="0"/>
+          <a:chOff x="0" y="0"/>
+          <a:chExt cx="0" cy="0"/>
+        </a:xfrm>
+      </p:grpSpPr>
+      <p:sp>
+        <p:nvSpPr>
+          <p:cNvPr id="6" name="Title 1"/>
+          <p:cNvSpPr>
+            <a:spLocks noGrp="1"/>
+          </p:cNvSpPr>
+          <p:nvPr>
+            <p:ph type="title"/>
+          </p:nvPr>
+        </p:nvSpPr>
+        <p:spPr>
+          <a:xfrm>
+            <a:off x="457200" y="205980"/>
+            <a:ext cx="8229600" cy="857251"/>
+          </a:xfrm>
+        </p:spPr>
+        <p:txBody>
+          <a:bodyPr>
+            <a:normAutofit/>
+          </a:bodyPr>
+          <a:lstStyle/>
+          <a:p>
+            <a:r>
+              <a:rPr lang="pt-BR" b="1" dirty="0">
+                <a:solidFill>
+                  <a:srgbClr val="0070C0"/>
+                </a:solidFill>
+              </a:rPr>
+              <a:t>Protocolos de Rede para IOT</a:t>
+            </a:r>
+            <a:endParaRPr lang="en-US" b="1" dirty="0">
+              <a:solidFill>
+                <a:srgbClr val="0070C0"/>
+              </a:solidFill>
+            </a:endParaRPr>
+          </a:p>
+        </p:txBody>
+      </p:sp>
+      <p:sp>
+        <p:nvSpPr>
+          <p:cNvPr id="8" name="Text Placeholder 2"/>
+          <p:cNvSpPr>
+            <a:spLocks noGrp="1"/>
+          </p:cNvSpPr>
+          <p:nvPr>
+            <p:ph type="body" sz="half" idx="1"/>
+          </p:nvPr>
+        </p:nvSpPr>
+        <p:spPr>
+          <a:xfrm>
+            <a:off x="142865" y="1200150"/>
+            <a:ext cx="8865056" cy="3737370"/>
+          </a:xfrm>
+        </p:spPr>
+        <p:txBody>
+          <a:bodyPr>
+            <a:noAutofit/>
+          </a:bodyPr>
+          <a:lstStyle/>
+          <a:p>
+            <a:pPr algn="just">
+              <a:buFont typeface="Wingdings" panose="05000000000000000000" pitchFamily="2" charset="2"/>
+              <a:buChar char="§"/>
+            </a:pPr>
+            <a:r>
+              <a:rPr lang="pt-BR" sz="2000" dirty="0">
+                <a:latin typeface="Times New Roman" panose="02020603050405020304" pitchFamily="18" charset="0"/>
+                <a:cs typeface="Times New Roman" panose="02020603050405020304" pitchFamily="18" charset="0"/>
+              </a:rPr>
+              <a:t>MQTT</a:t>
+            </a:r>
+          </a:p>
+          <a:p>
+            <a:pPr algn="just">
+              <a:buFont typeface="Wingdings" panose="05000000000000000000" pitchFamily="2" charset="2"/>
+              <a:buChar char="§"/>
+            </a:pPr>
+            <a:r>
+              <a:rPr lang="pt-BR" sz="2000" dirty="0">
+                <a:latin typeface="Times New Roman" panose="02020603050405020304" pitchFamily="18" charset="0"/>
+                <a:cs typeface="Times New Roman" panose="02020603050405020304" pitchFamily="18" charset="0"/>
+              </a:rPr>
+              <a:t>COAP</a:t>
+            </a:r>
+          </a:p>
+          <a:p>
+            <a:pPr algn="just">
+              <a:buFont typeface="Wingdings" panose="05000000000000000000" pitchFamily="2" charset="2"/>
+              <a:buChar char="§"/>
+            </a:pPr>
+            <a:r>
+              <a:rPr lang="pt-BR" sz="2000" dirty="0">
+                <a:latin typeface="Times New Roman" panose="02020603050405020304" pitchFamily="18" charset="0"/>
+                <a:cs typeface="Times New Roman" panose="02020603050405020304" pitchFamily="18" charset="0"/>
+              </a:rPr>
+              <a:t>XMPP­IOT</a:t>
+            </a:r>
+          </a:p>
+          <a:p>
+            <a:pPr algn="just">
+              <a:buFont typeface="Wingdings" panose="05000000000000000000" pitchFamily="2" charset="2"/>
+              <a:buChar char="§"/>
+            </a:pPr>
+            <a:r>
+              <a:rPr lang="pt-BR" sz="2000" dirty="0">
+                <a:latin typeface="Times New Roman" panose="02020603050405020304" pitchFamily="18" charset="0"/>
+                <a:cs typeface="Times New Roman" panose="02020603050405020304" pitchFamily="18" charset="0"/>
+              </a:rPr>
+              <a:t>RESTFUL HTTP </a:t>
+            </a:r>
+          </a:p>
+          <a:p>
+            <a:pPr algn="just">
+              <a:buFont typeface="Wingdings" panose="05000000000000000000" pitchFamily="2" charset="2"/>
+              <a:buChar char="§"/>
+            </a:pPr>
+            <a:r>
+              <a:rPr lang="pt-BR" sz="2000" dirty="0">
+                <a:latin typeface="Times New Roman" panose="02020603050405020304" pitchFamily="18" charset="0"/>
+                <a:cs typeface="Times New Roman" panose="02020603050405020304" pitchFamily="18" charset="0"/>
+              </a:rPr>
+              <a:t>DDS</a:t>
+            </a:r>
+          </a:p>
+          <a:p>
+            <a:pPr algn="just">
+              <a:buFont typeface="Wingdings" panose="05000000000000000000" pitchFamily="2" charset="2"/>
+              <a:buChar char="§"/>
+            </a:pPr>
+            <a:r>
+              <a:rPr lang="pt-BR" sz="2000" dirty="0">
+                <a:latin typeface="Times New Roman" panose="02020603050405020304" pitchFamily="18" charset="0"/>
+                <a:cs typeface="Times New Roman" panose="02020603050405020304" pitchFamily="18" charset="0"/>
+              </a:rPr>
+              <a:t>AMQP</a:t>
+            </a:r>
+          </a:p>
+          <a:p>
+            <a:pPr marL="0" indent="0" algn="just">
+              <a:buNone/>
+            </a:pPr>
+            <a:endParaRPr lang="pt-BR" sz="2000" dirty="0">
+              <a:solidFill>
+                <a:schemeClr val="tx1"/>
+              </a:solidFill>
+              <a:latin typeface="Times New Roman" panose="02020603050405020304" pitchFamily="18" charset="0"/>
+              <a:cs typeface="Times New Roman" panose="02020603050405020304" pitchFamily="18" charset="0"/>
+            </a:endParaRPr>
+          </a:p>
+        </p:txBody>
+      </p:sp>
+    </p:spTree>
+    <p:extLst>
+      <p:ext uri="{BB962C8B-B14F-4D97-AF65-F5344CB8AC3E}">
+        <p14:creationId xmlns:p14="http://schemas.microsoft.com/office/powerpoint/2010/main" val="1754424786"/>
+      </p:ext>
+    </p:extLst>
+  </p:cSld>
+  <p:clrMapOvr>
+    <a:masterClrMapping/>
+  </p:clrMapOvr>
+  <p:transition spd="med"/>
+</p:sld>
+</file>
+
+<file path=ppt/slides/slide7.xml><?xml version="1.0" encoding="utf-8"?>
+<p:sld xmlns:a="http://schemas.openxmlformats.org/drawingml/2006/main" xmlns:r="http://schemas.openxmlformats.org/officeDocument/2006/relationships" xmlns:p="http://schemas.openxmlformats.org/presentationml/2006/main">
+  <p:cSld>
+    <p:spTree>
+      <p:nvGrpSpPr>
+        <p:cNvPr id="1" name=""/>
+        <p:cNvGrpSpPr/>
+        <p:nvPr/>
+      </p:nvGrpSpPr>
+      <p:grpSpPr>
+        <a:xfrm>
+          <a:off x="0" y="0"/>
+          <a:ext cx="0" cy="0"/>
+          <a:chOff x="0" y="0"/>
+          <a:chExt cx="0" cy="0"/>
+        </a:xfrm>
+      </p:grpSpPr>
+      <p:sp>
+        <p:nvSpPr>
+          <p:cNvPr id="6" name="Title 1"/>
+          <p:cNvSpPr>
+            <a:spLocks noGrp="1"/>
+          </p:cNvSpPr>
+          <p:nvPr>
+            <p:ph type="title"/>
+          </p:nvPr>
+        </p:nvSpPr>
+        <p:spPr>
+          <a:xfrm>
+            <a:off x="457200" y="205980"/>
+            <a:ext cx="8229600" cy="857251"/>
+          </a:xfrm>
+        </p:spPr>
+        <p:txBody>
+          <a:bodyPr>
+            <a:normAutofit/>
+          </a:bodyPr>
+          <a:lstStyle/>
+          <a:p>
+            <a:r>
+              <a:rPr lang="en-US" b="1" dirty="0" err="1">
+                <a:solidFill>
+                  <a:srgbClr val="0070C0"/>
+                </a:solidFill>
+              </a:rPr>
+              <a:t>Leitura</a:t>
+            </a:r>
+            <a:r>
+              <a:rPr lang="en-US" b="1" dirty="0">
+                <a:solidFill>
+                  <a:srgbClr val="0070C0"/>
+                </a:solidFill>
+              </a:rPr>
+              <a:t> </a:t>
+            </a:r>
+            <a:r>
+              <a:rPr lang="en-US" b="1" dirty="0" err="1">
+                <a:solidFill>
+                  <a:srgbClr val="0070C0"/>
+                </a:solidFill>
+              </a:rPr>
+              <a:t>Específica</a:t>
+            </a:r>
+            <a:endParaRPr lang="en-US" b="1" dirty="0">
+              <a:solidFill>
+                <a:srgbClr val="0070C0"/>
+              </a:solidFill>
+            </a:endParaRPr>
+          </a:p>
+        </p:txBody>
+      </p:sp>
+      <p:sp>
+        <p:nvSpPr>
+          <p:cNvPr id="8" name="Text Placeholder 2"/>
+          <p:cNvSpPr>
+            <a:spLocks noGrp="1"/>
+          </p:cNvSpPr>
+          <p:nvPr>
+            <p:ph type="body" sz="half" idx="1"/>
+          </p:nvPr>
+        </p:nvSpPr>
+        <p:spPr>
+          <a:xfrm>
+            <a:off x="142865" y="1200151"/>
+            <a:ext cx="8865056" cy="3394472"/>
+          </a:xfrm>
+        </p:spPr>
+        <p:txBody>
+          <a:bodyPr>
+            <a:noAutofit/>
+          </a:bodyPr>
+          <a:lstStyle/>
+          <a:p>
+            <a:pPr marL="0" indent="0" algn="just">
+              <a:buNone/>
+            </a:pPr>
+            <a:r>
+              <a:rPr lang="pt-BR" sz="2400" dirty="0">
+                <a:latin typeface="Times New Roman" panose="02020603050405020304" pitchFamily="18" charset="0"/>
+                <a:cs typeface="Times New Roman" panose="02020603050405020304" pitchFamily="18" charset="0"/>
+              </a:rPr>
+              <a:t>[1] Plataformas de Middleware e de Comunicação para IOT em Python.</a:t>
+            </a:r>
+          </a:p>
+          <a:p>
+            <a:pPr marL="0" indent="0" algn="just">
+              <a:buNone/>
+            </a:pPr>
+            <a:r>
+              <a:rPr lang="pt-BR" sz="2400" b="1" dirty="0">
+                <a:solidFill>
+                  <a:srgbClr val="FF0000"/>
+                </a:solidFill>
+                <a:latin typeface="Times New Roman" panose="02020603050405020304" pitchFamily="18" charset="0"/>
+                <a:cs typeface="Times New Roman" panose="02020603050405020304" pitchFamily="18" charset="0"/>
+              </a:rPr>
+              <a:t>Disponível em: </a:t>
+            </a:r>
+            <a:r>
+              <a:rPr lang="pt-BR" sz="2400" dirty="0">
+                <a:latin typeface="Times New Roman" panose="02020603050405020304" pitchFamily="18" charset="0"/>
+                <a:cs typeface="Times New Roman" panose="02020603050405020304" pitchFamily="18" charset="0"/>
+                <a:hlinkClick r:id="rId3"/>
+              </a:rPr>
+              <a:t>https://</a:t>
+            </a:r>
+            <a:endParaRPr lang="pt-BR" sz="2400" dirty="0">
+              <a:latin typeface="Times New Roman" panose="02020603050405020304" pitchFamily="18" charset="0"/>
+              <a:cs typeface="Times New Roman" panose="02020603050405020304" pitchFamily="18" charset="0"/>
+            </a:endParaRPr>
+          </a:p>
+          <a:p>
+            <a:pPr marL="0" indent="0" algn="just">
+              <a:buNone/>
+            </a:pPr>
+            <a:endParaRPr lang="pt-BR" sz="2400" dirty="0">
+              <a:latin typeface="Times New Roman" panose="02020603050405020304" pitchFamily="18" charset="0"/>
+              <a:cs typeface="Times New Roman" panose="02020603050405020304" pitchFamily="18" charset="0"/>
+            </a:endParaRPr>
+          </a:p>
+          <a:p>
+            <a:pPr marL="0" indent="0" algn="just">
+              <a:buNone/>
+            </a:pPr>
+            <a:r>
+              <a:rPr lang="pt-BR" sz="2400" dirty="0">
+                <a:latin typeface="Times New Roman" panose="02020603050405020304" pitchFamily="18" charset="0"/>
+                <a:cs typeface="Times New Roman" panose="02020603050405020304" pitchFamily="18" charset="0"/>
+              </a:rPr>
+              <a:t>[2] Protocolos de Rede para IOT em Python. </a:t>
+            </a:r>
+          </a:p>
+          <a:p>
+            <a:pPr marL="0" indent="0" algn="just">
+              <a:buNone/>
+            </a:pPr>
+            <a:r>
+              <a:rPr lang="pt-BR" sz="2400" b="1" dirty="0">
+                <a:solidFill>
+                  <a:srgbClr val="FF0000"/>
+                </a:solidFill>
+                <a:latin typeface="Times New Roman" panose="02020603050405020304" pitchFamily="18" charset="0"/>
+                <a:cs typeface="Times New Roman" panose="02020603050405020304" pitchFamily="18" charset="0"/>
+              </a:rPr>
+              <a:t>Disponível em: </a:t>
+            </a:r>
+            <a:r>
+              <a:rPr lang="pt-BR" sz="2400" dirty="0">
+                <a:latin typeface="Times New Roman" panose="02020603050405020304" pitchFamily="18" charset="0"/>
+                <a:cs typeface="Times New Roman" panose="02020603050405020304" pitchFamily="18" charset="0"/>
+                <a:hlinkClick r:id="rId4"/>
+              </a:rPr>
+              <a:t>https:</a:t>
+            </a:r>
+            <a:r>
+              <a:rPr lang="pt-BR" sz="2400" dirty="0">
+                <a:latin typeface="Times New Roman" panose="02020603050405020304" pitchFamily="18" charset="0"/>
+                <a:cs typeface="Times New Roman" panose="02020603050405020304" pitchFamily="18" charset="0"/>
+              </a:rPr>
+              <a:t>//</a:t>
+            </a:r>
+          </a:p>
+          <a:p>
+            <a:pPr marL="0" indent="0" algn="just">
+              <a:buNone/>
+            </a:pPr>
+            <a:endParaRPr lang="pt-BR" sz="2400" dirty="0">
+              <a:latin typeface="Times New Roman" panose="02020603050405020304" pitchFamily="18" charset="0"/>
+              <a:cs typeface="Times New Roman" panose="02020603050405020304" pitchFamily="18" charset="0"/>
+            </a:endParaRPr>
+          </a:p>
+          <a:p>
+            <a:pPr marL="0" indent="0" algn="just">
+              <a:buNone/>
+            </a:pPr>
+            <a:endParaRPr lang="pt-BR" sz="2400" dirty="0">
+              <a:latin typeface="Times New Roman" panose="02020603050405020304" pitchFamily="18" charset="0"/>
+              <a:cs typeface="Times New Roman" panose="02020603050405020304" pitchFamily="18" charset="0"/>
+            </a:endParaRPr>
+          </a:p>
+          <a:p>
+            <a:pPr marL="0" indent="0" algn="just">
+              <a:buNone/>
+            </a:pPr>
+            <a:endParaRPr lang="pt-BR" sz="2400" dirty="0">
+              <a:latin typeface="Times New Roman" panose="02020603050405020304" pitchFamily="18" charset="0"/>
+              <a:cs typeface="Times New Roman" panose="02020603050405020304" pitchFamily="18" charset="0"/>
+            </a:endParaRPr>
+          </a:p>
+          <a:p>
+            <a:pPr marL="0" indent="0" algn="just">
+              <a:buNone/>
+            </a:pPr>
+            <a:endParaRPr lang="pt-BR" sz="2400" dirty="0">
+              <a:latin typeface="Calibri" panose="020F0502020204030204" pitchFamily="34" charset="0"/>
+            </a:endParaRPr>
+          </a:p>
+        </p:txBody>
+      </p:sp>
+    </p:spTree>
+    <p:extLst>
+      <p:ext uri="{BB962C8B-B14F-4D97-AF65-F5344CB8AC3E}">
+        <p14:creationId xmlns:p14="http://schemas.microsoft.com/office/powerpoint/2010/main" val="3680270425"/>
+      </p:ext>
+    </p:extLst>
+  </p:cSld>
+  <p:clrMapOvr>
+    <a:masterClrMapping/>
+  </p:clrMapOvr>
+  <p:transition spd="med"/>
+</p:sld>
+</file>
+
+<file path=ppt/slides/slide8.xml><?xml version="1.0" encoding="utf-8"?>
+<p:sld xmlns:a="http://schemas.openxmlformats.org/drawingml/2006/main" xmlns:r="http://schemas.openxmlformats.org/officeDocument/2006/relationships" xmlns:p="http://schemas.openxmlformats.org/presentationml/2006/main">
+  <p:cSld>
+    <p:spTree>
+      <p:nvGrpSpPr>
+        <p:cNvPr id="1" name=""/>
+        <p:cNvGrpSpPr/>
+        <p:nvPr/>
+      </p:nvGrpSpPr>
+      <p:grpSpPr>
+        <a:xfrm>
+          <a:off x="0" y="0"/>
+          <a:ext cx="0" cy="0"/>
+          <a:chOff x="0" y="0"/>
+          <a:chExt cx="0" cy="0"/>
+        </a:xfrm>
+      </p:grpSpPr>
+      <p:sp>
+        <p:nvSpPr>
+          <p:cNvPr id="6" name="Title 1"/>
+          <p:cNvSpPr>
+            <a:spLocks noGrp="1"/>
+          </p:cNvSpPr>
+          <p:nvPr>
+            <p:ph type="title"/>
+          </p:nvPr>
+        </p:nvSpPr>
+        <p:spPr>
+          <a:xfrm>
+            <a:off x="457200" y="205980"/>
+            <a:ext cx="8229600" cy="857251"/>
+          </a:xfrm>
+        </p:spPr>
+        <p:txBody>
+          <a:bodyPr>
+            <a:normAutofit/>
+          </a:bodyPr>
+          <a:lstStyle/>
+          <a:p>
+            <a:r>
+              <a:rPr lang="en-US" b="1" dirty="0" err="1">
+                <a:solidFill>
+                  <a:srgbClr val="0070C0"/>
+                </a:solidFill>
+              </a:rPr>
+              <a:t>Aprenda</a:t>
+            </a:r>
+            <a:r>
+              <a:rPr lang="en-US" b="1" dirty="0">
+                <a:solidFill>
+                  <a:srgbClr val="0070C0"/>
+                </a:solidFill>
+              </a:rPr>
+              <a:t>+</a:t>
+            </a:r>
+          </a:p>
+        </p:txBody>
+      </p:sp>
+      <p:sp>
+        <p:nvSpPr>
+          <p:cNvPr id="8" name="Text Placeholder 2"/>
+          <p:cNvSpPr>
+            <a:spLocks noGrp="1"/>
+          </p:cNvSpPr>
+          <p:nvPr>
+            <p:ph type="body" sz="half" idx="1"/>
+          </p:nvPr>
+        </p:nvSpPr>
+        <p:spPr>
+          <a:xfrm>
+            <a:off x="142865" y="1200150"/>
+            <a:ext cx="8865056" cy="3737370"/>
+          </a:xfrm>
+        </p:spPr>
+        <p:txBody>
+          <a:bodyPr>
+            <a:noAutofit/>
+          </a:bodyPr>
+          <a:lstStyle/>
+          <a:p>
+            <a:pPr marL="0" indent="0" algn="just">
+              <a:buNone/>
+            </a:pPr>
+            <a:r>
+              <a:rPr lang="pt-BR" sz="2400" dirty="0">
+                <a:latin typeface="Times New Roman" panose="02020603050405020304" pitchFamily="18" charset="0"/>
+                <a:cs typeface="Times New Roman" panose="02020603050405020304" pitchFamily="18" charset="0"/>
+              </a:rPr>
+              <a:t>[1] Plataformas de Middleware e de Comunicação para IOT em Python.</a:t>
+            </a:r>
+          </a:p>
+          <a:p>
+            <a:pPr marL="0" indent="0" algn="just">
+              <a:buNone/>
+            </a:pPr>
+            <a:r>
+              <a:rPr lang="pt-BR" sz="2400" b="1" dirty="0">
+                <a:solidFill>
+                  <a:srgbClr val="FF0000"/>
+                </a:solidFill>
+                <a:latin typeface="Times New Roman" panose="02020603050405020304" pitchFamily="18" charset="0"/>
+                <a:cs typeface="Times New Roman" panose="02020603050405020304" pitchFamily="18" charset="0"/>
+              </a:rPr>
+              <a:t>Disponível em: </a:t>
+            </a:r>
+            <a:r>
+              <a:rPr lang="pt-BR" sz="2400" dirty="0">
+                <a:latin typeface="Times New Roman" panose="02020603050405020304" pitchFamily="18" charset="0"/>
+                <a:cs typeface="Times New Roman" panose="02020603050405020304" pitchFamily="18" charset="0"/>
+                <a:hlinkClick r:id="rId3"/>
+              </a:rPr>
+              <a:t>https://</a:t>
+            </a:r>
+            <a:endParaRPr lang="pt-BR" sz="2400" dirty="0">
+              <a:latin typeface="Times New Roman" panose="02020603050405020304" pitchFamily="18" charset="0"/>
+              <a:cs typeface="Times New Roman" panose="02020603050405020304" pitchFamily="18" charset="0"/>
+            </a:endParaRPr>
+          </a:p>
+          <a:p>
+            <a:pPr marL="0" indent="0" algn="just">
+              <a:buNone/>
+            </a:pPr>
+            <a:endParaRPr lang="pt-BR" sz="2400" dirty="0">
+              <a:latin typeface="Times New Roman" panose="02020603050405020304" pitchFamily="18" charset="0"/>
+              <a:cs typeface="Times New Roman" panose="02020603050405020304" pitchFamily="18" charset="0"/>
+            </a:endParaRPr>
+          </a:p>
+          <a:p>
+            <a:pPr marL="0" indent="0" algn="just">
+              <a:buNone/>
+            </a:pPr>
+            <a:r>
+              <a:rPr lang="pt-BR" sz="2400" dirty="0">
+                <a:latin typeface="Times New Roman" panose="02020603050405020304" pitchFamily="18" charset="0"/>
+                <a:cs typeface="Times New Roman" panose="02020603050405020304" pitchFamily="18" charset="0"/>
+              </a:rPr>
+              <a:t>[2] Protocolos de Rede para IOT em Python. </a:t>
+            </a:r>
+          </a:p>
+          <a:p>
+            <a:pPr marL="0" indent="0" algn="just">
+              <a:buNone/>
+            </a:pPr>
+            <a:r>
+              <a:rPr lang="pt-BR" sz="2400" b="1" dirty="0">
+                <a:solidFill>
+                  <a:srgbClr val="FF0000"/>
+                </a:solidFill>
+                <a:latin typeface="Times New Roman" panose="02020603050405020304" pitchFamily="18" charset="0"/>
+                <a:cs typeface="Times New Roman" panose="02020603050405020304" pitchFamily="18" charset="0"/>
+              </a:rPr>
+              <a:t>Disponível em: </a:t>
+            </a:r>
+            <a:r>
+              <a:rPr lang="pt-BR" sz="2400" dirty="0">
+                <a:latin typeface="Times New Roman" panose="02020603050405020304" pitchFamily="18" charset="0"/>
+                <a:cs typeface="Times New Roman" panose="02020603050405020304" pitchFamily="18" charset="0"/>
+                <a:hlinkClick r:id="rId4"/>
+              </a:rPr>
+              <a:t>https://</a:t>
+            </a:r>
+            <a:endParaRPr lang="pt-BR" sz="2400" dirty="0">
+              <a:latin typeface="Times New Roman" panose="02020603050405020304" pitchFamily="18" charset="0"/>
+              <a:cs typeface="Times New Roman" panose="02020603050405020304" pitchFamily="18" charset="0"/>
+            </a:endParaRPr>
+          </a:p>
+          <a:p>
+            <a:pPr marL="0" indent="0" algn="just">
+              <a:buNone/>
+            </a:pPr>
+            <a:endParaRPr lang="pt-BR" sz="2400" dirty="0">
+              <a:latin typeface="Times New Roman" panose="02020603050405020304" pitchFamily="18" charset="0"/>
+              <a:cs typeface="Times New Roman" panose="02020603050405020304" pitchFamily="18" charset="0"/>
+            </a:endParaRPr>
+          </a:p>
+        </p:txBody>
+      </p:sp>
+    </p:spTree>
+    <p:extLst>
+      <p:ext uri="{BB962C8B-B14F-4D97-AF65-F5344CB8AC3E}">
+        <p14:creationId xmlns:p14="http://schemas.microsoft.com/office/powerpoint/2010/main" val="2747596967"/>
+      </p:ext>
+    </p:extLst>
+  </p:cSld>
+  <p:clrMapOvr>
+    <a:masterClrMapping/>
+  </p:clrMapOvr>
+  <p:transition spd="med"/>
+</p:sld>
+</file>
+
+<file path=ppt/slides/slide9.xml><?xml version="1.0" encoding="utf-8"?>
+<p:sld xmlns:a="http://schemas.openxmlformats.org/drawingml/2006/main" xmlns:r="http://schemas.openxmlformats.org/officeDocument/2006/relationships" xmlns:p="http://schemas.openxmlformats.org/presentationml/2006/main">
+  <p:cSld>
+    <p:spTree>
+      <p:nvGrpSpPr>
+        <p:cNvPr id="1" name=""/>
+        <p:cNvGrpSpPr/>
+        <p:nvPr/>
+      </p:nvGrpSpPr>
+      <p:grpSpPr>
+        <a:xfrm>
+          <a:off x="0" y="0"/>
+          <a:ext cx="0" cy="0"/>
+          <a:chOff x="0" y="0"/>
+          <a:chExt cx="0" cy="0"/>
+        </a:xfrm>
+      </p:grpSpPr>
+      <p:sp>
+        <p:nvSpPr>
+          <p:cNvPr id="6" name="Title 1"/>
+          <p:cNvSpPr>
+            <a:spLocks noGrp="1"/>
+          </p:cNvSpPr>
+          <p:nvPr>
+            <p:ph type="title"/>
+          </p:nvPr>
+        </p:nvSpPr>
+        <p:spPr>
+          <a:xfrm>
+            <a:off x="457200" y="205980"/>
+            <a:ext cx="8229600" cy="857251"/>
+          </a:xfrm>
+        </p:spPr>
+        <p:txBody>
+          <a:bodyPr>
+            <a:normAutofit/>
+          </a:bodyPr>
+          <a:lstStyle/>
+          <a:p>
+            <a:r>
+              <a:rPr lang="en-US" b="1" dirty="0" err="1">
+                <a:solidFill>
+                  <a:srgbClr val="0070C0"/>
+                </a:solidFill>
+              </a:rPr>
+              <a:t>Dinâmica</a:t>
+            </a:r>
+            <a:r>
+              <a:rPr lang="en-US" b="1" dirty="0">
+                <a:solidFill>
+                  <a:srgbClr val="0070C0"/>
+                </a:solidFill>
+              </a:rPr>
+              <a:t>/</a:t>
+            </a:r>
+            <a:r>
+              <a:rPr lang="en-US" b="1" dirty="0" err="1">
+                <a:solidFill>
+                  <a:srgbClr val="0070C0"/>
+                </a:solidFill>
+              </a:rPr>
+              <a:t>Atividades</a:t>
+            </a:r>
+            <a:endParaRPr lang="en-US" b="1" dirty="0">
+              <a:solidFill>
+                <a:srgbClr val="0070C0"/>
+              </a:solidFill>
+            </a:endParaRPr>
+          </a:p>
+        </p:txBody>
+      </p:sp>
+      <p:sp>
+        <p:nvSpPr>
+          <p:cNvPr id="8" name="Text Placeholder 2"/>
+          <p:cNvSpPr>
+            <a:spLocks noGrp="1"/>
+          </p:cNvSpPr>
+          <p:nvPr>
+            <p:ph type="body" sz="half" idx="1"/>
+          </p:nvPr>
+        </p:nvSpPr>
+        <p:spPr>
+          <a:xfrm>
+            <a:off x="139472" y="1063230"/>
+            <a:ext cx="8865056" cy="3606305"/>
+          </a:xfrm>
+        </p:spPr>
+        <p:txBody>
+          <a:bodyPr>
+            <a:noAutofit/>
+          </a:bodyPr>
+          <a:lstStyle/>
+          <a:p>
+            <a:pPr marL="0" indent="0" algn="just">
+              <a:buNone/>
+            </a:pPr>
+            <a:r>
+              <a:rPr lang="pt-BR" sz="2400" dirty="0">
+                <a:latin typeface="Times New Roman" panose="02020603050405020304" pitchFamily="18" charset="0"/>
+                <a:cs typeface="Times New Roman" panose="02020603050405020304" pitchFamily="18" charset="0"/>
+              </a:rPr>
+              <a:t>Exercícios (Atividade Verificadora de Aprendizagem)</a:t>
+            </a:r>
+          </a:p>
+          <a:p>
+            <a:pPr marL="0" indent="0" algn="just">
+              <a:buNone/>
+            </a:pPr>
+            <a:r>
+              <a:rPr lang="pt-BR" sz="2400" dirty="0">
+                <a:latin typeface="Times New Roman" panose="02020603050405020304" pitchFamily="18" charset="0"/>
+                <a:cs typeface="Times New Roman" panose="02020603050405020304" pitchFamily="18" charset="0"/>
+              </a:rPr>
+              <a:t> 	</a:t>
+            </a:r>
+          </a:p>
+          <a:p>
+            <a:pPr marL="0" indent="0" algn="just">
+              <a:buNone/>
+            </a:pPr>
+            <a:r>
+              <a:rPr lang="pt-BR" sz="2400" dirty="0">
+                <a:latin typeface="Times New Roman" panose="02020603050405020304" pitchFamily="18" charset="0"/>
+                <a:cs typeface="Times New Roman" panose="02020603050405020304" pitchFamily="18" charset="0"/>
+              </a:rPr>
+              <a:t>-- Plataforma </a:t>
+            </a:r>
+            <a:r>
+              <a:rPr lang="pt-BR" sz="2400" dirty="0" err="1">
+                <a:latin typeface="Times New Roman" panose="02020603050405020304" pitchFamily="18" charset="0"/>
+                <a:cs typeface="Times New Roman" panose="02020603050405020304" pitchFamily="18" charset="0"/>
+              </a:rPr>
+              <a:t>Netlify</a:t>
+            </a:r>
+            <a:r>
+              <a:rPr lang="pt-BR" sz="2400" dirty="0">
+                <a:latin typeface="Times New Roman" panose="02020603050405020304" pitchFamily="18" charset="0"/>
+                <a:cs typeface="Times New Roman" panose="02020603050405020304" pitchFamily="18" charset="0"/>
+              </a:rPr>
+              <a:t> (</a:t>
+            </a:r>
+            <a:r>
+              <a:rPr lang="pt-BR" sz="2400" dirty="0">
+                <a:latin typeface="Times New Roman" panose="02020603050405020304" pitchFamily="18" charset="0"/>
+                <a:cs typeface="Times New Roman" panose="02020603050405020304" pitchFamily="18" charset="0"/>
+                <a:hlinkClick r:id="rId3"/>
+              </a:rPr>
+              <a:t>https://www.netlify.com/</a:t>
+            </a:r>
+            <a:r>
+              <a:rPr lang="pt-BR" sz="2400" dirty="0">
+                <a:latin typeface="Times New Roman" panose="02020603050405020304" pitchFamily="18" charset="0"/>
+                <a:cs typeface="Times New Roman" panose="02020603050405020304" pitchFamily="18" charset="0"/>
+              </a:rPr>
+              <a:t>) / </a:t>
+            </a:r>
+            <a:r>
+              <a:rPr lang="pt-BR" sz="2400" dirty="0" err="1">
+                <a:latin typeface="Times New Roman" panose="02020603050405020304" pitchFamily="18" charset="0"/>
+                <a:cs typeface="Times New Roman" panose="02020603050405020304" pitchFamily="18" charset="0"/>
+              </a:rPr>
+              <a:t>Github</a:t>
+            </a:r>
+            <a:r>
+              <a:rPr lang="pt-BR" sz="2400" dirty="0">
+                <a:latin typeface="Times New Roman" panose="02020603050405020304" pitchFamily="18" charset="0"/>
+                <a:cs typeface="Times New Roman" panose="02020603050405020304" pitchFamily="18" charset="0"/>
+              </a:rPr>
+              <a:t> / </a:t>
+            </a:r>
+            <a:r>
+              <a:rPr lang="pt-BR" sz="2400" dirty="0" err="1">
+                <a:latin typeface="Times New Roman" panose="02020603050405020304" pitchFamily="18" charset="0"/>
+                <a:cs typeface="Times New Roman" panose="02020603050405020304" pitchFamily="18" charset="0"/>
+              </a:rPr>
+              <a:t>Git</a:t>
+            </a:r>
+            <a:endParaRPr lang="pt-BR" sz="2400" dirty="0">
+              <a:latin typeface="Times New Roman" panose="02020603050405020304" pitchFamily="18" charset="0"/>
+              <a:cs typeface="Times New Roman" panose="02020603050405020304" pitchFamily="18" charset="0"/>
+            </a:endParaRPr>
+          </a:p>
+          <a:p>
+            <a:pPr marL="0" indent="0" algn="just">
+              <a:buNone/>
+            </a:pPr>
+            <a:r>
+              <a:rPr lang="pt-BR" sz="2400" dirty="0">
+                <a:latin typeface="Times New Roman" panose="02020603050405020304" pitchFamily="18" charset="0"/>
+                <a:cs typeface="Times New Roman" panose="02020603050405020304" pitchFamily="18" charset="0"/>
+                <a:hlinkClick r:id="rId4"/>
+              </a:rPr>
+              <a:t>https://github.com/</a:t>
+            </a:r>
+            <a:r>
+              <a:rPr lang="pt-BR" sz="2400" dirty="0">
+                <a:latin typeface="Times New Roman" panose="02020603050405020304" pitchFamily="18" charset="0"/>
+                <a:cs typeface="Times New Roman" panose="02020603050405020304" pitchFamily="18" charset="0"/>
+              </a:rPr>
+              <a:t> ; </a:t>
+            </a:r>
+            <a:r>
+              <a:rPr lang="pt-BR" sz="2400" dirty="0">
+                <a:latin typeface="Times New Roman" panose="02020603050405020304" pitchFamily="18" charset="0"/>
+                <a:cs typeface="Times New Roman" panose="02020603050405020304" pitchFamily="18" charset="0"/>
+                <a:hlinkClick r:id="rId5"/>
+              </a:rPr>
+              <a:t>https://git-scm.com/downloads</a:t>
+            </a:r>
+            <a:endParaRPr lang="pt-BR" sz="2400" dirty="0">
+              <a:latin typeface="Times New Roman" panose="02020603050405020304" pitchFamily="18" charset="0"/>
+              <a:cs typeface="Times New Roman" panose="02020603050405020304" pitchFamily="18" charset="0"/>
+            </a:endParaRPr>
+          </a:p>
+          <a:p>
+            <a:pPr marL="0" indent="0" algn="just">
+              <a:buNone/>
+            </a:pPr>
+            <a:endParaRPr lang="pt-BR" sz="2400" dirty="0">
+              <a:latin typeface="Times New Roman" panose="02020603050405020304" pitchFamily="18" charset="0"/>
+              <a:cs typeface="Times New Roman" panose="02020603050405020304" pitchFamily="18" charset="0"/>
+            </a:endParaRPr>
+          </a:p>
+          <a:p>
+            <a:pPr marL="0" indent="0" algn="just">
+              <a:buNone/>
+            </a:pPr>
+            <a:r>
+              <a:rPr lang="pt-BR" sz="2400" dirty="0">
+                <a:latin typeface="Times New Roman" panose="02020603050405020304" pitchFamily="18" charset="0"/>
+                <a:cs typeface="Times New Roman" panose="02020603050405020304" pitchFamily="18" charset="0"/>
+              </a:rPr>
+              <a:t>Criar e </a:t>
+            </a:r>
+            <a:r>
+              <a:rPr lang="pt-BR" sz="2400" dirty="0" err="1">
+                <a:latin typeface="Times New Roman" panose="02020603050405020304" pitchFamily="18" charset="0"/>
+                <a:cs typeface="Times New Roman" panose="02020603050405020304" pitchFamily="18" charset="0"/>
+              </a:rPr>
+              <a:t>deploy</a:t>
+            </a:r>
+            <a:r>
+              <a:rPr lang="pt-BR" sz="2400" dirty="0">
+                <a:latin typeface="Times New Roman" panose="02020603050405020304" pitchFamily="18" charset="0"/>
+                <a:cs typeface="Times New Roman" panose="02020603050405020304" pitchFamily="18" charset="0"/>
+              </a:rPr>
+              <a:t> app teste</a:t>
+            </a:r>
+            <a:endParaRPr lang="pt-BR" sz="2400" dirty="0">
+              <a:latin typeface="Calibri" panose="020F0502020204030204" pitchFamily="34" charset="0"/>
+            </a:endParaRPr>
+          </a:p>
+        </p:txBody>
+      </p:sp>
+    </p:spTree>
+    <p:extLst>
+      <p:ext uri="{BB962C8B-B14F-4D97-AF65-F5344CB8AC3E}">
+        <p14:creationId xmlns:p14="http://schemas.microsoft.com/office/powerpoint/2010/main" val="1397642976"/>
+      </p:ext>
+    </p:extLst>
   </p:cSld>
   <p:clrMapOvr>
     <a:masterClrMapping/>

--- a/01 Classes/Aula 02 - Aplicação Cloud Indústria 40 Python.pptx
+++ b/01 Classes/Aula 02 - Aplicação Cloud Indústria 40 Python.pptx
@@ -5,20 +5,42 @@
     <p:sldMasterId id="2147483648" r:id="rId1"/>
   </p:sldMasterIdLst>
   <p:notesMasterIdLst>
-    <p:notesMasterId r:id="rId13"/>
+    <p:notesMasterId r:id="rId35"/>
   </p:notesMasterIdLst>
   <p:sldIdLst>
     <p:sldId id="256" r:id="rId2"/>
     <p:sldId id="291" r:id="rId3"/>
     <p:sldId id="348" r:id="rId4"/>
-    <p:sldId id="331" r:id="rId5"/>
-    <p:sldId id="349" r:id="rId6"/>
-    <p:sldId id="347" r:id="rId7"/>
-    <p:sldId id="333" r:id="rId8"/>
-    <p:sldId id="323" r:id="rId9"/>
-    <p:sldId id="345" r:id="rId10"/>
-    <p:sldId id="337" r:id="rId11"/>
-    <p:sldId id="309" r:id="rId12"/>
+    <p:sldId id="350" r:id="rId5"/>
+    <p:sldId id="351" r:id="rId6"/>
+    <p:sldId id="352" r:id="rId7"/>
+    <p:sldId id="353" r:id="rId8"/>
+    <p:sldId id="354" r:id="rId9"/>
+    <p:sldId id="355" r:id="rId10"/>
+    <p:sldId id="356" r:id="rId11"/>
+    <p:sldId id="357" r:id="rId12"/>
+    <p:sldId id="358" r:id="rId13"/>
+    <p:sldId id="359" r:id="rId14"/>
+    <p:sldId id="360" r:id="rId15"/>
+    <p:sldId id="361" r:id="rId16"/>
+    <p:sldId id="362" r:id="rId17"/>
+    <p:sldId id="363" r:id="rId18"/>
+    <p:sldId id="331" r:id="rId19"/>
+    <p:sldId id="349" r:id="rId20"/>
+    <p:sldId id="364" r:id="rId21"/>
+    <p:sldId id="365" r:id="rId22"/>
+    <p:sldId id="366" r:id="rId23"/>
+    <p:sldId id="347" r:id="rId24"/>
+    <p:sldId id="367" r:id="rId25"/>
+    <p:sldId id="369" r:id="rId26"/>
+    <p:sldId id="370" r:id="rId27"/>
+    <p:sldId id="368" r:id="rId28"/>
+    <p:sldId id="371" r:id="rId29"/>
+    <p:sldId id="333" r:id="rId30"/>
+    <p:sldId id="323" r:id="rId31"/>
+    <p:sldId id="345" r:id="rId32"/>
+    <p:sldId id="337" r:id="rId33"/>
+    <p:sldId id="309" r:id="rId34"/>
   </p:sldIdLst>
   <p:sldSz cx="9144000" cy="5143500" type="screen16x9"/>
   <p:notesSz cx="6858000" cy="9144000"/>
@@ -565,6 +587,666 @@
 </p:notes>
 </file>
 
+<file path=ppt/notesSlides/notesSlide10.xml><?xml version="1.0" encoding="utf-8"?>
+<p:notes xmlns:a="http://schemas.openxmlformats.org/drawingml/2006/main" xmlns:r="http://schemas.openxmlformats.org/officeDocument/2006/relationships" xmlns:p="http://schemas.openxmlformats.org/presentationml/2006/main">
+  <p:cSld>
+    <p:spTree>
+      <p:nvGrpSpPr>
+        <p:cNvPr id="1" name=""/>
+        <p:cNvGrpSpPr/>
+        <p:nvPr/>
+      </p:nvGrpSpPr>
+      <p:grpSpPr>
+        <a:xfrm>
+          <a:off x="0" y="0"/>
+          <a:ext cx="0" cy="0"/>
+          <a:chOff x="0" y="0"/>
+          <a:chExt cx="0" cy="0"/>
+        </a:xfrm>
+      </p:grpSpPr>
+      <p:sp>
+        <p:nvSpPr>
+          <p:cNvPr id="2" name="Espaço Reservado para Imagem de Slide 1"/>
+          <p:cNvSpPr>
+            <a:spLocks noGrp="1" noRot="1" noChangeAspect="1"/>
+          </p:cNvSpPr>
+          <p:nvPr>
+            <p:ph type="sldImg"/>
+          </p:nvPr>
+        </p:nvSpPr>
+        <p:spPr>
+          <a:xfrm>
+            <a:off x="381000" y="685800"/>
+            <a:ext cx="6096000" cy="3429000"/>
+          </a:xfrm>
+        </p:spPr>
+      </p:sp>
+      <p:sp>
+        <p:nvSpPr>
+          <p:cNvPr id="3" name="Espaço Reservado para Anotações 2"/>
+          <p:cNvSpPr>
+            <a:spLocks noGrp="1"/>
+          </p:cNvSpPr>
+          <p:nvPr>
+            <p:ph type="body" idx="1"/>
+          </p:nvPr>
+        </p:nvSpPr>
+        <p:spPr/>
+        <p:txBody>
+          <a:bodyPr/>
+          <a:lstStyle/>
+          <a:p>
+            <a:endParaRPr lang="pt-BR" dirty="0"/>
+          </a:p>
+        </p:txBody>
+      </p:sp>
+    </p:spTree>
+    <p:extLst>
+      <p:ext uri="{BB962C8B-B14F-4D97-AF65-F5344CB8AC3E}">
+        <p14:creationId xmlns:p14="http://schemas.microsoft.com/office/powerpoint/2010/main" val="322419676"/>
+      </p:ext>
+    </p:extLst>
+  </p:cSld>
+  <p:clrMapOvr>
+    <a:masterClrMapping/>
+  </p:clrMapOvr>
+</p:notes>
+</file>
+
+<file path=ppt/notesSlides/notesSlide11.xml><?xml version="1.0" encoding="utf-8"?>
+<p:notes xmlns:a="http://schemas.openxmlformats.org/drawingml/2006/main" xmlns:r="http://schemas.openxmlformats.org/officeDocument/2006/relationships" xmlns:p="http://schemas.openxmlformats.org/presentationml/2006/main">
+  <p:cSld>
+    <p:spTree>
+      <p:nvGrpSpPr>
+        <p:cNvPr id="1" name=""/>
+        <p:cNvGrpSpPr/>
+        <p:nvPr/>
+      </p:nvGrpSpPr>
+      <p:grpSpPr>
+        <a:xfrm>
+          <a:off x="0" y="0"/>
+          <a:ext cx="0" cy="0"/>
+          <a:chOff x="0" y="0"/>
+          <a:chExt cx="0" cy="0"/>
+        </a:xfrm>
+      </p:grpSpPr>
+      <p:sp>
+        <p:nvSpPr>
+          <p:cNvPr id="2" name="Espaço Reservado para Imagem de Slide 1"/>
+          <p:cNvSpPr>
+            <a:spLocks noGrp="1" noRot="1" noChangeAspect="1"/>
+          </p:cNvSpPr>
+          <p:nvPr>
+            <p:ph type="sldImg"/>
+          </p:nvPr>
+        </p:nvSpPr>
+        <p:spPr>
+          <a:xfrm>
+            <a:off x="381000" y="685800"/>
+            <a:ext cx="6096000" cy="3429000"/>
+          </a:xfrm>
+        </p:spPr>
+      </p:sp>
+      <p:sp>
+        <p:nvSpPr>
+          <p:cNvPr id="3" name="Espaço Reservado para Anotações 2"/>
+          <p:cNvSpPr>
+            <a:spLocks noGrp="1"/>
+          </p:cNvSpPr>
+          <p:nvPr>
+            <p:ph type="body" idx="1"/>
+          </p:nvPr>
+        </p:nvSpPr>
+        <p:spPr/>
+        <p:txBody>
+          <a:bodyPr/>
+          <a:lstStyle/>
+          <a:p>
+            <a:endParaRPr lang="pt-BR" dirty="0"/>
+          </a:p>
+        </p:txBody>
+      </p:sp>
+    </p:spTree>
+    <p:extLst>
+      <p:ext uri="{BB962C8B-B14F-4D97-AF65-F5344CB8AC3E}">
+        <p14:creationId xmlns:p14="http://schemas.microsoft.com/office/powerpoint/2010/main" val="3182935430"/>
+      </p:ext>
+    </p:extLst>
+  </p:cSld>
+  <p:clrMapOvr>
+    <a:masterClrMapping/>
+  </p:clrMapOvr>
+</p:notes>
+</file>
+
+<file path=ppt/notesSlides/notesSlide12.xml><?xml version="1.0" encoding="utf-8"?>
+<p:notes xmlns:a="http://schemas.openxmlformats.org/drawingml/2006/main" xmlns:r="http://schemas.openxmlformats.org/officeDocument/2006/relationships" xmlns:p="http://schemas.openxmlformats.org/presentationml/2006/main">
+  <p:cSld>
+    <p:spTree>
+      <p:nvGrpSpPr>
+        <p:cNvPr id="1" name=""/>
+        <p:cNvGrpSpPr/>
+        <p:nvPr/>
+      </p:nvGrpSpPr>
+      <p:grpSpPr>
+        <a:xfrm>
+          <a:off x="0" y="0"/>
+          <a:ext cx="0" cy="0"/>
+          <a:chOff x="0" y="0"/>
+          <a:chExt cx="0" cy="0"/>
+        </a:xfrm>
+      </p:grpSpPr>
+      <p:sp>
+        <p:nvSpPr>
+          <p:cNvPr id="2" name="Espaço Reservado para Imagem de Slide 1"/>
+          <p:cNvSpPr>
+            <a:spLocks noGrp="1" noRot="1" noChangeAspect="1"/>
+          </p:cNvSpPr>
+          <p:nvPr>
+            <p:ph type="sldImg"/>
+          </p:nvPr>
+        </p:nvSpPr>
+        <p:spPr>
+          <a:xfrm>
+            <a:off x="381000" y="685800"/>
+            <a:ext cx="6096000" cy="3429000"/>
+          </a:xfrm>
+        </p:spPr>
+      </p:sp>
+      <p:sp>
+        <p:nvSpPr>
+          <p:cNvPr id="3" name="Espaço Reservado para Anotações 2"/>
+          <p:cNvSpPr>
+            <a:spLocks noGrp="1"/>
+          </p:cNvSpPr>
+          <p:nvPr>
+            <p:ph type="body" idx="1"/>
+          </p:nvPr>
+        </p:nvSpPr>
+        <p:spPr/>
+        <p:txBody>
+          <a:bodyPr/>
+          <a:lstStyle/>
+          <a:p>
+            <a:endParaRPr lang="pt-BR" dirty="0"/>
+          </a:p>
+        </p:txBody>
+      </p:sp>
+    </p:spTree>
+    <p:extLst>
+      <p:ext uri="{BB962C8B-B14F-4D97-AF65-F5344CB8AC3E}">
+        <p14:creationId xmlns:p14="http://schemas.microsoft.com/office/powerpoint/2010/main" val="1508453726"/>
+      </p:ext>
+    </p:extLst>
+  </p:cSld>
+  <p:clrMapOvr>
+    <a:masterClrMapping/>
+  </p:clrMapOvr>
+</p:notes>
+</file>
+
+<file path=ppt/notesSlides/notesSlide13.xml><?xml version="1.0" encoding="utf-8"?>
+<p:notes xmlns:a="http://schemas.openxmlformats.org/drawingml/2006/main" xmlns:r="http://schemas.openxmlformats.org/officeDocument/2006/relationships" xmlns:p="http://schemas.openxmlformats.org/presentationml/2006/main">
+  <p:cSld>
+    <p:spTree>
+      <p:nvGrpSpPr>
+        <p:cNvPr id="1" name=""/>
+        <p:cNvGrpSpPr/>
+        <p:nvPr/>
+      </p:nvGrpSpPr>
+      <p:grpSpPr>
+        <a:xfrm>
+          <a:off x="0" y="0"/>
+          <a:ext cx="0" cy="0"/>
+          <a:chOff x="0" y="0"/>
+          <a:chExt cx="0" cy="0"/>
+        </a:xfrm>
+      </p:grpSpPr>
+      <p:sp>
+        <p:nvSpPr>
+          <p:cNvPr id="2" name="Espaço Reservado para Imagem de Slide 1"/>
+          <p:cNvSpPr>
+            <a:spLocks noGrp="1" noRot="1" noChangeAspect="1"/>
+          </p:cNvSpPr>
+          <p:nvPr>
+            <p:ph type="sldImg"/>
+          </p:nvPr>
+        </p:nvSpPr>
+        <p:spPr>
+          <a:xfrm>
+            <a:off x="381000" y="685800"/>
+            <a:ext cx="6096000" cy="3429000"/>
+          </a:xfrm>
+        </p:spPr>
+      </p:sp>
+      <p:sp>
+        <p:nvSpPr>
+          <p:cNvPr id="3" name="Espaço Reservado para Anotações 2"/>
+          <p:cNvSpPr>
+            <a:spLocks noGrp="1"/>
+          </p:cNvSpPr>
+          <p:nvPr>
+            <p:ph type="body" idx="1"/>
+          </p:nvPr>
+        </p:nvSpPr>
+        <p:spPr/>
+        <p:txBody>
+          <a:bodyPr/>
+          <a:lstStyle/>
+          <a:p>
+            <a:endParaRPr lang="pt-BR" dirty="0"/>
+          </a:p>
+        </p:txBody>
+      </p:sp>
+    </p:spTree>
+    <p:extLst>
+      <p:ext uri="{BB962C8B-B14F-4D97-AF65-F5344CB8AC3E}">
+        <p14:creationId xmlns:p14="http://schemas.microsoft.com/office/powerpoint/2010/main" val="1958444877"/>
+      </p:ext>
+    </p:extLst>
+  </p:cSld>
+  <p:clrMapOvr>
+    <a:masterClrMapping/>
+  </p:clrMapOvr>
+</p:notes>
+</file>
+
+<file path=ppt/notesSlides/notesSlide14.xml><?xml version="1.0" encoding="utf-8"?>
+<p:notes xmlns:a="http://schemas.openxmlformats.org/drawingml/2006/main" xmlns:r="http://schemas.openxmlformats.org/officeDocument/2006/relationships" xmlns:p="http://schemas.openxmlformats.org/presentationml/2006/main">
+  <p:cSld>
+    <p:spTree>
+      <p:nvGrpSpPr>
+        <p:cNvPr id="1" name=""/>
+        <p:cNvGrpSpPr/>
+        <p:nvPr/>
+      </p:nvGrpSpPr>
+      <p:grpSpPr>
+        <a:xfrm>
+          <a:off x="0" y="0"/>
+          <a:ext cx="0" cy="0"/>
+          <a:chOff x="0" y="0"/>
+          <a:chExt cx="0" cy="0"/>
+        </a:xfrm>
+      </p:grpSpPr>
+      <p:sp>
+        <p:nvSpPr>
+          <p:cNvPr id="2" name="Espaço Reservado para Imagem de Slide 1"/>
+          <p:cNvSpPr>
+            <a:spLocks noGrp="1" noRot="1" noChangeAspect="1"/>
+          </p:cNvSpPr>
+          <p:nvPr>
+            <p:ph type="sldImg"/>
+          </p:nvPr>
+        </p:nvSpPr>
+        <p:spPr>
+          <a:xfrm>
+            <a:off x="381000" y="685800"/>
+            <a:ext cx="6096000" cy="3429000"/>
+          </a:xfrm>
+        </p:spPr>
+      </p:sp>
+      <p:sp>
+        <p:nvSpPr>
+          <p:cNvPr id="3" name="Espaço Reservado para Anotações 2"/>
+          <p:cNvSpPr>
+            <a:spLocks noGrp="1"/>
+          </p:cNvSpPr>
+          <p:nvPr>
+            <p:ph type="body" idx="1"/>
+          </p:nvPr>
+        </p:nvSpPr>
+        <p:spPr/>
+        <p:txBody>
+          <a:bodyPr/>
+          <a:lstStyle/>
+          <a:p>
+            <a:endParaRPr lang="pt-BR" dirty="0"/>
+          </a:p>
+        </p:txBody>
+      </p:sp>
+    </p:spTree>
+    <p:extLst>
+      <p:ext uri="{BB962C8B-B14F-4D97-AF65-F5344CB8AC3E}">
+        <p14:creationId xmlns:p14="http://schemas.microsoft.com/office/powerpoint/2010/main" val="1703241009"/>
+      </p:ext>
+    </p:extLst>
+  </p:cSld>
+  <p:clrMapOvr>
+    <a:masterClrMapping/>
+  </p:clrMapOvr>
+</p:notes>
+</file>
+
+<file path=ppt/notesSlides/notesSlide15.xml><?xml version="1.0" encoding="utf-8"?>
+<p:notes xmlns:a="http://schemas.openxmlformats.org/drawingml/2006/main" xmlns:r="http://schemas.openxmlformats.org/officeDocument/2006/relationships" xmlns:p="http://schemas.openxmlformats.org/presentationml/2006/main">
+  <p:cSld>
+    <p:spTree>
+      <p:nvGrpSpPr>
+        <p:cNvPr id="1" name=""/>
+        <p:cNvGrpSpPr/>
+        <p:nvPr/>
+      </p:nvGrpSpPr>
+      <p:grpSpPr>
+        <a:xfrm>
+          <a:off x="0" y="0"/>
+          <a:ext cx="0" cy="0"/>
+          <a:chOff x="0" y="0"/>
+          <a:chExt cx="0" cy="0"/>
+        </a:xfrm>
+      </p:grpSpPr>
+      <p:sp>
+        <p:nvSpPr>
+          <p:cNvPr id="2" name="Espaço Reservado para Imagem de Slide 1"/>
+          <p:cNvSpPr>
+            <a:spLocks noGrp="1" noRot="1" noChangeAspect="1"/>
+          </p:cNvSpPr>
+          <p:nvPr>
+            <p:ph type="sldImg"/>
+          </p:nvPr>
+        </p:nvSpPr>
+        <p:spPr>
+          <a:xfrm>
+            <a:off x="381000" y="685800"/>
+            <a:ext cx="6096000" cy="3429000"/>
+          </a:xfrm>
+        </p:spPr>
+      </p:sp>
+      <p:sp>
+        <p:nvSpPr>
+          <p:cNvPr id="3" name="Espaço Reservado para Anotações 2"/>
+          <p:cNvSpPr>
+            <a:spLocks noGrp="1"/>
+          </p:cNvSpPr>
+          <p:nvPr>
+            <p:ph type="body" idx="1"/>
+          </p:nvPr>
+        </p:nvSpPr>
+        <p:spPr/>
+        <p:txBody>
+          <a:bodyPr/>
+          <a:lstStyle/>
+          <a:p>
+            <a:endParaRPr lang="pt-BR" dirty="0"/>
+          </a:p>
+        </p:txBody>
+      </p:sp>
+    </p:spTree>
+    <p:extLst>
+      <p:ext uri="{BB962C8B-B14F-4D97-AF65-F5344CB8AC3E}">
+        <p14:creationId xmlns:p14="http://schemas.microsoft.com/office/powerpoint/2010/main" val="3151457309"/>
+      </p:ext>
+    </p:extLst>
+  </p:cSld>
+  <p:clrMapOvr>
+    <a:masterClrMapping/>
+  </p:clrMapOvr>
+</p:notes>
+</file>
+
+<file path=ppt/notesSlides/notesSlide16.xml><?xml version="1.0" encoding="utf-8"?>
+<p:notes xmlns:a="http://schemas.openxmlformats.org/drawingml/2006/main" xmlns:r="http://schemas.openxmlformats.org/officeDocument/2006/relationships" xmlns:p="http://schemas.openxmlformats.org/presentationml/2006/main">
+  <p:cSld>
+    <p:spTree>
+      <p:nvGrpSpPr>
+        <p:cNvPr id="1" name=""/>
+        <p:cNvGrpSpPr/>
+        <p:nvPr/>
+      </p:nvGrpSpPr>
+      <p:grpSpPr>
+        <a:xfrm>
+          <a:off x="0" y="0"/>
+          <a:ext cx="0" cy="0"/>
+          <a:chOff x="0" y="0"/>
+          <a:chExt cx="0" cy="0"/>
+        </a:xfrm>
+      </p:grpSpPr>
+      <p:sp>
+        <p:nvSpPr>
+          <p:cNvPr id="2" name="Espaço Reservado para Imagem de Slide 1"/>
+          <p:cNvSpPr>
+            <a:spLocks noGrp="1" noRot="1" noChangeAspect="1"/>
+          </p:cNvSpPr>
+          <p:nvPr>
+            <p:ph type="sldImg"/>
+          </p:nvPr>
+        </p:nvSpPr>
+        <p:spPr>
+          <a:xfrm>
+            <a:off x="381000" y="685800"/>
+            <a:ext cx="6096000" cy="3429000"/>
+          </a:xfrm>
+        </p:spPr>
+      </p:sp>
+      <p:sp>
+        <p:nvSpPr>
+          <p:cNvPr id="3" name="Espaço Reservado para Anotações 2"/>
+          <p:cNvSpPr>
+            <a:spLocks noGrp="1"/>
+          </p:cNvSpPr>
+          <p:nvPr>
+            <p:ph type="body" idx="1"/>
+          </p:nvPr>
+        </p:nvSpPr>
+        <p:spPr/>
+        <p:txBody>
+          <a:bodyPr/>
+          <a:lstStyle/>
+          <a:p>
+            <a:endParaRPr lang="pt-BR" dirty="0"/>
+          </a:p>
+        </p:txBody>
+      </p:sp>
+    </p:spTree>
+    <p:extLst>
+      <p:ext uri="{BB962C8B-B14F-4D97-AF65-F5344CB8AC3E}">
+        <p14:creationId xmlns:p14="http://schemas.microsoft.com/office/powerpoint/2010/main" val="428438504"/>
+      </p:ext>
+    </p:extLst>
+  </p:cSld>
+  <p:clrMapOvr>
+    <a:masterClrMapping/>
+  </p:clrMapOvr>
+</p:notes>
+</file>
+
+<file path=ppt/notesSlides/notesSlide17.xml><?xml version="1.0" encoding="utf-8"?>
+<p:notes xmlns:a="http://schemas.openxmlformats.org/drawingml/2006/main" xmlns:r="http://schemas.openxmlformats.org/officeDocument/2006/relationships" xmlns:p="http://schemas.openxmlformats.org/presentationml/2006/main">
+  <p:cSld>
+    <p:spTree>
+      <p:nvGrpSpPr>
+        <p:cNvPr id="1" name=""/>
+        <p:cNvGrpSpPr/>
+        <p:nvPr/>
+      </p:nvGrpSpPr>
+      <p:grpSpPr>
+        <a:xfrm>
+          <a:off x="0" y="0"/>
+          <a:ext cx="0" cy="0"/>
+          <a:chOff x="0" y="0"/>
+          <a:chExt cx="0" cy="0"/>
+        </a:xfrm>
+      </p:grpSpPr>
+      <p:sp>
+        <p:nvSpPr>
+          <p:cNvPr id="2" name="Espaço Reservado para Imagem de Slide 1"/>
+          <p:cNvSpPr>
+            <a:spLocks noGrp="1" noRot="1" noChangeAspect="1"/>
+          </p:cNvSpPr>
+          <p:nvPr>
+            <p:ph type="sldImg"/>
+          </p:nvPr>
+        </p:nvSpPr>
+        <p:spPr>
+          <a:xfrm>
+            <a:off x="381000" y="685800"/>
+            <a:ext cx="6096000" cy="3429000"/>
+          </a:xfrm>
+        </p:spPr>
+      </p:sp>
+      <p:sp>
+        <p:nvSpPr>
+          <p:cNvPr id="3" name="Espaço Reservado para Anotações 2"/>
+          <p:cNvSpPr>
+            <a:spLocks noGrp="1"/>
+          </p:cNvSpPr>
+          <p:nvPr>
+            <p:ph type="body" idx="1"/>
+          </p:nvPr>
+        </p:nvSpPr>
+        <p:spPr/>
+        <p:txBody>
+          <a:bodyPr/>
+          <a:lstStyle/>
+          <a:p>
+            <a:endParaRPr lang="pt-BR" dirty="0"/>
+          </a:p>
+        </p:txBody>
+      </p:sp>
+    </p:spTree>
+    <p:extLst>
+      <p:ext uri="{BB962C8B-B14F-4D97-AF65-F5344CB8AC3E}">
+        <p14:creationId xmlns:p14="http://schemas.microsoft.com/office/powerpoint/2010/main" val="3035753547"/>
+      </p:ext>
+    </p:extLst>
+  </p:cSld>
+  <p:clrMapOvr>
+    <a:masterClrMapping/>
+  </p:clrMapOvr>
+</p:notes>
+</file>
+
+<file path=ppt/notesSlides/notesSlide18.xml><?xml version="1.0" encoding="utf-8"?>
+<p:notes xmlns:a="http://schemas.openxmlformats.org/drawingml/2006/main" xmlns:r="http://schemas.openxmlformats.org/officeDocument/2006/relationships" xmlns:p="http://schemas.openxmlformats.org/presentationml/2006/main">
+  <p:cSld>
+    <p:spTree>
+      <p:nvGrpSpPr>
+        <p:cNvPr id="1" name=""/>
+        <p:cNvGrpSpPr/>
+        <p:nvPr/>
+      </p:nvGrpSpPr>
+      <p:grpSpPr>
+        <a:xfrm>
+          <a:off x="0" y="0"/>
+          <a:ext cx="0" cy="0"/>
+          <a:chOff x="0" y="0"/>
+          <a:chExt cx="0" cy="0"/>
+        </a:xfrm>
+      </p:grpSpPr>
+      <p:sp>
+        <p:nvSpPr>
+          <p:cNvPr id="2" name="Espaço Reservado para Imagem de Slide 1"/>
+          <p:cNvSpPr>
+            <a:spLocks noGrp="1" noRot="1" noChangeAspect="1"/>
+          </p:cNvSpPr>
+          <p:nvPr>
+            <p:ph type="sldImg"/>
+          </p:nvPr>
+        </p:nvSpPr>
+        <p:spPr>
+          <a:xfrm>
+            <a:off x="381000" y="685800"/>
+            <a:ext cx="6096000" cy="3429000"/>
+          </a:xfrm>
+        </p:spPr>
+      </p:sp>
+      <p:sp>
+        <p:nvSpPr>
+          <p:cNvPr id="3" name="Espaço Reservado para Anotações 2"/>
+          <p:cNvSpPr>
+            <a:spLocks noGrp="1"/>
+          </p:cNvSpPr>
+          <p:nvPr>
+            <p:ph type="body" idx="1"/>
+          </p:nvPr>
+        </p:nvSpPr>
+        <p:spPr/>
+        <p:txBody>
+          <a:bodyPr/>
+          <a:lstStyle/>
+          <a:p>
+            <a:endParaRPr lang="pt-BR" dirty="0"/>
+          </a:p>
+        </p:txBody>
+      </p:sp>
+    </p:spTree>
+    <p:extLst>
+      <p:ext uri="{BB962C8B-B14F-4D97-AF65-F5344CB8AC3E}">
+        <p14:creationId xmlns:p14="http://schemas.microsoft.com/office/powerpoint/2010/main" val="225684915"/>
+      </p:ext>
+    </p:extLst>
+  </p:cSld>
+  <p:clrMapOvr>
+    <a:masterClrMapping/>
+  </p:clrMapOvr>
+</p:notes>
+</file>
+
+<file path=ppt/notesSlides/notesSlide19.xml><?xml version="1.0" encoding="utf-8"?>
+<p:notes xmlns:a="http://schemas.openxmlformats.org/drawingml/2006/main" xmlns:r="http://schemas.openxmlformats.org/officeDocument/2006/relationships" xmlns:p="http://schemas.openxmlformats.org/presentationml/2006/main">
+  <p:cSld>
+    <p:spTree>
+      <p:nvGrpSpPr>
+        <p:cNvPr id="1" name=""/>
+        <p:cNvGrpSpPr/>
+        <p:nvPr/>
+      </p:nvGrpSpPr>
+      <p:grpSpPr>
+        <a:xfrm>
+          <a:off x="0" y="0"/>
+          <a:ext cx="0" cy="0"/>
+          <a:chOff x="0" y="0"/>
+          <a:chExt cx="0" cy="0"/>
+        </a:xfrm>
+      </p:grpSpPr>
+      <p:sp>
+        <p:nvSpPr>
+          <p:cNvPr id="2" name="Espaço Reservado para Imagem de Slide 1"/>
+          <p:cNvSpPr>
+            <a:spLocks noGrp="1" noRot="1" noChangeAspect="1"/>
+          </p:cNvSpPr>
+          <p:nvPr>
+            <p:ph type="sldImg"/>
+          </p:nvPr>
+        </p:nvSpPr>
+        <p:spPr>
+          <a:xfrm>
+            <a:off x="381000" y="685800"/>
+            <a:ext cx="6096000" cy="3429000"/>
+          </a:xfrm>
+        </p:spPr>
+      </p:sp>
+      <p:sp>
+        <p:nvSpPr>
+          <p:cNvPr id="3" name="Espaço Reservado para Anotações 2"/>
+          <p:cNvSpPr>
+            <a:spLocks noGrp="1"/>
+          </p:cNvSpPr>
+          <p:nvPr>
+            <p:ph type="body" idx="1"/>
+          </p:nvPr>
+        </p:nvSpPr>
+        <p:spPr/>
+        <p:txBody>
+          <a:bodyPr/>
+          <a:lstStyle/>
+          <a:p>
+            <a:endParaRPr lang="pt-BR" dirty="0"/>
+          </a:p>
+        </p:txBody>
+      </p:sp>
+    </p:spTree>
+    <p:extLst>
+      <p:ext uri="{BB962C8B-B14F-4D97-AF65-F5344CB8AC3E}">
+        <p14:creationId xmlns:p14="http://schemas.microsoft.com/office/powerpoint/2010/main" val="1974340990"/>
+      </p:ext>
+    </p:extLst>
+  </p:cSld>
+  <p:clrMapOvr>
+    <a:masterClrMapping/>
+  </p:clrMapOvr>
+</p:notes>
+</file>
+
 <file path=ppt/notesSlides/notesSlide2.xml><?xml version="1.0" encoding="utf-8"?>
 <p:notes xmlns:a="http://schemas.openxmlformats.org/drawingml/2006/main" xmlns:r="http://schemas.openxmlformats.org/officeDocument/2006/relationships" xmlns:p="http://schemas.openxmlformats.org/presentationml/2006/main">
   <p:cSld>
@@ -622,6 +1304,666 @@
     <p:extLst>
       <p:ext uri="{BB962C8B-B14F-4D97-AF65-F5344CB8AC3E}">
         <p14:creationId xmlns:p14="http://schemas.microsoft.com/office/powerpoint/2010/main" val="2998481219"/>
+      </p:ext>
+    </p:extLst>
+  </p:cSld>
+  <p:clrMapOvr>
+    <a:masterClrMapping/>
+  </p:clrMapOvr>
+</p:notes>
+</file>
+
+<file path=ppt/notesSlides/notesSlide20.xml><?xml version="1.0" encoding="utf-8"?>
+<p:notes xmlns:a="http://schemas.openxmlformats.org/drawingml/2006/main" xmlns:r="http://schemas.openxmlformats.org/officeDocument/2006/relationships" xmlns:p="http://schemas.openxmlformats.org/presentationml/2006/main">
+  <p:cSld>
+    <p:spTree>
+      <p:nvGrpSpPr>
+        <p:cNvPr id="1" name=""/>
+        <p:cNvGrpSpPr/>
+        <p:nvPr/>
+      </p:nvGrpSpPr>
+      <p:grpSpPr>
+        <a:xfrm>
+          <a:off x="0" y="0"/>
+          <a:ext cx="0" cy="0"/>
+          <a:chOff x="0" y="0"/>
+          <a:chExt cx="0" cy="0"/>
+        </a:xfrm>
+      </p:grpSpPr>
+      <p:sp>
+        <p:nvSpPr>
+          <p:cNvPr id="2" name="Espaço Reservado para Imagem de Slide 1"/>
+          <p:cNvSpPr>
+            <a:spLocks noGrp="1" noRot="1" noChangeAspect="1"/>
+          </p:cNvSpPr>
+          <p:nvPr>
+            <p:ph type="sldImg"/>
+          </p:nvPr>
+        </p:nvSpPr>
+        <p:spPr>
+          <a:xfrm>
+            <a:off x="381000" y="685800"/>
+            <a:ext cx="6096000" cy="3429000"/>
+          </a:xfrm>
+        </p:spPr>
+      </p:sp>
+      <p:sp>
+        <p:nvSpPr>
+          <p:cNvPr id="3" name="Espaço Reservado para Anotações 2"/>
+          <p:cNvSpPr>
+            <a:spLocks noGrp="1"/>
+          </p:cNvSpPr>
+          <p:nvPr>
+            <p:ph type="body" idx="1"/>
+          </p:nvPr>
+        </p:nvSpPr>
+        <p:spPr/>
+        <p:txBody>
+          <a:bodyPr/>
+          <a:lstStyle/>
+          <a:p>
+            <a:endParaRPr lang="pt-BR" dirty="0"/>
+          </a:p>
+        </p:txBody>
+      </p:sp>
+    </p:spTree>
+    <p:extLst>
+      <p:ext uri="{BB962C8B-B14F-4D97-AF65-F5344CB8AC3E}">
+        <p14:creationId xmlns:p14="http://schemas.microsoft.com/office/powerpoint/2010/main" val="1119318711"/>
+      </p:ext>
+    </p:extLst>
+  </p:cSld>
+  <p:clrMapOvr>
+    <a:masterClrMapping/>
+  </p:clrMapOvr>
+</p:notes>
+</file>
+
+<file path=ppt/notesSlides/notesSlide21.xml><?xml version="1.0" encoding="utf-8"?>
+<p:notes xmlns:a="http://schemas.openxmlformats.org/drawingml/2006/main" xmlns:r="http://schemas.openxmlformats.org/officeDocument/2006/relationships" xmlns:p="http://schemas.openxmlformats.org/presentationml/2006/main">
+  <p:cSld>
+    <p:spTree>
+      <p:nvGrpSpPr>
+        <p:cNvPr id="1" name=""/>
+        <p:cNvGrpSpPr/>
+        <p:nvPr/>
+      </p:nvGrpSpPr>
+      <p:grpSpPr>
+        <a:xfrm>
+          <a:off x="0" y="0"/>
+          <a:ext cx="0" cy="0"/>
+          <a:chOff x="0" y="0"/>
+          <a:chExt cx="0" cy="0"/>
+        </a:xfrm>
+      </p:grpSpPr>
+      <p:sp>
+        <p:nvSpPr>
+          <p:cNvPr id="2" name="Espaço Reservado para Imagem de Slide 1"/>
+          <p:cNvSpPr>
+            <a:spLocks noGrp="1" noRot="1" noChangeAspect="1"/>
+          </p:cNvSpPr>
+          <p:nvPr>
+            <p:ph type="sldImg"/>
+          </p:nvPr>
+        </p:nvSpPr>
+        <p:spPr>
+          <a:xfrm>
+            <a:off x="381000" y="685800"/>
+            <a:ext cx="6096000" cy="3429000"/>
+          </a:xfrm>
+        </p:spPr>
+      </p:sp>
+      <p:sp>
+        <p:nvSpPr>
+          <p:cNvPr id="3" name="Espaço Reservado para Anotações 2"/>
+          <p:cNvSpPr>
+            <a:spLocks noGrp="1"/>
+          </p:cNvSpPr>
+          <p:nvPr>
+            <p:ph type="body" idx="1"/>
+          </p:nvPr>
+        </p:nvSpPr>
+        <p:spPr/>
+        <p:txBody>
+          <a:bodyPr/>
+          <a:lstStyle/>
+          <a:p>
+            <a:endParaRPr lang="pt-BR" dirty="0"/>
+          </a:p>
+        </p:txBody>
+      </p:sp>
+    </p:spTree>
+    <p:extLst>
+      <p:ext uri="{BB962C8B-B14F-4D97-AF65-F5344CB8AC3E}">
+        <p14:creationId xmlns:p14="http://schemas.microsoft.com/office/powerpoint/2010/main" val="3426676449"/>
+      </p:ext>
+    </p:extLst>
+  </p:cSld>
+  <p:clrMapOvr>
+    <a:masterClrMapping/>
+  </p:clrMapOvr>
+</p:notes>
+</file>
+
+<file path=ppt/notesSlides/notesSlide22.xml><?xml version="1.0" encoding="utf-8"?>
+<p:notes xmlns:a="http://schemas.openxmlformats.org/drawingml/2006/main" xmlns:r="http://schemas.openxmlformats.org/officeDocument/2006/relationships" xmlns:p="http://schemas.openxmlformats.org/presentationml/2006/main">
+  <p:cSld>
+    <p:spTree>
+      <p:nvGrpSpPr>
+        <p:cNvPr id="1" name=""/>
+        <p:cNvGrpSpPr/>
+        <p:nvPr/>
+      </p:nvGrpSpPr>
+      <p:grpSpPr>
+        <a:xfrm>
+          <a:off x="0" y="0"/>
+          <a:ext cx="0" cy="0"/>
+          <a:chOff x="0" y="0"/>
+          <a:chExt cx="0" cy="0"/>
+        </a:xfrm>
+      </p:grpSpPr>
+      <p:sp>
+        <p:nvSpPr>
+          <p:cNvPr id="2" name="Espaço Reservado para Imagem de Slide 1"/>
+          <p:cNvSpPr>
+            <a:spLocks noGrp="1" noRot="1" noChangeAspect="1"/>
+          </p:cNvSpPr>
+          <p:nvPr>
+            <p:ph type="sldImg"/>
+          </p:nvPr>
+        </p:nvSpPr>
+        <p:spPr>
+          <a:xfrm>
+            <a:off x="381000" y="685800"/>
+            <a:ext cx="6096000" cy="3429000"/>
+          </a:xfrm>
+        </p:spPr>
+      </p:sp>
+      <p:sp>
+        <p:nvSpPr>
+          <p:cNvPr id="3" name="Espaço Reservado para Anotações 2"/>
+          <p:cNvSpPr>
+            <a:spLocks noGrp="1"/>
+          </p:cNvSpPr>
+          <p:nvPr>
+            <p:ph type="body" idx="1"/>
+          </p:nvPr>
+        </p:nvSpPr>
+        <p:spPr/>
+        <p:txBody>
+          <a:bodyPr/>
+          <a:lstStyle/>
+          <a:p>
+            <a:endParaRPr lang="pt-BR" dirty="0"/>
+          </a:p>
+        </p:txBody>
+      </p:sp>
+    </p:spTree>
+    <p:extLst>
+      <p:ext uri="{BB962C8B-B14F-4D97-AF65-F5344CB8AC3E}">
+        <p14:creationId xmlns:p14="http://schemas.microsoft.com/office/powerpoint/2010/main" val="1662896905"/>
+      </p:ext>
+    </p:extLst>
+  </p:cSld>
+  <p:clrMapOvr>
+    <a:masterClrMapping/>
+  </p:clrMapOvr>
+</p:notes>
+</file>
+
+<file path=ppt/notesSlides/notesSlide23.xml><?xml version="1.0" encoding="utf-8"?>
+<p:notes xmlns:a="http://schemas.openxmlformats.org/drawingml/2006/main" xmlns:r="http://schemas.openxmlformats.org/officeDocument/2006/relationships" xmlns:p="http://schemas.openxmlformats.org/presentationml/2006/main">
+  <p:cSld>
+    <p:spTree>
+      <p:nvGrpSpPr>
+        <p:cNvPr id="1" name=""/>
+        <p:cNvGrpSpPr/>
+        <p:nvPr/>
+      </p:nvGrpSpPr>
+      <p:grpSpPr>
+        <a:xfrm>
+          <a:off x="0" y="0"/>
+          <a:ext cx="0" cy="0"/>
+          <a:chOff x="0" y="0"/>
+          <a:chExt cx="0" cy="0"/>
+        </a:xfrm>
+      </p:grpSpPr>
+      <p:sp>
+        <p:nvSpPr>
+          <p:cNvPr id="2" name="Espaço Reservado para Imagem de Slide 1"/>
+          <p:cNvSpPr>
+            <a:spLocks noGrp="1" noRot="1" noChangeAspect="1"/>
+          </p:cNvSpPr>
+          <p:nvPr>
+            <p:ph type="sldImg"/>
+          </p:nvPr>
+        </p:nvSpPr>
+        <p:spPr>
+          <a:xfrm>
+            <a:off x="381000" y="685800"/>
+            <a:ext cx="6096000" cy="3429000"/>
+          </a:xfrm>
+        </p:spPr>
+      </p:sp>
+      <p:sp>
+        <p:nvSpPr>
+          <p:cNvPr id="3" name="Espaço Reservado para Anotações 2"/>
+          <p:cNvSpPr>
+            <a:spLocks noGrp="1"/>
+          </p:cNvSpPr>
+          <p:nvPr>
+            <p:ph type="body" idx="1"/>
+          </p:nvPr>
+        </p:nvSpPr>
+        <p:spPr/>
+        <p:txBody>
+          <a:bodyPr/>
+          <a:lstStyle/>
+          <a:p>
+            <a:endParaRPr lang="pt-BR" dirty="0"/>
+          </a:p>
+        </p:txBody>
+      </p:sp>
+    </p:spTree>
+    <p:extLst>
+      <p:ext uri="{BB962C8B-B14F-4D97-AF65-F5344CB8AC3E}">
+        <p14:creationId xmlns:p14="http://schemas.microsoft.com/office/powerpoint/2010/main" val="3930728504"/>
+      </p:ext>
+    </p:extLst>
+  </p:cSld>
+  <p:clrMapOvr>
+    <a:masterClrMapping/>
+  </p:clrMapOvr>
+</p:notes>
+</file>
+
+<file path=ppt/notesSlides/notesSlide24.xml><?xml version="1.0" encoding="utf-8"?>
+<p:notes xmlns:a="http://schemas.openxmlformats.org/drawingml/2006/main" xmlns:r="http://schemas.openxmlformats.org/officeDocument/2006/relationships" xmlns:p="http://schemas.openxmlformats.org/presentationml/2006/main">
+  <p:cSld>
+    <p:spTree>
+      <p:nvGrpSpPr>
+        <p:cNvPr id="1" name=""/>
+        <p:cNvGrpSpPr/>
+        <p:nvPr/>
+      </p:nvGrpSpPr>
+      <p:grpSpPr>
+        <a:xfrm>
+          <a:off x="0" y="0"/>
+          <a:ext cx="0" cy="0"/>
+          <a:chOff x="0" y="0"/>
+          <a:chExt cx="0" cy="0"/>
+        </a:xfrm>
+      </p:grpSpPr>
+      <p:sp>
+        <p:nvSpPr>
+          <p:cNvPr id="2" name="Espaço Reservado para Imagem de Slide 1"/>
+          <p:cNvSpPr>
+            <a:spLocks noGrp="1" noRot="1" noChangeAspect="1"/>
+          </p:cNvSpPr>
+          <p:nvPr>
+            <p:ph type="sldImg"/>
+          </p:nvPr>
+        </p:nvSpPr>
+        <p:spPr>
+          <a:xfrm>
+            <a:off x="381000" y="685800"/>
+            <a:ext cx="6096000" cy="3429000"/>
+          </a:xfrm>
+        </p:spPr>
+      </p:sp>
+      <p:sp>
+        <p:nvSpPr>
+          <p:cNvPr id="3" name="Espaço Reservado para Anotações 2"/>
+          <p:cNvSpPr>
+            <a:spLocks noGrp="1"/>
+          </p:cNvSpPr>
+          <p:nvPr>
+            <p:ph type="body" idx="1"/>
+          </p:nvPr>
+        </p:nvSpPr>
+        <p:spPr/>
+        <p:txBody>
+          <a:bodyPr/>
+          <a:lstStyle/>
+          <a:p>
+            <a:endParaRPr lang="pt-BR" dirty="0"/>
+          </a:p>
+        </p:txBody>
+      </p:sp>
+    </p:spTree>
+    <p:extLst>
+      <p:ext uri="{BB962C8B-B14F-4D97-AF65-F5344CB8AC3E}">
+        <p14:creationId xmlns:p14="http://schemas.microsoft.com/office/powerpoint/2010/main" val="2978311286"/>
+      </p:ext>
+    </p:extLst>
+  </p:cSld>
+  <p:clrMapOvr>
+    <a:masterClrMapping/>
+  </p:clrMapOvr>
+</p:notes>
+</file>
+
+<file path=ppt/notesSlides/notesSlide25.xml><?xml version="1.0" encoding="utf-8"?>
+<p:notes xmlns:a="http://schemas.openxmlformats.org/drawingml/2006/main" xmlns:r="http://schemas.openxmlformats.org/officeDocument/2006/relationships" xmlns:p="http://schemas.openxmlformats.org/presentationml/2006/main">
+  <p:cSld>
+    <p:spTree>
+      <p:nvGrpSpPr>
+        <p:cNvPr id="1" name=""/>
+        <p:cNvGrpSpPr/>
+        <p:nvPr/>
+      </p:nvGrpSpPr>
+      <p:grpSpPr>
+        <a:xfrm>
+          <a:off x="0" y="0"/>
+          <a:ext cx="0" cy="0"/>
+          <a:chOff x="0" y="0"/>
+          <a:chExt cx="0" cy="0"/>
+        </a:xfrm>
+      </p:grpSpPr>
+      <p:sp>
+        <p:nvSpPr>
+          <p:cNvPr id="2" name="Espaço Reservado para Imagem de Slide 1"/>
+          <p:cNvSpPr>
+            <a:spLocks noGrp="1" noRot="1" noChangeAspect="1"/>
+          </p:cNvSpPr>
+          <p:nvPr>
+            <p:ph type="sldImg"/>
+          </p:nvPr>
+        </p:nvSpPr>
+        <p:spPr>
+          <a:xfrm>
+            <a:off x="381000" y="685800"/>
+            <a:ext cx="6096000" cy="3429000"/>
+          </a:xfrm>
+        </p:spPr>
+      </p:sp>
+      <p:sp>
+        <p:nvSpPr>
+          <p:cNvPr id="3" name="Espaço Reservado para Anotações 2"/>
+          <p:cNvSpPr>
+            <a:spLocks noGrp="1"/>
+          </p:cNvSpPr>
+          <p:nvPr>
+            <p:ph type="body" idx="1"/>
+          </p:nvPr>
+        </p:nvSpPr>
+        <p:spPr/>
+        <p:txBody>
+          <a:bodyPr/>
+          <a:lstStyle/>
+          <a:p>
+            <a:endParaRPr lang="pt-BR" dirty="0"/>
+          </a:p>
+        </p:txBody>
+      </p:sp>
+    </p:spTree>
+    <p:extLst>
+      <p:ext uri="{BB962C8B-B14F-4D97-AF65-F5344CB8AC3E}">
+        <p14:creationId xmlns:p14="http://schemas.microsoft.com/office/powerpoint/2010/main" val="1272119175"/>
+      </p:ext>
+    </p:extLst>
+  </p:cSld>
+  <p:clrMapOvr>
+    <a:masterClrMapping/>
+  </p:clrMapOvr>
+</p:notes>
+</file>
+
+<file path=ppt/notesSlides/notesSlide26.xml><?xml version="1.0" encoding="utf-8"?>
+<p:notes xmlns:a="http://schemas.openxmlformats.org/drawingml/2006/main" xmlns:r="http://schemas.openxmlformats.org/officeDocument/2006/relationships" xmlns:p="http://schemas.openxmlformats.org/presentationml/2006/main">
+  <p:cSld>
+    <p:spTree>
+      <p:nvGrpSpPr>
+        <p:cNvPr id="1" name=""/>
+        <p:cNvGrpSpPr/>
+        <p:nvPr/>
+      </p:nvGrpSpPr>
+      <p:grpSpPr>
+        <a:xfrm>
+          <a:off x="0" y="0"/>
+          <a:ext cx="0" cy="0"/>
+          <a:chOff x="0" y="0"/>
+          <a:chExt cx="0" cy="0"/>
+        </a:xfrm>
+      </p:grpSpPr>
+      <p:sp>
+        <p:nvSpPr>
+          <p:cNvPr id="2" name="Espaço Reservado para Imagem de Slide 1"/>
+          <p:cNvSpPr>
+            <a:spLocks noGrp="1" noRot="1" noChangeAspect="1"/>
+          </p:cNvSpPr>
+          <p:nvPr>
+            <p:ph type="sldImg"/>
+          </p:nvPr>
+        </p:nvSpPr>
+        <p:spPr>
+          <a:xfrm>
+            <a:off x="381000" y="685800"/>
+            <a:ext cx="6096000" cy="3429000"/>
+          </a:xfrm>
+        </p:spPr>
+      </p:sp>
+      <p:sp>
+        <p:nvSpPr>
+          <p:cNvPr id="3" name="Espaço Reservado para Anotações 2"/>
+          <p:cNvSpPr>
+            <a:spLocks noGrp="1"/>
+          </p:cNvSpPr>
+          <p:nvPr>
+            <p:ph type="body" idx="1"/>
+          </p:nvPr>
+        </p:nvSpPr>
+        <p:spPr/>
+        <p:txBody>
+          <a:bodyPr/>
+          <a:lstStyle/>
+          <a:p>
+            <a:endParaRPr lang="pt-BR" dirty="0"/>
+          </a:p>
+        </p:txBody>
+      </p:sp>
+    </p:spTree>
+    <p:extLst>
+      <p:ext uri="{BB962C8B-B14F-4D97-AF65-F5344CB8AC3E}">
+        <p14:creationId xmlns:p14="http://schemas.microsoft.com/office/powerpoint/2010/main" val="1692361433"/>
+      </p:ext>
+    </p:extLst>
+  </p:cSld>
+  <p:clrMapOvr>
+    <a:masterClrMapping/>
+  </p:clrMapOvr>
+</p:notes>
+</file>
+
+<file path=ppt/notesSlides/notesSlide27.xml><?xml version="1.0" encoding="utf-8"?>
+<p:notes xmlns:a="http://schemas.openxmlformats.org/drawingml/2006/main" xmlns:r="http://schemas.openxmlformats.org/officeDocument/2006/relationships" xmlns:p="http://schemas.openxmlformats.org/presentationml/2006/main">
+  <p:cSld>
+    <p:spTree>
+      <p:nvGrpSpPr>
+        <p:cNvPr id="1" name=""/>
+        <p:cNvGrpSpPr/>
+        <p:nvPr/>
+      </p:nvGrpSpPr>
+      <p:grpSpPr>
+        <a:xfrm>
+          <a:off x="0" y="0"/>
+          <a:ext cx="0" cy="0"/>
+          <a:chOff x="0" y="0"/>
+          <a:chExt cx="0" cy="0"/>
+        </a:xfrm>
+      </p:grpSpPr>
+      <p:sp>
+        <p:nvSpPr>
+          <p:cNvPr id="2" name="Espaço Reservado para Imagem de Slide 1"/>
+          <p:cNvSpPr>
+            <a:spLocks noGrp="1" noRot="1" noChangeAspect="1"/>
+          </p:cNvSpPr>
+          <p:nvPr>
+            <p:ph type="sldImg"/>
+          </p:nvPr>
+        </p:nvSpPr>
+        <p:spPr>
+          <a:xfrm>
+            <a:off x="381000" y="685800"/>
+            <a:ext cx="6096000" cy="3429000"/>
+          </a:xfrm>
+        </p:spPr>
+      </p:sp>
+      <p:sp>
+        <p:nvSpPr>
+          <p:cNvPr id="3" name="Espaço Reservado para Anotações 2"/>
+          <p:cNvSpPr>
+            <a:spLocks noGrp="1"/>
+          </p:cNvSpPr>
+          <p:nvPr>
+            <p:ph type="body" idx="1"/>
+          </p:nvPr>
+        </p:nvSpPr>
+        <p:spPr/>
+        <p:txBody>
+          <a:bodyPr/>
+          <a:lstStyle/>
+          <a:p>
+            <a:endParaRPr lang="pt-BR" dirty="0"/>
+          </a:p>
+        </p:txBody>
+      </p:sp>
+    </p:spTree>
+    <p:extLst>
+      <p:ext uri="{BB962C8B-B14F-4D97-AF65-F5344CB8AC3E}">
+        <p14:creationId xmlns:p14="http://schemas.microsoft.com/office/powerpoint/2010/main" val="590613372"/>
+      </p:ext>
+    </p:extLst>
+  </p:cSld>
+  <p:clrMapOvr>
+    <a:masterClrMapping/>
+  </p:clrMapOvr>
+</p:notes>
+</file>
+
+<file path=ppt/notesSlides/notesSlide28.xml><?xml version="1.0" encoding="utf-8"?>
+<p:notes xmlns:a="http://schemas.openxmlformats.org/drawingml/2006/main" xmlns:r="http://schemas.openxmlformats.org/officeDocument/2006/relationships" xmlns:p="http://schemas.openxmlformats.org/presentationml/2006/main">
+  <p:cSld>
+    <p:spTree>
+      <p:nvGrpSpPr>
+        <p:cNvPr id="1" name=""/>
+        <p:cNvGrpSpPr/>
+        <p:nvPr/>
+      </p:nvGrpSpPr>
+      <p:grpSpPr>
+        <a:xfrm>
+          <a:off x="0" y="0"/>
+          <a:ext cx="0" cy="0"/>
+          <a:chOff x="0" y="0"/>
+          <a:chExt cx="0" cy="0"/>
+        </a:xfrm>
+      </p:grpSpPr>
+      <p:sp>
+        <p:nvSpPr>
+          <p:cNvPr id="2" name="Espaço Reservado para Imagem de Slide 1"/>
+          <p:cNvSpPr>
+            <a:spLocks noGrp="1" noRot="1" noChangeAspect="1"/>
+          </p:cNvSpPr>
+          <p:nvPr>
+            <p:ph type="sldImg"/>
+          </p:nvPr>
+        </p:nvSpPr>
+        <p:spPr>
+          <a:xfrm>
+            <a:off x="381000" y="685800"/>
+            <a:ext cx="6096000" cy="3429000"/>
+          </a:xfrm>
+        </p:spPr>
+      </p:sp>
+      <p:sp>
+        <p:nvSpPr>
+          <p:cNvPr id="3" name="Espaço Reservado para Anotações 2"/>
+          <p:cNvSpPr>
+            <a:spLocks noGrp="1"/>
+          </p:cNvSpPr>
+          <p:nvPr>
+            <p:ph type="body" idx="1"/>
+          </p:nvPr>
+        </p:nvSpPr>
+        <p:spPr/>
+        <p:txBody>
+          <a:bodyPr/>
+          <a:lstStyle/>
+          <a:p>
+            <a:endParaRPr lang="pt-BR" dirty="0"/>
+          </a:p>
+        </p:txBody>
+      </p:sp>
+    </p:spTree>
+    <p:extLst>
+      <p:ext uri="{BB962C8B-B14F-4D97-AF65-F5344CB8AC3E}">
+        <p14:creationId xmlns:p14="http://schemas.microsoft.com/office/powerpoint/2010/main" val="585304384"/>
+      </p:ext>
+    </p:extLst>
+  </p:cSld>
+  <p:clrMapOvr>
+    <a:masterClrMapping/>
+  </p:clrMapOvr>
+</p:notes>
+</file>
+
+<file path=ppt/notesSlides/notesSlide29.xml><?xml version="1.0" encoding="utf-8"?>
+<p:notes xmlns:a="http://schemas.openxmlformats.org/drawingml/2006/main" xmlns:r="http://schemas.openxmlformats.org/officeDocument/2006/relationships" xmlns:p="http://schemas.openxmlformats.org/presentationml/2006/main">
+  <p:cSld>
+    <p:spTree>
+      <p:nvGrpSpPr>
+        <p:cNvPr id="1" name=""/>
+        <p:cNvGrpSpPr/>
+        <p:nvPr/>
+      </p:nvGrpSpPr>
+      <p:grpSpPr>
+        <a:xfrm>
+          <a:off x="0" y="0"/>
+          <a:ext cx="0" cy="0"/>
+          <a:chOff x="0" y="0"/>
+          <a:chExt cx="0" cy="0"/>
+        </a:xfrm>
+      </p:grpSpPr>
+      <p:sp>
+        <p:nvSpPr>
+          <p:cNvPr id="2" name="Espaço Reservado para Imagem de Slide 1"/>
+          <p:cNvSpPr>
+            <a:spLocks noGrp="1" noRot="1" noChangeAspect="1"/>
+          </p:cNvSpPr>
+          <p:nvPr>
+            <p:ph type="sldImg"/>
+          </p:nvPr>
+        </p:nvSpPr>
+        <p:spPr>
+          <a:xfrm>
+            <a:off x="381000" y="685800"/>
+            <a:ext cx="6096000" cy="3429000"/>
+          </a:xfrm>
+        </p:spPr>
+      </p:sp>
+      <p:sp>
+        <p:nvSpPr>
+          <p:cNvPr id="3" name="Espaço Reservado para Anotações 2"/>
+          <p:cNvSpPr>
+            <a:spLocks noGrp="1"/>
+          </p:cNvSpPr>
+          <p:nvPr>
+            <p:ph type="body" idx="1"/>
+          </p:nvPr>
+        </p:nvSpPr>
+        <p:spPr/>
+        <p:txBody>
+          <a:bodyPr/>
+          <a:lstStyle/>
+          <a:p>
+            <a:endParaRPr lang="pt-BR" dirty="0"/>
+          </a:p>
+        </p:txBody>
+      </p:sp>
+    </p:spTree>
+    <p:extLst>
+      <p:ext uri="{BB962C8B-B14F-4D97-AF65-F5344CB8AC3E}">
+        <p14:creationId xmlns:p14="http://schemas.microsoft.com/office/powerpoint/2010/main" val="2709569597"/>
       </p:ext>
     </p:extLst>
   </p:cSld>
@@ -687,7 +2029,139 @@
     </p:spTree>
     <p:extLst>
       <p:ext uri="{BB962C8B-B14F-4D97-AF65-F5344CB8AC3E}">
-        <p14:creationId xmlns:p14="http://schemas.microsoft.com/office/powerpoint/2010/main" val="3035753547"/>
+        <p14:creationId xmlns:p14="http://schemas.microsoft.com/office/powerpoint/2010/main" val="928491574"/>
+      </p:ext>
+    </p:extLst>
+  </p:cSld>
+  <p:clrMapOvr>
+    <a:masterClrMapping/>
+  </p:clrMapOvr>
+</p:notes>
+</file>
+
+<file path=ppt/notesSlides/notesSlide30.xml><?xml version="1.0" encoding="utf-8"?>
+<p:notes xmlns:a="http://schemas.openxmlformats.org/drawingml/2006/main" xmlns:r="http://schemas.openxmlformats.org/officeDocument/2006/relationships" xmlns:p="http://schemas.openxmlformats.org/presentationml/2006/main">
+  <p:cSld>
+    <p:spTree>
+      <p:nvGrpSpPr>
+        <p:cNvPr id="1" name=""/>
+        <p:cNvGrpSpPr/>
+        <p:nvPr/>
+      </p:nvGrpSpPr>
+      <p:grpSpPr>
+        <a:xfrm>
+          <a:off x="0" y="0"/>
+          <a:ext cx="0" cy="0"/>
+          <a:chOff x="0" y="0"/>
+          <a:chExt cx="0" cy="0"/>
+        </a:xfrm>
+      </p:grpSpPr>
+      <p:sp>
+        <p:nvSpPr>
+          <p:cNvPr id="2" name="Espaço Reservado para Imagem de Slide 1"/>
+          <p:cNvSpPr>
+            <a:spLocks noGrp="1" noRot="1" noChangeAspect="1"/>
+          </p:cNvSpPr>
+          <p:nvPr>
+            <p:ph type="sldImg"/>
+          </p:nvPr>
+        </p:nvSpPr>
+        <p:spPr>
+          <a:xfrm>
+            <a:off x="381000" y="685800"/>
+            <a:ext cx="6096000" cy="3429000"/>
+          </a:xfrm>
+        </p:spPr>
+      </p:sp>
+      <p:sp>
+        <p:nvSpPr>
+          <p:cNvPr id="3" name="Espaço Reservado para Anotações 2"/>
+          <p:cNvSpPr>
+            <a:spLocks noGrp="1"/>
+          </p:cNvSpPr>
+          <p:nvPr>
+            <p:ph type="body" idx="1"/>
+          </p:nvPr>
+        </p:nvSpPr>
+        <p:spPr/>
+        <p:txBody>
+          <a:bodyPr/>
+          <a:lstStyle/>
+          <a:p>
+            <a:endParaRPr lang="pt-BR" dirty="0"/>
+          </a:p>
+        </p:txBody>
+      </p:sp>
+    </p:spTree>
+    <p:extLst>
+      <p:ext uri="{BB962C8B-B14F-4D97-AF65-F5344CB8AC3E}">
+        <p14:creationId xmlns:p14="http://schemas.microsoft.com/office/powerpoint/2010/main" val="3863516043"/>
+      </p:ext>
+    </p:extLst>
+  </p:cSld>
+  <p:clrMapOvr>
+    <a:masterClrMapping/>
+  </p:clrMapOvr>
+</p:notes>
+</file>
+
+<file path=ppt/notesSlides/notesSlide31.xml><?xml version="1.0" encoding="utf-8"?>
+<p:notes xmlns:a="http://schemas.openxmlformats.org/drawingml/2006/main" xmlns:r="http://schemas.openxmlformats.org/officeDocument/2006/relationships" xmlns:p="http://schemas.openxmlformats.org/presentationml/2006/main">
+  <p:cSld>
+    <p:spTree>
+      <p:nvGrpSpPr>
+        <p:cNvPr id="1" name=""/>
+        <p:cNvGrpSpPr/>
+        <p:nvPr/>
+      </p:nvGrpSpPr>
+      <p:grpSpPr>
+        <a:xfrm>
+          <a:off x="0" y="0"/>
+          <a:ext cx="0" cy="0"/>
+          <a:chOff x="0" y="0"/>
+          <a:chExt cx="0" cy="0"/>
+        </a:xfrm>
+      </p:grpSpPr>
+      <p:sp>
+        <p:nvSpPr>
+          <p:cNvPr id="2" name="Espaço Reservado para Imagem de Slide 1"/>
+          <p:cNvSpPr>
+            <a:spLocks noGrp="1" noRot="1" noChangeAspect="1"/>
+          </p:cNvSpPr>
+          <p:nvPr>
+            <p:ph type="sldImg"/>
+          </p:nvPr>
+        </p:nvSpPr>
+        <p:spPr>
+          <a:xfrm>
+            <a:off x="381000" y="685800"/>
+            <a:ext cx="6096000" cy="3429000"/>
+          </a:xfrm>
+        </p:spPr>
+      </p:sp>
+      <p:sp>
+        <p:nvSpPr>
+          <p:cNvPr id="3" name="Espaço Reservado para Anotações 2"/>
+          <p:cNvSpPr>
+            <a:spLocks noGrp="1"/>
+          </p:cNvSpPr>
+          <p:nvPr>
+            <p:ph type="body" idx="1"/>
+          </p:nvPr>
+        </p:nvSpPr>
+        <p:spPr/>
+        <p:txBody>
+          <a:bodyPr/>
+          <a:lstStyle/>
+          <a:p>
+            <a:endParaRPr lang="pt-BR" dirty="0"/>
+          </a:p>
+        </p:txBody>
+      </p:sp>
+    </p:spTree>
+    <p:extLst>
+      <p:ext uri="{BB962C8B-B14F-4D97-AF65-F5344CB8AC3E}">
+        <p14:creationId xmlns:p14="http://schemas.microsoft.com/office/powerpoint/2010/main" val="4290351292"/>
       </p:ext>
     </p:extLst>
   </p:cSld>
@@ -753,7 +2227,7 @@
     </p:spTree>
     <p:extLst>
       <p:ext uri="{BB962C8B-B14F-4D97-AF65-F5344CB8AC3E}">
-        <p14:creationId xmlns:p14="http://schemas.microsoft.com/office/powerpoint/2010/main" val="225684915"/>
+        <p14:creationId xmlns:p14="http://schemas.microsoft.com/office/powerpoint/2010/main" val="789713174"/>
       </p:ext>
     </p:extLst>
   </p:cSld>
@@ -819,7 +2293,7 @@
     </p:spTree>
     <p:extLst>
       <p:ext uri="{BB962C8B-B14F-4D97-AF65-F5344CB8AC3E}">
-        <p14:creationId xmlns:p14="http://schemas.microsoft.com/office/powerpoint/2010/main" val="1662896905"/>
+        <p14:creationId xmlns:p14="http://schemas.microsoft.com/office/powerpoint/2010/main" val="3016747394"/>
       </p:ext>
     </p:extLst>
   </p:cSld>
@@ -885,7 +2359,7 @@
     </p:spTree>
     <p:extLst>
       <p:ext uri="{BB962C8B-B14F-4D97-AF65-F5344CB8AC3E}">
-        <p14:creationId xmlns:p14="http://schemas.microsoft.com/office/powerpoint/2010/main" val="585304384"/>
+        <p14:creationId xmlns:p14="http://schemas.microsoft.com/office/powerpoint/2010/main" val="4085646002"/>
       </p:ext>
     </p:extLst>
   </p:cSld>
@@ -951,7 +2425,7 @@
     </p:spTree>
     <p:extLst>
       <p:ext uri="{BB962C8B-B14F-4D97-AF65-F5344CB8AC3E}">
-        <p14:creationId xmlns:p14="http://schemas.microsoft.com/office/powerpoint/2010/main" val="2709569597"/>
+        <p14:creationId xmlns:p14="http://schemas.microsoft.com/office/powerpoint/2010/main" val="2074718360"/>
       </p:ext>
     </p:extLst>
   </p:cSld>
@@ -1017,7 +2491,7 @@
     </p:spTree>
     <p:extLst>
       <p:ext uri="{BB962C8B-B14F-4D97-AF65-F5344CB8AC3E}">
-        <p14:creationId xmlns:p14="http://schemas.microsoft.com/office/powerpoint/2010/main" val="3863516043"/>
+        <p14:creationId xmlns:p14="http://schemas.microsoft.com/office/powerpoint/2010/main" val="1858901457"/>
       </p:ext>
     </p:extLst>
   </p:cSld>
@@ -1083,7 +2557,7 @@
     </p:spTree>
     <p:extLst>
       <p:ext uri="{BB962C8B-B14F-4D97-AF65-F5344CB8AC3E}">
-        <p14:creationId xmlns:p14="http://schemas.microsoft.com/office/powerpoint/2010/main" val="4290351292"/>
+        <p14:creationId xmlns:p14="http://schemas.microsoft.com/office/powerpoint/2010/main" val="1835947185"/>
       </p:ext>
     </p:extLst>
   </p:cSld>
@@ -4070,28 +5544,12 @@
           <a:lstStyle/>
           <a:p>
             <a:r>
-              <a:rPr lang="en-US" b="1" dirty="0" err="1">
+              <a:rPr lang="pt-BR" b="1" dirty="0">
                 <a:solidFill>
                   <a:srgbClr val="0070C0"/>
                 </a:solidFill>
               </a:rPr>
-              <a:t>Referências</a:t>
-            </a:r>
-            <a:r>
-              <a:rPr lang="en-US" b="1" dirty="0">
-                <a:solidFill>
-                  <a:srgbClr val="0070C0"/>
-                </a:solidFill>
-              </a:rPr>
-              <a:t> </a:t>
-            </a:r>
-            <a:r>
-              <a:rPr lang="en-US" b="1" dirty="0" err="1">
-                <a:solidFill>
-                  <a:srgbClr val="0070C0"/>
-                </a:solidFill>
-              </a:rPr>
-              <a:t>Bibliográficas</a:t>
+              <a:t>Plataformas Middleware</a:t>
             </a:r>
             <a:endParaRPr lang="en-US" b="1" dirty="0">
               <a:solidFill>
@@ -4113,8 +5571,8 @@
         </p:nvSpPr>
         <p:spPr>
           <a:xfrm>
-            <a:off x="142865" y="1200151"/>
-            <a:ext cx="8865056" cy="3394472"/>
+            <a:off x="142865" y="1200150"/>
+            <a:ext cx="8865056" cy="3737370"/>
           </a:xfrm>
         </p:spPr>
         <p:txBody>
@@ -4127,65 +5585,124 @@
               <a:buNone/>
             </a:pPr>
             <a:r>
-              <a:rPr lang="pt-BR" sz="2000" dirty="0">
-                <a:latin typeface="Times New Roman" panose="02020603050405020304" pitchFamily="18" charset="0"/>
-                <a:cs typeface="Times New Roman" panose="02020603050405020304" pitchFamily="18" charset="0"/>
-              </a:rPr>
-              <a:t>[1] .</a:t>
+              <a:rPr lang="pt-BR" sz="2400" b="1" dirty="0">
+                <a:solidFill>
+                  <a:srgbClr val="FF0000"/>
+                </a:solidFill>
+                <a:latin typeface="Times New Roman" panose="02020603050405020304" pitchFamily="18" charset="0"/>
+                <a:cs typeface="Times New Roman" panose="02020603050405020304" pitchFamily="18" charset="0"/>
+              </a:rPr>
+              <a:t>Tipos</a:t>
+            </a:r>
+            <a:r>
+              <a:rPr lang="pt-BR" sz="2400" dirty="0">
+                <a:latin typeface="Times New Roman" panose="02020603050405020304" pitchFamily="18" charset="0"/>
+                <a:cs typeface="Times New Roman" panose="02020603050405020304" pitchFamily="18" charset="0"/>
+              </a:rPr>
+              <a:t>, como:</a:t>
             </a:r>
           </a:p>
           <a:p>
             <a:pPr marL="0" indent="0" algn="just">
               <a:buNone/>
             </a:pPr>
-            <a:endParaRPr lang="pt-BR" sz="2000" dirty="0">
+            <a:endParaRPr lang="pt-BR" sz="2400" dirty="0">
               <a:latin typeface="Times New Roman" panose="02020603050405020304" pitchFamily="18" charset="0"/>
               <a:cs typeface="Times New Roman" panose="02020603050405020304" pitchFamily="18" charset="0"/>
             </a:endParaRPr>
           </a:p>
           <a:p>
-            <a:pPr marL="0" indent="0" algn="just">
-              <a:buNone/>
-            </a:pPr>
-            <a:r>
-              <a:rPr lang="pt-BR" sz="2000" dirty="0">
-                <a:latin typeface="Times New Roman" panose="02020603050405020304" pitchFamily="18" charset="0"/>
-                <a:cs typeface="Times New Roman" panose="02020603050405020304" pitchFamily="18" charset="0"/>
-              </a:rPr>
-              <a:t>[2] </a:t>
-            </a:r>
-            <a:r>
-              <a:rPr lang="pt-BR" sz="2000" dirty="0">
-                <a:latin typeface="Calibri" panose="020F0502020204030204" pitchFamily="34" charset="0"/>
-              </a:rPr>
-              <a:t>.</a:t>
-            </a:r>
-          </a:p>
-          <a:p>
-            <a:pPr marL="0" indent="0" algn="just">
-              <a:buNone/>
-            </a:pPr>
-            <a:endParaRPr lang="pt-BR" sz="2000" dirty="0">
-              <a:latin typeface="Calibri" panose="020F0502020204030204" pitchFamily="34" charset="0"/>
+            <a:pPr algn="just">
+              <a:buFont typeface="Wingdings" panose="05000000000000000000" pitchFamily="2" charset="2"/>
+              <a:buChar char="§"/>
+            </a:pPr>
+            <a:r>
+              <a:rPr lang="pt-BR" sz="2400" dirty="0">
+                <a:latin typeface="Times New Roman" panose="02020603050405020304" pitchFamily="18" charset="0"/>
+                <a:cs typeface="Times New Roman" panose="02020603050405020304" pitchFamily="18" charset="0"/>
+              </a:rPr>
+              <a:t>Transacional</a:t>
+            </a:r>
+          </a:p>
+          <a:p>
+            <a:pPr algn="just">
+              <a:buFont typeface="Wingdings" panose="05000000000000000000" pitchFamily="2" charset="2"/>
+              <a:buChar char="§"/>
+            </a:pPr>
+            <a:r>
+              <a:rPr lang="pt-BR" sz="2400" dirty="0">
+                <a:latin typeface="Times New Roman" panose="02020603050405020304" pitchFamily="18" charset="0"/>
+                <a:cs typeface="Times New Roman" panose="02020603050405020304" pitchFamily="18" charset="0"/>
+              </a:rPr>
+              <a:t>Fluxo de dados assíncrono (Apache Kafka, </a:t>
+            </a:r>
+            <a:r>
+              <a:rPr lang="pt-BR" sz="2400" dirty="0" err="1">
+                <a:latin typeface="Times New Roman" panose="02020603050405020304" pitchFamily="18" charset="0"/>
+                <a:cs typeface="Times New Roman" panose="02020603050405020304" pitchFamily="18" charset="0"/>
+              </a:rPr>
+              <a:t>RabbitMQ</a:t>
+            </a:r>
+            <a:r>
+              <a:rPr lang="pt-BR" sz="2400" dirty="0">
+                <a:latin typeface="Times New Roman" panose="02020603050405020304" pitchFamily="18" charset="0"/>
+                <a:cs typeface="Times New Roman" panose="02020603050405020304" pitchFamily="18" charset="0"/>
+              </a:rPr>
+              <a:t>)</a:t>
+            </a:r>
+          </a:p>
+          <a:p>
+            <a:pPr algn="just">
+              <a:buFont typeface="Wingdings" panose="05000000000000000000" pitchFamily="2" charset="2"/>
+              <a:buChar char="§"/>
+            </a:pPr>
+            <a:r>
+              <a:rPr lang="pt-BR" sz="2400" dirty="0">
+                <a:latin typeface="Times New Roman" panose="02020603050405020304" pitchFamily="18" charset="0"/>
+                <a:cs typeface="Times New Roman" panose="02020603050405020304" pitchFamily="18" charset="0"/>
+              </a:rPr>
+              <a:t>Dispositivo</a:t>
+            </a:r>
+          </a:p>
+          <a:p>
+            <a:pPr algn="just">
+              <a:buFont typeface="Wingdings" panose="05000000000000000000" pitchFamily="2" charset="2"/>
+              <a:buChar char="§"/>
+            </a:pPr>
+            <a:r>
+              <a:rPr lang="pt-BR" sz="2400" dirty="0">
+                <a:latin typeface="Times New Roman" panose="02020603050405020304" pitchFamily="18" charset="0"/>
+                <a:cs typeface="Times New Roman" panose="02020603050405020304" pitchFamily="18" charset="0"/>
+              </a:rPr>
+              <a:t>Portal</a:t>
+            </a:r>
+          </a:p>
+          <a:p>
+            <a:pPr algn="just">
+              <a:buFont typeface="Wingdings" panose="05000000000000000000" pitchFamily="2" charset="2"/>
+              <a:buChar char="§"/>
+            </a:pPr>
+            <a:r>
+              <a:rPr lang="pt-BR" sz="2400" dirty="0">
+                <a:latin typeface="Times New Roman" panose="02020603050405020304" pitchFamily="18" charset="0"/>
+                <a:cs typeface="Times New Roman" panose="02020603050405020304" pitchFamily="18" charset="0"/>
+              </a:rPr>
+              <a:t>Robótica</a:t>
+            </a:r>
+            <a:endParaRPr lang="pt-BR" sz="2400" dirty="0">
+              <a:solidFill>
+                <a:schemeClr val="tx1"/>
+              </a:solidFill>
+              <a:latin typeface="Times New Roman" panose="02020603050405020304" pitchFamily="18" charset="0"/>
+              <a:cs typeface="Times New Roman" panose="02020603050405020304" pitchFamily="18" charset="0"/>
             </a:endParaRPr>
-          </a:p>
-          <a:p>
-            <a:pPr marL="0" indent="0" algn="just">
-              <a:buNone/>
-            </a:pPr>
-            <a:r>
-              <a:rPr lang="pt-BR" sz="2000" dirty="0">
-                <a:latin typeface="Calibri" panose="020F0502020204030204" pitchFamily="34" charset="0"/>
-              </a:rPr>
-              <a:t>[3] .</a:t>
-            </a:r>
           </a:p>
         </p:txBody>
       </p:sp>
     </p:spTree>
     <p:extLst>
       <p:ext uri="{BB962C8B-B14F-4D97-AF65-F5344CB8AC3E}">
-        <p14:creationId xmlns:p14="http://schemas.microsoft.com/office/powerpoint/2010/main" val="1115311843"/>
+        <p14:creationId xmlns:p14="http://schemas.microsoft.com/office/powerpoint/2010/main" val="4062983045"/>
       </p:ext>
     </p:extLst>
   </p:cSld>
@@ -4213,67 +5730,9 @@
           <a:chExt cx="0" cy="0"/>
         </a:xfrm>
       </p:grpSpPr>
-      <p:pic>
-        <p:nvPicPr>
-          <p:cNvPr id="112" name="Picture 6" descr="Picture 6"/>
-          <p:cNvPicPr>
-            <a:picLocks noChangeAspect="1"/>
-          </p:cNvPicPr>
-          <p:nvPr/>
-        </p:nvPicPr>
-        <p:blipFill>
-          <a:blip r:embed="rId2"/>
-          <a:stretch>
-            <a:fillRect/>
-          </a:stretch>
-        </p:blipFill>
-        <p:spPr>
-          <a:xfrm>
-            <a:off x="0" y="0"/>
-            <a:ext cx="9144000" cy="5143500"/>
-          </a:xfrm>
-          <a:prstGeom prst="rect">
-            <a:avLst/>
-          </a:prstGeom>
-          <a:ln w="12700">
-            <a:miter lim="400000"/>
-            <a:headEnd/>
-            <a:tailEnd/>
-          </a:ln>
-        </p:spPr>
-      </p:pic>
-      <p:pic>
-        <p:nvPicPr>
-          <p:cNvPr id="114" name="Picture 5" descr="Picture 5"/>
-          <p:cNvPicPr>
-            <a:picLocks noChangeAspect="1"/>
-          </p:cNvPicPr>
-          <p:nvPr/>
-        </p:nvPicPr>
-        <p:blipFill>
-          <a:blip r:embed="rId3"/>
-          <a:stretch>
-            <a:fillRect/>
-          </a:stretch>
-        </p:blipFill>
-        <p:spPr>
-          <a:xfrm>
-            <a:off x="469900" y="0"/>
-            <a:ext cx="4391984" cy="171450"/>
-          </a:xfrm>
-          <a:prstGeom prst="rect">
-            <a:avLst/>
-          </a:prstGeom>
-          <a:ln w="12700">
-            <a:miter lim="400000"/>
-            <a:headEnd/>
-            <a:tailEnd/>
-          </a:ln>
-        </p:spPr>
-      </p:pic>
       <p:sp>
         <p:nvSpPr>
-          <p:cNvPr id="3" name="Título 2"/>
+          <p:cNvPr id="6" name="Title 1"/>
           <p:cNvSpPr>
             <a:spLocks noGrp="1"/>
           </p:cNvSpPr>
@@ -4283,8 +5742,46 @@
         </p:nvSpPr>
         <p:spPr>
           <a:xfrm>
-            <a:off x="285751" y="2386770"/>
-            <a:ext cx="8615364" cy="1102519"/>
+            <a:off x="457200" y="205980"/>
+            <a:ext cx="8229600" cy="857251"/>
+          </a:xfrm>
+        </p:spPr>
+        <p:txBody>
+          <a:bodyPr>
+            <a:normAutofit/>
+          </a:bodyPr>
+          <a:lstStyle/>
+          <a:p>
+            <a:r>
+              <a:rPr lang="pt-BR" b="1" dirty="0">
+                <a:solidFill>
+                  <a:srgbClr val="0070C0"/>
+                </a:solidFill>
+              </a:rPr>
+              <a:t>Plataformas Middleware</a:t>
+            </a:r>
+            <a:endParaRPr lang="en-US" b="1" dirty="0">
+              <a:solidFill>
+                <a:srgbClr val="0070C0"/>
+              </a:solidFill>
+            </a:endParaRPr>
+          </a:p>
+        </p:txBody>
+      </p:sp>
+      <p:sp>
+        <p:nvSpPr>
+          <p:cNvPr id="8" name="Text Placeholder 2"/>
+          <p:cNvSpPr>
+            <a:spLocks noGrp="1"/>
+          </p:cNvSpPr>
+          <p:nvPr>
+            <p:ph type="body" sz="half" idx="1"/>
+          </p:nvPr>
+        </p:nvSpPr>
+        <p:spPr>
+          <a:xfrm>
+            <a:off x="142865" y="1200150"/>
+            <a:ext cx="8865056" cy="3737370"/>
           </a:xfrm>
         </p:spPr>
         <p:txBody>
@@ -4293,356 +5790,1957 @@
           </a:bodyPr>
           <a:lstStyle/>
           <a:p>
-            <a:r>
-              <a:rPr lang="pt-BR" sz="4800" b="1" dirty="0">
-                <a:solidFill>
-                  <a:schemeClr val="bg1"/>
-                </a:solidFill>
-              </a:rPr>
-              <a:t>Aplicação Cloud Indústria 40 Python</a:t>
-            </a:r>
+            <a:pPr marL="0" indent="0" algn="just">
+              <a:buNone/>
+            </a:pPr>
+            <a:r>
+              <a:rPr lang="pt-BR" sz="2400" dirty="0">
+                <a:latin typeface="Times New Roman" panose="02020603050405020304" pitchFamily="18" charset="0"/>
+                <a:cs typeface="Times New Roman" panose="02020603050405020304" pitchFamily="18" charset="0"/>
+              </a:rPr>
+              <a:t>O </a:t>
+            </a:r>
+            <a:r>
+              <a:rPr lang="pt-BR" sz="2400" b="1" dirty="0">
+                <a:solidFill>
+                  <a:srgbClr val="FF0000"/>
+                </a:solidFill>
+                <a:latin typeface="Times New Roman" panose="02020603050405020304" pitchFamily="18" charset="0"/>
+                <a:cs typeface="Times New Roman" panose="02020603050405020304" pitchFamily="18" charset="0"/>
+              </a:rPr>
+              <a:t>middleware de plataforma </a:t>
+            </a:r>
+            <a:r>
+              <a:rPr lang="pt-BR" sz="2400" dirty="0">
+                <a:latin typeface="Times New Roman" panose="02020603050405020304" pitchFamily="18" charset="0"/>
+                <a:cs typeface="Times New Roman" panose="02020603050405020304" pitchFamily="18" charset="0"/>
+              </a:rPr>
+              <a:t>(ou middleware de plataforma de aplicativo) pode suportar ainda mais o desenvolvimento de aplicativos e acelerar a entrega de aplicativos, fornecendo um ambiente de hospedagem em tempo de execução, para aplicativos ou lógica de negócios.</a:t>
+            </a:r>
+            <a:endParaRPr lang="pt-BR" sz="2400" dirty="0">
+              <a:solidFill>
+                <a:schemeClr val="tx1"/>
+              </a:solidFill>
+              <a:latin typeface="Times New Roman" panose="02020603050405020304" pitchFamily="18" charset="0"/>
+              <a:cs typeface="Times New Roman" panose="02020603050405020304" pitchFamily="18" charset="0"/>
+            </a:endParaRPr>
+          </a:p>
+        </p:txBody>
+      </p:sp>
+    </p:spTree>
+    <p:extLst>
+      <p:ext uri="{BB962C8B-B14F-4D97-AF65-F5344CB8AC3E}">
+        <p14:creationId xmlns:p14="http://schemas.microsoft.com/office/powerpoint/2010/main" val="780563002"/>
+      </p:ext>
+    </p:extLst>
+  </p:cSld>
+  <p:clrMapOvr>
+    <a:masterClrMapping/>
+  </p:clrMapOvr>
+  <p:transition spd="med"/>
+</p:sld>
+</file>
+
+<file path=ppt/slides/slide12.xml><?xml version="1.0" encoding="utf-8"?>
+<p:sld xmlns:a="http://schemas.openxmlformats.org/drawingml/2006/main" xmlns:r="http://schemas.openxmlformats.org/officeDocument/2006/relationships" xmlns:p="http://schemas.openxmlformats.org/presentationml/2006/main">
+  <p:cSld>
+    <p:spTree>
+      <p:nvGrpSpPr>
+        <p:cNvPr id="1" name=""/>
+        <p:cNvGrpSpPr/>
+        <p:nvPr/>
+      </p:nvGrpSpPr>
+      <p:grpSpPr>
+        <a:xfrm>
+          <a:off x="0" y="0"/>
+          <a:ext cx="0" cy="0"/>
+          <a:chOff x="0" y="0"/>
+          <a:chExt cx="0" cy="0"/>
+        </a:xfrm>
+      </p:grpSpPr>
+      <p:sp>
+        <p:nvSpPr>
+          <p:cNvPr id="6" name="Title 1"/>
+          <p:cNvSpPr>
+            <a:spLocks noGrp="1"/>
+          </p:cNvSpPr>
+          <p:nvPr>
+            <p:ph type="title"/>
+          </p:nvPr>
+        </p:nvSpPr>
+        <p:spPr>
+          <a:xfrm>
+            <a:off x="457200" y="205980"/>
+            <a:ext cx="8229600" cy="857251"/>
+          </a:xfrm>
+        </p:spPr>
+        <p:txBody>
+          <a:bodyPr>
+            <a:normAutofit/>
+          </a:bodyPr>
+          <a:lstStyle/>
+          <a:p>
+            <a:r>
+              <a:rPr lang="pt-BR" b="1" dirty="0">
+                <a:solidFill>
+                  <a:srgbClr val="0070C0"/>
+                </a:solidFill>
+              </a:rPr>
+              <a:t>Plataformas Middleware</a:t>
+            </a:r>
+            <a:endParaRPr lang="en-US" b="1" dirty="0">
+              <a:solidFill>
+                <a:srgbClr val="0070C0"/>
+              </a:solidFill>
+            </a:endParaRPr>
           </a:p>
         </p:txBody>
       </p:sp>
       <p:sp>
         <p:nvSpPr>
-          <p:cNvPr id="6" name="Título 2"/>
-          <p:cNvSpPr txBox="1"/>
-          <p:nvPr/>
+          <p:cNvPr id="8" name="Text Placeholder 2"/>
+          <p:cNvSpPr>
+            <a:spLocks noGrp="1"/>
+          </p:cNvSpPr>
+          <p:nvPr>
+            <p:ph type="body" sz="half" idx="1"/>
+          </p:nvPr>
         </p:nvSpPr>
         <p:spPr>
           <a:xfrm>
-            <a:off x="975683" y="3866663"/>
-            <a:ext cx="7772400" cy="1102519"/>
+            <a:off x="142865" y="1200150"/>
+            <a:ext cx="8865056" cy="3737370"/>
           </a:xfrm>
-          <a:prstGeom prst="rect">
-            <a:avLst/>
-          </a:prstGeom>
-          <a:ln w="12700">
-            <a:miter lim="400000"/>
-          </a:ln>
         </p:spPr>
         <p:txBody>
-          <a:bodyPr lIns="45718" tIns="45718" rIns="45718" bIns="45718" anchor="ctr">
+          <a:bodyPr>
             <a:noAutofit/>
           </a:bodyPr>
-          <a:lstStyle>
-            <a:lvl1pPr marL="0" marR="0" indent="0" algn="ctr" defTabSz="457200" rtl="0" latinLnBrk="0">
-              <a:lnSpc>
-                <a:spcPct val="100000"/>
-              </a:lnSpc>
-              <a:spcBef>
-                <a:spcPts val="0"/>
-              </a:spcBef>
-              <a:spcAft>
-                <a:spcPts val="0"/>
-              </a:spcAft>
-              <a:buClrTx/>
-              <a:buSzTx/>
-              <a:buFontTx/>
+          <a:lstStyle/>
+          <a:p>
+            <a:pPr marL="0" indent="0" algn="just">
               <a:buNone/>
-              <a:defRPr sz="4400" b="0" i="0" u="none" strike="noStrike" cap="none" spc="0" baseline="0">
-                <a:ln>
-                  <a:noFill/>
-                </a:ln>
-                <a:solidFill>
-                  <a:srgbClr val="000000"/>
-                </a:solidFill>
-                <a:uFillTx/>
-                <a:latin typeface="+mj-lt"/>
-                <a:ea typeface="+mj-ea"/>
-                <a:cs typeface="+mj-cs"/>
-                <a:sym typeface="Calibri"/>
-              </a:defRPr>
-            </a:lvl1pPr>
-            <a:lvl2pPr marL="0" marR="0" indent="0" algn="ctr" defTabSz="457200" rtl="0" latinLnBrk="0">
-              <a:lnSpc>
-                <a:spcPct val="100000"/>
-              </a:lnSpc>
-              <a:spcBef>
-                <a:spcPts val="0"/>
-              </a:spcBef>
-              <a:spcAft>
-                <a:spcPts val="0"/>
-              </a:spcAft>
-              <a:buClrTx/>
-              <a:buSzTx/>
-              <a:buFontTx/>
+            </a:pPr>
+            <a:r>
+              <a:rPr lang="pt-BR" sz="2400" dirty="0">
+                <a:latin typeface="Times New Roman" panose="02020603050405020304" pitchFamily="18" charset="0"/>
+                <a:cs typeface="Times New Roman" panose="02020603050405020304" pitchFamily="18" charset="0"/>
+              </a:rPr>
+              <a:t>O </a:t>
+            </a:r>
+            <a:r>
+              <a:rPr lang="pt-BR" sz="2400" b="1" dirty="0">
+                <a:solidFill>
+                  <a:srgbClr val="FF0000"/>
+                </a:solidFill>
+                <a:latin typeface="Times New Roman" panose="02020603050405020304" pitchFamily="18" charset="0"/>
+                <a:cs typeface="Times New Roman" panose="02020603050405020304" pitchFamily="18" charset="0"/>
+              </a:rPr>
+              <a:t>middleware de plataforma </a:t>
+            </a:r>
+            <a:r>
+              <a:rPr lang="pt-BR" sz="2400" dirty="0">
+                <a:latin typeface="Times New Roman" panose="02020603050405020304" pitchFamily="18" charset="0"/>
+                <a:cs typeface="Times New Roman" panose="02020603050405020304" pitchFamily="18" charset="0"/>
+              </a:rPr>
+              <a:t>pode incluir ou combinar servidores de aplicativos corporativos, servidores da web e sistemas de gerenciamento de conteúdo.</a:t>
+            </a:r>
+          </a:p>
+          <a:p>
+            <a:pPr marL="0" indent="0" algn="just">
               <a:buNone/>
-              <a:defRPr sz="4400" b="0" i="0" u="none" strike="noStrike" cap="none" spc="0" baseline="0">
-                <a:ln>
-                  <a:noFill/>
-                </a:ln>
-                <a:solidFill>
-                  <a:srgbClr val="000000"/>
-                </a:solidFill>
-                <a:uFillTx/>
-                <a:latin typeface="+mj-lt"/>
-                <a:ea typeface="+mj-ea"/>
-                <a:cs typeface="+mj-cs"/>
-                <a:sym typeface="Calibri"/>
-              </a:defRPr>
-            </a:lvl2pPr>
-            <a:lvl3pPr marL="0" marR="0" indent="0" algn="ctr" defTabSz="457200" rtl="0" latinLnBrk="0">
-              <a:lnSpc>
-                <a:spcPct val="100000"/>
-              </a:lnSpc>
-              <a:spcBef>
-                <a:spcPts val="0"/>
-              </a:spcBef>
-              <a:spcAft>
-                <a:spcPts val="0"/>
-              </a:spcAft>
-              <a:buClrTx/>
-              <a:buSzTx/>
-              <a:buFontTx/>
+            </a:pPr>
+            <a:endParaRPr lang="pt-BR" sz="2400" dirty="0">
+              <a:solidFill>
+                <a:schemeClr val="tx1"/>
+              </a:solidFill>
+              <a:latin typeface="Times New Roman" panose="02020603050405020304" pitchFamily="18" charset="0"/>
+              <a:cs typeface="Times New Roman" panose="02020603050405020304" pitchFamily="18" charset="0"/>
+            </a:endParaRPr>
+          </a:p>
+          <a:p>
+            <a:pPr marL="0" indent="0" algn="just">
               <a:buNone/>
-              <a:defRPr sz="4400" b="0" i="0" u="none" strike="noStrike" cap="none" spc="0" baseline="0">
-                <a:ln>
-                  <a:noFill/>
-                </a:ln>
-                <a:solidFill>
-                  <a:srgbClr val="000000"/>
-                </a:solidFill>
-                <a:uFillTx/>
-                <a:latin typeface="+mj-lt"/>
-                <a:ea typeface="+mj-ea"/>
-                <a:cs typeface="+mj-cs"/>
-                <a:sym typeface="Calibri"/>
-              </a:defRPr>
-            </a:lvl3pPr>
-            <a:lvl4pPr marL="0" marR="0" indent="0" algn="ctr" defTabSz="457200" rtl="0" latinLnBrk="0">
-              <a:lnSpc>
-                <a:spcPct val="100000"/>
-              </a:lnSpc>
-              <a:spcBef>
-                <a:spcPts val="0"/>
-              </a:spcBef>
-              <a:spcAft>
-                <a:spcPts val="0"/>
-              </a:spcAft>
-              <a:buClrTx/>
-              <a:buSzTx/>
-              <a:buFontTx/>
-              <a:buNone/>
-              <a:defRPr sz="4400" b="0" i="0" u="none" strike="noStrike" cap="none" spc="0" baseline="0">
-                <a:ln>
-                  <a:noFill/>
-                </a:ln>
-                <a:solidFill>
-                  <a:srgbClr val="000000"/>
-                </a:solidFill>
-                <a:uFillTx/>
-                <a:latin typeface="+mj-lt"/>
-                <a:ea typeface="+mj-ea"/>
-                <a:cs typeface="+mj-cs"/>
-                <a:sym typeface="Calibri"/>
-              </a:defRPr>
-            </a:lvl4pPr>
-            <a:lvl5pPr marL="0" marR="0" indent="0" algn="ctr" defTabSz="457200" rtl="0" latinLnBrk="0">
-              <a:lnSpc>
-                <a:spcPct val="100000"/>
-              </a:lnSpc>
-              <a:spcBef>
-                <a:spcPts val="0"/>
-              </a:spcBef>
-              <a:spcAft>
-                <a:spcPts val="0"/>
-              </a:spcAft>
-              <a:buClrTx/>
-              <a:buSzTx/>
-              <a:buFontTx/>
-              <a:buNone/>
-              <a:defRPr sz="4400" b="0" i="0" u="none" strike="noStrike" cap="none" spc="0" baseline="0">
-                <a:ln>
-                  <a:noFill/>
-                </a:ln>
-                <a:solidFill>
-                  <a:srgbClr val="000000"/>
-                </a:solidFill>
-                <a:uFillTx/>
-                <a:latin typeface="+mj-lt"/>
-                <a:ea typeface="+mj-ea"/>
-                <a:cs typeface="+mj-cs"/>
-                <a:sym typeface="Calibri"/>
-              </a:defRPr>
-            </a:lvl5pPr>
-            <a:lvl6pPr marL="0" marR="0" indent="0" algn="ctr" defTabSz="457200" rtl="0" latinLnBrk="0">
-              <a:lnSpc>
-                <a:spcPct val="100000"/>
-              </a:lnSpc>
-              <a:spcBef>
-                <a:spcPts val="0"/>
-              </a:spcBef>
-              <a:spcAft>
-                <a:spcPts val="0"/>
-              </a:spcAft>
-              <a:buClrTx/>
-              <a:buSzTx/>
-              <a:buFontTx/>
-              <a:buNone/>
-              <a:defRPr sz="4400" b="0" i="0" u="none" strike="noStrike" cap="none" spc="0" baseline="0">
-                <a:ln>
-                  <a:noFill/>
-                </a:ln>
-                <a:solidFill>
-                  <a:srgbClr val="000000"/>
-                </a:solidFill>
-                <a:uFillTx/>
-                <a:latin typeface="+mj-lt"/>
-                <a:ea typeface="+mj-ea"/>
-                <a:cs typeface="+mj-cs"/>
-                <a:sym typeface="Calibri"/>
-              </a:defRPr>
-            </a:lvl6pPr>
-            <a:lvl7pPr marL="0" marR="0" indent="0" algn="ctr" defTabSz="457200" rtl="0" latinLnBrk="0">
-              <a:lnSpc>
-                <a:spcPct val="100000"/>
-              </a:lnSpc>
-              <a:spcBef>
-                <a:spcPts val="0"/>
-              </a:spcBef>
-              <a:spcAft>
-                <a:spcPts val="0"/>
-              </a:spcAft>
-              <a:buClrTx/>
-              <a:buSzTx/>
-              <a:buFontTx/>
-              <a:buNone/>
-              <a:defRPr sz="4400" b="0" i="0" u="none" strike="noStrike" cap="none" spc="0" baseline="0">
-                <a:ln>
-                  <a:noFill/>
-                </a:ln>
-                <a:solidFill>
-                  <a:srgbClr val="000000"/>
-                </a:solidFill>
-                <a:uFillTx/>
-                <a:latin typeface="+mj-lt"/>
-                <a:ea typeface="+mj-ea"/>
-                <a:cs typeface="+mj-cs"/>
-                <a:sym typeface="Calibri"/>
-              </a:defRPr>
-            </a:lvl7pPr>
-            <a:lvl8pPr marL="0" marR="0" indent="0" algn="ctr" defTabSz="457200" rtl="0" latinLnBrk="0">
-              <a:lnSpc>
-                <a:spcPct val="100000"/>
-              </a:lnSpc>
-              <a:spcBef>
-                <a:spcPts val="0"/>
-              </a:spcBef>
-              <a:spcAft>
-                <a:spcPts val="0"/>
-              </a:spcAft>
-              <a:buClrTx/>
-              <a:buSzTx/>
-              <a:buFontTx/>
-              <a:buNone/>
-              <a:defRPr sz="4400" b="0" i="0" u="none" strike="noStrike" cap="none" spc="0" baseline="0">
-                <a:ln>
-                  <a:noFill/>
-                </a:ln>
-                <a:solidFill>
-                  <a:srgbClr val="000000"/>
-                </a:solidFill>
-                <a:uFillTx/>
-                <a:latin typeface="+mj-lt"/>
-                <a:ea typeface="+mj-ea"/>
-                <a:cs typeface="+mj-cs"/>
-                <a:sym typeface="Calibri"/>
-              </a:defRPr>
-            </a:lvl8pPr>
-            <a:lvl9pPr marL="0" marR="0" indent="0" algn="ctr" defTabSz="457200" rtl="0" latinLnBrk="0">
-              <a:lnSpc>
-                <a:spcPct val="100000"/>
-              </a:lnSpc>
-              <a:spcBef>
-                <a:spcPts val="0"/>
-              </a:spcBef>
-              <a:spcAft>
-                <a:spcPts val="0"/>
-              </a:spcAft>
-              <a:buClrTx/>
-              <a:buSzTx/>
-              <a:buFontTx/>
-              <a:buNone/>
-              <a:defRPr sz="4400" b="0" i="0" u="none" strike="noStrike" cap="none" spc="0" baseline="0">
-                <a:ln>
-                  <a:noFill/>
-                </a:ln>
-                <a:solidFill>
-                  <a:srgbClr val="000000"/>
-                </a:solidFill>
-                <a:uFillTx/>
-                <a:latin typeface="+mj-lt"/>
-                <a:ea typeface="+mj-ea"/>
-                <a:cs typeface="+mj-cs"/>
-                <a:sym typeface="Calibri"/>
-              </a:defRPr>
-            </a:lvl9pPr>
-          </a:lstStyle>
-          <a:p>
-            <a:pPr algn="r" hangingPunct="1"/>
-            <a:r>
-              <a:rPr lang="pt-BR" sz="2000" b="1" dirty="0">
-                <a:solidFill>
-                  <a:schemeClr val="bg1"/>
-                </a:solidFill>
-              </a:rPr>
-              <a:t>Professor </a:t>
-            </a:r>
-            <a:r>
-              <a:rPr lang="pt-BR" sz="2000" b="1">
-                <a:solidFill>
-                  <a:schemeClr val="bg1"/>
-                </a:solidFill>
-              </a:rPr>
-              <a:t>M.Sc</a:t>
-            </a:r>
-            <a:r>
-              <a:rPr lang="pt-BR" sz="2000" b="1" dirty="0">
-                <a:solidFill>
-                  <a:schemeClr val="bg1"/>
-                </a:solidFill>
-              </a:rPr>
-              <a:t>. Heleno Cardoso</a:t>
+            </a:pPr>
+            <a:r>
+              <a:rPr lang="pt-BR" sz="2400" dirty="0">
+                <a:solidFill>
+                  <a:schemeClr val="tx1"/>
+                </a:solidFill>
+                <a:latin typeface="Times New Roman" panose="02020603050405020304" pitchFamily="18" charset="0"/>
+                <a:cs typeface="Times New Roman" panose="02020603050405020304" pitchFamily="18" charset="0"/>
+              </a:rPr>
+              <a:t>O </a:t>
+            </a:r>
+            <a:r>
+              <a:rPr lang="pt-BR" sz="2400" b="1" dirty="0">
+                <a:solidFill>
+                  <a:srgbClr val="FF0000"/>
+                </a:solidFill>
+                <a:latin typeface="Times New Roman" panose="02020603050405020304" pitchFamily="18" charset="0"/>
+                <a:cs typeface="Times New Roman" panose="02020603050405020304" pitchFamily="18" charset="0"/>
+              </a:rPr>
+              <a:t>aplicativos middleware </a:t>
+            </a:r>
+            <a:r>
+              <a:rPr lang="pt-BR" sz="2400" dirty="0">
+                <a:solidFill>
+                  <a:schemeClr val="tx1"/>
+                </a:solidFill>
+                <a:latin typeface="Times New Roman" panose="02020603050405020304" pitchFamily="18" charset="0"/>
+                <a:cs typeface="Times New Roman" panose="02020603050405020304" pitchFamily="18" charset="0"/>
+              </a:rPr>
+              <a:t>e nativos da nuvem são aplicativos desenvolvidos a partir de </a:t>
+            </a:r>
+            <a:r>
+              <a:rPr lang="pt-BR" sz="2400" dirty="0" err="1">
+                <a:solidFill>
+                  <a:schemeClr val="tx1"/>
+                </a:solidFill>
+                <a:latin typeface="Times New Roman" panose="02020603050405020304" pitchFamily="18" charset="0"/>
+                <a:cs typeface="Times New Roman" panose="02020603050405020304" pitchFamily="18" charset="0"/>
+              </a:rPr>
+              <a:t>microsserviços</a:t>
+            </a:r>
+            <a:r>
+              <a:rPr lang="pt-BR" sz="2400" dirty="0">
+                <a:solidFill>
+                  <a:schemeClr val="tx1"/>
+                </a:solidFill>
+                <a:latin typeface="Times New Roman" panose="02020603050405020304" pitchFamily="18" charset="0"/>
+                <a:cs typeface="Times New Roman" panose="02020603050405020304" pitchFamily="18" charset="0"/>
+              </a:rPr>
+              <a:t> e implantados em contêineres orquestrados usando </a:t>
+            </a:r>
+            <a:r>
+              <a:rPr lang="pt-BR" sz="2400" dirty="0" err="1">
+                <a:solidFill>
+                  <a:schemeClr val="tx1"/>
+                </a:solidFill>
+                <a:latin typeface="Times New Roman" panose="02020603050405020304" pitchFamily="18" charset="0"/>
+                <a:cs typeface="Times New Roman" panose="02020603050405020304" pitchFamily="18" charset="0"/>
+              </a:rPr>
+              <a:t>Kubernetes</a:t>
+            </a:r>
+            <a:r>
+              <a:rPr lang="pt-BR" sz="2400" dirty="0">
+                <a:solidFill>
+                  <a:schemeClr val="tx1"/>
+                </a:solidFill>
+                <a:latin typeface="Times New Roman" panose="02020603050405020304" pitchFamily="18" charset="0"/>
+                <a:cs typeface="Times New Roman" panose="02020603050405020304" pitchFamily="18" charset="0"/>
+              </a:rPr>
+              <a:t>.</a:t>
             </a:r>
           </a:p>
         </p:txBody>
       </p:sp>
-      <p:pic>
-        <p:nvPicPr>
-          <p:cNvPr id="2" name="Google Shape;62;p1" descr="Imagem">
-            <a:extLst>
-              <a:ext uri="{FF2B5EF4-FFF2-40B4-BE49-F238E27FC236}">
-                <a16:creationId xmlns:a16="http://schemas.microsoft.com/office/drawing/2014/main" id="{9C895622-2963-024D-634E-EA58F5381D06}"/>
-              </a:ext>
-            </a:extLst>
-          </p:cNvPr>
-          <p:cNvPicPr preferRelativeResize="0"/>
-          <p:nvPr/>
-        </p:nvPicPr>
-        <p:blipFill rotWithShape="1">
-          <a:blip r:embed="rId4">
-            <a:alphaModFix/>
-          </a:blip>
-          <a:srcRect/>
-          <a:stretch/>
-        </p:blipFill>
+    </p:spTree>
+    <p:extLst>
+      <p:ext uri="{BB962C8B-B14F-4D97-AF65-F5344CB8AC3E}">
+        <p14:creationId xmlns:p14="http://schemas.microsoft.com/office/powerpoint/2010/main" val="922684655"/>
+      </p:ext>
+    </p:extLst>
+  </p:cSld>
+  <p:clrMapOvr>
+    <a:masterClrMapping/>
+  </p:clrMapOvr>
+  <p:transition spd="med"/>
+</p:sld>
+</file>
+
+<file path=ppt/slides/slide13.xml><?xml version="1.0" encoding="utf-8"?>
+<p:sld xmlns:a="http://schemas.openxmlformats.org/drawingml/2006/main" xmlns:r="http://schemas.openxmlformats.org/officeDocument/2006/relationships" xmlns:p="http://schemas.openxmlformats.org/presentationml/2006/main">
+  <p:cSld>
+    <p:spTree>
+      <p:nvGrpSpPr>
+        <p:cNvPr id="1" name=""/>
+        <p:cNvGrpSpPr/>
+        <p:nvPr/>
+      </p:nvGrpSpPr>
+      <p:grpSpPr>
+        <a:xfrm>
+          <a:off x="0" y="0"/>
+          <a:ext cx="0" cy="0"/>
+          <a:chOff x="0" y="0"/>
+          <a:chExt cx="0" cy="0"/>
+        </a:xfrm>
+      </p:grpSpPr>
+      <p:sp>
+        <p:nvSpPr>
+          <p:cNvPr id="6" name="Title 1"/>
+          <p:cNvSpPr>
+            <a:spLocks noGrp="1"/>
+          </p:cNvSpPr>
+          <p:nvPr>
+            <p:ph type="title"/>
+          </p:nvPr>
+        </p:nvSpPr>
         <p:spPr>
           <a:xfrm>
-            <a:off x="469898" y="343798"/>
-            <a:ext cx="2858518" cy="1338697"/>
+            <a:off x="457200" y="205980"/>
+            <a:ext cx="8229600" cy="857251"/>
           </a:xfrm>
-          <a:prstGeom prst="rect">
-            <a:avLst/>
-          </a:prstGeom>
-          <a:noFill/>
-          <a:ln>
-            <a:noFill/>
-          </a:ln>
         </p:spPr>
-      </p:pic>
+        <p:txBody>
+          <a:bodyPr>
+            <a:normAutofit/>
+          </a:bodyPr>
+          <a:lstStyle/>
+          <a:p>
+            <a:r>
+              <a:rPr lang="pt-BR" b="1" dirty="0">
+                <a:solidFill>
+                  <a:srgbClr val="0070C0"/>
+                </a:solidFill>
+              </a:rPr>
+              <a:t>Plataformas Middleware</a:t>
+            </a:r>
+            <a:endParaRPr lang="en-US" b="1" dirty="0">
+              <a:solidFill>
+                <a:srgbClr val="0070C0"/>
+              </a:solidFill>
+            </a:endParaRPr>
+          </a:p>
+        </p:txBody>
+      </p:sp>
+      <p:sp>
+        <p:nvSpPr>
+          <p:cNvPr id="8" name="Text Placeholder 2"/>
+          <p:cNvSpPr>
+            <a:spLocks noGrp="1"/>
+          </p:cNvSpPr>
+          <p:nvPr>
+            <p:ph type="body" sz="half" idx="1"/>
+          </p:nvPr>
+        </p:nvSpPr>
+        <p:spPr>
+          <a:xfrm>
+            <a:off x="142865" y="1200150"/>
+            <a:ext cx="8865056" cy="3737370"/>
+          </a:xfrm>
+        </p:spPr>
+        <p:txBody>
+          <a:bodyPr>
+            <a:noAutofit/>
+          </a:bodyPr>
+          <a:lstStyle/>
+          <a:p>
+            <a:pPr marL="0" indent="0" algn="just">
+              <a:buNone/>
+            </a:pPr>
+            <a:r>
+              <a:rPr lang="pt-BR" sz="2400" dirty="0">
+                <a:solidFill>
+                  <a:schemeClr val="tx1"/>
+                </a:solidFill>
+                <a:latin typeface="Times New Roman" panose="02020603050405020304" pitchFamily="18" charset="0"/>
+                <a:cs typeface="Times New Roman" panose="02020603050405020304" pitchFamily="18" charset="0"/>
+              </a:rPr>
+              <a:t>Os </a:t>
+            </a:r>
+            <a:r>
+              <a:rPr lang="pt-BR" sz="2400" b="1" dirty="0" err="1">
+                <a:solidFill>
+                  <a:srgbClr val="FF0000"/>
+                </a:solidFill>
+                <a:latin typeface="Times New Roman" panose="02020603050405020304" pitchFamily="18" charset="0"/>
+                <a:cs typeface="Times New Roman" panose="02020603050405020304" pitchFamily="18" charset="0"/>
+              </a:rPr>
+              <a:t>microsserviços</a:t>
+            </a:r>
+            <a:r>
+              <a:rPr lang="pt-BR" sz="2400" dirty="0">
+                <a:solidFill>
+                  <a:schemeClr val="tx1"/>
+                </a:solidFill>
+                <a:latin typeface="Times New Roman" panose="02020603050405020304" pitchFamily="18" charset="0"/>
+                <a:cs typeface="Times New Roman" panose="02020603050405020304" pitchFamily="18" charset="0"/>
+              </a:rPr>
+              <a:t> são componentes de aplicativo fracamente acoplados que abrangem sua própria pilha e podem ser implementados e atualizados independentemente uns dos outros e se comunicam usando uma combinação de </a:t>
+            </a:r>
+            <a:r>
+              <a:rPr lang="pt-BR" sz="2400" b="1" dirty="0">
+                <a:solidFill>
+                  <a:schemeClr val="tx1"/>
+                </a:solidFill>
+                <a:latin typeface="Times New Roman" panose="02020603050405020304" pitchFamily="18" charset="0"/>
+                <a:cs typeface="Times New Roman" panose="02020603050405020304" pitchFamily="18" charset="0"/>
+              </a:rPr>
+              <a:t>APIs REST</a:t>
+            </a:r>
+            <a:r>
+              <a:rPr lang="pt-BR" sz="2400" dirty="0">
+                <a:solidFill>
+                  <a:schemeClr val="tx1"/>
+                </a:solidFill>
+                <a:latin typeface="Times New Roman" panose="02020603050405020304" pitchFamily="18" charset="0"/>
+                <a:cs typeface="Times New Roman" panose="02020603050405020304" pitchFamily="18" charset="0"/>
+              </a:rPr>
+              <a:t>, corretores de mensagens e fluxos de eventos.</a:t>
+            </a:r>
+          </a:p>
+        </p:txBody>
+      </p:sp>
     </p:spTree>
+    <p:extLst>
+      <p:ext uri="{BB962C8B-B14F-4D97-AF65-F5344CB8AC3E}">
+        <p14:creationId xmlns:p14="http://schemas.microsoft.com/office/powerpoint/2010/main" val="1850552593"/>
+      </p:ext>
+    </p:extLst>
+  </p:cSld>
+  <p:clrMapOvr>
+    <a:masterClrMapping/>
+  </p:clrMapOvr>
+  <p:transition spd="med"/>
+</p:sld>
+</file>
+
+<file path=ppt/slides/slide14.xml><?xml version="1.0" encoding="utf-8"?>
+<p:sld xmlns:a="http://schemas.openxmlformats.org/drawingml/2006/main" xmlns:r="http://schemas.openxmlformats.org/officeDocument/2006/relationships" xmlns:p="http://schemas.openxmlformats.org/presentationml/2006/main">
+  <p:cSld>
+    <p:spTree>
+      <p:nvGrpSpPr>
+        <p:cNvPr id="1" name=""/>
+        <p:cNvGrpSpPr/>
+        <p:nvPr/>
+      </p:nvGrpSpPr>
+      <p:grpSpPr>
+        <a:xfrm>
+          <a:off x="0" y="0"/>
+          <a:ext cx="0" cy="0"/>
+          <a:chOff x="0" y="0"/>
+          <a:chExt cx="0" cy="0"/>
+        </a:xfrm>
+      </p:grpSpPr>
+      <p:sp>
+        <p:nvSpPr>
+          <p:cNvPr id="6" name="Title 1"/>
+          <p:cNvSpPr>
+            <a:spLocks noGrp="1"/>
+          </p:cNvSpPr>
+          <p:nvPr>
+            <p:ph type="title"/>
+          </p:nvPr>
+        </p:nvSpPr>
+        <p:spPr>
+          <a:xfrm>
+            <a:off x="457200" y="205980"/>
+            <a:ext cx="8229600" cy="857251"/>
+          </a:xfrm>
+        </p:spPr>
+        <p:txBody>
+          <a:bodyPr>
+            <a:normAutofit/>
+          </a:bodyPr>
+          <a:lstStyle/>
+          <a:p>
+            <a:r>
+              <a:rPr lang="pt-BR" b="1" dirty="0">
+                <a:solidFill>
+                  <a:srgbClr val="0070C0"/>
+                </a:solidFill>
+              </a:rPr>
+              <a:t>Plataformas Middleware</a:t>
+            </a:r>
+            <a:endParaRPr lang="en-US" b="1" dirty="0">
+              <a:solidFill>
+                <a:srgbClr val="0070C0"/>
+              </a:solidFill>
+            </a:endParaRPr>
+          </a:p>
+        </p:txBody>
+      </p:sp>
+      <p:sp>
+        <p:nvSpPr>
+          <p:cNvPr id="8" name="Text Placeholder 2"/>
+          <p:cNvSpPr>
+            <a:spLocks noGrp="1"/>
+          </p:cNvSpPr>
+          <p:nvPr>
+            <p:ph type="body" sz="half" idx="1"/>
+          </p:nvPr>
+        </p:nvSpPr>
+        <p:spPr>
+          <a:xfrm>
+            <a:off x="142865" y="1200150"/>
+            <a:ext cx="8865056" cy="3737370"/>
+          </a:xfrm>
+        </p:spPr>
+        <p:txBody>
+          <a:bodyPr>
+            <a:noAutofit/>
+          </a:bodyPr>
+          <a:lstStyle/>
+          <a:p>
+            <a:pPr marL="0" indent="0" algn="just">
+              <a:buNone/>
+            </a:pPr>
+            <a:r>
+              <a:rPr lang="pt-BR" sz="2400" dirty="0">
+                <a:solidFill>
+                  <a:schemeClr val="tx1"/>
+                </a:solidFill>
+                <a:latin typeface="Times New Roman" panose="02020603050405020304" pitchFamily="18" charset="0"/>
+                <a:cs typeface="Times New Roman" panose="02020603050405020304" pitchFamily="18" charset="0"/>
+              </a:rPr>
+              <a:t>Existem algumas </a:t>
+            </a:r>
+            <a:r>
+              <a:rPr lang="pt-BR" sz="2400" b="1" dirty="0">
+                <a:solidFill>
+                  <a:srgbClr val="FF0000"/>
+                </a:solidFill>
+                <a:latin typeface="Times New Roman" panose="02020603050405020304" pitchFamily="18" charset="0"/>
+                <a:cs typeface="Times New Roman" panose="02020603050405020304" pitchFamily="18" charset="0"/>
+              </a:rPr>
+              <a:t>plataformas</a:t>
+            </a:r>
+            <a:r>
+              <a:rPr lang="pt-BR" sz="2400" dirty="0">
+                <a:solidFill>
+                  <a:schemeClr val="tx1"/>
+                </a:solidFill>
+                <a:latin typeface="Times New Roman" panose="02020603050405020304" pitchFamily="18" charset="0"/>
+                <a:cs typeface="Times New Roman" panose="02020603050405020304" pitchFamily="18" charset="0"/>
+              </a:rPr>
+              <a:t> populares de desenvolvimento de aplicativos em nuvem como, para incluir </a:t>
+            </a:r>
+            <a:r>
+              <a:rPr lang="pt-BR" sz="2400" b="1" dirty="0">
+                <a:solidFill>
+                  <a:srgbClr val="FF0000"/>
+                </a:solidFill>
+                <a:latin typeface="Times New Roman" panose="02020603050405020304" pitchFamily="18" charset="0"/>
+                <a:cs typeface="Times New Roman" panose="02020603050405020304" pitchFamily="18" charset="0"/>
+              </a:rPr>
+              <a:t>middleware em contêiner</a:t>
+            </a:r>
+            <a:r>
+              <a:rPr lang="pt-BR" sz="2400" dirty="0">
+                <a:solidFill>
+                  <a:schemeClr val="tx1"/>
+                </a:solidFill>
+                <a:latin typeface="Times New Roman" panose="02020603050405020304" pitchFamily="18" charset="0"/>
+                <a:cs typeface="Times New Roman" panose="02020603050405020304" pitchFamily="18" charset="0"/>
+              </a:rPr>
+              <a:t>:</a:t>
+            </a:r>
+          </a:p>
+          <a:p>
+            <a:pPr marL="0" indent="0" algn="just">
+              <a:buNone/>
+            </a:pPr>
+            <a:endParaRPr lang="pt-BR" sz="2400" dirty="0">
+              <a:solidFill>
+                <a:schemeClr val="tx1"/>
+              </a:solidFill>
+              <a:latin typeface="Times New Roman" panose="02020603050405020304" pitchFamily="18" charset="0"/>
+              <a:cs typeface="Times New Roman" panose="02020603050405020304" pitchFamily="18" charset="0"/>
+            </a:endParaRPr>
+          </a:p>
+          <a:p>
+            <a:pPr algn="just">
+              <a:buFont typeface="Wingdings" panose="05000000000000000000" pitchFamily="2" charset="2"/>
+              <a:buChar char="§"/>
+            </a:pPr>
+            <a:r>
+              <a:rPr lang="pt-BR" sz="2400" dirty="0">
+                <a:solidFill>
+                  <a:schemeClr val="tx1"/>
+                </a:solidFill>
+                <a:latin typeface="Times New Roman" panose="02020603050405020304" pitchFamily="18" charset="0"/>
+                <a:cs typeface="Times New Roman" panose="02020603050405020304" pitchFamily="18" charset="0"/>
+              </a:rPr>
+              <a:t>Cloud </a:t>
+            </a:r>
+            <a:r>
+              <a:rPr lang="pt-BR" sz="2400" dirty="0" err="1">
+                <a:solidFill>
+                  <a:schemeClr val="tx1"/>
+                </a:solidFill>
+                <a:latin typeface="Times New Roman" panose="02020603050405020304" pitchFamily="18" charset="0"/>
+                <a:cs typeface="Times New Roman" panose="02020603050405020304" pitchFamily="18" charset="0"/>
+              </a:rPr>
+              <a:t>Foundry</a:t>
+            </a:r>
+            <a:endParaRPr lang="pt-BR" sz="2400" dirty="0">
+              <a:solidFill>
+                <a:schemeClr val="tx1"/>
+              </a:solidFill>
+              <a:latin typeface="Times New Roman" panose="02020603050405020304" pitchFamily="18" charset="0"/>
+              <a:cs typeface="Times New Roman" panose="02020603050405020304" pitchFamily="18" charset="0"/>
+            </a:endParaRPr>
+          </a:p>
+          <a:p>
+            <a:pPr algn="just">
+              <a:buFont typeface="Wingdings" panose="05000000000000000000" pitchFamily="2" charset="2"/>
+              <a:buChar char="§"/>
+            </a:pPr>
+            <a:r>
+              <a:rPr lang="pt-BR" sz="2400" dirty="0" err="1">
+                <a:solidFill>
+                  <a:schemeClr val="tx1"/>
+                </a:solidFill>
+                <a:latin typeface="Times New Roman" panose="02020603050405020304" pitchFamily="18" charset="0"/>
+                <a:cs typeface="Times New Roman" panose="02020603050405020304" pitchFamily="18" charset="0"/>
+              </a:rPr>
+              <a:t>Red</a:t>
+            </a:r>
+            <a:r>
+              <a:rPr lang="pt-BR" sz="2400" dirty="0">
+                <a:solidFill>
+                  <a:schemeClr val="tx1"/>
+                </a:solidFill>
+                <a:latin typeface="Times New Roman" panose="02020603050405020304" pitchFamily="18" charset="0"/>
+                <a:cs typeface="Times New Roman" panose="02020603050405020304" pitchFamily="18" charset="0"/>
+              </a:rPr>
+              <a:t> </a:t>
+            </a:r>
+            <a:r>
+              <a:rPr lang="pt-BR" sz="2400" dirty="0" err="1">
+                <a:solidFill>
+                  <a:schemeClr val="tx1"/>
+                </a:solidFill>
+                <a:latin typeface="Times New Roman" panose="02020603050405020304" pitchFamily="18" charset="0"/>
+                <a:cs typeface="Times New Roman" panose="02020603050405020304" pitchFamily="18" charset="0"/>
+              </a:rPr>
+              <a:t>Hat</a:t>
+            </a:r>
+            <a:r>
+              <a:rPr lang="pt-BR" sz="2400" dirty="0">
+                <a:solidFill>
+                  <a:schemeClr val="tx1"/>
+                </a:solidFill>
+                <a:latin typeface="Times New Roman" panose="02020603050405020304" pitchFamily="18" charset="0"/>
+                <a:cs typeface="Times New Roman" panose="02020603050405020304" pitchFamily="18" charset="0"/>
+              </a:rPr>
+              <a:t> Open Shift</a:t>
+            </a:r>
+          </a:p>
+        </p:txBody>
+      </p:sp>
+    </p:spTree>
+    <p:extLst>
+      <p:ext uri="{BB962C8B-B14F-4D97-AF65-F5344CB8AC3E}">
+        <p14:creationId xmlns:p14="http://schemas.microsoft.com/office/powerpoint/2010/main" val="179504181"/>
+      </p:ext>
+    </p:extLst>
+  </p:cSld>
+  <p:clrMapOvr>
+    <a:masterClrMapping/>
+  </p:clrMapOvr>
+  <p:transition spd="med"/>
+</p:sld>
+</file>
+
+<file path=ppt/slides/slide15.xml><?xml version="1.0" encoding="utf-8"?>
+<p:sld xmlns:a="http://schemas.openxmlformats.org/drawingml/2006/main" xmlns:r="http://schemas.openxmlformats.org/officeDocument/2006/relationships" xmlns:p="http://schemas.openxmlformats.org/presentationml/2006/main">
+  <p:cSld>
+    <p:spTree>
+      <p:nvGrpSpPr>
+        <p:cNvPr id="1" name=""/>
+        <p:cNvGrpSpPr/>
+        <p:nvPr/>
+      </p:nvGrpSpPr>
+      <p:grpSpPr>
+        <a:xfrm>
+          <a:off x="0" y="0"/>
+          <a:ext cx="0" cy="0"/>
+          <a:chOff x="0" y="0"/>
+          <a:chExt cx="0" cy="0"/>
+        </a:xfrm>
+      </p:grpSpPr>
+      <p:sp>
+        <p:nvSpPr>
+          <p:cNvPr id="6" name="Title 1"/>
+          <p:cNvSpPr>
+            <a:spLocks noGrp="1"/>
+          </p:cNvSpPr>
+          <p:nvPr>
+            <p:ph type="title"/>
+          </p:nvPr>
+        </p:nvSpPr>
+        <p:spPr>
+          <a:xfrm>
+            <a:off x="457200" y="205980"/>
+            <a:ext cx="8229600" cy="857251"/>
+          </a:xfrm>
+        </p:spPr>
+        <p:txBody>
+          <a:bodyPr>
+            <a:normAutofit/>
+          </a:bodyPr>
+          <a:lstStyle/>
+          <a:p>
+            <a:r>
+              <a:rPr lang="pt-BR" b="1" dirty="0">
+                <a:solidFill>
+                  <a:srgbClr val="0070C0"/>
+                </a:solidFill>
+              </a:rPr>
+              <a:t>Plataformas Middleware</a:t>
+            </a:r>
+            <a:endParaRPr lang="en-US" b="1" dirty="0">
+              <a:solidFill>
+                <a:srgbClr val="0070C0"/>
+              </a:solidFill>
+            </a:endParaRPr>
+          </a:p>
+        </p:txBody>
+      </p:sp>
+      <p:sp>
+        <p:nvSpPr>
+          <p:cNvPr id="8" name="Text Placeholder 2"/>
+          <p:cNvSpPr>
+            <a:spLocks noGrp="1"/>
+          </p:cNvSpPr>
+          <p:nvPr>
+            <p:ph type="body" sz="half" idx="1"/>
+          </p:nvPr>
+        </p:nvSpPr>
+        <p:spPr>
+          <a:xfrm>
+            <a:off x="142865" y="1200150"/>
+            <a:ext cx="8865056" cy="3737370"/>
+          </a:xfrm>
+        </p:spPr>
+        <p:txBody>
+          <a:bodyPr>
+            <a:noAutofit/>
+          </a:bodyPr>
+          <a:lstStyle/>
+          <a:p>
+            <a:pPr marL="0" indent="0" algn="just">
+              <a:buNone/>
+            </a:pPr>
+            <a:r>
+              <a:rPr lang="pt-BR" sz="2400" b="1" dirty="0">
+                <a:solidFill>
+                  <a:srgbClr val="FF0000"/>
+                </a:solidFill>
+                <a:latin typeface="Times New Roman" panose="02020603050405020304" pitchFamily="18" charset="0"/>
+                <a:cs typeface="Times New Roman" panose="02020603050405020304" pitchFamily="18" charset="0"/>
+              </a:rPr>
+              <a:t>Aplicações</a:t>
+            </a:r>
+            <a:r>
+              <a:rPr lang="pt-BR" sz="2400" dirty="0">
+                <a:latin typeface="Times New Roman" panose="02020603050405020304" pitchFamily="18" charset="0"/>
+                <a:cs typeface="Times New Roman" panose="02020603050405020304" pitchFamily="18" charset="0"/>
+              </a:rPr>
+              <a:t>, como:</a:t>
+            </a:r>
+          </a:p>
+          <a:p>
+            <a:pPr marL="0" indent="0" algn="just">
+              <a:buNone/>
+            </a:pPr>
+            <a:endParaRPr lang="pt-BR" sz="2400" dirty="0">
+              <a:latin typeface="Times New Roman" panose="02020603050405020304" pitchFamily="18" charset="0"/>
+              <a:cs typeface="Times New Roman" panose="02020603050405020304" pitchFamily="18" charset="0"/>
+            </a:endParaRPr>
+          </a:p>
+          <a:p>
+            <a:pPr algn="just">
+              <a:buFont typeface="Wingdings" panose="05000000000000000000" pitchFamily="2" charset="2"/>
+              <a:buChar char="§"/>
+            </a:pPr>
+            <a:r>
+              <a:rPr lang="pt-BR" sz="2400" dirty="0">
+                <a:latin typeface="Times New Roman" panose="02020603050405020304" pitchFamily="18" charset="0"/>
+                <a:cs typeface="Times New Roman" panose="02020603050405020304" pitchFamily="18" charset="0"/>
+              </a:rPr>
+              <a:t>Servidor de aplicativos;</a:t>
+            </a:r>
+          </a:p>
+          <a:p>
+            <a:pPr algn="just">
+              <a:buFont typeface="Wingdings" panose="05000000000000000000" pitchFamily="2" charset="2"/>
+              <a:buChar char="§"/>
+            </a:pPr>
+            <a:r>
+              <a:rPr lang="pt-BR" sz="2400" dirty="0">
+                <a:latin typeface="Times New Roman" panose="02020603050405020304" pitchFamily="18" charset="0"/>
+                <a:cs typeface="Times New Roman" panose="02020603050405020304" pitchFamily="18" charset="0"/>
+              </a:rPr>
+              <a:t>Banco de dados;</a:t>
+            </a:r>
+          </a:p>
+          <a:p>
+            <a:pPr algn="just">
+              <a:buFont typeface="Wingdings" panose="05000000000000000000" pitchFamily="2" charset="2"/>
+              <a:buChar char="§"/>
+            </a:pPr>
+            <a:r>
+              <a:rPr lang="pt-BR" sz="2400" dirty="0">
+                <a:latin typeface="Times New Roman" panose="02020603050405020304" pitchFamily="18" charset="0"/>
+                <a:cs typeface="Times New Roman" panose="02020603050405020304" pitchFamily="18" charset="0"/>
+              </a:rPr>
+              <a:t>Orientado a mensagens;</a:t>
+            </a:r>
+          </a:p>
+          <a:p>
+            <a:pPr algn="just">
+              <a:buFont typeface="Wingdings" panose="05000000000000000000" pitchFamily="2" charset="2"/>
+              <a:buChar char="§"/>
+            </a:pPr>
+            <a:r>
+              <a:rPr lang="pt-BR" sz="2400" dirty="0">
+                <a:latin typeface="Times New Roman" panose="02020603050405020304" pitchFamily="18" charset="0"/>
+                <a:cs typeface="Times New Roman" panose="02020603050405020304" pitchFamily="18" charset="0"/>
+              </a:rPr>
+              <a:t>Processamento de transações;</a:t>
+            </a:r>
+          </a:p>
+          <a:p>
+            <a:pPr algn="just">
+              <a:buFont typeface="Wingdings" panose="05000000000000000000" pitchFamily="2" charset="2"/>
+              <a:buChar char="§"/>
+            </a:pPr>
+            <a:r>
+              <a:rPr lang="pt-BR" sz="2400" dirty="0">
+                <a:latin typeface="Times New Roman" panose="02020603050405020304" pitchFamily="18" charset="0"/>
+                <a:cs typeface="Times New Roman" panose="02020603050405020304" pitchFamily="18" charset="0"/>
+              </a:rPr>
+              <a:t>WEB.</a:t>
+            </a:r>
+            <a:endParaRPr lang="pt-BR" sz="2400" dirty="0">
+              <a:solidFill>
+                <a:schemeClr val="tx1"/>
+              </a:solidFill>
+              <a:latin typeface="Times New Roman" panose="02020603050405020304" pitchFamily="18" charset="0"/>
+              <a:cs typeface="Times New Roman" panose="02020603050405020304" pitchFamily="18" charset="0"/>
+            </a:endParaRPr>
+          </a:p>
+        </p:txBody>
+      </p:sp>
+    </p:spTree>
+    <p:extLst>
+      <p:ext uri="{BB962C8B-B14F-4D97-AF65-F5344CB8AC3E}">
+        <p14:creationId xmlns:p14="http://schemas.microsoft.com/office/powerpoint/2010/main" val="1264347148"/>
+      </p:ext>
+    </p:extLst>
+  </p:cSld>
+  <p:clrMapOvr>
+    <a:masterClrMapping/>
+  </p:clrMapOvr>
+  <p:transition spd="med"/>
+</p:sld>
+</file>
+
+<file path=ppt/slides/slide16.xml><?xml version="1.0" encoding="utf-8"?>
+<p:sld xmlns:a="http://schemas.openxmlformats.org/drawingml/2006/main" xmlns:r="http://schemas.openxmlformats.org/officeDocument/2006/relationships" xmlns:p="http://schemas.openxmlformats.org/presentationml/2006/main">
+  <p:cSld>
+    <p:spTree>
+      <p:nvGrpSpPr>
+        <p:cNvPr id="1" name=""/>
+        <p:cNvGrpSpPr/>
+        <p:nvPr/>
+      </p:nvGrpSpPr>
+      <p:grpSpPr>
+        <a:xfrm>
+          <a:off x="0" y="0"/>
+          <a:ext cx="0" cy="0"/>
+          <a:chOff x="0" y="0"/>
+          <a:chExt cx="0" cy="0"/>
+        </a:xfrm>
+      </p:grpSpPr>
+      <p:sp>
+        <p:nvSpPr>
+          <p:cNvPr id="6" name="Title 1"/>
+          <p:cNvSpPr>
+            <a:spLocks noGrp="1"/>
+          </p:cNvSpPr>
+          <p:nvPr>
+            <p:ph type="title"/>
+          </p:nvPr>
+        </p:nvSpPr>
+        <p:spPr>
+          <a:xfrm>
+            <a:off x="457200" y="205980"/>
+            <a:ext cx="8229600" cy="857251"/>
+          </a:xfrm>
+        </p:spPr>
+        <p:txBody>
+          <a:bodyPr>
+            <a:normAutofit/>
+          </a:bodyPr>
+          <a:lstStyle/>
+          <a:p>
+            <a:r>
+              <a:rPr lang="pt-BR" b="1" dirty="0">
+                <a:solidFill>
+                  <a:srgbClr val="0070C0"/>
+                </a:solidFill>
+              </a:rPr>
+              <a:t>Plataformas Middleware</a:t>
+            </a:r>
+            <a:endParaRPr lang="en-US" b="1" dirty="0">
+              <a:solidFill>
+                <a:srgbClr val="0070C0"/>
+              </a:solidFill>
+            </a:endParaRPr>
+          </a:p>
+        </p:txBody>
+      </p:sp>
+      <p:sp>
+        <p:nvSpPr>
+          <p:cNvPr id="8" name="Text Placeholder 2"/>
+          <p:cNvSpPr>
+            <a:spLocks noGrp="1"/>
+          </p:cNvSpPr>
+          <p:nvPr>
+            <p:ph type="body" sz="half" idx="1"/>
+          </p:nvPr>
+        </p:nvSpPr>
+        <p:spPr>
+          <a:xfrm>
+            <a:off x="142865" y="1200150"/>
+            <a:ext cx="8865056" cy="3737370"/>
+          </a:xfrm>
+        </p:spPr>
+        <p:txBody>
+          <a:bodyPr>
+            <a:noAutofit/>
+          </a:bodyPr>
+          <a:lstStyle/>
+          <a:p>
+            <a:pPr marL="0" indent="0" algn="just">
+              <a:buNone/>
+            </a:pPr>
+            <a:r>
+              <a:rPr lang="pt-BR" sz="2400" b="1" dirty="0">
+                <a:solidFill>
+                  <a:srgbClr val="FF0000"/>
+                </a:solidFill>
+                <a:latin typeface="Times New Roman" panose="02020603050405020304" pitchFamily="18" charset="0"/>
+                <a:cs typeface="Times New Roman" panose="02020603050405020304" pitchFamily="18" charset="0"/>
+              </a:rPr>
+              <a:t>Comunicação</a:t>
+            </a:r>
+            <a:r>
+              <a:rPr lang="pt-BR" sz="2400" dirty="0">
+                <a:latin typeface="Times New Roman" panose="02020603050405020304" pitchFamily="18" charset="0"/>
+                <a:cs typeface="Times New Roman" panose="02020603050405020304" pitchFamily="18" charset="0"/>
+              </a:rPr>
+              <a:t>, como:</a:t>
+            </a:r>
+          </a:p>
+          <a:p>
+            <a:pPr marL="0" indent="0" algn="just">
+              <a:buNone/>
+            </a:pPr>
+            <a:endParaRPr lang="pt-BR" sz="2400" dirty="0">
+              <a:latin typeface="Times New Roman" panose="02020603050405020304" pitchFamily="18" charset="0"/>
+              <a:cs typeface="Times New Roman" panose="02020603050405020304" pitchFamily="18" charset="0"/>
+            </a:endParaRPr>
+          </a:p>
+          <a:p>
+            <a:pPr algn="just">
+              <a:buFont typeface="Wingdings" panose="05000000000000000000" pitchFamily="2" charset="2"/>
+              <a:buChar char="§"/>
+            </a:pPr>
+            <a:r>
+              <a:rPr lang="pt-BR" sz="2400" dirty="0">
+                <a:latin typeface="Times New Roman" panose="02020603050405020304" pitchFamily="18" charset="0"/>
+                <a:cs typeface="Times New Roman" panose="02020603050405020304" pitchFamily="18" charset="0"/>
+              </a:rPr>
+              <a:t>Estrutura de mensagens como protocolo de acesso a objetos simples (</a:t>
+            </a:r>
+            <a:r>
+              <a:rPr lang="pt-BR" sz="2400" b="1" dirty="0">
+                <a:latin typeface="Times New Roman" panose="02020603050405020304" pitchFamily="18" charset="0"/>
+                <a:cs typeface="Times New Roman" panose="02020603050405020304" pitchFamily="18" charset="0"/>
+              </a:rPr>
+              <a:t>SOAP</a:t>
+            </a:r>
+            <a:r>
+              <a:rPr lang="pt-BR" sz="2400" dirty="0">
+                <a:latin typeface="Times New Roman" panose="02020603050405020304" pitchFamily="18" charset="0"/>
+                <a:cs typeface="Times New Roman" panose="02020603050405020304" pitchFamily="18" charset="0"/>
+              </a:rPr>
+              <a:t>)</a:t>
+            </a:r>
+          </a:p>
+          <a:p>
+            <a:pPr algn="just">
+              <a:buFont typeface="Wingdings" panose="05000000000000000000" pitchFamily="2" charset="2"/>
+              <a:buChar char="§"/>
+            </a:pPr>
+            <a:r>
+              <a:rPr lang="pt-BR" sz="2400" dirty="0">
+                <a:latin typeface="Times New Roman" panose="02020603050405020304" pitchFamily="18" charset="0"/>
+                <a:cs typeface="Times New Roman" panose="02020603050405020304" pitchFamily="18" charset="0"/>
+              </a:rPr>
+              <a:t>Transferência de estado representacional (</a:t>
+            </a:r>
+            <a:r>
+              <a:rPr lang="pt-BR" sz="2400" b="1" dirty="0">
+                <a:latin typeface="Times New Roman" panose="02020603050405020304" pitchFamily="18" charset="0"/>
+                <a:cs typeface="Times New Roman" panose="02020603050405020304" pitchFamily="18" charset="0"/>
+              </a:rPr>
+              <a:t>REST</a:t>
+            </a:r>
+            <a:r>
+              <a:rPr lang="pt-BR" sz="2400" dirty="0">
+                <a:latin typeface="Times New Roman" panose="02020603050405020304" pitchFamily="18" charset="0"/>
+                <a:cs typeface="Times New Roman" panose="02020603050405020304" pitchFamily="18" charset="0"/>
+              </a:rPr>
+              <a:t>)</a:t>
+            </a:r>
+          </a:p>
+          <a:p>
+            <a:pPr algn="just">
+              <a:buFont typeface="Wingdings" panose="05000000000000000000" pitchFamily="2" charset="2"/>
+              <a:buChar char="§"/>
+            </a:pPr>
+            <a:r>
+              <a:rPr lang="pt-BR" sz="2400" dirty="0">
+                <a:latin typeface="Times New Roman" panose="02020603050405020304" pitchFamily="18" charset="0"/>
+                <a:cs typeface="Times New Roman" panose="02020603050405020304" pitchFamily="18" charset="0"/>
+              </a:rPr>
+              <a:t>Serviços da web e notação de objeto </a:t>
+            </a:r>
+            <a:r>
+              <a:rPr lang="pt-BR" sz="2400" dirty="0" err="1">
+                <a:latin typeface="Times New Roman" panose="02020603050405020304" pitchFamily="18" charset="0"/>
+                <a:cs typeface="Times New Roman" panose="02020603050405020304" pitchFamily="18" charset="0"/>
+              </a:rPr>
+              <a:t>JavaScript</a:t>
+            </a:r>
+            <a:r>
+              <a:rPr lang="pt-BR" sz="2400" dirty="0">
+                <a:latin typeface="Times New Roman" panose="02020603050405020304" pitchFamily="18" charset="0"/>
+                <a:cs typeface="Times New Roman" panose="02020603050405020304" pitchFamily="18" charset="0"/>
+              </a:rPr>
+              <a:t> (</a:t>
+            </a:r>
+            <a:r>
+              <a:rPr lang="pt-BR" sz="2400" b="1" dirty="0">
+                <a:latin typeface="Times New Roman" panose="02020603050405020304" pitchFamily="18" charset="0"/>
+                <a:cs typeface="Times New Roman" panose="02020603050405020304" pitchFamily="18" charset="0"/>
+              </a:rPr>
+              <a:t>JSON</a:t>
+            </a:r>
+            <a:r>
+              <a:rPr lang="pt-BR" sz="2400" dirty="0">
+                <a:latin typeface="Times New Roman" panose="02020603050405020304" pitchFamily="18" charset="0"/>
+                <a:cs typeface="Times New Roman" panose="02020603050405020304" pitchFamily="18" charset="0"/>
+              </a:rPr>
+              <a:t>)</a:t>
+            </a:r>
+            <a:endParaRPr lang="pt-BR" sz="2400" dirty="0">
+              <a:solidFill>
+                <a:schemeClr val="tx1"/>
+              </a:solidFill>
+              <a:latin typeface="Times New Roman" panose="02020603050405020304" pitchFamily="18" charset="0"/>
+              <a:cs typeface="Times New Roman" panose="02020603050405020304" pitchFamily="18" charset="0"/>
+            </a:endParaRPr>
+          </a:p>
+        </p:txBody>
+      </p:sp>
+    </p:spTree>
+    <p:extLst>
+      <p:ext uri="{BB962C8B-B14F-4D97-AF65-F5344CB8AC3E}">
+        <p14:creationId xmlns:p14="http://schemas.microsoft.com/office/powerpoint/2010/main" val="787982466"/>
+      </p:ext>
+    </p:extLst>
+  </p:cSld>
+  <p:clrMapOvr>
+    <a:masterClrMapping/>
+  </p:clrMapOvr>
+  <p:transition spd="med"/>
+</p:sld>
+</file>
+
+<file path=ppt/slides/slide17.xml><?xml version="1.0" encoding="utf-8"?>
+<p:sld xmlns:a="http://schemas.openxmlformats.org/drawingml/2006/main" xmlns:r="http://schemas.openxmlformats.org/officeDocument/2006/relationships" xmlns:p="http://schemas.openxmlformats.org/presentationml/2006/main">
+  <p:cSld>
+    <p:spTree>
+      <p:nvGrpSpPr>
+        <p:cNvPr id="1" name=""/>
+        <p:cNvGrpSpPr/>
+        <p:nvPr/>
+      </p:nvGrpSpPr>
+      <p:grpSpPr>
+        <a:xfrm>
+          <a:off x="0" y="0"/>
+          <a:ext cx="0" cy="0"/>
+          <a:chOff x="0" y="0"/>
+          <a:chExt cx="0" cy="0"/>
+        </a:xfrm>
+      </p:grpSpPr>
+      <p:sp>
+        <p:nvSpPr>
+          <p:cNvPr id="6" name="Title 1"/>
+          <p:cNvSpPr>
+            <a:spLocks noGrp="1"/>
+          </p:cNvSpPr>
+          <p:nvPr>
+            <p:ph type="title"/>
+          </p:nvPr>
+        </p:nvSpPr>
+        <p:spPr>
+          <a:xfrm>
+            <a:off x="457200" y="205980"/>
+            <a:ext cx="8229600" cy="857251"/>
+          </a:xfrm>
+        </p:spPr>
+        <p:txBody>
+          <a:bodyPr>
+            <a:normAutofit/>
+          </a:bodyPr>
+          <a:lstStyle/>
+          <a:p>
+            <a:r>
+              <a:rPr lang="pt-BR" b="1" dirty="0">
+                <a:solidFill>
+                  <a:srgbClr val="0070C0"/>
+                </a:solidFill>
+              </a:rPr>
+              <a:t>Plataformas Middleware</a:t>
+            </a:r>
+            <a:endParaRPr lang="en-US" b="1" dirty="0">
+              <a:solidFill>
+                <a:srgbClr val="0070C0"/>
+              </a:solidFill>
+            </a:endParaRPr>
+          </a:p>
+        </p:txBody>
+      </p:sp>
+      <p:sp>
+        <p:nvSpPr>
+          <p:cNvPr id="8" name="Text Placeholder 2"/>
+          <p:cNvSpPr>
+            <a:spLocks noGrp="1"/>
+          </p:cNvSpPr>
+          <p:nvPr>
+            <p:ph type="body" sz="half" idx="1"/>
+          </p:nvPr>
+        </p:nvSpPr>
+        <p:spPr>
+          <a:xfrm>
+            <a:off x="142865" y="1200150"/>
+            <a:ext cx="8865056" cy="3737370"/>
+          </a:xfrm>
+        </p:spPr>
+        <p:txBody>
+          <a:bodyPr>
+            <a:noAutofit/>
+          </a:bodyPr>
+          <a:lstStyle/>
+          <a:p>
+            <a:pPr marL="0" indent="0" algn="just">
+              <a:buNone/>
+            </a:pPr>
+            <a:r>
+              <a:rPr lang="pt-BR" sz="2400" b="1" dirty="0">
+                <a:solidFill>
+                  <a:srgbClr val="FF0000"/>
+                </a:solidFill>
+                <a:latin typeface="Times New Roman" panose="02020603050405020304" pitchFamily="18" charset="0"/>
+                <a:cs typeface="Times New Roman" panose="02020603050405020304" pitchFamily="18" charset="0"/>
+              </a:rPr>
+              <a:t>Na escolha</a:t>
+            </a:r>
+            <a:r>
+              <a:rPr lang="pt-BR" sz="2400" dirty="0">
+                <a:latin typeface="Times New Roman" panose="02020603050405020304" pitchFamily="18" charset="0"/>
+                <a:cs typeface="Times New Roman" panose="02020603050405020304" pitchFamily="18" charset="0"/>
+              </a:rPr>
+              <a:t>, levar em consideração:</a:t>
+            </a:r>
+          </a:p>
+          <a:p>
+            <a:pPr marL="0" indent="0" algn="just">
+              <a:buNone/>
+            </a:pPr>
+            <a:endParaRPr lang="pt-BR" sz="2400" dirty="0">
+              <a:latin typeface="Times New Roman" panose="02020603050405020304" pitchFamily="18" charset="0"/>
+              <a:cs typeface="Times New Roman" panose="02020603050405020304" pitchFamily="18" charset="0"/>
+            </a:endParaRPr>
+          </a:p>
+          <a:p>
+            <a:pPr algn="just">
+              <a:buFont typeface="Wingdings" panose="05000000000000000000" pitchFamily="2" charset="2"/>
+              <a:buChar char="§"/>
+            </a:pPr>
+            <a:r>
+              <a:rPr lang="pt-BR" sz="2400" dirty="0">
+                <a:latin typeface="Times New Roman" panose="02020603050405020304" pitchFamily="18" charset="0"/>
+                <a:cs typeface="Times New Roman" panose="02020603050405020304" pitchFamily="18" charset="0"/>
+              </a:rPr>
+              <a:t>Autenticação de segurança;</a:t>
+            </a:r>
+          </a:p>
+          <a:p>
+            <a:pPr algn="just">
+              <a:buFont typeface="Wingdings" panose="05000000000000000000" pitchFamily="2" charset="2"/>
+              <a:buChar char="§"/>
+            </a:pPr>
+            <a:r>
+              <a:rPr lang="pt-BR" sz="2400" dirty="0">
+                <a:latin typeface="Times New Roman" panose="02020603050405020304" pitchFamily="18" charset="0"/>
+                <a:cs typeface="Times New Roman" panose="02020603050405020304" pitchFamily="18" charset="0"/>
+              </a:rPr>
+              <a:t>Gerenciamento de transações;</a:t>
+            </a:r>
+          </a:p>
+          <a:p>
+            <a:pPr algn="just">
+              <a:buFont typeface="Wingdings" panose="05000000000000000000" pitchFamily="2" charset="2"/>
+              <a:buChar char="§"/>
+            </a:pPr>
+            <a:r>
+              <a:rPr lang="pt-BR" sz="2400" dirty="0">
+                <a:latin typeface="Times New Roman" panose="02020603050405020304" pitchFamily="18" charset="0"/>
+                <a:cs typeface="Times New Roman" panose="02020603050405020304" pitchFamily="18" charset="0"/>
+              </a:rPr>
+              <a:t>Filas de mensagens; </a:t>
+            </a:r>
+          </a:p>
+          <a:p>
+            <a:pPr algn="just">
+              <a:buFont typeface="Wingdings" panose="05000000000000000000" pitchFamily="2" charset="2"/>
+              <a:buChar char="§"/>
+            </a:pPr>
+            <a:r>
+              <a:rPr lang="pt-BR" sz="2400" dirty="0">
+                <a:latin typeface="Times New Roman" panose="02020603050405020304" pitchFamily="18" charset="0"/>
+                <a:cs typeface="Times New Roman" panose="02020603050405020304" pitchFamily="18" charset="0"/>
+              </a:rPr>
+              <a:t>Servidores de aplicativos; </a:t>
+            </a:r>
+          </a:p>
+          <a:p>
+            <a:pPr algn="just">
+              <a:buFont typeface="Wingdings" panose="05000000000000000000" pitchFamily="2" charset="2"/>
+              <a:buChar char="§"/>
+            </a:pPr>
+            <a:r>
+              <a:rPr lang="pt-BR" sz="2400" dirty="0">
+                <a:latin typeface="Times New Roman" panose="02020603050405020304" pitchFamily="18" charset="0"/>
+                <a:cs typeface="Times New Roman" panose="02020603050405020304" pitchFamily="18" charset="0"/>
+              </a:rPr>
+              <a:t>Servidores da web e diretórios.</a:t>
+            </a:r>
+            <a:endParaRPr lang="pt-BR" sz="2400" dirty="0">
+              <a:solidFill>
+                <a:schemeClr val="tx1"/>
+              </a:solidFill>
+              <a:latin typeface="Times New Roman" panose="02020603050405020304" pitchFamily="18" charset="0"/>
+              <a:cs typeface="Times New Roman" panose="02020603050405020304" pitchFamily="18" charset="0"/>
+            </a:endParaRPr>
+          </a:p>
+        </p:txBody>
+      </p:sp>
+    </p:spTree>
+    <p:extLst>
+      <p:ext uri="{BB962C8B-B14F-4D97-AF65-F5344CB8AC3E}">
+        <p14:creationId xmlns:p14="http://schemas.microsoft.com/office/powerpoint/2010/main" val="2744974126"/>
+      </p:ext>
+    </p:extLst>
+  </p:cSld>
+  <p:clrMapOvr>
+    <a:masterClrMapping/>
+  </p:clrMapOvr>
+  <p:transition spd="med"/>
+</p:sld>
+</file>
+
+<file path=ppt/slides/slide18.xml><?xml version="1.0" encoding="utf-8"?>
+<p:sld xmlns:a="http://schemas.openxmlformats.org/drawingml/2006/main" xmlns:r="http://schemas.openxmlformats.org/officeDocument/2006/relationships" xmlns:p="http://schemas.openxmlformats.org/presentationml/2006/main">
+  <p:cSld>
+    <p:spTree>
+      <p:nvGrpSpPr>
+        <p:cNvPr id="1" name=""/>
+        <p:cNvGrpSpPr/>
+        <p:nvPr/>
+      </p:nvGrpSpPr>
+      <p:grpSpPr>
+        <a:xfrm>
+          <a:off x="0" y="0"/>
+          <a:ext cx="0" cy="0"/>
+          <a:chOff x="0" y="0"/>
+          <a:chExt cx="0" cy="0"/>
+        </a:xfrm>
+      </p:grpSpPr>
+      <p:sp>
+        <p:nvSpPr>
+          <p:cNvPr id="6" name="Title 1"/>
+          <p:cNvSpPr>
+            <a:spLocks noGrp="1"/>
+          </p:cNvSpPr>
+          <p:nvPr>
+            <p:ph type="title"/>
+          </p:nvPr>
+        </p:nvSpPr>
+        <p:spPr>
+          <a:xfrm>
+            <a:off x="457200" y="205980"/>
+            <a:ext cx="8229600" cy="857251"/>
+          </a:xfrm>
+        </p:spPr>
+        <p:txBody>
+          <a:bodyPr>
+            <a:normAutofit/>
+          </a:bodyPr>
+          <a:lstStyle/>
+          <a:p>
+            <a:r>
+              <a:rPr lang="pt-BR" b="1" dirty="0">
+                <a:solidFill>
+                  <a:srgbClr val="0070C0"/>
+                </a:solidFill>
+              </a:rPr>
+              <a:t>Plataformas de Comunicação </a:t>
+            </a:r>
+            <a:r>
+              <a:rPr lang="pt-BR" b="1" dirty="0" err="1">
+                <a:solidFill>
+                  <a:srgbClr val="0070C0"/>
+                </a:solidFill>
+              </a:rPr>
+              <a:t>IoT</a:t>
+            </a:r>
+            <a:endParaRPr lang="en-US" b="1" dirty="0">
+              <a:solidFill>
+                <a:srgbClr val="0070C0"/>
+              </a:solidFill>
+            </a:endParaRPr>
+          </a:p>
+        </p:txBody>
+      </p:sp>
+      <p:sp>
+        <p:nvSpPr>
+          <p:cNvPr id="8" name="Text Placeholder 2"/>
+          <p:cNvSpPr>
+            <a:spLocks noGrp="1"/>
+          </p:cNvSpPr>
+          <p:nvPr>
+            <p:ph type="body" sz="half" idx="1"/>
+          </p:nvPr>
+        </p:nvSpPr>
+        <p:spPr>
+          <a:xfrm>
+            <a:off x="142865" y="1200150"/>
+            <a:ext cx="8865056" cy="3737370"/>
+          </a:xfrm>
+        </p:spPr>
+        <p:txBody>
+          <a:bodyPr>
+            <a:noAutofit/>
+          </a:bodyPr>
+          <a:lstStyle/>
+          <a:p>
+            <a:pPr marL="0" indent="0" algn="just">
+              <a:buNone/>
+            </a:pPr>
+            <a:r>
+              <a:rPr lang="pt-BR" sz="2000" dirty="0">
+                <a:latin typeface="Times New Roman" panose="02020603050405020304" pitchFamily="18" charset="0"/>
+                <a:cs typeface="Times New Roman" panose="02020603050405020304" pitchFamily="18" charset="0"/>
+              </a:rPr>
+              <a:t>Seja </a:t>
+            </a:r>
+            <a:r>
+              <a:rPr lang="pt-BR" sz="2000" b="1" dirty="0">
+                <a:solidFill>
+                  <a:srgbClr val="FF0000"/>
+                </a:solidFill>
+                <a:latin typeface="Times New Roman" panose="02020603050405020304" pitchFamily="18" charset="0"/>
+                <a:cs typeface="Times New Roman" panose="02020603050405020304" pitchFamily="18" charset="0"/>
+              </a:rPr>
+              <a:t>nuvem ou </a:t>
+            </a:r>
+            <a:r>
+              <a:rPr lang="pt-BR" sz="2000" b="1" dirty="0" err="1">
+                <a:solidFill>
+                  <a:srgbClr val="FF0000"/>
+                </a:solidFill>
+                <a:latin typeface="Times New Roman" panose="02020603050405020304" pitchFamily="18" charset="0"/>
+                <a:cs typeface="Times New Roman" panose="02020603050405020304" pitchFamily="18" charset="0"/>
+              </a:rPr>
+              <a:t>edge</a:t>
+            </a:r>
+            <a:r>
+              <a:rPr lang="pt-BR" sz="2000" dirty="0">
+                <a:latin typeface="Times New Roman" panose="02020603050405020304" pitchFamily="18" charset="0"/>
+                <a:cs typeface="Times New Roman" panose="02020603050405020304" pitchFamily="18" charset="0"/>
+              </a:rPr>
+              <a:t>, com o auxílio de chips integrados, as máquinas podem trocar informações e dados por meio de sensores ou software conectados através da internet.</a:t>
+            </a:r>
+          </a:p>
+          <a:p>
+            <a:pPr marL="0" indent="0" algn="just">
+              <a:buNone/>
+            </a:pPr>
+            <a:endParaRPr lang="pt-BR" sz="2000" dirty="0">
+              <a:solidFill>
+                <a:schemeClr val="tx1"/>
+              </a:solidFill>
+              <a:latin typeface="Times New Roman" panose="02020603050405020304" pitchFamily="18" charset="0"/>
+              <a:cs typeface="Times New Roman" panose="02020603050405020304" pitchFamily="18" charset="0"/>
+            </a:endParaRPr>
+          </a:p>
+          <a:p>
+            <a:pPr marL="0" indent="0" algn="just">
+              <a:buNone/>
+            </a:pPr>
+            <a:r>
+              <a:rPr lang="pt-BR" sz="2000" dirty="0">
+                <a:solidFill>
+                  <a:schemeClr val="tx1"/>
+                </a:solidFill>
+                <a:latin typeface="Times New Roman" panose="02020603050405020304" pitchFamily="18" charset="0"/>
+                <a:cs typeface="Times New Roman" panose="02020603050405020304" pitchFamily="18" charset="0"/>
+              </a:rPr>
+              <a:t>Soluções de </a:t>
+            </a:r>
+            <a:r>
+              <a:rPr lang="pt-BR" sz="2000" dirty="0" err="1">
+                <a:solidFill>
+                  <a:schemeClr val="tx1"/>
+                </a:solidFill>
+                <a:latin typeface="Times New Roman" panose="02020603050405020304" pitchFamily="18" charset="0"/>
+                <a:cs typeface="Times New Roman" panose="02020603050405020304" pitchFamily="18" charset="0"/>
+              </a:rPr>
+              <a:t>IoT</a:t>
+            </a:r>
+            <a:r>
+              <a:rPr lang="pt-BR" sz="2000" dirty="0">
+                <a:solidFill>
+                  <a:schemeClr val="tx1"/>
+                </a:solidFill>
+                <a:latin typeface="Times New Roman" panose="02020603050405020304" pitchFamily="18" charset="0"/>
+                <a:cs typeface="Times New Roman" panose="02020603050405020304" pitchFamily="18" charset="0"/>
+              </a:rPr>
+              <a:t> na </a:t>
+            </a:r>
+            <a:r>
+              <a:rPr lang="pt-BR" sz="2000" b="1" dirty="0">
+                <a:solidFill>
+                  <a:srgbClr val="FF0000"/>
+                </a:solidFill>
+                <a:latin typeface="Times New Roman" panose="02020603050405020304" pitchFamily="18" charset="0"/>
+                <a:cs typeface="Times New Roman" panose="02020603050405020304" pitchFamily="18" charset="0"/>
+              </a:rPr>
+              <a:t>indústria 4.0</a:t>
+            </a:r>
+            <a:r>
+              <a:rPr lang="pt-BR" sz="2000" dirty="0">
+                <a:solidFill>
+                  <a:schemeClr val="tx1"/>
+                </a:solidFill>
+                <a:latin typeface="Times New Roman" panose="02020603050405020304" pitchFamily="18" charset="0"/>
+                <a:cs typeface="Times New Roman" panose="02020603050405020304" pitchFamily="18" charset="0"/>
+              </a:rPr>
+              <a:t>, </a:t>
+            </a:r>
+            <a:r>
+              <a:rPr lang="pt-BR" sz="2000" b="1" dirty="0" err="1">
+                <a:solidFill>
+                  <a:schemeClr val="tx1"/>
+                </a:solidFill>
+                <a:latin typeface="Times New Roman" panose="02020603050405020304" pitchFamily="18" charset="0"/>
+                <a:cs typeface="Times New Roman" panose="02020603050405020304" pitchFamily="18" charset="0"/>
+              </a:rPr>
+              <a:t>smart</a:t>
+            </a:r>
+            <a:r>
+              <a:rPr lang="pt-BR" sz="2000" b="1" dirty="0">
+                <a:solidFill>
+                  <a:schemeClr val="tx1"/>
+                </a:solidFill>
+                <a:latin typeface="Times New Roman" panose="02020603050405020304" pitchFamily="18" charset="0"/>
+                <a:cs typeface="Times New Roman" panose="02020603050405020304" pitchFamily="18" charset="0"/>
+              </a:rPr>
+              <a:t> </a:t>
+            </a:r>
+            <a:r>
+              <a:rPr lang="pt-BR" sz="2000" b="1" dirty="0" err="1">
+                <a:solidFill>
+                  <a:schemeClr val="tx1"/>
+                </a:solidFill>
+                <a:latin typeface="Times New Roman" panose="02020603050405020304" pitchFamily="18" charset="0"/>
+                <a:cs typeface="Times New Roman" panose="02020603050405020304" pitchFamily="18" charset="0"/>
+              </a:rPr>
+              <a:t>factory</a:t>
+            </a:r>
+            <a:r>
+              <a:rPr lang="pt-BR" sz="2000" dirty="0">
+                <a:solidFill>
+                  <a:schemeClr val="tx1"/>
+                </a:solidFill>
+                <a:latin typeface="Times New Roman" panose="02020603050405020304" pitchFamily="18" charset="0"/>
+                <a:cs typeface="Times New Roman" panose="02020603050405020304" pitchFamily="18" charset="0"/>
+              </a:rPr>
+              <a:t>, graças à comunicação entre máquinas (</a:t>
+            </a:r>
+            <a:r>
+              <a:rPr lang="pt-BR" sz="2000" b="1" dirty="0">
+                <a:solidFill>
+                  <a:schemeClr val="tx1"/>
+                </a:solidFill>
+                <a:latin typeface="Times New Roman" panose="02020603050405020304" pitchFamily="18" charset="0"/>
+                <a:cs typeface="Times New Roman" panose="02020603050405020304" pitchFamily="18" charset="0"/>
+              </a:rPr>
+              <a:t>M2M</a:t>
+            </a:r>
+            <a:r>
+              <a:rPr lang="pt-BR" sz="2000" dirty="0">
+                <a:solidFill>
+                  <a:schemeClr val="tx1"/>
+                </a:solidFill>
+                <a:latin typeface="Times New Roman" panose="02020603050405020304" pitchFamily="18" charset="0"/>
+                <a:cs typeface="Times New Roman" panose="02020603050405020304" pitchFamily="18" charset="0"/>
+              </a:rPr>
+              <a:t>), consequências:</a:t>
+            </a:r>
+          </a:p>
+          <a:p>
+            <a:pPr marL="0" indent="0" algn="just">
+              <a:buNone/>
+            </a:pPr>
+            <a:endParaRPr lang="pt-BR" sz="2000" dirty="0">
+              <a:solidFill>
+                <a:schemeClr val="tx1"/>
+              </a:solidFill>
+              <a:latin typeface="Times New Roman" panose="02020603050405020304" pitchFamily="18" charset="0"/>
+              <a:cs typeface="Times New Roman" panose="02020603050405020304" pitchFamily="18" charset="0"/>
+            </a:endParaRPr>
+          </a:p>
+          <a:p>
+            <a:pPr algn="just">
+              <a:buFont typeface="Wingdings" panose="05000000000000000000" pitchFamily="2" charset="2"/>
+              <a:buChar char="§"/>
+            </a:pPr>
+            <a:r>
+              <a:rPr lang="pt-BR" sz="2000" dirty="0">
+                <a:solidFill>
+                  <a:schemeClr val="tx1"/>
+                </a:solidFill>
+                <a:latin typeface="Times New Roman" panose="02020603050405020304" pitchFamily="18" charset="0"/>
+                <a:cs typeface="Times New Roman" panose="02020603050405020304" pitchFamily="18" charset="0"/>
+              </a:rPr>
+              <a:t>Automatizar os processos de produção em uma fábrica inteligente</a:t>
+            </a:r>
+          </a:p>
+          <a:p>
+            <a:pPr algn="just">
+              <a:buFont typeface="Wingdings" panose="05000000000000000000" pitchFamily="2" charset="2"/>
+              <a:buChar char="§"/>
+            </a:pPr>
+            <a:r>
+              <a:rPr lang="pt-BR" sz="2000" dirty="0">
+                <a:solidFill>
+                  <a:schemeClr val="tx1"/>
+                </a:solidFill>
+                <a:latin typeface="Times New Roman" panose="02020603050405020304" pitchFamily="18" charset="0"/>
+                <a:cs typeface="Times New Roman" panose="02020603050405020304" pitchFamily="18" charset="0"/>
+              </a:rPr>
+              <a:t>IA</a:t>
+            </a:r>
+          </a:p>
+          <a:p>
+            <a:pPr algn="just">
+              <a:buFont typeface="Wingdings" panose="05000000000000000000" pitchFamily="2" charset="2"/>
+              <a:buChar char="§"/>
+            </a:pPr>
+            <a:r>
+              <a:rPr lang="pt-BR" sz="2000" dirty="0">
+                <a:solidFill>
+                  <a:schemeClr val="tx1"/>
+                </a:solidFill>
+                <a:latin typeface="Times New Roman" panose="02020603050405020304" pitchFamily="18" charset="0"/>
+                <a:cs typeface="Times New Roman" panose="02020603050405020304" pitchFamily="18" charset="0"/>
+              </a:rPr>
+              <a:t>Computação </a:t>
+            </a:r>
+            <a:r>
+              <a:rPr lang="pt-BR" sz="2000" dirty="0" err="1">
+                <a:solidFill>
+                  <a:schemeClr val="tx1"/>
+                </a:solidFill>
+                <a:latin typeface="Times New Roman" panose="02020603050405020304" pitchFamily="18" charset="0"/>
+                <a:cs typeface="Times New Roman" panose="02020603050405020304" pitchFamily="18" charset="0"/>
+              </a:rPr>
+              <a:t>coginitiva</a:t>
+            </a:r>
+            <a:endParaRPr lang="pt-BR" sz="2000" dirty="0">
+              <a:solidFill>
+                <a:schemeClr val="tx1"/>
+              </a:solidFill>
+              <a:latin typeface="Times New Roman" panose="02020603050405020304" pitchFamily="18" charset="0"/>
+              <a:cs typeface="Times New Roman" panose="02020603050405020304" pitchFamily="18" charset="0"/>
+            </a:endParaRPr>
+          </a:p>
+          <a:p>
+            <a:pPr algn="just">
+              <a:buFont typeface="Wingdings" panose="05000000000000000000" pitchFamily="2" charset="2"/>
+              <a:buChar char="§"/>
+            </a:pPr>
+            <a:r>
+              <a:rPr lang="pt-BR" sz="2000" dirty="0">
+                <a:solidFill>
+                  <a:schemeClr val="tx1"/>
+                </a:solidFill>
+                <a:latin typeface="Times New Roman" panose="02020603050405020304" pitchFamily="18" charset="0"/>
+                <a:cs typeface="Times New Roman" panose="02020603050405020304" pitchFamily="18" charset="0"/>
+              </a:rPr>
+              <a:t>Robótica</a:t>
+            </a:r>
+          </a:p>
+        </p:txBody>
+      </p:sp>
+    </p:spTree>
+    <p:extLst>
+      <p:ext uri="{BB962C8B-B14F-4D97-AF65-F5344CB8AC3E}">
+        <p14:creationId xmlns:p14="http://schemas.microsoft.com/office/powerpoint/2010/main" val="1362980025"/>
+      </p:ext>
+    </p:extLst>
+  </p:cSld>
+  <p:clrMapOvr>
+    <a:masterClrMapping/>
+  </p:clrMapOvr>
+  <p:transition spd="med"/>
+</p:sld>
+</file>
+
+<file path=ppt/slides/slide19.xml><?xml version="1.0" encoding="utf-8"?>
+<p:sld xmlns:a="http://schemas.openxmlformats.org/drawingml/2006/main" xmlns:r="http://schemas.openxmlformats.org/officeDocument/2006/relationships" xmlns:p="http://schemas.openxmlformats.org/presentationml/2006/main">
+  <p:cSld>
+    <p:spTree>
+      <p:nvGrpSpPr>
+        <p:cNvPr id="1" name=""/>
+        <p:cNvGrpSpPr/>
+        <p:nvPr/>
+      </p:nvGrpSpPr>
+      <p:grpSpPr>
+        <a:xfrm>
+          <a:off x="0" y="0"/>
+          <a:ext cx="0" cy="0"/>
+          <a:chOff x="0" y="0"/>
+          <a:chExt cx="0" cy="0"/>
+        </a:xfrm>
+      </p:grpSpPr>
+      <p:sp>
+        <p:nvSpPr>
+          <p:cNvPr id="6" name="Title 1"/>
+          <p:cNvSpPr>
+            <a:spLocks noGrp="1"/>
+          </p:cNvSpPr>
+          <p:nvPr>
+            <p:ph type="title"/>
+          </p:nvPr>
+        </p:nvSpPr>
+        <p:spPr>
+          <a:xfrm>
+            <a:off x="457200" y="205980"/>
+            <a:ext cx="8229600" cy="857251"/>
+          </a:xfrm>
+        </p:spPr>
+        <p:txBody>
+          <a:bodyPr>
+            <a:normAutofit/>
+          </a:bodyPr>
+          <a:lstStyle/>
+          <a:p>
+            <a:r>
+              <a:rPr lang="pt-BR" b="1" dirty="0">
+                <a:solidFill>
+                  <a:srgbClr val="0070C0"/>
+                </a:solidFill>
+              </a:rPr>
+              <a:t>Plataformas Cloud </a:t>
+            </a:r>
+            <a:r>
+              <a:rPr lang="pt-BR" b="1" dirty="0" err="1">
+                <a:solidFill>
+                  <a:srgbClr val="0070C0"/>
+                </a:solidFill>
+              </a:rPr>
+              <a:t>IoT</a:t>
+            </a:r>
+            <a:endParaRPr lang="en-US" b="1" dirty="0">
+              <a:solidFill>
+                <a:srgbClr val="0070C0"/>
+              </a:solidFill>
+            </a:endParaRPr>
+          </a:p>
+        </p:txBody>
+      </p:sp>
+      <p:sp>
+        <p:nvSpPr>
+          <p:cNvPr id="8" name="Text Placeholder 2"/>
+          <p:cNvSpPr>
+            <a:spLocks noGrp="1"/>
+          </p:cNvSpPr>
+          <p:nvPr>
+            <p:ph type="body" sz="half" idx="1"/>
+          </p:nvPr>
+        </p:nvSpPr>
+        <p:spPr>
+          <a:xfrm>
+            <a:off x="142865" y="1200150"/>
+            <a:ext cx="8865056" cy="3737370"/>
+          </a:xfrm>
+        </p:spPr>
+        <p:txBody>
+          <a:bodyPr>
+            <a:noAutofit/>
+          </a:bodyPr>
+          <a:lstStyle/>
+          <a:p>
+            <a:pPr algn="just">
+              <a:buFont typeface="Wingdings" panose="05000000000000000000" pitchFamily="2" charset="2"/>
+              <a:buChar char="§"/>
+            </a:pPr>
+            <a:r>
+              <a:rPr lang="pt-BR" sz="2000" dirty="0">
+                <a:solidFill>
+                  <a:schemeClr val="tx1"/>
+                </a:solidFill>
+                <a:latin typeface="Times New Roman" panose="02020603050405020304" pitchFamily="18" charset="0"/>
+                <a:cs typeface="Times New Roman" panose="02020603050405020304" pitchFamily="18" charset="0"/>
+              </a:rPr>
+              <a:t>Google Cloud</a:t>
+            </a:r>
+          </a:p>
+          <a:p>
+            <a:pPr lvl="1" algn="just">
+              <a:buFont typeface="Wingdings" panose="05000000000000000000" pitchFamily="2" charset="2"/>
+              <a:buChar char="§"/>
+            </a:pPr>
+            <a:r>
+              <a:rPr lang="pt-BR" sz="2000" dirty="0">
+                <a:solidFill>
+                  <a:schemeClr val="tx1"/>
+                </a:solidFill>
+                <a:latin typeface="Times New Roman" panose="02020603050405020304" pitchFamily="18" charset="0"/>
+                <a:cs typeface="Times New Roman" panose="02020603050405020304" pitchFamily="18" charset="0"/>
+              </a:rPr>
+              <a:t>Big data; CDN (</a:t>
+            </a:r>
+            <a:r>
+              <a:rPr lang="pt-BR" sz="2000" dirty="0" err="1">
+                <a:solidFill>
+                  <a:schemeClr val="tx1"/>
+                </a:solidFill>
+                <a:latin typeface="Times New Roman" panose="02020603050405020304" pitchFamily="18" charset="0"/>
+                <a:cs typeface="Times New Roman" panose="02020603050405020304" pitchFamily="18" charset="0"/>
+              </a:rPr>
+              <a:t>Content</a:t>
+            </a:r>
+            <a:r>
+              <a:rPr lang="pt-BR" sz="2000" dirty="0">
+                <a:solidFill>
+                  <a:schemeClr val="tx1"/>
+                </a:solidFill>
+                <a:latin typeface="Times New Roman" panose="02020603050405020304" pitchFamily="18" charset="0"/>
+                <a:cs typeface="Times New Roman" panose="02020603050405020304" pitchFamily="18" charset="0"/>
+              </a:rPr>
+              <a:t> Delivery Network); Compute </a:t>
+            </a:r>
+            <a:r>
+              <a:rPr lang="pt-BR" sz="2000" dirty="0" err="1">
+                <a:solidFill>
+                  <a:schemeClr val="tx1"/>
+                </a:solidFill>
+                <a:latin typeface="Times New Roman" panose="02020603050405020304" pitchFamily="18" charset="0"/>
+                <a:cs typeface="Times New Roman" panose="02020603050405020304" pitchFamily="18" charset="0"/>
+              </a:rPr>
+              <a:t>Engine</a:t>
+            </a:r>
+            <a:r>
+              <a:rPr lang="pt-BR" sz="2000" dirty="0">
+                <a:solidFill>
+                  <a:schemeClr val="tx1"/>
+                </a:solidFill>
+                <a:latin typeface="Times New Roman" panose="02020603050405020304" pitchFamily="18" charset="0"/>
+                <a:cs typeface="Times New Roman" panose="02020603050405020304" pitchFamily="18" charset="0"/>
+              </a:rPr>
+              <a:t>; Data Flow; Cloud SQL; </a:t>
+            </a:r>
+            <a:r>
+              <a:rPr lang="pt-BR" sz="2000" dirty="0" err="1">
+                <a:solidFill>
+                  <a:schemeClr val="tx1"/>
+                </a:solidFill>
+                <a:latin typeface="Times New Roman" panose="02020603050405020304" pitchFamily="18" charset="0"/>
+                <a:cs typeface="Times New Roman" panose="02020603050405020304" pitchFamily="18" charset="0"/>
+              </a:rPr>
+              <a:t>Anthos</a:t>
+            </a:r>
+            <a:r>
+              <a:rPr lang="pt-BR" sz="2000" dirty="0">
+                <a:solidFill>
+                  <a:schemeClr val="tx1"/>
+                </a:solidFill>
+                <a:latin typeface="Times New Roman" panose="02020603050405020304" pitchFamily="18" charset="0"/>
+                <a:cs typeface="Times New Roman" panose="02020603050405020304" pitchFamily="18" charset="0"/>
+              </a:rPr>
+              <a:t> (container); Cloud </a:t>
+            </a:r>
+            <a:r>
+              <a:rPr lang="pt-BR" sz="2000" dirty="0" err="1">
+                <a:solidFill>
+                  <a:schemeClr val="tx1"/>
+                </a:solidFill>
+                <a:latin typeface="Times New Roman" panose="02020603050405020304" pitchFamily="18" charset="0"/>
+                <a:cs typeface="Times New Roman" panose="02020603050405020304" pitchFamily="18" charset="0"/>
+              </a:rPr>
+              <a:t>Storage</a:t>
+            </a:r>
+            <a:r>
+              <a:rPr lang="pt-BR" sz="2000" dirty="0">
+                <a:solidFill>
+                  <a:schemeClr val="tx1"/>
+                </a:solidFill>
+                <a:latin typeface="Times New Roman" panose="02020603050405020304" pitchFamily="18" charset="0"/>
+                <a:cs typeface="Times New Roman" panose="02020603050405020304" pitchFamily="18" charset="0"/>
+              </a:rPr>
+              <a:t>, </a:t>
+            </a:r>
+            <a:r>
+              <a:rPr lang="pt-BR" sz="2000" dirty="0" err="1">
+                <a:solidFill>
+                  <a:schemeClr val="tx1"/>
+                </a:solidFill>
+                <a:latin typeface="Times New Roman" panose="02020603050405020304" pitchFamily="18" charset="0"/>
+                <a:cs typeface="Times New Roman" panose="02020603050405020304" pitchFamily="18" charset="0"/>
+              </a:rPr>
+              <a:t>etc</a:t>
+            </a:r>
+            <a:endParaRPr lang="pt-BR" sz="2000" dirty="0">
+              <a:solidFill>
+                <a:schemeClr val="tx1"/>
+              </a:solidFill>
+              <a:latin typeface="Times New Roman" panose="02020603050405020304" pitchFamily="18" charset="0"/>
+              <a:cs typeface="Times New Roman" panose="02020603050405020304" pitchFamily="18" charset="0"/>
+            </a:endParaRPr>
+          </a:p>
+          <a:p>
+            <a:pPr algn="just">
+              <a:buFont typeface="Wingdings" panose="05000000000000000000" pitchFamily="2" charset="2"/>
+              <a:buChar char="§"/>
+            </a:pPr>
+            <a:r>
+              <a:rPr lang="pt-BR" sz="2000" dirty="0">
+                <a:solidFill>
+                  <a:schemeClr val="tx1"/>
+                </a:solidFill>
+                <a:latin typeface="Times New Roman" panose="02020603050405020304" pitchFamily="18" charset="0"/>
+                <a:cs typeface="Times New Roman" panose="02020603050405020304" pitchFamily="18" charset="0"/>
+              </a:rPr>
+              <a:t>AWS Cloud</a:t>
+            </a:r>
+          </a:p>
+          <a:p>
+            <a:pPr lvl="1" algn="just">
+              <a:buFont typeface="Wingdings" panose="05000000000000000000" pitchFamily="2" charset="2"/>
+              <a:buChar char="§"/>
+            </a:pPr>
+            <a:r>
+              <a:rPr lang="pt-BR" sz="2000" dirty="0">
+                <a:solidFill>
+                  <a:schemeClr val="tx1"/>
+                </a:solidFill>
+                <a:latin typeface="Times New Roman" panose="02020603050405020304" pitchFamily="18" charset="0"/>
+                <a:cs typeface="Times New Roman" panose="02020603050405020304" pitchFamily="18" charset="0"/>
+              </a:rPr>
+              <a:t>AWS Lambda; EC2; </a:t>
+            </a:r>
+            <a:r>
+              <a:rPr lang="pt-BR" sz="2000" dirty="0" err="1">
+                <a:solidFill>
+                  <a:schemeClr val="tx1"/>
+                </a:solidFill>
+                <a:latin typeface="Times New Roman" panose="02020603050405020304" pitchFamily="18" charset="0"/>
+                <a:cs typeface="Times New Roman" panose="02020603050405020304" pitchFamily="18" charset="0"/>
+              </a:rPr>
+              <a:t>Glacier</a:t>
+            </a:r>
+            <a:r>
+              <a:rPr lang="pt-BR" sz="2000" dirty="0">
+                <a:solidFill>
+                  <a:schemeClr val="tx1"/>
+                </a:solidFill>
+                <a:latin typeface="Times New Roman" panose="02020603050405020304" pitchFamily="18" charset="0"/>
+                <a:cs typeface="Times New Roman" panose="02020603050405020304" pitchFamily="18" charset="0"/>
+              </a:rPr>
+              <a:t> (Armazenamento de arquivos, backup)</a:t>
+            </a:r>
+          </a:p>
+          <a:p>
+            <a:pPr algn="just">
+              <a:buFont typeface="Wingdings" panose="05000000000000000000" pitchFamily="2" charset="2"/>
+              <a:buChar char="§"/>
+            </a:pPr>
+            <a:r>
+              <a:rPr lang="pt-BR" sz="2000" dirty="0">
+                <a:solidFill>
+                  <a:schemeClr val="tx1"/>
+                </a:solidFill>
+                <a:latin typeface="Times New Roman" panose="02020603050405020304" pitchFamily="18" charset="0"/>
+                <a:cs typeface="Times New Roman" panose="02020603050405020304" pitchFamily="18" charset="0"/>
+              </a:rPr>
+              <a:t>IBM Cloud</a:t>
+            </a:r>
+          </a:p>
+          <a:p>
+            <a:pPr algn="just">
+              <a:buFont typeface="Wingdings" panose="05000000000000000000" pitchFamily="2" charset="2"/>
+              <a:buChar char="§"/>
+            </a:pPr>
+            <a:r>
+              <a:rPr lang="pt-BR" sz="2000" dirty="0">
+                <a:solidFill>
+                  <a:schemeClr val="tx1"/>
+                </a:solidFill>
+                <a:latin typeface="Times New Roman" panose="02020603050405020304" pitchFamily="18" charset="0"/>
+                <a:cs typeface="Times New Roman" panose="02020603050405020304" pitchFamily="18" charset="0"/>
+              </a:rPr>
+              <a:t>Oracle Cloud</a:t>
+            </a:r>
+          </a:p>
+          <a:p>
+            <a:pPr algn="just">
+              <a:buFont typeface="Wingdings" panose="05000000000000000000" pitchFamily="2" charset="2"/>
+              <a:buChar char="§"/>
+            </a:pPr>
+            <a:r>
+              <a:rPr lang="pt-BR" sz="2000" dirty="0">
+                <a:solidFill>
+                  <a:schemeClr val="tx1"/>
+                </a:solidFill>
+                <a:latin typeface="Times New Roman" panose="02020603050405020304" pitchFamily="18" charset="0"/>
+                <a:cs typeface="Times New Roman" panose="02020603050405020304" pitchFamily="18" charset="0"/>
+              </a:rPr>
+              <a:t>Azure Cloud</a:t>
+            </a:r>
+          </a:p>
+          <a:p>
+            <a:pPr marL="0" indent="0" algn="just">
+              <a:buNone/>
+            </a:pPr>
+            <a:endParaRPr lang="pt-BR" sz="2000" dirty="0">
+              <a:solidFill>
+                <a:schemeClr val="tx1"/>
+              </a:solidFill>
+              <a:latin typeface="Times New Roman" panose="02020603050405020304" pitchFamily="18" charset="0"/>
+              <a:cs typeface="Times New Roman" panose="02020603050405020304" pitchFamily="18" charset="0"/>
+            </a:endParaRPr>
+          </a:p>
+        </p:txBody>
+      </p:sp>
+    </p:spTree>
+    <p:extLst>
+      <p:ext uri="{BB962C8B-B14F-4D97-AF65-F5344CB8AC3E}">
+        <p14:creationId xmlns:p14="http://schemas.microsoft.com/office/powerpoint/2010/main" val="2053137068"/>
+      </p:ext>
+    </p:extLst>
   </p:cSld>
   <p:clrMapOvr>
     <a:masterClrMapping/>
@@ -5137,6 +8235,3137 @@
 </p:sld>
 </file>
 
+<file path=ppt/slides/slide20.xml><?xml version="1.0" encoding="utf-8"?>
+<p:sld xmlns:a="http://schemas.openxmlformats.org/drawingml/2006/main" xmlns:r="http://schemas.openxmlformats.org/officeDocument/2006/relationships" xmlns:p="http://schemas.openxmlformats.org/presentationml/2006/main">
+  <p:cSld>
+    <p:spTree>
+      <p:nvGrpSpPr>
+        <p:cNvPr id="1" name=""/>
+        <p:cNvGrpSpPr/>
+        <p:nvPr/>
+      </p:nvGrpSpPr>
+      <p:grpSpPr>
+        <a:xfrm>
+          <a:off x="0" y="0"/>
+          <a:ext cx="0" cy="0"/>
+          <a:chOff x="0" y="0"/>
+          <a:chExt cx="0" cy="0"/>
+        </a:xfrm>
+      </p:grpSpPr>
+      <p:sp>
+        <p:nvSpPr>
+          <p:cNvPr id="6" name="Title 1"/>
+          <p:cNvSpPr>
+            <a:spLocks noGrp="1"/>
+          </p:cNvSpPr>
+          <p:nvPr>
+            <p:ph type="title"/>
+          </p:nvPr>
+        </p:nvSpPr>
+        <p:spPr>
+          <a:xfrm>
+            <a:off x="457200" y="205980"/>
+            <a:ext cx="8229600" cy="857251"/>
+          </a:xfrm>
+        </p:spPr>
+        <p:txBody>
+          <a:bodyPr>
+            <a:normAutofit/>
+          </a:bodyPr>
+          <a:lstStyle/>
+          <a:p>
+            <a:r>
+              <a:rPr lang="pt-BR" b="1" dirty="0">
+                <a:solidFill>
+                  <a:srgbClr val="0070C0"/>
+                </a:solidFill>
+              </a:rPr>
+              <a:t>Plataformas Prototipação </a:t>
+            </a:r>
+            <a:r>
+              <a:rPr lang="pt-BR" b="1" dirty="0" err="1">
+                <a:solidFill>
+                  <a:srgbClr val="0070C0"/>
+                </a:solidFill>
+              </a:rPr>
+              <a:t>IoT</a:t>
+            </a:r>
+            <a:endParaRPr lang="en-US" b="1" dirty="0">
+              <a:solidFill>
+                <a:srgbClr val="0070C0"/>
+              </a:solidFill>
+            </a:endParaRPr>
+          </a:p>
+        </p:txBody>
+      </p:sp>
+      <p:sp>
+        <p:nvSpPr>
+          <p:cNvPr id="8" name="Text Placeholder 2"/>
+          <p:cNvSpPr>
+            <a:spLocks noGrp="1"/>
+          </p:cNvSpPr>
+          <p:nvPr>
+            <p:ph type="body" sz="half" idx="1"/>
+          </p:nvPr>
+        </p:nvSpPr>
+        <p:spPr>
+          <a:xfrm>
+            <a:off x="142865" y="1200150"/>
+            <a:ext cx="8865056" cy="3737370"/>
+          </a:xfrm>
+        </p:spPr>
+        <p:txBody>
+          <a:bodyPr>
+            <a:noAutofit/>
+          </a:bodyPr>
+          <a:lstStyle/>
+          <a:p>
+            <a:pPr algn="just">
+              <a:buFont typeface="Wingdings" panose="05000000000000000000" pitchFamily="2" charset="2"/>
+              <a:buChar char="§"/>
+            </a:pPr>
+            <a:r>
+              <a:rPr lang="pt-BR" sz="2000" dirty="0">
+                <a:solidFill>
+                  <a:schemeClr val="tx1"/>
+                </a:solidFill>
+                <a:latin typeface="Times New Roman" panose="02020603050405020304" pitchFamily="18" charset="0"/>
+                <a:cs typeface="Times New Roman" panose="02020603050405020304" pitchFamily="18" charset="0"/>
+              </a:rPr>
+              <a:t>Arduíno</a:t>
+            </a:r>
+          </a:p>
+          <a:p>
+            <a:pPr algn="just">
+              <a:buFont typeface="Wingdings" panose="05000000000000000000" pitchFamily="2" charset="2"/>
+              <a:buChar char="§"/>
+            </a:pPr>
+            <a:r>
+              <a:rPr lang="pt-BR" sz="2000" dirty="0" err="1">
+                <a:solidFill>
+                  <a:schemeClr val="tx1"/>
+                </a:solidFill>
+                <a:latin typeface="Times New Roman" panose="02020603050405020304" pitchFamily="18" charset="0"/>
+                <a:cs typeface="Times New Roman" panose="02020603050405020304" pitchFamily="18" charset="0"/>
+              </a:rPr>
+              <a:t>Raspberry</a:t>
+            </a:r>
+            <a:r>
+              <a:rPr lang="pt-BR" sz="2000" dirty="0">
+                <a:solidFill>
+                  <a:schemeClr val="tx1"/>
+                </a:solidFill>
+                <a:latin typeface="Times New Roman" panose="02020603050405020304" pitchFamily="18" charset="0"/>
+                <a:cs typeface="Times New Roman" panose="02020603050405020304" pitchFamily="18" charset="0"/>
+              </a:rPr>
+              <a:t> PI</a:t>
+            </a:r>
+          </a:p>
+          <a:p>
+            <a:pPr algn="just">
+              <a:buFont typeface="Wingdings" panose="05000000000000000000" pitchFamily="2" charset="2"/>
+              <a:buChar char="§"/>
+            </a:pPr>
+            <a:r>
+              <a:rPr lang="pt-BR" sz="2000" dirty="0">
+                <a:solidFill>
+                  <a:schemeClr val="tx1"/>
+                </a:solidFill>
+                <a:latin typeface="Times New Roman" panose="02020603050405020304" pitchFamily="18" charset="0"/>
+                <a:cs typeface="Times New Roman" panose="02020603050405020304" pitchFamily="18" charset="0"/>
+              </a:rPr>
+              <a:t>Intel Edison</a:t>
+            </a:r>
+          </a:p>
+          <a:p>
+            <a:pPr algn="just">
+              <a:buFont typeface="Wingdings" panose="05000000000000000000" pitchFamily="2" charset="2"/>
+              <a:buChar char="§"/>
+            </a:pPr>
+            <a:r>
+              <a:rPr lang="pt-BR" sz="2000" dirty="0" err="1">
+                <a:solidFill>
+                  <a:schemeClr val="tx1"/>
+                </a:solidFill>
+                <a:latin typeface="Times New Roman" panose="02020603050405020304" pitchFamily="18" charset="0"/>
+                <a:cs typeface="Times New Roman" panose="02020603050405020304" pitchFamily="18" charset="0"/>
+              </a:rPr>
+              <a:t>Tinkercard</a:t>
+            </a:r>
+            <a:r>
+              <a:rPr lang="pt-BR" sz="2000" dirty="0">
+                <a:solidFill>
+                  <a:schemeClr val="tx1"/>
+                </a:solidFill>
+                <a:latin typeface="Times New Roman" panose="02020603050405020304" pitchFamily="18" charset="0"/>
+                <a:cs typeface="Times New Roman" panose="02020603050405020304" pitchFamily="18" charset="0"/>
+              </a:rPr>
+              <a:t> (https://www.tinkercad.com/</a:t>
+            </a:r>
+            <a:r>
+              <a:rPr lang="pt-BR" sz="2000" dirty="0" err="1">
+                <a:solidFill>
+                  <a:schemeClr val="tx1"/>
+                </a:solidFill>
+                <a:latin typeface="Times New Roman" panose="02020603050405020304" pitchFamily="18" charset="0"/>
+                <a:cs typeface="Times New Roman" panose="02020603050405020304" pitchFamily="18" charset="0"/>
+              </a:rPr>
+              <a:t>things</a:t>
+            </a:r>
+            <a:r>
+              <a:rPr lang="pt-BR" sz="2000" dirty="0">
+                <a:solidFill>
+                  <a:schemeClr val="tx1"/>
+                </a:solidFill>
+                <a:latin typeface="Times New Roman" panose="02020603050405020304" pitchFamily="18" charset="0"/>
+                <a:cs typeface="Times New Roman" panose="02020603050405020304" pitchFamily="18" charset="0"/>
+              </a:rPr>
+              <a:t>/aSBH9ShfJ80-iot-project-)</a:t>
+            </a:r>
+          </a:p>
+          <a:p>
+            <a:pPr algn="just">
+              <a:buFont typeface="Wingdings" panose="05000000000000000000" pitchFamily="2" charset="2"/>
+              <a:buChar char="§"/>
+            </a:pPr>
+            <a:r>
+              <a:rPr lang="pt-BR" sz="2000" dirty="0">
+                <a:solidFill>
+                  <a:schemeClr val="tx1"/>
+                </a:solidFill>
+                <a:latin typeface="Times New Roman" panose="02020603050405020304" pitchFamily="18" charset="0"/>
+                <a:cs typeface="Times New Roman" panose="02020603050405020304" pitchFamily="18" charset="0"/>
+              </a:rPr>
+              <a:t>THINGSBOARD</a:t>
+            </a:r>
+          </a:p>
+          <a:p>
+            <a:pPr marL="0" indent="0" algn="just">
+              <a:buNone/>
+            </a:pPr>
+            <a:endParaRPr lang="pt-BR" sz="2000" dirty="0">
+              <a:solidFill>
+                <a:schemeClr val="tx1"/>
+              </a:solidFill>
+              <a:latin typeface="Times New Roman" panose="02020603050405020304" pitchFamily="18" charset="0"/>
+              <a:cs typeface="Times New Roman" panose="02020603050405020304" pitchFamily="18" charset="0"/>
+            </a:endParaRPr>
+          </a:p>
+        </p:txBody>
+      </p:sp>
+    </p:spTree>
+    <p:extLst>
+      <p:ext uri="{BB962C8B-B14F-4D97-AF65-F5344CB8AC3E}">
+        <p14:creationId xmlns:p14="http://schemas.microsoft.com/office/powerpoint/2010/main" val="2128304690"/>
+      </p:ext>
+    </p:extLst>
+  </p:cSld>
+  <p:clrMapOvr>
+    <a:masterClrMapping/>
+  </p:clrMapOvr>
+  <p:transition spd="med"/>
+</p:sld>
+</file>
+
+<file path=ppt/slides/slide21.xml><?xml version="1.0" encoding="utf-8"?>
+<p:sld xmlns:a="http://schemas.openxmlformats.org/drawingml/2006/main" xmlns:r="http://schemas.openxmlformats.org/officeDocument/2006/relationships" xmlns:p="http://schemas.openxmlformats.org/presentationml/2006/main">
+  <p:cSld>
+    <p:spTree>
+      <p:nvGrpSpPr>
+        <p:cNvPr id="1" name=""/>
+        <p:cNvGrpSpPr/>
+        <p:nvPr/>
+      </p:nvGrpSpPr>
+      <p:grpSpPr>
+        <a:xfrm>
+          <a:off x="0" y="0"/>
+          <a:ext cx="0" cy="0"/>
+          <a:chOff x="0" y="0"/>
+          <a:chExt cx="0" cy="0"/>
+        </a:xfrm>
+      </p:grpSpPr>
+      <p:sp>
+        <p:nvSpPr>
+          <p:cNvPr id="6" name="Title 1"/>
+          <p:cNvSpPr>
+            <a:spLocks noGrp="1"/>
+          </p:cNvSpPr>
+          <p:nvPr>
+            <p:ph type="title"/>
+          </p:nvPr>
+        </p:nvSpPr>
+        <p:spPr>
+          <a:xfrm>
+            <a:off x="457200" y="205980"/>
+            <a:ext cx="8229600" cy="857251"/>
+          </a:xfrm>
+        </p:spPr>
+        <p:txBody>
+          <a:bodyPr>
+            <a:normAutofit/>
+          </a:bodyPr>
+          <a:lstStyle/>
+          <a:p>
+            <a:r>
+              <a:rPr lang="pt-BR" b="1" dirty="0">
+                <a:solidFill>
+                  <a:srgbClr val="0070C0"/>
+                </a:solidFill>
+              </a:rPr>
+              <a:t>Plataformas Middleware </a:t>
+            </a:r>
+            <a:r>
+              <a:rPr lang="pt-BR" b="1" dirty="0" err="1">
+                <a:solidFill>
+                  <a:srgbClr val="0070C0"/>
+                </a:solidFill>
+              </a:rPr>
+              <a:t>IoT</a:t>
+            </a:r>
+            <a:endParaRPr lang="en-US" b="1" dirty="0">
+              <a:solidFill>
+                <a:srgbClr val="0070C0"/>
+              </a:solidFill>
+            </a:endParaRPr>
+          </a:p>
+        </p:txBody>
+      </p:sp>
+      <p:sp>
+        <p:nvSpPr>
+          <p:cNvPr id="8" name="Text Placeholder 2"/>
+          <p:cNvSpPr>
+            <a:spLocks noGrp="1"/>
+          </p:cNvSpPr>
+          <p:nvPr>
+            <p:ph type="body" sz="half" idx="1"/>
+          </p:nvPr>
+        </p:nvSpPr>
+        <p:spPr>
+          <a:xfrm>
+            <a:off x="142865" y="992886"/>
+            <a:ext cx="8865056" cy="3944634"/>
+          </a:xfrm>
+        </p:spPr>
+        <p:txBody>
+          <a:bodyPr>
+            <a:noAutofit/>
+          </a:bodyPr>
+          <a:lstStyle/>
+          <a:p>
+            <a:pPr marL="0" indent="0" algn="just">
+              <a:buNone/>
+            </a:pPr>
+            <a:r>
+              <a:rPr lang="pt-BR" sz="2000" dirty="0">
+                <a:solidFill>
+                  <a:schemeClr val="tx1"/>
+                </a:solidFill>
+                <a:latin typeface="Times New Roman" panose="02020603050405020304" pitchFamily="18" charset="0"/>
+                <a:cs typeface="Times New Roman" panose="02020603050405020304" pitchFamily="18" charset="0"/>
+              </a:rPr>
+              <a:t>Serve para armazenar e recuperar dados de itens usando o protocolos HTTP, MQTT, </a:t>
+            </a:r>
+            <a:r>
+              <a:rPr lang="pt-BR" sz="2000" dirty="0" err="1">
+                <a:solidFill>
+                  <a:schemeClr val="tx1"/>
+                </a:solidFill>
+                <a:latin typeface="Times New Roman" panose="02020603050405020304" pitchFamily="18" charset="0"/>
+                <a:cs typeface="Times New Roman" panose="02020603050405020304" pitchFamily="18" charset="0"/>
+              </a:rPr>
+              <a:t>etc</a:t>
+            </a:r>
+            <a:r>
+              <a:rPr lang="pt-BR" sz="2000" dirty="0">
+                <a:solidFill>
+                  <a:schemeClr val="tx1"/>
+                </a:solidFill>
+                <a:latin typeface="Times New Roman" panose="02020603050405020304" pitchFamily="18" charset="0"/>
+                <a:cs typeface="Times New Roman" panose="02020603050405020304" pitchFamily="18" charset="0"/>
+              </a:rPr>
+              <a:t> pela Internet ou por meio de uma rede local.</a:t>
+            </a:r>
+          </a:p>
+          <a:p>
+            <a:pPr marL="0" indent="0" algn="just">
+              <a:buNone/>
+            </a:pPr>
+            <a:endParaRPr lang="pt-BR" sz="2000" dirty="0">
+              <a:solidFill>
+                <a:schemeClr val="tx1"/>
+              </a:solidFill>
+              <a:latin typeface="Times New Roman" panose="02020603050405020304" pitchFamily="18" charset="0"/>
+              <a:cs typeface="Times New Roman" panose="02020603050405020304" pitchFamily="18" charset="0"/>
+            </a:endParaRPr>
+          </a:p>
+          <a:p>
+            <a:pPr algn="just">
+              <a:buFont typeface="Wingdings" panose="05000000000000000000" pitchFamily="2" charset="2"/>
+              <a:buChar char="§"/>
+            </a:pPr>
+            <a:r>
+              <a:rPr lang="pt-BR" sz="2000" dirty="0">
+                <a:solidFill>
+                  <a:schemeClr val="tx1"/>
+                </a:solidFill>
+                <a:latin typeface="Times New Roman" panose="02020603050405020304" pitchFamily="18" charset="0"/>
+                <a:cs typeface="Times New Roman" panose="02020603050405020304" pitchFamily="18" charset="0"/>
+              </a:rPr>
+              <a:t>XIVELY (</a:t>
+            </a:r>
+            <a:r>
+              <a:rPr lang="pt-BR" sz="2000" dirty="0">
+                <a:solidFill>
+                  <a:schemeClr val="tx1"/>
+                </a:solidFill>
+                <a:latin typeface="Times New Roman" panose="02020603050405020304" pitchFamily="18" charset="0"/>
+                <a:cs typeface="Times New Roman" panose="02020603050405020304" pitchFamily="18" charset="0"/>
+                <a:hlinkClick r:id="rId3"/>
+              </a:rPr>
+              <a:t>https://www.scadabr.com.br/</a:t>
+            </a:r>
+            <a:r>
+              <a:rPr lang="pt-BR" sz="2000" dirty="0">
+                <a:solidFill>
+                  <a:schemeClr val="tx1"/>
+                </a:solidFill>
+                <a:latin typeface="Times New Roman" panose="02020603050405020304" pitchFamily="18" charset="0"/>
+                <a:cs typeface="Times New Roman" panose="02020603050405020304" pitchFamily="18" charset="0"/>
+              </a:rPr>
+              <a:t>)</a:t>
+            </a:r>
+          </a:p>
+          <a:p>
+            <a:pPr algn="just">
+              <a:buFont typeface="Wingdings" panose="05000000000000000000" pitchFamily="2" charset="2"/>
+              <a:buChar char="§"/>
+            </a:pPr>
+            <a:r>
+              <a:rPr lang="pt-BR" sz="2000" dirty="0">
+                <a:solidFill>
+                  <a:schemeClr val="tx1"/>
+                </a:solidFill>
+                <a:latin typeface="Times New Roman" panose="02020603050405020304" pitchFamily="18" charset="0"/>
+                <a:cs typeface="Times New Roman" panose="02020603050405020304" pitchFamily="18" charset="0"/>
+              </a:rPr>
+              <a:t>WSO2 (</a:t>
+            </a:r>
+            <a:r>
+              <a:rPr lang="pt-BR" sz="2000" dirty="0">
+                <a:solidFill>
+                  <a:schemeClr val="tx1"/>
+                </a:solidFill>
+                <a:latin typeface="Times New Roman" panose="02020603050405020304" pitchFamily="18" charset="0"/>
+                <a:cs typeface="Times New Roman" panose="02020603050405020304" pitchFamily="18" charset="0"/>
+                <a:hlinkClick r:id="rId4"/>
+              </a:rPr>
+              <a:t>https://wso2.com/</a:t>
+            </a:r>
+            <a:r>
+              <a:rPr lang="pt-BR" sz="2000" dirty="0" err="1">
+                <a:solidFill>
+                  <a:schemeClr val="tx1"/>
+                </a:solidFill>
+                <a:latin typeface="Times New Roman" panose="02020603050405020304" pitchFamily="18" charset="0"/>
+                <a:cs typeface="Times New Roman" panose="02020603050405020304" pitchFamily="18" charset="0"/>
+                <a:hlinkClick r:id="rId4"/>
+              </a:rPr>
+              <a:t>br</a:t>
+            </a:r>
+            <a:r>
+              <a:rPr lang="pt-BR" sz="2000" dirty="0">
+                <a:solidFill>
+                  <a:schemeClr val="tx1"/>
+                </a:solidFill>
+                <a:latin typeface="Times New Roman" panose="02020603050405020304" pitchFamily="18" charset="0"/>
+                <a:cs typeface="Times New Roman" panose="02020603050405020304" pitchFamily="18" charset="0"/>
+                <a:hlinkClick r:id="rId4"/>
+              </a:rPr>
+              <a:t>/api-manager/</a:t>
+            </a:r>
+            <a:r>
+              <a:rPr lang="pt-BR" sz="2000" dirty="0">
+                <a:solidFill>
+                  <a:schemeClr val="tx1"/>
+                </a:solidFill>
+                <a:latin typeface="Times New Roman" panose="02020603050405020304" pitchFamily="18" charset="0"/>
+                <a:cs typeface="Times New Roman" panose="02020603050405020304" pitchFamily="18" charset="0"/>
+              </a:rPr>
+              <a:t>)</a:t>
+            </a:r>
+          </a:p>
+          <a:p>
+            <a:pPr algn="just">
+              <a:buFont typeface="Wingdings" panose="05000000000000000000" pitchFamily="2" charset="2"/>
+              <a:buChar char="§"/>
+            </a:pPr>
+            <a:r>
+              <a:rPr lang="pt-BR" sz="2000" dirty="0">
+                <a:solidFill>
+                  <a:schemeClr val="tx1"/>
+                </a:solidFill>
+                <a:latin typeface="Times New Roman" panose="02020603050405020304" pitchFamily="18" charset="0"/>
+                <a:cs typeface="Times New Roman" panose="02020603050405020304" pitchFamily="18" charset="0"/>
+              </a:rPr>
+              <a:t>THINGSPEAK (</a:t>
+            </a:r>
+            <a:r>
+              <a:rPr lang="pt-BR" sz="2000" dirty="0">
+                <a:solidFill>
+                  <a:schemeClr val="tx1"/>
+                </a:solidFill>
+                <a:latin typeface="Times New Roman" panose="02020603050405020304" pitchFamily="18" charset="0"/>
+                <a:cs typeface="Times New Roman" panose="02020603050405020304" pitchFamily="18" charset="0"/>
+                <a:hlinkClick r:id="rId5"/>
+              </a:rPr>
+              <a:t>https://thingspeak.com/</a:t>
+            </a:r>
+            <a:r>
+              <a:rPr lang="pt-BR" sz="2000" dirty="0">
+                <a:solidFill>
+                  <a:schemeClr val="tx1"/>
+                </a:solidFill>
+                <a:latin typeface="Times New Roman" panose="02020603050405020304" pitchFamily="18" charset="0"/>
+                <a:cs typeface="Times New Roman" panose="02020603050405020304" pitchFamily="18" charset="0"/>
+              </a:rPr>
+              <a:t>)</a:t>
+            </a:r>
+          </a:p>
+          <a:p>
+            <a:pPr algn="just">
+              <a:buFont typeface="Wingdings" panose="05000000000000000000" pitchFamily="2" charset="2"/>
+              <a:buChar char="§"/>
+            </a:pPr>
+            <a:r>
+              <a:rPr lang="pt-BR" sz="2000" dirty="0">
+                <a:solidFill>
+                  <a:schemeClr val="tx1"/>
+                </a:solidFill>
+                <a:latin typeface="Times New Roman" panose="02020603050405020304" pitchFamily="18" charset="0"/>
+                <a:cs typeface="Times New Roman" panose="02020603050405020304" pitchFamily="18" charset="0"/>
+              </a:rPr>
+              <a:t>OPENIOT (</a:t>
+            </a:r>
+            <a:r>
+              <a:rPr lang="pt-BR" sz="2000" dirty="0">
+                <a:solidFill>
+                  <a:schemeClr val="tx1"/>
+                </a:solidFill>
+                <a:latin typeface="Times New Roman" panose="02020603050405020304" pitchFamily="18" charset="0"/>
+                <a:cs typeface="Times New Roman" panose="02020603050405020304" pitchFamily="18" charset="0"/>
+                <a:hlinkClick r:id="rId6"/>
+              </a:rPr>
+              <a:t>https://openiot.network/</a:t>
+            </a:r>
+            <a:r>
+              <a:rPr lang="pt-BR" sz="2000" dirty="0">
+                <a:solidFill>
+                  <a:schemeClr val="tx1"/>
+                </a:solidFill>
+                <a:latin typeface="Times New Roman" panose="02020603050405020304" pitchFamily="18" charset="0"/>
+                <a:cs typeface="Times New Roman" panose="02020603050405020304" pitchFamily="18" charset="0"/>
+              </a:rPr>
+              <a:t>)</a:t>
+            </a:r>
+          </a:p>
+          <a:p>
+            <a:pPr algn="just">
+              <a:buFont typeface="Wingdings" panose="05000000000000000000" pitchFamily="2" charset="2"/>
+              <a:buChar char="§"/>
+            </a:pPr>
+            <a:r>
+              <a:rPr lang="pt-BR" sz="2000" dirty="0">
+                <a:solidFill>
+                  <a:schemeClr val="tx1"/>
+                </a:solidFill>
+                <a:latin typeface="Times New Roman" panose="02020603050405020304" pitchFamily="18" charset="0"/>
+                <a:cs typeface="Times New Roman" panose="02020603050405020304" pitchFamily="18" charset="0"/>
+              </a:rPr>
+              <a:t>THINGSBOARD (</a:t>
+            </a:r>
+            <a:r>
+              <a:rPr lang="pt-BR" sz="2000" dirty="0">
+                <a:solidFill>
+                  <a:schemeClr val="tx1"/>
+                </a:solidFill>
+                <a:latin typeface="Times New Roman" panose="02020603050405020304" pitchFamily="18" charset="0"/>
+                <a:cs typeface="Times New Roman" panose="02020603050405020304" pitchFamily="18" charset="0"/>
+                <a:hlinkClick r:id="rId7"/>
+              </a:rPr>
+              <a:t>https://thingsboard.io/</a:t>
+            </a:r>
+            <a:r>
+              <a:rPr lang="pt-BR" sz="2000" dirty="0">
+                <a:solidFill>
+                  <a:schemeClr val="tx1"/>
+                </a:solidFill>
+                <a:latin typeface="Times New Roman" panose="02020603050405020304" pitchFamily="18" charset="0"/>
+                <a:cs typeface="Times New Roman" panose="02020603050405020304" pitchFamily="18" charset="0"/>
+              </a:rPr>
+              <a:t>)</a:t>
+            </a:r>
+          </a:p>
+        </p:txBody>
+      </p:sp>
+    </p:spTree>
+    <p:extLst>
+      <p:ext uri="{BB962C8B-B14F-4D97-AF65-F5344CB8AC3E}">
+        <p14:creationId xmlns:p14="http://schemas.microsoft.com/office/powerpoint/2010/main" val="3560747449"/>
+      </p:ext>
+    </p:extLst>
+  </p:cSld>
+  <p:clrMapOvr>
+    <a:masterClrMapping/>
+  </p:clrMapOvr>
+  <p:transition spd="med"/>
+</p:sld>
+</file>
+
+<file path=ppt/slides/slide22.xml><?xml version="1.0" encoding="utf-8"?>
+<p:sld xmlns:a="http://schemas.openxmlformats.org/drawingml/2006/main" xmlns:r="http://schemas.openxmlformats.org/officeDocument/2006/relationships" xmlns:p="http://schemas.openxmlformats.org/presentationml/2006/main">
+  <p:cSld>
+    <p:spTree>
+      <p:nvGrpSpPr>
+        <p:cNvPr id="1" name=""/>
+        <p:cNvGrpSpPr/>
+        <p:nvPr/>
+      </p:nvGrpSpPr>
+      <p:grpSpPr>
+        <a:xfrm>
+          <a:off x="0" y="0"/>
+          <a:ext cx="0" cy="0"/>
+          <a:chOff x="0" y="0"/>
+          <a:chExt cx="0" cy="0"/>
+        </a:xfrm>
+      </p:grpSpPr>
+      <p:sp>
+        <p:nvSpPr>
+          <p:cNvPr id="6" name="Title 1"/>
+          <p:cNvSpPr>
+            <a:spLocks noGrp="1"/>
+          </p:cNvSpPr>
+          <p:nvPr>
+            <p:ph type="title"/>
+          </p:nvPr>
+        </p:nvSpPr>
+        <p:spPr>
+          <a:xfrm>
+            <a:off x="457200" y="205980"/>
+            <a:ext cx="8229600" cy="857251"/>
+          </a:xfrm>
+        </p:spPr>
+        <p:txBody>
+          <a:bodyPr>
+            <a:normAutofit/>
+          </a:bodyPr>
+          <a:lstStyle/>
+          <a:p>
+            <a:r>
+              <a:rPr lang="pt-BR" b="1" dirty="0">
+                <a:solidFill>
+                  <a:srgbClr val="0070C0"/>
+                </a:solidFill>
+              </a:rPr>
+              <a:t>Plataformas Middleware </a:t>
+            </a:r>
+            <a:r>
+              <a:rPr lang="pt-BR" b="1" dirty="0" err="1">
+                <a:solidFill>
+                  <a:srgbClr val="0070C0"/>
+                </a:solidFill>
+              </a:rPr>
+              <a:t>IoT</a:t>
+            </a:r>
+            <a:endParaRPr lang="en-US" b="1" dirty="0">
+              <a:solidFill>
+                <a:srgbClr val="0070C0"/>
+              </a:solidFill>
+            </a:endParaRPr>
+          </a:p>
+        </p:txBody>
+      </p:sp>
+      <p:sp>
+        <p:nvSpPr>
+          <p:cNvPr id="8" name="Text Placeholder 2"/>
+          <p:cNvSpPr>
+            <a:spLocks noGrp="1"/>
+          </p:cNvSpPr>
+          <p:nvPr>
+            <p:ph type="body" sz="half" idx="1"/>
+          </p:nvPr>
+        </p:nvSpPr>
+        <p:spPr>
+          <a:xfrm>
+            <a:off x="142865" y="992886"/>
+            <a:ext cx="8865056" cy="3944634"/>
+          </a:xfrm>
+        </p:spPr>
+        <p:txBody>
+          <a:bodyPr>
+            <a:noAutofit/>
+          </a:bodyPr>
+          <a:lstStyle/>
+          <a:p>
+            <a:pPr algn="just">
+              <a:buFont typeface="Wingdings" panose="05000000000000000000" pitchFamily="2" charset="2"/>
+              <a:buChar char="§"/>
+            </a:pPr>
+            <a:r>
+              <a:rPr lang="pt-BR" sz="2000" dirty="0" err="1">
+                <a:solidFill>
+                  <a:schemeClr val="tx1"/>
+                </a:solidFill>
+                <a:latin typeface="Times New Roman" panose="02020603050405020304" pitchFamily="18" charset="0"/>
+                <a:cs typeface="Times New Roman" panose="02020603050405020304" pitchFamily="18" charset="0"/>
+              </a:rPr>
+              <a:t>Openremote</a:t>
+            </a:r>
+            <a:r>
+              <a:rPr lang="pt-BR" sz="2000" dirty="0">
+                <a:solidFill>
+                  <a:schemeClr val="tx1"/>
+                </a:solidFill>
+                <a:latin typeface="Times New Roman" panose="02020603050405020304" pitchFamily="18" charset="0"/>
+                <a:cs typeface="Times New Roman" panose="02020603050405020304" pitchFamily="18" charset="0"/>
+              </a:rPr>
+              <a:t> (</a:t>
+            </a:r>
+            <a:r>
+              <a:rPr lang="pt-BR" sz="2000" dirty="0">
+                <a:solidFill>
+                  <a:schemeClr val="tx1"/>
+                </a:solidFill>
+                <a:latin typeface="Times New Roman" panose="02020603050405020304" pitchFamily="18" charset="0"/>
+                <a:cs typeface="Times New Roman" panose="02020603050405020304" pitchFamily="18" charset="0"/>
+                <a:hlinkClick r:id="rId3"/>
+              </a:rPr>
+              <a:t>https://openremote.io/</a:t>
+            </a:r>
+            <a:r>
+              <a:rPr lang="pt-BR" sz="2000" dirty="0">
+                <a:solidFill>
+                  <a:schemeClr val="tx1"/>
+                </a:solidFill>
+                <a:latin typeface="Times New Roman" panose="02020603050405020304" pitchFamily="18" charset="0"/>
+                <a:cs typeface="Times New Roman" panose="02020603050405020304" pitchFamily="18" charset="0"/>
+              </a:rPr>
+              <a:t>) - </a:t>
+            </a:r>
+            <a:r>
+              <a:rPr lang="pt-BR" sz="2000" b="1" dirty="0" err="1">
+                <a:solidFill>
+                  <a:srgbClr val="FF0000"/>
+                </a:solidFill>
+                <a:latin typeface="Times New Roman" panose="02020603050405020304" pitchFamily="18" charset="0"/>
+                <a:cs typeface="Times New Roman" panose="02020603050405020304" pitchFamily="18" charset="0"/>
+              </a:rPr>
+              <a:t>opensource</a:t>
+            </a:r>
+            <a:endParaRPr lang="pt-BR" sz="2000" b="1" dirty="0">
+              <a:solidFill>
+                <a:srgbClr val="FF0000"/>
+              </a:solidFill>
+              <a:latin typeface="Times New Roman" panose="02020603050405020304" pitchFamily="18" charset="0"/>
+              <a:cs typeface="Times New Roman" panose="02020603050405020304" pitchFamily="18" charset="0"/>
+            </a:endParaRPr>
+          </a:p>
+          <a:p>
+            <a:pPr algn="just">
+              <a:buFont typeface="Wingdings" panose="05000000000000000000" pitchFamily="2" charset="2"/>
+              <a:buChar char="§"/>
+            </a:pPr>
+            <a:r>
+              <a:rPr lang="pt-BR" sz="2000" dirty="0" err="1">
+                <a:solidFill>
+                  <a:schemeClr val="tx1"/>
+                </a:solidFill>
+                <a:latin typeface="Times New Roman" panose="02020603050405020304" pitchFamily="18" charset="0"/>
+                <a:cs typeface="Times New Roman" panose="02020603050405020304" pitchFamily="18" charset="0"/>
+              </a:rPr>
+              <a:t>OpenHab</a:t>
+            </a:r>
+            <a:r>
+              <a:rPr lang="pt-BR" sz="2000" dirty="0">
+                <a:solidFill>
+                  <a:schemeClr val="tx1"/>
+                </a:solidFill>
+                <a:latin typeface="Times New Roman" panose="02020603050405020304" pitchFamily="18" charset="0"/>
+                <a:cs typeface="Times New Roman" panose="02020603050405020304" pitchFamily="18" charset="0"/>
+              </a:rPr>
+              <a:t> (</a:t>
+            </a:r>
+            <a:r>
+              <a:rPr lang="pt-BR" sz="2000" dirty="0">
+                <a:solidFill>
+                  <a:schemeClr val="tx1"/>
+                </a:solidFill>
+                <a:latin typeface="Times New Roman" panose="02020603050405020304" pitchFamily="18" charset="0"/>
+                <a:cs typeface="Times New Roman" panose="02020603050405020304" pitchFamily="18" charset="0"/>
+                <a:hlinkClick r:id="rId4"/>
+              </a:rPr>
+              <a:t>https://www.openhab.org/</a:t>
+            </a:r>
+            <a:r>
+              <a:rPr lang="pt-BR" sz="2000" dirty="0">
+                <a:solidFill>
+                  <a:schemeClr val="tx1"/>
+                </a:solidFill>
+                <a:latin typeface="Times New Roman" panose="02020603050405020304" pitchFamily="18" charset="0"/>
+                <a:cs typeface="Times New Roman" panose="02020603050405020304" pitchFamily="18" charset="0"/>
+              </a:rPr>
+              <a:t>)</a:t>
+            </a:r>
+          </a:p>
+          <a:p>
+            <a:pPr algn="just">
+              <a:buFont typeface="Wingdings" panose="05000000000000000000" pitchFamily="2" charset="2"/>
+              <a:buChar char="§"/>
+            </a:pPr>
+            <a:r>
+              <a:rPr lang="pt-BR" sz="2000" dirty="0" err="1">
+                <a:solidFill>
+                  <a:schemeClr val="tx1"/>
+                </a:solidFill>
+                <a:latin typeface="Times New Roman" panose="02020603050405020304" pitchFamily="18" charset="0"/>
+                <a:cs typeface="Times New Roman" panose="02020603050405020304" pitchFamily="18" charset="0"/>
+              </a:rPr>
+              <a:t>DoJot</a:t>
+            </a:r>
+            <a:r>
+              <a:rPr lang="pt-BR" sz="2000" dirty="0">
+                <a:solidFill>
+                  <a:schemeClr val="tx1"/>
+                </a:solidFill>
+                <a:latin typeface="Times New Roman" panose="02020603050405020304" pitchFamily="18" charset="0"/>
+                <a:cs typeface="Times New Roman" panose="02020603050405020304" pitchFamily="18" charset="0"/>
+              </a:rPr>
+              <a:t> (</a:t>
+            </a:r>
+            <a:r>
+              <a:rPr lang="pt-BR" sz="2000" dirty="0">
+                <a:solidFill>
+                  <a:schemeClr val="tx1"/>
+                </a:solidFill>
+                <a:latin typeface="Times New Roman" panose="02020603050405020304" pitchFamily="18" charset="0"/>
+                <a:cs typeface="Times New Roman" panose="02020603050405020304" pitchFamily="18" charset="0"/>
+                <a:hlinkClick r:id="rId5"/>
+              </a:rPr>
+              <a:t>https://dojot.com.br/</a:t>
+            </a:r>
+            <a:r>
+              <a:rPr lang="pt-BR" sz="2000" dirty="0">
+                <a:solidFill>
+                  <a:schemeClr val="tx1"/>
+                </a:solidFill>
+                <a:latin typeface="Times New Roman" panose="02020603050405020304" pitchFamily="18" charset="0"/>
+                <a:cs typeface="Times New Roman" panose="02020603050405020304" pitchFamily="18" charset="0"/>
+              </a:rPr>
+              <a:t>) - </a:t>
+            </a:r>
+            <a:r>
+              <a:rPr lang="pt-BR" sz="2000" b="1" dirty="0" err="1">
+                <a:solidFill>
+                  <a:srgbClr val="FF0000"/>
+                </a:solidFill>
+                <a:latin typeface="Times New Roman" panose="02020603050405020304" pitchFamily="18" charset="0"/>
+                <a:cs typeface="Times New Roman" panose="02020603050405020304" pitchFamily="18" charset="0"/>
+              </a:rPr>
+              <a:t>opensource</a:t>
+            </a:r>
+            <a:endParaRPr lang="pt-BR" sz="2000" dirty="0">
+              <a:solidFill>
+                <a:schemeClr val="tx1"/>
+              </a:solidFill>
+              <a:latin typeface="Times New Roman" panose="02020603050405020304" pitchFamily="18" charset="0"/>
+              <a:cs typeface="Times New Roman" panose="02020603050405020304" pitchFamily="18" charset="0"/>
+            </a:endParaRPr>
+          </a:p>
+          <a:p>
+            <a:pPr algn="just">
+              <a:buFont typeface="Wingdings" panose="05000000000000000000" pitchFamily="2" charset="2"/>
+              <a:buChar char="§"/>
+            </a:pPr>
+            <a:r>
+              <a:rPr lang="pt-BR" sz="2000" dirty="0" err="1">
+                <a:solidFill>
+                  <a:schemeClr val="tx1"/>
+                </a:solidFill>
+                <a:latin typeface="Times New Roman" panose="02020603050405020304" pitchFamily="18" charset="0"/>
+                <a:cs typeface="Times New Roman" panose="02020603050405020304" pitchFamily="18" charset="0"/>
+              </a:rPr>
+              <a:t>Kaaiot</a:t>
+            </a:r>
+            <a:r>
+              <a:rPr lang="pt-BR" sz="2000" dirty="0">
+                <a:solidFill>
+                  <a:schemeClr val="tx1"/>
+                </a:solidFill>
+                <a:latin typeface="Times New Roman" panose="02020603050405020304" pitchFamily="18" charset="0"/>
+                <a:cs typeface="Times New Roman" panose="02020603050405020304" pitchFamily="18" charset="0"/>
+              </a:rPr>
+              <a:t> (</a:t>
+            </a:r>
+            <a:r>
+              <a:rPr lang="pt-BR" sz="2000" dirty="0">
+                <a:solidFill>
+                  <a:schemeClr val="tx1"/>
+                </a:solidFill>
+                <a:latin typeface="Times New Roman" panose="02020603050405020304" pitchFamily="18" charset="0"/>
+                <a:cs typeface="Times New Roman" panose="02020603050405020304" pitchFamily="18" charset="0"/>
+                <a:hlinkClick r:id="rId6"/>
+              </a:rPr>
+              <a:t>https://www.kaaiot.com/</a:t>
+            </a:r>
+            <a:r>
+              <a:rPr lang="pt-BR" sz="2000" dirty="0">
+                <a:solidFill>
+                  <a:schemeClr val="tx1"/>
+                </a:solidFill>
+                <a:latin typeface="Times New Roman" panose="02020603050405020304" pitchFamily="18" charset="0"/>
+                <a:cs typeface="Times New Roman" panose="02020603050405020304" pitchFamily="18" charset="0"/>
+              </a:rPr>
+              <a:t>)</a:t>
+            </a:r>
+          </a:p>
+          <a:p>
+            <a:pPr algn="just">
+              <a:buFont typeface="Wingdings" panose="05000000000000000000" pitchFamily="2" charset="2"/>
+              <a:buChar char="§"/>
+            </a:pPr>
+            <a:r>
+              <a:rPr lang="pt-BR" sz="2000" dirty="0" err="1">
+                <a:solidFill>
+                  <a:schemeClr val="tx1"/>
+                </a:solidFill>
+                <a:latin typeface="Times New Roman" panose="02020603050405020304" pitchFamily="18" charset="0"/>
+                <a:cs typeface="Times New Roman" panose="02020603050405020304" pitchFamily="18" charset="0"/>
+              </a:rPr>
+              <a:t>Emnify</a:t>
+            </a:r>
+            <a:r>
+              <a:rPr lang="pt-BR" sz="2000" dirty="0">
+                <a:solidFill>
+                  <a:schemeClr val="tx1"/>
+                </a:solidFill>
+                <a:latin typeface="Times New Roman" panose="02020603050405020304" pitchFamily="18" charset="0"/>
+                <a:cs typeface="Times New Roman" panose="02020603050405020304" pitchFamily="18" charset="0"/>
+              </a:rPr>
+              <a:t> (</a:t>
+            </a:r>
+            <a:r>
+              <a:rPr lang="pt-BR" sz="2000" dirty="0">
+                <a:solidFill>
+                  <a:schemeClr val="tx1"/>
+                </a:solidFill>
+                <a:latin typeface="Times New Roman" panose="02020603050405020304" pitchFamily="18" charset="0"/>
+                <a:cs typeface="Times New Roman" panose="02020603050405020304" pitchFamily="18" charset="0"/>
+                <a:hlinkClick r:id="rId7"/>
+              </a:rPr>
+              <a:t>https://www.emnify.com/</a:t>
+            </a:r>
+            <a:r>
+              <a:rPr lang="pt-BR" sz="2000" dirty="0" err="1">
+                <a:solidFill>
+                  <a:schemeClr val="tx1"/>
+                </a:solidFill>
+                <a:latin typeface="Times New Roman" panose="02020603050405020304" pitchFamily="18" charset="0"/>
+                <a:cs typeface="Times New Roman" panose="02020603050405020304" pitchFamily="18" charset="0"/>
+                <a:hlinkClick r:id="rId7"/>
+              </a:rPr>
+              <a:t>pt-br</a:t>
+            </a:r>
+            <a:r>
+              <a:rPr lang="pt-BR" sz="2000" dirty="0">
+                <a:solidFill>
+                  <a:schemeClr val="tx1"/>
+                </a:solidFill>
+                <a:latin typeface="Times New Roman" panose="02020603050405020304" pitchFamily="18" charset="0"/>
+                <a:cs typeface="Times New Roman" panose="02020603050405020304" pitchFamily="18" charset="0"/>
+                <a:hlinkClick r:id="rId7"/>
+              </a:rPr>
+              <a:t>/</a:t>
+            </a:r>
+            <a:r>
+              <a:rPr lang="pt-BR" sz="2000" dirty="0">
+                <a:solidFill>
+                  <a:schemeClr val="tx1"/>
+                </a:solidFill>
+                <a:latin typeface="Times New Roman" panose="02020603050405020304" pitchFamily="18" charset="0"/>
+                <a:cs typeface="Times New Roman" panose="02020603050405020304" pitchFamily="18" charset="0"/>
+              </a:rPr>
+              <a:t>)</a:t>
+            </a:r>
+          </a:p>
+          <a:p>
+            <a:pPr marL="0" indent="0" algn="just">
+              <a:buNone/>
+            </a:pPr>
+            <a:endParaRPr lang="pt-BR" sz="2000" dirty="0">
+              <a:solidFill>
+                <a:schemeClr val="tx1"/>
+              </a:solidFill>
+              <a:latin typeface="Times New Roman" panose="02020603050405020304" pitchFamily="18" charset="0"/>
+              <a:cs typeface="Times New Roman" panose="02020603050405020304" pitchFamily="18" charset="0"/>
+            </a:endParaRPr>
+          </a:p>
+        </p:txBody>
+      </p:sp>
+    </p:spTree>
+    <p:extLst>
+      <p:ext uri="{BB962C8B-B14F-4D97-AF65-F5344CB8AC3E}">
+        <p14:creationId xmlns:p14="http://schemas.microsoft.com/office/powerpoint/2010/main" val="978590938"/>
+      </p:ext>
+    </p:extLst>
+  </p:cSld>
+  <p:clrMapOvr>
+    <a:masterClrMapping/>
+  </p:clrMapOvr>
+  <p:transition spd="med"/>
+</p:sld>
+</file>
+
+<file path=ppt/slides/slide23.xml><?xml version="1.0" encoding="utf-8"?>
+<p:sld xmlns:a="http://schemas.openxmlformats.org/drawingml/2006/main" xmlns:r="http://schemas.openxmlformats.org/officeDocument/2006/relationships" xmlns:p="http://schemas.openxmlformats.org/presentationml/2006/main">
+  <p:cSld>
+    <p:spTree>
+      <p:nvGrpSpPr>
+        <p:cNvPr id="1" name=""/>
+        <p:cNvGrpSpPr/>
+        <p:nvPr/>
+      </p:nvGrpSpPr>
+      <p:grpSpPr>
+        <a:xfrm>
+          <a:off x="0" y="0"/>
+          <a:ext cx="0" cy="0"/>
+          <a:chOff x="0" y="0"/>
+          <a:chExt cx="0" cy="0"/>
+        </a:xfrm>
+      </p:grpSpPr>
+      <p:sp>
+        <p:nvSpPr>
+          <p:cNvPr id="6" name="Title 1"/>
+          <p:cNvSpPr>
+            <a:spLocks noGrp="1"/>
+          </p:cNvSpPr>
+          <p:nvPr>
+            <p:ph type="title"/>
+          </p:nvPr>
+        </p:nvSpPr>
+        <p:spPr>
+          <a:xfrm>
+            <a:off x="457200" y="205980"/>
+            <a:ext cx="8229600" cy="857251"/>
+          </a:xfrm>
+        </p:spPr>
+        <p:txBody>
+          <a:bodyPr>
+            <a:normAutofit/>
+          </a:bodyPr>
+          <a:lstStyle/>
+          <a:p>
+            <a:r>
+              <a:rPr lang="pt-BR" b="1" dirty="0">
+                <a:solidFill>
+                  <a:srgbClr val="0070C0"/>
+                </a:solidFill>
+              </a:rPr>
+              <a:t>Protocolos de Rede para IOT</a:t>
+            </a:r>
+            <a:endParaRPr lang="en-US" b="1" dirty="0">
+              <a:solidFill>
+                <a:srgbClr val="0070C0"/>
+              </a:solidFill>
+            </a:endParaRPr>
+          </a:p>
+        </p:txBody>
+      </p:sp>
+      <p:sp>
+        <p:nvSpPr>
+          <p:cNvPr id="8" name="Text Placeholder 2"/>
+          <p:cNvSpPr>
+            <a:spLocks noGrp="1"/>
+          </p:cNvSpPr>
+          <p:nvPr>
+            <p:ph type="body" sz="half" idx="1"/>
+          </p:nvPr>
+        </p:nvSpPr>
+        <p:spPr>
+          <a:xfrm>
+            <a:off x="142865" y="1200150"/>
+            <a:ext cx="8865056" cy="3737370"/>
+          </a:xfrm>
+        </p:spPr>
+        <p:txBody>
+          <a:bodyPr>
+            <a:noAutofit/>
+          </a:bodyPr>
+          <a:lstStyle/>
+          <a:p>
+            <a:pPr marL="0" indent="0" algn="just">
+              <a:buNone/>
+            </a:pPr>
+            <a:r>
+              <a:rPr lang="pt-BR" sz="2000" dirty="0">
+                <a:latin typeface="Times New Roman" panose="02020603050405020304" pitchFamily="18" charset="0"/>
+                <a:cs typeface="Times New Roman" panose="02020603050405020304" pitchFamily="18" charset="0"/>
+              </a:rPr>
+              <a:t>Na </a:t>
+            </a:r>
+            <a:r>
+              <a:rPr lang="pt-BR" sz="2000" b="1" dirty="0">
+                <a:solidFill>
+                  <a:srgbClr val="FF0000"/>
+                </a:solidFill>
+                <a:latin typeface="Times New Roman" panose="02020603050405020304" pitchFamily="18" charset="0"/>
+                <a:cs typeface="Times New Roman" panose="02020603050405020304" pitchFamily="18" charset="0"/>
+              </a:rPr>
+              <a:t>Internet das Coisas (</a:t>
+            </a:r>
+            <a:r>
+              <a:rPr lang="pt-BR" sz="2000" b="1" dirty="0" err="1">
+                <a:solidFill>
+                  <a:srgbClr val="FF0000"/>
+                </a:solidFill>
+                <a:latin typeface="Times New Roman" panose="02020603050405020304" pitchFamily="18" charset="0"/>
+                <a:cs typeface="Times New Roman" panose="02020603050405020304" pitchFamily="18" charset="0"/>
+              </a:rPr>
+              <a:t>IoT</a:t>
+            </a:r>
+            <a:r>
+              <a:rPr lang="pt-BR" sz="2000" b="1" dirty="0">
+                <a:solidFill>
+                  <a:srgbClr val="FF0000"/>
+                </a:solidFill>
+                <a:latin typeface="Times New Roman" panose="02020603050405020304" pitchFamily="18" charset="0"/>
+                <a:cs typeface="Times New Roman" panose="02020603050405020304" pitchFamily="18" charset="0"/>
+              </a:rPr>
+              <a:t>), </a:t>
+            </a:r>
+            <a:r>
+              <a:rPr lang="pt-BR" sz="2000" dirty="0">
+                <a:latin typeface="Times New Roman" panose="02020603050405020304" pitchFamily="18" charset="0"/>
+                <a:cs typeface="Times New Roman" panose="02020603050405020304" pitchFamily="18" charset="0"/>
+              </a:rPr>
+              <a:t>o </a:t>
+            </a:r>
+            <a:r>
+              <a:rPr lang="pt-BR" sz="2000" b="1" dirty="0">
+                <a:latin typeface="Times New Roman" panose="02020603050405020304" pitchFamily="18" charset="0"/>
+                <a:cs typeface="Times New Roman" panose="02020603050405020304" pitchFamily="18" charset="0"/>
+              </a:rPr>
+              <a:t>intercâmbio</a:t>
+            </a:r>
+            <a:r>
+              <a:rPr lang="pt-BR" sz="2000" dirty="0">
+                <a:latin typeface="Times New Roman" panose="02020603050405020304" pitchFamily="18" charset="0"/>
+                <a:cs typeface="Times New Roman" panose="02020603050405020304" pitchFamily="18" charset="0"/>
+              </a:rPr>
+              <a:t> de dados entre sensores, dispositivos, gateways, servidores e aplicações de usuário é </a:t>
+            </a:r>
+            <a:r>
+              <a:rPr lang="pt-BR" sz="2000" b="1" dirty="0">
+                <a:solidFill>
+                  <a:srgbClr val="FF0000"/>
+                </a:solidFill>
+                <a:latin typeface="Times New Roman" panose="02020603050405020304" pitchFamily="18" charset="0"/>
+                <a:cs typeface="Times New Roman" panose="02020603050405020304" pitchFamily="18" charset="0"/>
+              </a:rPr>
+              <a:t>habilitado por protocolos de rede </a:t>
+            </a:r>
+            <a:r>
+              <a:rPr lang="pt-BR" sz="2000" dirty="0">
+                <a:latin typeface="Times New Roman" panose="02020603050405020304" pitchFamily="18" charset="0"/>
+                <a:cs typeface="Times New Roman" panose="02020603050405020304" pitchFamily="18" charset="0"/>
+              </a:rPr>
+              <a:t>como </a:t>
+            </a:r>
+            <a:r>
+              <a:rPr lang="pt-BR" sz="2000" b="1" dirty="0">
+                <a:solidFill>
+                  <a:srgbClr val="FF0000"/>
+                </a:solidFill>
+                <a:latin typeface="Times New Roman" panose="02020603050405020304" pitchFamily="18" charset="0"/>
+                <a:cs typeface="Times New Roman" panose="02020603050405020304" pitchFamily="18" charset="0"/>
+              </a:rPr>
+              <a:t>WiFi, Bluetooth, </a:t>
+            </a:r>
+            <a:r>
+              <a:rPr lang="pt-BR" sz="2000" b="1" dirty="0" err="1">
+                <a:solidFill>
+                  <a:srgbClr val="FF0000"/>
+                </a:solidFill>
+                <a:latin typeface="Times New Roman" panose="02020603050405020304" pitchFamily="18" charset="0"/>
+                <a:cs typeface="Times New Roman" panose="02020603050405020304" pitchFamily="18" charset="0"/>
+              </a:rPr>
+              <a:t>ZigBee</a:t>
+            </a:r>
+            <a:r>
+              <a:rPr lang="pt-BR" sz="2000" b="1" dirty="0">
+                <a:solidFill>
+                  <a:srgbClr val="FF0000"/>
+                </a:solidFill>
+                <a:latin typeface="Times New Roman" panose="02020603050405020304" pitchFamily="18" charset="0"/>
+                <a:cs typeface="Times New Roman" panose="02020603050405020304" pitchFamily="18" charset="0"/>
+              </a:rPr>
+              <a:t> </a:t>
+            </a:r>
+            <a:r>
+              <a:rPr lang="pt-BR" sz="2000" dirty="0">
+                <a:latin typeface="Times New Roman" panose="02020603050405020304" pitchFamily="18" charset="0"/>
+                <a:cs typeface="Times New Roman" panose="02020603050405020304" pitchFamily="18" charset="0"/>
+              </a:rPr>
+              <a:t>e muitos outros. </a:t>
+            </a:r>
+          </a:p>
+          <a:p>
+            <a:pPr marL="0" indent="0" algn="just">
+              <a:buNone/>
+            </a:pPr>
+            <a:endParaRPr lang="pt-BR" sz="2000" dirty="0">
+              <a:latin typeface="Times New Roman" panose="02020603050405020304" pitchFamily="18" charset="0"/>
+              <a:cs typeface="Times New Roman" panose="02020603050405020304" pitchFamily="18" charset="0"/>
+            </a:endParaRPr>
+          </a:p>
+          <a:p>
+            <a:pPr marL="0" indent="0" algn="just">
+              <a:buNone/>
+            </a:pPr>
+            <a:r>
+              <a:rPr lang="pt-BR" sz="2000" dirty="0">
+                <a:latin typeface="Times New Roman" panose="02020603050405020304" pitchFamily="18" charset="0"/>
+                <a:cs typeface="Times New Roman" panose="02020603050405020304" pitchFamily="18" charset="0"/>
+              </a:rPr>
+              <a:t>Os requisitos da aplicação final de alcance, dados, segurança, energia e vida útil da bateria determinam a escolha do protocolo de rede.</a:t>
+            </a:r>
+          </a:p>
+          <a:p>
+            <a:pPr marL="0" indent="0" algn="just">
+              <a:buNone/>
+            </a:pPr>
+            <a:endParaRPr lang="pt-BR" sz="2000" dirty="0">
+              <a:latin typeface="Times New Roman" panose="02020603050405020304" pitchFamily="18" charset="0"/>
+              <a:cs typeface="Times New Roman" panose="02020603050405020304" pitchFamily="18" charset="0"/>
+            </a:endParaRPr>
+          </a:p>
+          <a:p>
+            <a:pPr marL="0" indent="0" algn="just">
+              <a:buNone/>
+            </a:pPr>
+            <a:endParaRPr lang="pt-BR" sz="2000" dirty="0">
+              <a:solidFill>
+                <a:schemeClr val="tx1"/>
+              </a:solidFill>
+              <a:latin typeface="Times New Roman" panose="02020603050405020304" pitchFamily="18" charset="0"/>
+              <a:cs typeface="Times New Roman" panose="02020603050405020304" pitchFamily="18" charset="0"/>
+            </a:endParaRPr>
+          </a:p>
+        </p:txBody>
+      </p:sp>
+    </p:spTree>
+    <p:extLst>
+      <p:ext uri="{BB962C8B-B14F-4D97-AF65-F5344CB8AC3E}">
+        <p14:creationId xmlns:p14="http://schemas.microsoft.com/office/powerpoint/2010/main" val="1754424786"/>
+      </p:ext>
+    </p:extLst>
+  </p:cSld>
+  <p:clrMapOvr>
+    <a:masterClrMapping/>
+  </p:clrMapOvr>
+  <p:transition spd="med"/>
+</p:sld>
+</file>
+
+<file path=ppt/slides/slide24.xml><?xml version="1.0" encoding="utf-8"?>
+<p:sld xmlns:a="http://schemas.openxmlformats.org/drawingml/2006/main" xmlns:r="http://schemas.openxmlformats.org/officeDocument/2006/relationships" xmlns:p="http://schemas.openxmlformats.org/presentationml/2006/main">
+  <p:cSld>
+    <p:spTree>
+      <p:nvGrpSpPr>
+        <p:cNvPr id="1" name=""/>
+        <p:cNvGrpSpPr/>
+        <p:nvPr/>
+      </p:nvGrpSpPr>
+      <p:grpSpPr>
+        <a:xfrm>
+          <a:off x="0" y="0"/>
+          <a:ext cx="0" cy="0"/>
+          <a:chOff x="0" y="0"/>
+          <a:chExt cx="0" cy="0"/>
+        </a:xfrm>
+      </p:grpSpPr>
+      <p:sp>
+        <p:nvSpPr>
+          <p:cNvPr id="6" name="Title 1"/>
+          <p:cNvSpPr>
+            <a:spLocks noGrp="1"/>
+          </p:cNvSpPr>
+          <p:nvPr>
+            <p:ph type="title"/>
+          </p:nvPr>
+        </p:nvSpPr>
+        <p:spPr>
+          <a:xfrm>
+            <a:off x="457200" y="205980"/>
+            <a:ext cx="8229600" cy="857251"/>
+          </a:xfrm>
+        </p:spPr>
+        <p:txBody>
+          <a:bodyPr>
+            <a:normAutofit/>
+          </a:bodyPr>
+          <a:lstStyle/>
+          <a:p>
+            <a:r>
+              <a:rPr lang="pt-BR" b="1" dirty="0">
+                <a:solidFill>
+                  <a:srgbClr val="0070C0"/>
+                </a:solidFill>
+              </a:rPr>
+              <a:t>Protocolos de Rede para IOT</a:t>
+            </a:r>
+            <a:endParaRPr lang="en-US" b="1" dirty="0">
+              <a:solidFill>
+                <a:srgbClr val="0070C0"/>
+              </a:solidFill>
+            </a:endParaRPr>
+          </a:p>
+        </p:txBody>
+      </p:sp>
+      <p:sp>
+        <p:nvSpPr>
+          <p:cNvPr id="8" name="Text Placeholder 2"/>
+          <p:cNvSpPr>
+            <a:spLocks noGrp="1"/>
+          </p:cNvSpPr>
+          <p:nvPr>
+            <p:ph type="body" sz="half" idx="1"/>
+          </p:nvPr>
+        </p:nvSpPr>
+        <p:spPr>
+          <a:xfrm>
+            <a:off x="142865" y="1200150"/>
+            <a:ext cx="8865056" cy="3737370"/>
+          </a:xfrm>
+        </p:spPr>
+        <p:txBody>
+          <a:bodyPr>
+            <a:noAutofit/>
+          </a:bodyPr>
+          <a:lstStyle/>
+          <a:p>
+            <a:pPr marL="0" indent="0" algn="just">
+              <a:buNone/>
+            </a:pPr>
+            <a:r>
+              <a:rPr lang="pt-BR" sz="2000" dirty="0">
+                <a:latin typeface="Times New Roman" panose="02020603050405020304" pitchFamily="18" charset="0"/>
+                <a:cs typeface="Times New Roman" panose="02020603050405020304" pitchFamily="18" charset="0"/>
+              </a:rPr>
+              <a:t>Alguns </a:t>
+            </a:r>
+            <a:r>
+              <a:rPr lang="pt-BR" sz="2000" b="1" dirty="0">
+                <a:solidFill>
+                  <a:srgbClr val="FF0000"/>
+                </a:solidFill>
+                <a:latin typeface="Times New Roman" panose="02020603050405020304" pitchFamily="18" charset="0"/>
+                <a:cs typeface="Times New Roman" panose="02020603050405020304" pitchFamily="18" charset="0"/>
+              </a:rPr>
+              <a:t>protocolos de rede para </a:t>
+            </a:r>
+            <a:r>
+              <a:rPr lang="pt-BR" sz="2000" b="1" dirty="0" err="1">
+                <a:solidFill>
+                  <a:srgbClr val="FF0000"/>
+                </a:solidFill>
+                <a:latin typeface="Times New Roman" panose="02020603050405020304" pitchFamily="18" charset="0"/>
+                <a:cs typeface="Times New Roman" panose="02020603050405020304" pitchFamily="18" charset="0"/>
+              </a:rPr>
+              <a:t>IoT</a:t>
+            </a:r>
+            <a:r>
+              <a:rPr lang="pt-BR" sz="2000" dirty="0">
+                <a:latin typeface="Times New Roman" panose="02020603050405020304" pitchFamily="18" charset="0"/>
+                <a:cs typeface="Times New Roman" panose="02020603050405020304" pitchFamily="18" charset="0"/>
+              </a:rPr>
+              <a:t>:</a:t>
+            </a:r>
+          </a:p>
+          <a:p>
+            <a:pPr marL="0" indent="0" algn="just">
+              <a:buNone/>
+            </a:pPr>
+            <a:endParaRPr lang="pt-BR" sz="2000" b="1" dirty="0">
+              <a:latin typeface="Times New Roman" panose="02020603050405020304" pitchFamily="18" charset="0"/>
+              <a:cs typeface="Times New Roman" panose="02020603050405020304" pitchFamily="18" charset="0"/>
+            </a:endParaRPr>
+          </a:p>
+          <a:p>
+            <a:pPr algn="just">
+              <a:buFont typeface="Wingdings" panose="05000000000000000000" pitchFamily="2" charset="2"/>
+              <a:buChar char="§"/>
+            </a:pPr>
+            <a:r>
+              <a:rPr lang="pt-BR" sz="2000" b="1" dirty="0">
+                <a:latin typeface="Times New Roman" panose="02020603050405020304" pitchFamily="18" charset="0"/>
+                <a:cs typeface="Times New Roman" panose="02020603050405020304" pitchFamily="18" charset="0"/>
+              </a:rPr>
+              <a:t>MQTT</a:t>
+            </a:r>
+            <a:r>
+              <a:rPr lang="pt-BR" sz="2000" dirty="0">
+                <a:latin typeface="Times New Roman" panose="02020603050405020304" pitchFamily="18" charset="0"/>
+                <a:cs typeface="Times New Roman" panose="02020603050405020304" pitchFamily="18" charset="0"/>
+              </a:rPr>
+              <a:t> (assinatura/publicação; </a:t>
+            </a:r>
+            <a:r>
+              <a:rPr lang="pt-BR" sz="2000" b="1" dirty="0">
+                <a:solidFill>
+                  <a:srgbClr val="FF0000"/>
+                </a:solidFill>
+                <a:latin typeface="Times New Roman" panose="02020603050405020304" pitchFamily="18" charset="0"/>
+                <a:cs typeface="Times New Roman" panose="02020603050405020304" pitchFamily="18" charset="0"/>
+              </a:rPr>
+              <a:t>coleta dados, supervisiona dispositivos, </a:t>
+            </a:r>
+            <a:r>
+              <a:rPr lang="pt-BR" sz="2000" b="1" dirty="0" err="1">
+                <a:solidFill>
+                  <a:srgbClr val="FF0000"/>
+                </a:solidFill>
+                <a:latin typeface="Times New Roman" panose="02020603050405020304" pitchFamily="18" charset="0"/>
+                <a:cs typeface="Times New Roman" panose="02020603050405020304" pitchFamily="18" charset="0"/>
+              </a:rPr>
+              <a:t>etc</a:t>
+            </a:r>
+            <a:r>
+              <a:rPr lang="pt-BR" sz="2000" dirty="0">
+                <a:latin typeface="Times New Roman" panose="02020603050405020304" pitchFamily="18" charset="0"/>
+                <a:cs typeface="Times New Roman" panose="02020603050405020304" pitchFamily="18" charset="0"/>
+              </a:rPr>
+              <a:t>)</a:t>
+            </a:r>
+            <a:endParaRPr lang="pt-BR" sz="2000" b="1" dirty="0">
+              <a:latin typeface="Times New Roman" panose="02020603050405020304" pitchFamily="18" charset="0"/>
+              <a:cs typeface="Times New Roman" panose="02020603050405020304" pitchFamily="18" charset="0"/>
+            </a:endParaRPr>
+          </a:p>
+          <a:p>
+            <a:pPr algn="just">
+              <a:buFont typeface="Wingdings" panose="05000000000000000000" pitchFamily="2" charset="2"/>
+              <a:buChar char="§"/>
+            </a:pPr>
+            <a:r>
+              <a:rPr lang="pt-BR" sz="2000" dirty="0">
+                <a:latin typeface="Times New Roman" panose="02020603050405020304" pitchFamily="18" charset="0"/>
+                <a:cs typeface="Times New Roman" panose="02020603050405020304" pitchFamily="18" charset="0"/>
+              </a:rPr>
+              <a:t>COAP (</a:t>
+            </a:r>
+            <a:r>
+              <a:rPr lang="pt-BR" sz="2000" b="1" dirty="0">
+                <a:solidFill>
+                  <a:srgbClr val="FF0000"/>
+                </a:solidFill>
+                <a:latin typeface="Times New Roman" panose="02020603050405020304" pitchFamily="18" charset="0"/>
+                <a:cs typeface="Times New Roman" panose="02020603050405020304" pitchFamily="18" charset="0"/>
+              </a:rPr>
+              <a:t>automação – aplicação restrita</a:t>
+            </a:r>
+            <a:r>
+              <a:rPr lang="pt-BR" sz="2000" dirty="0">
+                <a:latin typeface="Times New Roman" panose="02020603050405020304" pitchFamily="18" charset="0"/>
+                <a:cs typeface="Times New Roman" panose="02020603050405020304" pitchFamily="18" charset="0"/>
+              </a:rPr>
+              <a:t>)</a:t>
+            </a:r>
+          </a:p>
+          <a:p>
+            <a:pPr algn="just">
+              <a:buFont typeface="Wingdings" panose="05000000000000000000" pitchFamily="2" charset="2"/>
+              <a:buChar char="§"/>
+            </a:pPr>
+            <a:r>
+              <a:rPr lang="pt-BR" sz="2000" dirty="0">
+                <a:latin typeface="Times New Roman" panose="02020603050405020304" pitchFamily="18" charset="0"/>
+                <a:cs typeface="Times New Roman" panose="02020603050405020304" pitchFamily="18" charset="0"/>
+              </a:rPr>
+              <a:t>XMPP­IOT (</a:t>
+            </a:r>
+            <a:r>
+              <a:rPr lang="pt-BR" sz="2000" b="1" dirty="0">
+                <a:solidFill>
+                  <a:srgbClr val="FF0000"/>
+                </a:solidFill>
+                <a:latin typeface="Times New Roman" panose="02020603050405020304" pitchFamily="18" charset="0"/>
+                <a:cs typeface="Times New Roman" panose="02020603050405020304" pitchFamily="18" charset="0"/>
+              </a:rPr>
+              <a:t>troca de mensagens síncronas, </a:t>
+            </a:r>
+            <a:r>
+              <a:rPr lang="pt-BR" sz="2000" b="1" dirty="0" err="1">
+                <a:solidFill>
+                  <a:srgbClr val="FF0000"/>
+                </a:solidFill>
+                <a:latin typeface="Times New Roman" panose="02020603050405020304" pitchFamily="18" charset="0"/>
+                <a:cs typeface="Times New Roman" panose="02020603050405020304" pitchFamily="18" charset="0"/>
+              </a:rPr>
+              <a:t>whasapp</a:t>
+            </a:r>
+            <a:r>
+              <a:rPr lang="pt-BR" sz="2000" b="1" dirty="0">
+                <a:solidFill>
+                  <a:srgbClr val="FF0000"/>
+                </a:solidFill>
+                <a:latin typeface="Times New Roman" panose="02020603050405020304" pitchFamily="18" charset="0"/>
+                <a:cs typeface="Times New Roman" panose="02020603050405020304" pitchFamily="18" charset="0"/>
+              </a:rPr>
+              <a:t>, jogos online</a:t>
+            </a:r>
+            <a:r>
+              <a:rPr lang="pt-BR" sz="2000" dirty="0">
+                <a:latin typeface="Times New Roman" panose="02020603050405020304" pitchFamily="18" charset="0"/>
+                <a:cs typeface="Times New Roman" panose="02020603050405020304" pitchFamily="18" charset="0"/>
+              </a:rPr>
+              <a:t>, </a:t>
+            </a:r>
+            <a:r>
+              <a:rPr lang="pt-BR" sz="2000" dirty="0" err="1">
+                <a:latin typeface="Times New Roman" panose="02020603050405020304" pitchFamily="18" charset="0"/>
+                <a:cs typeface="Times New Roman" panose="02020603050405020304" pitchFamily="18" charset="0"/>
+              </a:rPr>
+              <a:t>etc</a:t>
+            </a:r>
+            <a:r>
+              <a:rPr lang="pt-BR" sz="2000" dirty="0">
+                <a:latin typeface="Times New Roman" panose="02020603050405020304" pitchFamily="18" charset="0"/>
+                <a:cs typeface="Times New Roman" panose="02020603050405020304" pitchFamily="18" charset="0"/>
+              </a:rPr>
+              <a:t>)</a:t>
+            </a:r>
+          </a:p>
+          <a:p>
+            <a:pPr algn="just">
+              <a:buFont typeface="Wingdings" panose="05000000000000000000" pitchFamily="2" charset="2"/>
+              <a:buChar char="§"/>
+            </a:pPr>
+            <a:r>
+              <a:rPr lang="pt-BR" sz="2000" b="1" dirty="0">
+                <a:latin typeface="Times New Roman" panose="02020603050405020304" pitchFamily="18" charset="0"/>
+                <a:cs typeface="Times New Roman" panose="02020603050405020304" pitchFamily="18" charset="0"/>
+              </a:rPr>
+              <a:t>RESTFUL HTTP </a:t>
+            </a:r>
+          </a:p>
+          <a:p>
+            <a:pPr algn="just">
+              <a:buFont typeface="Wingdings" panose="05000000000000000000" pitchFamily="2" charset="2"/>
+              <a:buChar char="§"/>
+            </a:pPr>
+            <a:r>
+              <a:rPr lang="pt-BR" sz="2000" dirty="0">
+                <a:latin typeface="Times New Roman" panose="02020603050405020304" pitchFamily="18" charset="0"/>
+                <a:cs typeface="Times New Roman" panose="02020603050405020304" pitchFamily="18" charset="0"/>
+              </a:rPr>
+              <a:t>DDS (</a:t>
+            </a:r>
+            <a:r>
+              <a:rPr lang="pt-BR" sz="2000" b="1" dirty="0">
+                <a:solidFill>
+                  <a:srgbClr val="FF0000"/>
+                </a:solidFill>
+                <a:latin typeface="Times New Roman" panose="02020603050405020304" pitchFamily="18" charset="0"/>
+                <a:cs typeface="Times New Roman" panose="02020603050405020304" pitchFamily="18" charset="0"/>
+              </a:rPr>
+              <a:t>distribuição de dados</a:t>
+            </a:r>
+            <a:r>
+              <a:rPr lang="pt-BR" sz="2000" dirty="0">
+                <a:latin typeface="Times New Roman" panose="02020603050405020304" pitchFamily="18" charset="0"/>
+                <a:cs typeface="Times New Roman" panose="02020603050405020304" pitchFamily="18" charset="0"/>
+              </a:rPr>
+              <a:t>)</a:t>
+            </a:r>
+          </a:p>
+          <a:p>
+            <a:pPr algn="just">
+              <a:buFont typeface="Wingdings" panose="05000000000000000000" pitchFamily="2" charset="2"/>
+              <a:buChar char="§"/>
+            </a:pPr>
+            <a:r>
+              <a:rPr lang="pt-BR" sz="2000" dirty="0">
+                <a:latin typeface="Times New Roman" panose="02020603050405020304" pitchFamily="18" charset="0"/>
+                <a:cs typeface="Times New Roman" panose="02020603050405020304" pitchFamily="18" charset="0"/>
+              </a:rPr>
+              <a:t>AMQP (</a:t>
+            </a:r>
+            <a:r>
+              <a:rPr lang="pt-BR" sz="2000" b="1" dirty="0">
+                <a:solidFill>
+                  <a:srgbClr val="FF0000"/>
+                </a:solidFill>
+                <a:latin typeface="Times New Roman" panose="02020603050405020304" pitchFamily="18" charset="0"/>
+                <a:cs typeface="Times New Roman" panose="02020603050405020304" pitchFamily="18" charset="0"/>
+              </a:rPr>
+              <a:t>serviço de mensageria</a:t>
+            </a:r>
+            <a:r>
+              <a:rPr lang="pt-BR" sz="2000" dirty="0">
+                <a:latin typeface="Times New Roman" panose="02020603050405020304" pitchFamily="18" charset="0"/>
+                <a:cs typeface="Times New Roman" panose="02020603050405020304" pitchFamily="18" charset="0"/>
+              </a:rPr>
+              <a:t>)</a:t>
+            </a:r>
+          </a:p>
+          <a:p>
+            <a:pPr algn="just">
+              <a:buFont typeface="Wingdings" panose="05000000000000000000" pitchFamily="2" charset="2"/>
+              <a:buChar char="§"/>
+            </a:pPr>
+            <a:r>
+              <a:rPr lang="pt-BR" sz="2000" dirty="0">
+                <a:latin typeface="Times New Roman" panose="02020603050405020304" pitchFamily="18" charset="0"/>
+                <a:cs typeface="Times New Roman" panose="02020603050405020304" pitchFamily="18" charset="0"/>
+              </a:rPr>
+              <a:t>M2M (indústria; </a:t>
+            </a:r>
+            <a:r>
+              <a:rPr lang="pt-BR" sz="2000" b="1" dirty="0">
+                <a:solidFill>
+                  <a:srgbClr val="FF0000"/>
+                </a:solidFill>
+                <a:latin typeface="Times New Roman" panose="02020603050405020304" pitchFamily="18" charset="0"/>
+                <a:cs typeface="Times New Roman" panose="02020603050405020304" pitchFamily="18" charset="0"/>
+              </a:rPr>
+              <a:t>comunicação de máquina a máquina</a:t>
+            </a:r>
+            <a:r>
+              <a:rPr lang="pt-BR" sz="2000" dirty="0">
+                <a:latin typeface="Times New Roman" panose="02020603050405020304" pitchFamily="18" charset="0"/>
+                <a:cs typeface="Times New Roman" panose="02020603050405020304" pitchFamily="18" charset="0"/>
+              </a:rPr>
+              <a:t>)</a:t>
+            </a:r>
+            <a:endParaRPr lang="pt-BR" sz="2000" dirty="0">
+              <a:solidFill>
+                <a:schemeClr val="tx1"/>
+              </a:solidFill>
+              <a:latin typeface="Times New Roman" panose="02020603050405020304" pitchFamily="18" charset="0"/>
+              <a:cs typeface="Times New Roman" panose="02020603050405020304" pitchFamily="18" charset="0"/>
+            </a:endParaRPr>
+          </a:p>
+        </p:txBody>
+      </p:sp>
+    </p:spTree>
+    <p:extLst>
+      <p:ext uri="{BB962C8B-B14F-4D97-AF65-F5344CB8AC3E}">
+        <p14:creationId xmlns:p14="http://schemas.microsoft.com/office/powerpoint/2010/main" val="593628341"/>
+      </p:ext>
+    </p:extLst>
+  </p:cSld>
+  <p:clrMapOvr>
+    <a:masterClrMapping/>
+  </p:clrMapOvr>
+  <p:transition spd="med"/>
+</p:sld>
+</file>
+
+<file path=ppt/slides/slide25.xml><?xml version="1.0" encoding="utf-8"?>
+<p:sld xmlns:a="http://schemas.openxmlformats.org/drawingml/2006/main" xmlns:r="http://schemas.openxmlformats.org/officeDocument/2006/relationships" xmlns:p="http://schemas.openxmlformats.org/presentationml/2006/main">
+  <p:cSld>
+    <p:spTree>
+      <p:nvGrpSpPr>
+        <p:cNvPr id="1" name=""/>
+        <p:cNvGrpSpPr/>
+        <p:nvPr/>
+      </p:nvGrpSpPr>
+      <p:grpSpPr>
+        <a:xfrm>
+          <a:off x="0" y="0"/>
+          <a:ext cx="0" cy="0"/>
+          <a:chOff x="0" y="0"/>
+          <a:chExt cx="0" cy="0"/>
+        </a:xfrm>
+      </p:grpSpPr>
+      <p:sp>
+        <p:nvSpPr>
+          <p:cNvPr id="6" name="Title 1"/>
+          <p:cNvSpPr>
+            <a:spLocks noGrp="1"/>
+          </p:cNvSpPr>
+          <p:nvPr>
+            <p:ph type="title"/>
+          </p:nvPr>
+        </p:nvSpPr>
+        <p:spPr>
+          <a:xfrm>
+            <a:off x="457200" y="205980"/>
+            <a:ext cx="8229600" cy="857251"/>
+          </a:xfrm>
+        </p:spPr>
+        <p:txBody>
+          <a:bodyPr>
+            <a:normAutofit/>
+          </a:bodyPr>
+          <a:lstStyle/>
+          <a:p>
+            <a:r>
+              <a:rPr lang="pt-BR" b="1" dirty="0">
+                <a:solidFill>
+                  <a:srgbClr val="0070C0"/>
+                </a:solidFill>
+              </a:rPr>
+              <a:t>Protocolos de Rede para IOT</a:t>
+            </a:r>
+            <a:endParaRPr lang="en-US" b="1" dirty="0">
+              <a:solidFill>
+                <a:srgbClr val="0070C0"/>
+              </a:solidFill>
+            </a:endParaRPr>
+          </a:p>
+        </p:txBody>
+      </p:sp>
+      <p:sp>
+        <p:nvSpPr>
+          <p:cNvPr id="8" name="Text Placeholder 2"/>
+          <p:cNvSpPr>
+            <a:spLocks noGrp="1"/>
+          </p:cNvSpPr>
+          <p:nvPr>
+            <p:ph type="body" sz="half" idx="1"/>
+          </p:nvPr>
+        </p:nvSpPr>
+        <p:spPr>
+          <a:xfrm>
+            <a:off x="142865" y="1200150"/>
+            <a:ext cx="8865056" cy="3737370"/>
+          </a:xfrm>
+        </p:spPr>
+        <p:txBody>
+          <a:bodyPr>
+            <a:noAutofit/>
+          </a:bodyPr>
+          <a:lstStyle/>
+          <a:p>
+            <a:pPr algn="just">
+              <a:buFont typeface="Wingdings" panose="05000000000000000000" pitchFamily="2" charset="2"/>
+              <a:buChar char="§"/>
+            </a:pPr>
+            <a:r>
+              <a:rPr lang="pt-BR" sz="2000" dirty="0">
+                <a:latin typeface="Times New Roman" panose="02020603050405020304" pitchFamily="18" charset="0"/>
+                <a:cs typeface="Times New Roman" panose="02020603050405020304" pitchFamily="18" charset="0"/>
+              </a:rPr>
+              <a:t>Bluetooth (</a:t>
+            </a:r>
+            <a:r>
+              <a:rPr lang="pt-BR" sz="2000" b="1" dirty="0">
+                <a:solidFill>
+                  <a:srgbClr val="FF0000"/>
+                </a:solidFill>
+                <a:latin typeface="Times New Roman" panose="02020603050405020304" pitchFamily="18" charset="0"/>
+                <a:cs typeface="Times New Roman" panose="02020603050405020304" pitchFamily="18" charset="0"/>
+              </a:rPr>
+              <a:t>comunicação de alcance curto</a:t>
+            </a:r>
+            <a:r>
+              <a:rPr lang="pt-BR" sz="2000" dirty="0">
+                <a:latin typeface="Times New Roman" panose="02020603050405020304" pitchFamily="18" charset="0"/>
+                <a:cs typeface="Times New Roman" panose="02020603050405020304" pitchFamily="18" charset="0"/>
+              </a:rPr>
+              <a:t>)</a:t>
+            </a:r>
+          </a:p>
+          <a:p>
+            <a:pPr algn="just">
+              <a:buFont typeface="Wingdings" panose="05000000000000000000" pitchFamily="2" charset="2"/>
+              <a:buChar char="§"/>
+            </a:pPr>
+            <a:r>
+              <a:rPr lang="pt-BR" sz="2000" dirty="0" err="1">
+                <a:latin typeface="Times New Roman" panose="02020603050405020304" pitchFamily="18" charset="0"/>
+                <a:cs typeface="Times New Roman" panose="02020603050405020304" pitchFamily="18" charset="0"/>
+              </a:rPr>
+              <a:t>Wi-fi</a:t>
+            </a:r>
+            <a:r>
+              <a:rPr lang="pt-BR" sz="2000" dirty="0">
+                <a:latin typeface="Times New Roman" panose="02020603050405020304" pitchFamily="18" charset="0"/>
+                <a:cs typeface="Times New Roman" panose="02020603050405020304" pitchFamily="18" charset="0"/>
+              </a:rPr>
+              <a:t> (</a:t>
+            </a:r>
+            <a:r>
+              <a:rPr lang="pt-BR" sz="2000" b="1" dirty="0">
+                <a:solidFill>
+                  <a:srgbClr val="FF0000"/>
+                </a:solidFill>
+                <a:latin typeface="Times New Roman" panose="02020603050405020304" pitchFamily="18" charset="0"/>
+                <a:cs typeface="Times New Roman" panose="02020603050405020304" pitchFamily="18" charset="0"/>
+              </a:rPr>
+              <a:t>comunicação sem fio</a:t>
+            </a:r>
+            <a:r>
+              <a:rPr lang="pt-BR" sz="2000" dirty="0">
+                <a:latin typeface="Times New Roman" panose="02020603050405020304" pitchFamily="18" charset="0"/>
+                <a:cs typeface="Times New Roman" panose="02020603050405020304" pitchFamily="18" charset="0"/>
+              </a:rPr>
+              <a:t>)</a:t>
+            </a:r>
+          </a:p>
+          <a:p>
+            <a:pPr algn="just">
+              <a:buFont typeface="Wingdings" panose="05000000000000000000" pitchFamily="2" charset="2"/>
+              <a:buChar char="§"/>
+            </a:pPr>
+            <a:r>
+              <a:rPr lang="pt-BR" sz="2000" dirty="0" err="1">
+                <a:latin typeface="Times New Roman" panose="02020603050405020304" pitchFamily="18" charset="0"/>
+                <a:cs typeface="Times New Roman" panose="02020603050405020304" pitchFamily="18" charset="0"/>
+              </a:rPr>
+              <a:t>Zigbee</a:t>
+            </a:r>
+            <a:r>
+              <a:rPr lang="pt-BR" sz="2000" dirty="0">
+                <a:latin typeface="Times New Roman" panose="02020603050405020304" pitchFamily="18" charset="0"/>
+                <a:cs typeface="Times New Roman" panose="02020603050405020304" pitchFamily="18" charset="0"/>
+              </a:rPr>
+              <a:t> (</a:t>
+            </a:r>
+            <a:r>
+              <a:rPr lang="pt-BR" sz="2000" b="1" dirty="0">
+                <a:solidFill>
+                  <a:srgbClr val="FF0000"/>
+                </a:solidFill>
+                <a:latin typeface="Times New Roman" panose="02020603050405020304" pitchFamily="18" charset="0"/>
+                <a:cs typeface="Times New Roman" panose="02020603050405020304" pitchFamily="18" charset="0"/>
+              </a:rPr>
+              <a:t>comunicação em fio, residências inteligentes</a:t>
+            </a:r>
+            <a:r>
+              <a:rPr lang="pt-BR" sz="2000" dirty="0">
+                <a:latin typeface="Times New Roman" panose="02020603050405020304" pitchFamily="18" charset="0"/>
+                <a:cs typeface="Times New Roman" panose="02020603050405020304" pitchFamily="18" charset="0"/>
+              </a:rPr>
+              <a:t>)</a:t>
+            </a:r>
+          </a:p>
+          <a:p>
+            <a:pPr algn="just">
+              <a:buFont typeface="Wingdings" panose="05000000000000000000" pitchFamily="2" charset="2"/>
+              <a:buChar char="§"/>
+            </a:pPr>
+            <a:r>
+              <a:rPr lang="pt-BR" sz="2000" dirty="0">
+                <a:latin typeface="Times New Roman" panose="02020603050405020304" pitchFamily="18" charset="0"/>
+                <a:cs typeface="Times New Roman" panose="02020603050405020304" pitchFamily="18" charset="0"/>
+              </a:rPr>
+              <a:t>Z-</a:t>
+            </a:r>
+            <a:r>
+              <a:rPr lang="pt-BR" sz="2000" dirty="0" err="1">
+                <a:latin typeface="Times New Roman" panose="02020603050405020304" pitchFamily="18" charset="0"/>
+                <a:cs typeface="Times New Roman" panose="02020603050405020304" pitchFamily="18" charset="0"/>
+              </a:rPr>
+              <a:t>Wave</a:t>
+            </a:r>
+            <a:r>
+              <a:rPr lang="pt-BR" sz="2000" dirty="0">
+                <a:latin typeface="Times New Roman" panose="02020603050405020304" pitchFamily="18" charset="0"/>
+                <a:cs typeface="Times New Roman" panose="02020603050405020304" pitchFamily="18" charset="0"/>
+              </a:rPr>
+              <a:t> (</a:t>
+            </a:r>
+            <a:r>
+              <a:rPr lang="pt-BR" sz="2000" b="1" dirty="0">
+                <a:solidFill>
+                  <a:srgbClr val="FF0000"/>
+                </a:solidFill>
+                <a:latin typeface="Times New Roman" panose="02020603050405020304" pitchFamily="18" charset="0"/>
+                <a:cs typeface="Times New Roman" panose="02020603050405020304" pitchFamily="18" charset="0"/>
+              </a:rPr>
+              <a:t>automação comercial</a:t>
+            </a:r>
+            <a:r>
+              <a:rPr lang="pt-BR" sz="2000" dirty="0">
+                <a:latin typeface="Times New Roman" panose="02020603050405020304" pitchFamily="18" charset="0"/>
+                <a:cs typeface="Times New Roman" panose="02020603050405020304" pitchFamily="18" charset="0"/>
+              </a:rPr>
+              <a:t>)</a:t>
+            </a:r>
+          </a:p>
+          <a:p>
+            <a:pPr algn="just">
+              <a:buFont typeface="Wingdings" panose="05000000000000000000" pitchFamily="2" charset="2"/>
+              <a:buChar char="§"/>
+            </a:pPr>
+            <a:r>
+              <a:rPr lang="pt-BR" sz="2000" dirty="0">
+                <a:latin typeface="Times New Roman" panose="02020603050405020304" pitchFamily="18" charset="0"/>
+                <a:cs typeface="Times New Roman" panose="02020603050405020304" pitchFamily="18" charset="0"/>
+              </a:rPr>
+              <a:t>6LowPAN (</a:t>
+            </a:r>
+            <a:r>
+              <a:rPr lang="pt-BR" sz="2000" b="1" dirty="0">
+                <a:solidFill>
+                  <a:srgbClr val="FF0000"/>
+                </a:solidFill>
+                <a:latin typeface="Times New Roman" panose="02020603050405020304" pitchFamily="18" charset="0"/>
+                <a:cs typeface="Times New Roman" panose="02020603050405020304" pitchFamily="18" charset="0"/>
+              </a:rPr>
+              <a:t>encapsulamento, compressão</a:t>
+            </a:r>
+            <a:r>
+              <a:rPr lang="pt-BR" sz="2000" dirty="0">
+                <a:latin typeface="Times New Roman" panose="02020603050405020304" pitchFamily="18" charset="0"/>
+                <a:cs typeface="Times New Roman" panose="02020603050405020304" pitchFamily="18" charset="0"/>
+              </a:rPr>
+              <a:t>)</a:t>
+            </a:r>
+          </a:p>
+          <a:p>
+            <a:pPr algn="just">
+              <a:buFont typeface="Wingdings" panose="05000000000000000000" pitchFamily="2" charset="2"/>
+              <a:buChar char="§"/>
+            </a:pPr>
+            <a:r>
+              <a:rPr lang="pt-BR" sz="2000" dirty="0">
+                <a:latin typeface="Times New Roman" panose="02020603050405020304" pitchFamily="18" charset="0"/>
+                <a:cs typeface="Times New Roman" panose="02020603050405020304" pitchFamily="18" charset="0"/>
+              </a:rPr>
+              <a:t>Thread (</a:t>
+            </a:r>
+            <a:r>
+              <a:rPr lang="pt-BR" sz="2000" b="1" dirty="0">
+                <a:solidFill>
+                  <a:srgbClr val="FF0000"/>
+                </a:solidFill>
+                <a:latin typeface="Times New Roman" panose="02020603050405020304" pitchFamily="18" charset="0"/>
+                <a:cs typeface="Times New Roman" panose="02020603050405020304" pitchFamily="18" charset="0"/>
+              </a:rPr>
+              <a:t>IPV6 automação residencial</a:t>
+            </a:r>
+            <a:r>
+              <a:rPr lang="pt-BR" sz="2000" dirty="0">
+                <a:latin typeface="Times New Roman" panose="02020603050405020304" pitchFamily="18" charset="0"/>
+                <a:cs typeface="Times New Roman" panose="02020603050405020304" pitchFamily="18" charset="0"/>
+              </a:rPr>
+              <a:t>)</a:t>
+            </a:r>
+          </a:p>
+          <a:p>
+            <a:pPr algn="just">
+              <a:buFont typeface="Wingdings" panose="05000000000000000000" pitchFamily="2" charset="2"/>
+              <a:buChar char="§"/>
+            </a:pPr>
+            <a:r>
+              <a:rPr lang="pt-BR" sz="2000" dirty="0">
+                <a:latin typeface="Times New Roman" panose="02020603050405020304" pitchFamily="18" charset="0"/>
+                <a:cs typeface="Times New Roman" panose="02020603050405020304" pitchFamily="18" charset="0"/>
+              </a:rPr>
+              <a:t>Smartphone (</a:t>
+            </a:r>
+            <a:r>
+              <a:rPr lang="pt-BR" sz="2000" b="1" dirty="0">
+                <a:solidFill>
+                  <a:srgbClr val="FF0000"/>
+                </a:solidFill>
+                <a:latin typeface="Times New Roman" panose="02020603050405020304" pitchFamily="18" charset="0"/>
+                <a:cs typeface="Times New Roman" panose="02020603050405020304" pitchFamily="18" charset="0"/>
+              </a:rPr>
+              <a:t>comunicação de dados</a:t>
+            </a:r>
+            <a:r>
+              <a:rPr lang="pt-BR" sz="2000" dirty="0">
+                <a:latin typeface="Times New Roman" panose="02020603050405020304" pitchFamily="18" charset="0"/>
+                <a:cs typeface="Times New Roman" panose="02020603050405020304" pitchFamily="18" charset="0"/>
+              </a:rPr>
+              <a:t>)</a:t>
+            </a:r>
+          </a:p>
+          <a:p>
+            <a:pPr algn="just">
+              <a:buFont typeface="Wingdings" panose="05000000000000000000" pitchFamily="2" charset="2"/>
+              <a:buChar char="§"/>
+            </a:pPr>
+            <a:r>
+              <a:rPr lang="pt-BR" sz="2000" dirty="0">
+                <a:latin typeface="Times New Roman" panose="02020603050405020304" pitchFamily="18" charset="0"/>
+                <a:cs typeface="Times New Roman" panose="02020603050405020304" pitchFamily="18" charset="0"/>
+              </a:rPr>
+              <a:t>NFC (</a:t>
+            </a:r>
+            <a:r>
+              <a:rPr lang="pt-BR" sz="2000" b="1" dirty="0">
+                <a:solidFill>
+                  <a:srgbClr val="FF0000"/>
+                </a:solidFill>
+                <a:latin typeface="Times New Roman" panose="02020603050405020304" pitchFamily="18" charset="0"/>
+                <a:cs typeface="Times New Roman" panose="02020603050405020304" pitchFamily="18" charset="0"/>
+              </a:rPr>
+              <a:t>comunicação de rádio</a:t>
+            </a:r>
+            <a:r>
+              <a:rPr lang="pt-BR" sz="2000" dirty="0">
+                <a:latin typeface="Times New Roman" panose="02020603050405020304" pitchFamily="18" charset="0"/>
+                <a:cs typeface="Times New Roman" panose="02020603050405020304" pitchFamily="18" charset="0"/>
+              </a:rPr>
+              <a:t>)</a:t>
+            </a:r>
+          </a:p>
+          <a:p>
+            <a:pPr algn="just">
+              <a:buFont typeface="Wingdings" panose="05000000000000000000" pitchFamily="2" charset="2"/>
+              <a:buChar char="§"/>
+            </a:pPr>
+            <a:r>
+              <a:rPr lang="pt-BR" sz="2000" dirty="0" err="1">
+                <a:latin typeface="Times New Roman" panose="02020603050405020304" pitchFamily="18" charset="0"/>
+                <a:cs typeface="Times New Roman" panose="02020603050405020304" pitchFamily="18" charset="0"/>
+              </a:rPr>
+              <a:t>LoRaWAN</a:t>
+            </a:r>
+            <a:r>
+              <a:rPr lang="pt-BR" sz="2000" dirty="0">
+                <a:latin typeface="Times New Roman" panose="02020603050405020304" pitchFamily="18" charset="0"/>
+                <a:cs typeface="Times New Roman" panose="02020603050405020304" pitchFamily="18" charset="0"/>
+              </a:rPr>
+              <a:t> (</a:t>
+            </a:r>
+            <a:r>
+              <a:rPr lang="pt-BR" sz="2000" b="1" dirty="0">
+                <a:solidFill>
+                  <a:srgbClr val="FF0000"/>
+                </a:solidFill>
+                <a:latin typeface="Times New Roman" panose="02020603050405020304" pitchFamily="18" charset="0"/>
+                <a:cs typeface="Times New Roman" panose="02020603050405020304" pitchFamily="18" charset="0"/>
+              </a:rPr>
+              <a:t>comunicação WAN</a:t>
+            </a:r>
+            <a:r>
+              <a:rPr lang="pt-BR" sz="2000" dirty="0">
+                <a:latin typeface="Times New Roman" panose="02020603050405020304" pitchFamily="18" charset="0"/>
+                <a:cs typeface="Times New Roman" panose="02020603050405020304" pitchFamily="18" charset="0"/>
+              </a:rPr>
+              <a:t>)</a:t>
+            </a:r>
+            <a:endParaRPr lang="pt-BR" sz="2000" dirty="0">
+              <a:solidFill>
+                <a:schemeClr val="tx1"/>
+              </a:solidFill>
+              <a:latin typeface="Times New Roman" panose="02020603050405020304" pitchFamily="18" charset="0"/>
+              <a:cs typeface="Times New Roman" panose="02020603050405020304" pitchFamily="18" charset="0"/>
+            </a:endParaRPr>
+          </a:p>
+        </p:txBody>
+      </p:sp>
+    </p:spTree>
+    <p:extLst>
+      <p:ext uri="{BB962C8B-B14F-4D97-AF65-F5344CB8AC3E}">
+        <p14:creationId xmlns:p14="http://schemas.microsoft.com/office/powerpoint/2010/main" val="3476141899"/>
+      </p:ext>
+    </p:extLst>
+  </p:cSld>
+  <p:clrMapOvr>
+    <a:masterClrMapping/>
+  </p:clrMapOvr>
+  <p:transition spd="med"/>
+</p:sld>
+</file>
+
+<file path=ppt/slides/slide26.xml><?xml version="1.0" encoding="utf-8"?>
+<p:sld xmlns:a="http://schemas.openxmlformats.org/drawingml/2006/main" xmlns:r="http://schemas.openxmlformats.org/officeDocument/2006/relationships" xmlns:p="http://schemas.openxmlformats.org/presentationml/2006/main">
+  <p:cSld>
+    <p:spTree>
+      <p:nvGrpSpPr>
+        <p:cNvPr id="1" name=""/>
+        <p:cNvGrpSpPr/>
+        <p:nvPr/>
+      </p:nvGrpSpPr>
+      <p:grpSpPr>
+        <a:xfrm>
+          <a:off x="0" y="0"/>
+          <a:ext cx="0" cy="0"/>
+          <a:chOff x="0" y="0"/>
+          <a:chExt cx="0" cy="0"/>
+        </a:xfrm>
+      </p:grpSpPr>
+      <p:sp>
+        <p:nvSpPr>
+          <p:cNvPr id="6" name="Title 1"/>
+          <p:cNvSpPr>
+            <a:spLocks noGrp="1"/>
+          </p:cNvSpPr>
+          <p:nvPr>
+            <p:ph type="title"/>
+          </p:nvPr>
+        </p:nvSpPr>
+        <p:spPr>
+          <a:xfrm>
+            <a:off x="457200" y="205980"/>
+            <a:ext cx="8229600" cy="857251"/>
+          </a:xfrm>
+        </p:spPr>
+        <p:txBody>
+          <a:bodyPr>
+            <a:normAutofit/>
+          </a:bodyPr>
+          <a:lstStyle/>
+          <a:p>
+            <a:r>
+              <a:rPr lang="pt-BR" b="1" dirty="0">
+                <a:solidFill>
+                  <a:srgbClr val="0070C0"/>
+                </a:solidFill>
+              </a:rPr>
+              <a:t>Protocolo </a:t>
+            </a:r>
+            <a:r>
+              <a:rPr lang="pt-BR" b="1" dirty="0" err="1">
+                <a:solidFill>
+                  <a:srgbClr val="0070C0"/>
+                </a:solidFill>
+              </a:rPr>
+              <a:t>Wi-fi</a:t>
+            </a:r>
+            <a:r>
+              <a:rPr lang="pt-BR" b="1" dirty="0">
+                <a:solidFill>
+                  <a:srgbClr val="0070C0"/>
+                </a:solidFill>
+              </a:rPr>
+              <a:t> de Rede para IOT</a:t>
+            </a:r>
+            <a:endParaRPr lang="en-US" b="1" dirty="0">
+              <a:solidFill>
+                <a:srgbClr val="0070C0"/>
+              </a:solidFill>
+            </a:endParaRPr>
+          </a:p>
+        </p:txBody>
+      </p:sp>
+      <p:sp>
+        <p:nvSpPr>
+          <p:cNvPr id="8" name="Text Placeholder 2"/>
+          <p:cNvSpPr>
+            <a:spLocks noGrp="1"/>
+          </p:cNvSpPr>
+          <p:nvPr>
+            <p:ph type="body" sz="half" idx="1"/>
+          </p:nvPr>
+        </p:nvSpPr>
+        <p:spPr>
+          <a:xfrm>
+            <a:off x="142865" y="992886"/>
+            <a:ext cx="8865056" cy="3944634"/>
+          </a:xfrm>
+        </p:spPr>
+        <p:txBody>
+          <a:bodyPr>
+            <a:noAutofit/>
+          </a:bodyPr>
+          <a:lstStyle/>
+          <a:p>
+            <a:pPr marL="0" indent="0" algn="just">
+              <a:buNone/>
+            </a:pPr>
+            <a:r>
+              <a:rPr lang="pt-BR" sz="2000" dirty="0">
+                <a:latin typeface="Times New Roman" panose="02020603050405020304" pitchFamily="18" charset="0"/>
+                <a:cs typeface="Times New Roman" panose="02020603050405020304" pitchFamily="18" charset="0"/>
+              </a:rPr>
+              <a:t>O </a:t>
+            </a:r>
+            <a:r>
+              <a:rPr lang="pt-BR" sz="2000" b="1" dirty="0">
+                <a:solidFill>
+                  <a:srgbClr val="FF0000"/>
+                </a:solidFill>
+                <a:latin typeface="Times New Roman" panose="02020603050405020304" pitchFamily="18" charset="0"/>
+                <a:cs typeface="Times New Roman" panose="02020603050405020304" pitchFamily="18" charset="0"/>
+              </a:rPr>
+              <a:t>WiFi</a:t>
+            </a:r>
+            <a:r>
+              <a:rPr lang="pt-BR" sz="2000" dirty="0">
+                <a:latin typeface="Times New Roman" panose="02020603050405020304" pitchFamily="18" charset="0"/>
+                <a:cs typeface="Times New Roman" panose="02020603050405020304" pitchFamily="18" charset="0"/>
+              </a:rPr>
+              <a:t> usa a topologia de rede em estrela e o ponto de acesso pode ser usado como um gateway para a Internet. </a:t>
+            </a:r>
+          </a:p>
+          <a:p>
+            <a:pPr marL="0" indent="0" algn="just">
+              <a:buNone/>
+            </a:pPr>
+            <a:endParaRPr lang="pt-BR" sz="2000" dirty="0">
+              <a:latin typeface="Times New Roman" panose="02020603050405020304" pitchFamily="18" charset="0"/>
+              <a:cs typeface="Times New Roman" panose="02020603050405020304" pitchFamily="18" charset="0"/>
+            </a:endParaRPr>
+          </a:p>
+          <a:p>
+            <a:pPr marL="0" indent="0" algn="just">
+              <a:buNone/>
+            </a:pPr>
+            <a:r>
+              <a:rPr lang="pt-BR" sz="2000" dirty="0">
+                <a:latin typeface="Times New Roman" panose="02020603050405020304" pitchFamily="18" charset="0"/>
+                <a:cs typeface="Times New Roman" panose="02020603050405020304" pitchFamily="18" charset="0"/>
+              </a:rPr>
+              <a:t>Cada ponto de acesso pode se conectar a um máximo de 250 dispositivos, e a maioria das soluções disponíveis comercialmente suportam até 50 dispositivos. </a:t>
+            </a:r>
+          </a:p>
+          <a:p>
+            <a:pPr marL="0" indent="0" algn="just">
+              <a:buNone/>
+            </a:pPr>
+            <a:endParaRPr lang="pt-BR" sz="2000" dirty="0">
+              <a:latin typeface="Times New Roman" panose="02020603050405020304" pitchFamily="18" charset="0"/>
+              <a:cs typeface="Times New Roman" panose="02020603050405020304" pitchFamily="18" charset="0"/>
+            </a:endParaRPr>
+          </a:p>
+          <a:p>
+            <a:pPr marL="0" indent="0" algn="just">
+              <a:buNone/>
+            </a:pPr>
+            <a:r>
+              <a:rPr lang="pt-BR" sz="2000" dirty="0">
+                <a:latin typeface="Times New Roman" panose="02020603050405020304" pitchFamily="18" charset="0"/>
+                <a:cs typeface="Times New Roman" panose="02020603050405020304" pitchFamily="18" charset="0"/>
+              </a:rPr>
+              <a:t>O 802.11-b/g/n opera em 2,4 GHZ e fornece taxa de dados de 150-200 Mbps no ambiente doméstico ou no escritório, normalmente em uma faixa de 50 metros. </a:t>
+            </a:r>
+          </a:p>
+          <a:p>
+            <a:pPr marL="0" indent="0" algn="just">
+              <a:buNone/>
+            </a:pPr>
+            <a:endParaRPr lang="pt-BR" sz="2000" dirty="0">
+              <a:latin typeface="Times New Roman" panose="02020603050405020304" pitchFamily="18" charset="0"/>
+              <a:cs typeface="Times New Roman" panose="02020603050405020304" pitchFamily="18" charset="0"/>
+            </a:endParaRPr>
+          </a:p>
+          <a:p>
+            <a:pPr marL="0" indent="0" algn="just">
+              <a:buNone/>
+            </a:pPr>
+            <a:r>
+              <a:rPr lang="pt-BR" sz="2000" dirty="0">
+                <a:latin typeface="Times New Roman" panose="02020603050405020304" pitchFamily="18" charset="0"/>
+                <a:cs typeface="Times New Roman" panose="02020603050405020304" pitchFamily="18" charset="0"/>
+              </a:rPr>
+              <a:t>O padrão 802.11-ac mais recente funciona em 5 GHz e fornece uma taxa de dados de 500 Mbps-1 Gbps.</a:t>
+            </a:r>
+          </a:p>
+          <a:p>
+            <a:pPr marL="0" indent="0" algn="just">
+              <a:buNone/>
+            </a:pPr>
+            <a:endParaRPr lang="pt-BR" sz="2000" dirty="0">
+              <a:solidFill>
+                <a:schemeClr val="tx1"/>
+              </a:solidFill>
+              <a:latin typeface="Times New Roman" panose="02020603050405020304" pitchFamily="18" charset="0"/>
+              <a:cs typeface="Times New Roman" panose="02020603050405020304" pitchFamily="18" charset="0"/>
+            </a:endParaRPr>
+          </a:p>
+        </p:txBody>
+      </p:sp>
+    </p:spTree>
+    <p:extLst>
+      <p:ext uri="{BB962C8B-B14F-4D97-AF65-F5344CB8AC3E}">
+        <p14:creationId xmlns:p14="http://schemas.microsoft.com/office/powerpoint/2010/main" val="1308765178"/>
+      </p:ext>
+    </p:extLst>
+  </p:cSld>
+  <p:clrMapOvr>
+    <a:masterClrMapping/>
+  </p:clrMapOvr>
+  <p:transition spd="med"/>
+</p:sld>
+</file>
+
+<file path=ppt/slides/slide27.xml><?xml version="1.0" encoding="utf-8"?>
+<p:sld xmlns:a="http://schemas.openxmlformats.org/drawingml/2006/main" xmlns:r="http://schemas.openxmlformats.org/officeDocument/2006/relationships" xmlns:p="http://schemas.openxmlformats.org/presentationml/2006/main">
+  <p:cSld>
+    <p:spTree>
+      <p:nvGrpSpPr>
+        <p:cNvPr id="1" name=""/>
+        <p:cNvGrpSpPr/>
+        <p:nvPr/>
+      </p:nvGrpSpPr>
+      <p:grpSpPr>
+        <a:xfrm>
+          <a:off x="0" y="0"/>
+          <a:ext cx="0" cy="0"/>
+          <a:chOff x="0" y="0"/>
+          <a:chExt cx="0" cy="0"/>
+        </a:xfrm>
+      </p:grpSpPr>
+      <p:sp>
+        <p:nvSpPr>
+          <p:cNvPr id="6" name="Title 1"/>
+          <p:cNvSpPr>
+            <a:spLocks noGrp="1"/>
+          </p:cNvSpPr>
+          <p:nvPr>
+            <p:ph type="title"/>
+          </p:nvPr>
+        </p:nvSpPr>
+        <p:spPr>
+          <a:xfrm>
+            <a:off x="457200" y="205980"/>
+            <a:ext cx="8229600" cy="857251"/>
+          </a:xfrm>
+        </p:spPr>
+        <p:txBody>
+          <a:bodyPr>
+            <a:normAutofit/>
+          </a:bodyPr>
+          <a:lstStyle/>
+          <a:p>
+            <a:r>
+              <a:rPr lang="pt-BR" b="1" dirty="0">
+                <a:solidFill>
+                  <a:srgbClr val="0070C0"/>
+                </a:solidFill>
+              </a:rPr>
+              <a:t>Protocolos de Rede para IOT</a:t>
+            </a:r>
+            <a:endParaRPr lang="en-US" b="1" dirty="0">
+              <a:solidFill>
+                <a:srgbClr val="0070C0"/>
+              </a:solidFill>
+            </a:endParaRPr>
+          </a:p>
+        </p:txBody>
+      </p:sp>
+      <p:sp>
+        <p:nvSpPr>
+          <p:cNvPr id="8" name="Text Placeholder 2"/>
+          <p:cNvSpPr>
+            <a:spLocks noGrp="1"/>
+          </p:cNvSpPr>
+          <p:nvPr>
+            <p:ph type="body" sz="half" idx="1"/>
+          </p:nvPr>
+        </p:nvSpPr>
+        <p:spPr>
+          <a:xfrm>
+            <a:off x="139472" y="998836"/>
+            <a:ext cx="8865056" cy="3737370"/>
+          </a:xfrm>
+        </p:spPr>
+        <p:txBody>
+          <a:bodyPr>
+            <a:noAutofit/>
+          </a:bodyPr>
+          <a:lstStyle/>
+          <a:p>
+            <a:pPr marL="0" indent="0" algn="just">
+              <a:buNone/>
+            </a:pPr>
+            <a:r>
+              <a:rPr lang="pt-BR" sz="2000" dirty="0">
+                <a:latin typeface="Times New Roman" panose="02020603050405020304" pitchFamily="18" charset="0"/>
+                <a:cs typeface="Times New Roman" panose="02020603050405020304" pitchFamily="18" charset="0"/>
+              </a:rPr>
+              <a:t>Pilha do </a:t>
+            </a:r>
+            <a:r>
+              <a:rPr lang="pt-BR" sz="2000" b="1" dirty="0">
+                <a:solidFill>
+                  <a:srgbClr val="FF0000"/>
+                </a:solidFill>
+                <a:latin typeface="Times New Roman" panose="02020603050405020304" pitchFamily="18" charset="0"/>
+                <a:cs typeface="Times New Roman" panose="02020603050405020304" pitchFamily="18" charset="0"/>
+              </a:rPr>
+              <a:t>protocolo de rede </a:t>
+            </a:r>
+            <a:r>
+              <a:rPr lang="pt-BR" sz="2000" b="1" dirty="0" err="1">
+                <a:solidFill>
+                  <a:srgbClr val="FF0000"/>
+                </a:solidFill>
+                <a:latin typeface="Times New Roman" panose="02020603050405020304" pitchFamily="18" charset="0"/>
+                <a:cs typeface="Times New Roman" panose="02020603050405020304" pitchFamily="18" charset="0"/>
+              </a:rPr>
+              <a:t>IoT</a:t>
+            </a:r>
+            <a:r>
+              <a:rPr lang="pt-BR" sz="2000" dirty="0">
+                <a:latin typeface="Times New Roman" panose="02020603050405020304" pitchFamily="18" charset="0"/>
+                <a:cs typeface="Times New Roman" panose="02020603050405020304" pitchFamily="18" charset="0"/>
+              </a:rPr>
+              <a:t>:</a:t>
+            </a:r>
+          </a:p>
+          <a:p>
+            <a:pPr marL="0" indent="0" algn="just">
+              <a:buNone/>
+            </a:pPr>
+            <a:endParaRPr lang="pt-BR" sz="2000" b="1" dirty="0">
+              <a:latin typeface="Times New Roman" panose="02020603050405020304" pitchFamily="18" charset="0"/>
+              <a:cs typeface="Times New Roman" panose="02020603050405020304" pitchFamily="18" charset="0"/>
+            </a:endParaRPr>
+          </a:p>
+          <a:p>
+            <a:pPr marL="0" indent="0" algn="just">
+              <a:buNone/>
+            </a:pPr>
+            <a:endParaRPr lang="pt-BR" sz="2000" b="1" dirty="0">
+              <a:latin typeface="Times New Roman" panose="02020603050405020304" pitchFamily="18" charset="0"/>
+              <a:cs typeface="Times New Roman" panose="02020603050405020304" pitchFamily="18" charset="0"/>
+            </a:endParaRPr>
+          </a:p>
+          <a:p>
+            <a:pPr marL="0" indent="0" algn="just">
+              <a:buNone/>
+            </a:pPr>
+            <a:endParaRPr lang="pt-BR" sz="2000" b="1" dirty="0">
+              <a:latin typeface="Times New Roman" panose="02020603050405020304" pitchFamily="18" charset="0"/>
+              <a:cs typeface="Times New Roman" panose="02020603050405020304" pitchFamily="18" charset="0"/>
+            </a:endParaRPr>
+          </a:p>
+          <a:p>
+            <a:pPr marL="0" indent="0" algn="just">
+              <a:buNone/>
+            </a:pPr>
+            <a:endParaRPr lang="pt-BR" sz="2000" b="1" dirty="0">
+              <a:latin typeface="Times New Roman" panose="02020603050405020304" pitchFamily="18" charset="0"/>
+              <a:cs typeface="Times New Roman" panose="02020603050405020304" pitchFamily="18" charset="0"/>
+            </a:endParaRPr>
+          </a:p>
+          <a:p>
+            <a:pPr marL="0" indent="0" algn="just">
+              <a:buNone/>
+            </a:pPr>
+            <a:endParaRPr lang="pt-BR" sz="2000" b="1" dirty="0">
+              <a:latin typeface="Times New Roman" panose="02020603050405020304" pitchFamily="18" charset="0"/>
+              <a:cs typeface="Times New Roman" panose="02020603050405020304" pitchFamily="18" charset="0"/>
+            </a:endParaRPr>
+          </a:p>
+          <a:p>
+            <a:pPr marL="0" indent="0" algn="just">
+              <a:buNone/>
+            </a:pPr>
+            <a:endParaRPr lang="pt-BR" sz="2000" b="1" dirty="0">
+              <a:latin typeface="Times New Roman" panose="02020603050405020304" pitchFamily="18" charset="0"/>
+              <a:cs typeface="Times New Roman" panose="02020603050405020304" pitchFamily="18" charset="0"/>
+            </a:endParaRPr>
+          </a:p>
+          <a:p>
+            <a:pPr marL="0" indent="0" algn="just">
+              <a:buNone/>
+            </a:pPr>
+            <a:endParaRPr lang="pt-BR" sz="2000" dirty="0">
+              <a:solidFill>
+                <a:schemeClr val="tx1"/>
+              </a:solidFill>
+              <a:latin typeface="Times New Roman" panose="02020603050405020304" pitchFamily="18" charset="0"/>
+              <a:cs typeface="Times New Roman" panose="02020603050405020304" pitchFamily="18" charset="0"/>
+            </a:endParaRPr>
+          </a:p>
+        </p:txBody>
+      </p:sp>
+      <p:pic>
+        <p:nvPicPr>
+          <p:cNvPr id="3" name="Imagem 2">
+            <a:extLst>
+              <a:ext uri="{FF2B5EF4-FFF2-40B4-BE49-F238E27FC236}">
+                <a16:creationId xmlns:a16="http://schemas.microsoft.com/office/drawing/2014/main" id="{509319AC-61B2-5A18-BDEC-D79F1E6726DD}"/>
+              </a:ext>
+            </a:extLst>
+          </p:cNvPr>
+          <p:cNvPicPr>
+            <a:picLocks noChangeAspect="1"/>
+          </p:cNvPicPr>
+          <p:nvPr/>
+        </p:nvPicPr>
+        <p:blipFill>
+          <a:blip r:embed="rId3"/>
+          <a:stretch>
+            <a:fillRect/>
+          </a:stretch>
+        </p:blipFill>
+        <p:spPr>
+          <a:xfrm>
+            <a:off x="198615" y="1472551"/>
+            <a:ext cx="6446884" cy="3517574"/>
+          </a:xfrm>
+          <a:prstGeom prst="rect">
+            <a:avLst/>
+          </a:prstGeom>
+        </p:spPr>
+      </p:pic>
+    </p:spTree>
+    <p:extLst>
+      <p:ext uri="{BB962C8B-B14F-4D97-AF65-F5344CB8AC3E}">
+        <p14:creationId xmlns:p14="http://schemas.microsoft.com/office/powerpoint/2010/main" val="1509305647"/>
+      </p:ext>
+    </p:extLst>
+  </p:cSld>
+  <p:clrMapOvr>
+    <a:masterClrMapping/>
+  </p:clrMapOvr>
+  <p:transition spd="med"/>
+</p:sld>
+</file>
+
+<file path=ppt/slides/slide28.xml><?xml version="1.0" encoding="utf-8"?>
+<p:sld xmlns:a="http://schemas.openxmlformats.org/drawingml/2006/main" xmlns:r="http://schemas.openxmlformats.org/officeDocument/2006/relationships" xmlns:p="http://schemas.openxmlformats.org/presentationml/2006/main">
+  <p:cSld>
+    <p:spTree>
+      <p:nvGrpSpPr>
+        <p:cNvPr id="1" name=""/>
+        <p:cNvGrpSpPr/>
+        <p:nvPr/>
+      </p:nvGrpSpPr>
+      <p:grpSpPr>
+        <a:xfrm>
+          <a:off x="0" y="0"/>
+          <a:ext cx="0" cy="0"/>
+          <a:chOff x="0" y="0"/>
+          <a:chExt cx="0" cy="0"/>
+        </a:xfrm>
+      </p:grpSpPr>
+      <p:sp>
+        <p:nvSpPr>
+          <p:cNvPr id="6" name="Title 1"/>
+          <p:cNvSpPr>
+            <a:spLocks noGrp="1"/>
+          </p:cNvSpPr>
+          <p:nvPr>
+            <p:ph type="title"/>
+          </p:nvPr>
+        </p:nvSpPr>
+        <p:spPr>
+          <a:xfrm>
+            <a:off x="457200" y="205980"/>
+            <a:ext cx="8229600" cy="857251"/>
+          </a:xfrm>
+        </p:spPr>
+        <p:txBody>
+          <a:bodyPr>
+            <a:normAutofit/>
+          </a:bodyPr>
+          <a:lstStyle/>
+          <a:p>
+            <a:r>
+              <a:rPr lang="pt-BR" b="1" dirty="0">
+                <a:solidFill>
+                  <a:srgbClr val="0070C0"/>
+                </a:solidFill>
+              </a:rPr>
+              <a:t>Exemplos de IOT</a:t>
+            </a:r>
+            <a:endParaRPr lang="en-US" b="1" dirty="0">
+              <a:solidFill>
+                <a:srgbClr val="0070C0"/>
+              </a:solidFill>
+            </a:endParaRPr>
+          </a:p>
+        </p:txBody>
+      </p:sp>
+      <p:sp>
+        <p:nvSpPr>
+          <p:cNvPr id="8" name="Text Placeholder 2"/>
+          <p:cNvSpPr>
+            <a:spLocks noGrp="1"/>
+          </p:cNvSpPr>
+          <p:nvPr>
+            <p:ph type="body" sz="half" idx="1"/>
+          </p:nvPr>
+        </p:nvSpPr>
+        <p:spPr>
+          <a:xfrm>
+            <a:off x="139472" y="998836"/>
+            <a:ext cx="8865056" cy="3737370"/>
+          </a:xfrm>
+        </p:spPr>
+        <p:txBody>
+          <a:bodyPr>
+            <a:noAutofit/>
+          </a:bodyPr>
+          <a:lstStyle/>
+          <a:p>
+            <a:pPr algn="just">
+              <a:buFont typeface="Wingdings" panose="05000000000000000000" pitchFamily="2" charset="2"/>
+              <a:buChar char="§"/>
+            </a:pPr>
+            <a:r>
+              <a:rPr lang="pt-BR" sz="2000" b="1" dirty="0" err="1">
+                <a:latin typeface="Times New Roman" panose="02020603050405020304" pitchFamily="18" charset="0"/>
+                <a:cs typeface="Times New Roman" panose="02020603050405020304" pitchFamily="18" charset="0"/>
+              </a:rPr>
+              <a:t>Wearable</a:t>
+            </a:r>
+            <a:r>
+              <a:rPr lang="pt-BR" sz="2000" dirty="0">
+                <a:latin typeface="Times New Roman" panose="02020603050405020304" pitchFamily="18" charset="0"/>
+                <a:cs typeface="Times New Roman" panose="02020603050405020304" pitchFamily="18" charset="0"/>
+              </a:rPr>
+              <a:t> (Aparelhos “vestíveis” são acessórios inteligentes no corpo, como os relógios </a:t>
+            </a:r>
+            <a:r>
+              <a:rPr lang="pt-BR" sz="2000" dirty="0" err="1">
+                <a:latin typeface="Times New Roman" panose="02020603050405020304" pitchFamily="18" charset="0"/>
+                <a:cs typeface="Times New Roman" panose="02020603050405020304" pitchFamily="18" charset="0"/>
+              </a:rPr>
+              <a:t>smart</a:t>
+            </a:r>
+            <a:r>
+              <a:rPr lang="pt-BR" sz="2000" dirty="0">
+                <a:latin typeface="Times New Roman" panose="02020603050405020304" pitchFamily="18" charset="0"/>
+                <a:cs typeface="Times New Roman" panose="02020603050405020304" pitchFamily="18" charset="0"/>
+              </a:rPr>
+              <a:t> (Apple </a:t>
+            </a:r>
+            <a:r>
+              <a:rPr lang="pt-BR" sz="2000" dirty="0" err="1">
+                <a:latin typeface="Times New Roman" panose="02020603050405020304" pitchFamily="18" charset="0"/>
+                <a:cs typeface="Times New Roman" panose="02020603050405020304" pitchFamily="18" charset="0"/>
+              </a:rPr>
+              <a:t>Watch</a:t>
+            </a:r>
+            <a:r>
+              <a:rPr lang="pt-BR" sz="2000" dirty="0">
+                <a:latin typeface="Times New Roman" panose="02020603050405020304" pitchFamily="18" charset="0"/>
+                <a:cs typeface="Times New Roman" panose="02020603050405020304" pitchFamily="18" charset="0"/>
+              </a:rPr>
+              <a:t> e Samsung Galaxy </a:t>
+            </a:r>
+            <a:r>
+              <a:rPr lang="pt-BR" sz="2000" dirty="0" err="1">
+                <a:latin typeface="Times New Roman" panose="02020603050405020304" pitchFamily="18" charset="0"/>
+                <a:cs typeface="Times New Roman" panose="02020603050405020304" pitchFamily="18" charset="0"/>
+              </a:rPr>
+              <a:t>Watch</a:t>
+            </a:r>
+            <a:r>
+              <a:rPr lang="pt-BR" sz="2000" dirty="0">
+                <a:latin typeface="Times New Roman" panose="02020603050405020304" pitchFamily="18" charset="0"/>
+                <a:cs typeface="Times New Roman" panose="02020603050405020304" pitchFamily="18" charset="0"/>
+              </a:rPr>
+              <a:t>) e fones de ouvido.</a:t>
+            </a:r>
+          </a:p>
+          <a:p>
+            <a:pPr algn="just">
+              <a:buFont typeface="Wingdings" panose="05000000000000000000" pitchFamily="2" charset="2"/>
+              <a:buChar char="§"/>
+            </a:pPr>
+            <a:r>
+              <a:rPr lang="pt-BR" sz="2000" b="1" dirty="0">
+                <a:latin typeface="Times New Roman" panose="02020603050405020304" pitchFamily="18" charset="0"/>
+                <a:cs typeface="Times New Roman" panose="02020603050405020304" pitchFamily="18" charset="0"/>
+              </a:rPr>
+              <a:t>Casa Inteligente</a:t>
+            </a:r>
+            <a:r>
+              <a:rPr lang="pt-BR" sz="2000" dirty="0">
+                <a:latin typeface="Times New Roman" panose="02020603050405020304" pitchFamily="18" charset="0"/>
+                <a:cs typeface="Times New Roman" panose="02020603050405020304" pitchFamily="18" charset="0"/>
+              </a:rPr>
+              <a:t> (</a:t>
+            </a:r>
+            <a:r>
+              <a:rPr lang="pt-BR" sz="2000" dirty="0" err="1">
+                <a:latin typeface="Times New Roman" panose="02020603050405020304" pitchFamily="18" charset="0"/>
+                <a:cs typeface="Times New Roman" panose="02020603050405020304" pitchFamily="18" charset="0"/>
+              </a:rPr>
+              <a:t>Smart</a:t>
+            </a:r>
+            <a:r>
+              <a:rPr lang="pt-BR" sz="2000" dirty="0">
+                <a:latin typeface="Times New Roman" panose="02020603050405020304" pitchFamily="18" charset="0"/>
+                <a:cs typeface="Times New Roman" panose="02020603050405020304" pitchFamily="18" charset="0"/>
+              </a:rPr>
+              <a:t> Tvs; geladeiras, fechaduras, iluminação, </a:t>
+            </a:r>
+            <a:r>
+              <a:rPr lang="pt-BR" sz="2000" dirty="0" err="1">
+                <a:latin typeface="Times New Roman" panose="02020603050405020304" pitchFamily="18" charset="0"/>
+                <a:cs typeface="Times New Roman" panose="02020603050405020304" pitchFamily="18" charset="0"/>
+              </a:rPr>
+              <a:t>etc</a:t>
+            </a:r>
+            <a:r>
+              <a:rPr lang="pt-BR" sz="2000" dirty="0">
+                <a:latin typeface="Times New Roman" panose="02020603050405020304" pitchFamily="18" charset="0"/>
+                <a:cs typeface="Times New Roman" panose="02020603050405020304" pitchFamily="18" charset="0"/>
+              </a:rPr>
+              <a:t>)</a:t>
+            </a:r>
+          </a:p>
+          <a:p>
+            <a:pPr algn="just">
+              <a:buFont typeface="Wingdings" panose="05000000000000000000" pitchFamily="2" charset="2"/>
+              <a:buChar char="§"/>
+            </a:pPr>
+            <a:r>
+              <a:rPr lang="pt-BR" sz="2000" b="1" dirty="0">
+                <a:latin typeface="Times New Roman" panose="02020603050405020304" pitchFamily="18" charset="0"/>
+                <a:cs typeface="Times New Roman" panose="02020603050405020304" pitchFamily="18" charset="0"/>
+              </a:rPr>
+              <a:t>Saúde</a:t>
+            </a:r>
+            <a:r>
+              <a:rPr lang="pt-BR" sz="2000" dirty="0">
+                <a:latin typeface="Times New Roman" panose="02020603050405020304" pitchFamily="18" charset="0"/>
+                <a:cs typeface="Times New Roman" panose="02020603050405020304" pitchFamily="18" charset="0"/>
+              </a:rPr>
+              <a:t> (prontuário do paciente, registrando mudanças no estado clínico)</a:t>
+            </a:r>
+          </a:p>
+          <a:p>
+            <a:pPr algn="just">
+              <a:buFont typeface="Wingdings" panose="05000000000000000000" pitchFamily="2" charset="2"/>
+              <a:buChar char="§"/>
+            </a:pPr>
+            <a:r>
+              <a:rPr lang="pt-BR" sz="2000" b="1" dirty="0">
+                <a:latin typeface="Times New Roman" panose="02020603050405020304" pitchFamily="18" charset="0"/>
+                <a:cs typeface="Times New Roman" panose="02020603050405020304" pitchFamily="18" charset="0"/>
+              </a:rPr>
+              <a:t>Cidades Inteligentes</a:t>
+            </a:r>
+            <a:r>
+              <a:rPr lang="pt-BR" sz="2000" dirty="0">
+                <a:latin typeface="Times New Roman" panose="02020603050405020304" pitchFamily="18" charset="0"/>
+                <a:cs typeface="Times New Roman" panose="02020603050405020304" pitchFamily="18" charset="0"/>
+              </a:rPr>
+              <a:t> (trânsito, ruído, crime, poluição, </a:t>
+            </a:r>
+            <a:r>
+              <a:rPr lang="pt-BR" sz="2000" dirty="0" err="1">
+                <a:latin typeface="Times New Roman" panose="02020603050405020304" pitchFamily="18" charset="0"/>
+                <a:cs typeface="Times New Roman" panose="02020603050405020304" pitchFamily="18" charset="0"/>
+              </a:rPr>
+              <a:t>etc</a:t>
+            </a:r>
+            <a:r>
+              <a:rPr lang="pt-BR" sz="2000" dirty="0">
+                <a:latin typeface="Times New Roman" panose="02020603050405020304" pitchFamily="18" charset="0"/>
+                <a:cs typeface="Times New Roman" panose="02020603050405020304" pitchFamily="18" charset="0"/>
+              </a:rPr>
+              <a:t>)</a:t>
+            </a:r>
+          </a:p>
+          <a:p>
+            <a:pPr algn="just">
+              <a:buFont typeface="Wingdings" panose="05000000000000000000" pitchFamily="2" charset="2"/>
+              <a:buChar char="§"/>
+            </a:pPr>
+            <a:r>
+              <a:rPr lang="pt-BR" sz="2000" b="1" dirty="0">
+                <a:latin typeface="Times New Roman" panose="02020603050405020304" pitchFamily="18" charset="0"/>
+                <a:cs typeface="Times New Roman" panose="02020603050405020304" pitchFamily="18" charset="0"/>
+              </a:rPr>
+              <a:t>Carro conectado</a:t>
+            </a:r>
+            <a:r>
+              <a:rPr lang="pt-BR" sz="2000" dirty="0">
+                <a:latin typeface="Times New Roman" panose="02020603050405020304" pitchFamily="18" charset="0"/>
+                <a:cs typeface="Times New Roman" panose="02020603050405020304" pitchFamily="18" charset="0"/>
+              </a:rPr>
+              <a:t> (reconhece motorista, abre portas, partida com botão, </a:t>
+            </a:r>
+            <a:r>
+              <a:rPr lang="pt-BR" sz="2000" dirty="0" err="1">
+                <a:latin typeface="Times New Roman" panose="02020603050405020304" pitchFamily="18" charset="0"/>
+                <a:cs typeface="Times New Roman" panose="02020603050405020304" pitchFamily="18" charset="0"/>
+              </a:rPr>
+              <a:t>etc</a:t>
+            </a:r>
+            <a:r>
+              <a:rPr lang="pt-BR" sz="2000" dirty="0">
+                <a:latin typeface="Times New Roman" panose="02020603050405020304" pitchFamily="18" charset="0"/>
+                <a:cs typeface="Times New Roman" panose="02020603050405020304" pitchFamily="18" charset="0"/>
+              </a:rPr>
+              <a:t>)</a:t>
+            </a:r>
+          </a:p>
+          <a:p>
+            <a:pPr algn="just">
+              <a:buFont typeface="Wingdings" panose="05000000000000000000" pitchFamily="2" charset="2"/>
+              <a:buChar char="§"/>
+            </a:pPr>
+            <a:r>
+              <a:rPr lang="pt-BR" sz="2000" b="1" dirty="0">
+                <a:latin typeface="Times New Roman" panose="02020603050405020304" pitchFamily="18" charset="0"/>
+                <a:cs typeface="Times New Roman" panose="02020603050405020304" pitchFamily="18" charset="0"/>
+              </a:rPr>
+              <a:t>Agricultura</a:t>
+            </a:r>
+            <a:r>
+              <a:rPr lang="pt-BR" sz="2000" dirty="0">
+                <a:latin typeface="Times New Roman" panose="02020603050405020304" pitchFamily="18" charset="0"/>
+                <a:cs typeface="Times New Roman" panose="02020603050405020304" pitchFamily="18" charset="0"/>
+              </a:rPr>
+              <a:t> (monitoramento da temperatura, sistema de irrigação, </a:t>
+            </a:r>
+            <a:r>
+              <a:rPr lang="pt-BR" sz="2000" dirty="0" err="1">
+                <a:latin typeface="Times New Roman" panose="02020603050405020304" pitchFamily="18" charset="0"/>
+                <a:cs typeface="Times New Roman" panose="02020603050405020304" pitchFamily="18" charset="0"/>
+              </a:rPr>
+              <a:t>etc</a:t>
+            </a:r>
+            <a:r>
+              <a:rPr lang="pt-BR" sz="2000" dirty="0">
+                <a:latin typeface="Times New Roman" panose="02020603050405020304" pitchFamily="18" charset="0"/>
+                <a:cs typeface="Times New Roman" panose="02020603050405020304" pitchFamily="18" charset="0"/>
+              </a:rPr>
+              <a:t>)</a:t>
+            </a:r>
+          </a:p>
+          <a:p>
+            <a:pPr algn="just">
+              <a:buFont typeface="Wingdings" panose="05000000000000000000" pitchFamily="2" charset="2"/>
+              <a:buChar char="§"/>
+            </a:pPr>
+            <a:r>
+              <a:rPr lang="pt-BR" sz="2000" b="1" dirty="0">
+                <a:latin typeface="Times New Roman" panose="02020603050405020304" pitchFamily="18" charset="0"/>
+                <a:cs typeface="Times New Roman" panose="02020603050405020304" pitchFamily="18" charset="0"/>
+              </a:rPr>
+              <a:t>Telemedicina</a:t>
+            </a:r>
+            <a:r>
+              <a:rPr lang="pt-BR" sz="2000" dirty="0">
+                <a:latin typeface="Times New Roman" panose="02020603050405020304" pitchFamily="18" charset="0"/>
+                <a:cs typeface="Times New Roman" panose="02020603050405020304" pitchFamily="18" charset="0"/>
+              </a:rPr>
+              <a:t> (</a:t>
+            </a:r>
+            <a:r>
+              <a:rPr lang="pt-BR" sz="2000" dirty="0" err="1">
+                <a:latin typeface="Times New Roman" panose="02020603050405020304" pitchFamily="18" charset="0"/>
+                <a:cs typeface="Times New Roman" panose="02020603050405020304" pitchFamily="18" charset="0"/>
+              </a:rPr>
+              <a:t>IoT</a:t>
+            </a:r>
+            <a:r>
+              <a:rPr lang="pt-BR" sz="2000" dirty="0">
+                <a:latin typeface="Times New Roman" panose="02020603050405020304" pitchFamily="18" charset="0"/>
+                <a:cs typeface="Times New Roman" panose="02020603050405020304" pitchFamily="18" charset="0"/>
+              </a:rPr>
+              <a:t> e IA, monitoramento e acompanhamento médico)</a:t>
+            </a:r>
+          </a:p>
+          <a:p>
+            <a:pPr algn="just">
+              <a:buFont typeface="Wingdings" panose="05000000000000000000" pitchFamily="2" charset="2"/>
+              <a:buChar char="§"/>
+            </a:pPr>
+            <a:r>
+              <a:rPr lang="pt-BR" sz="2000" b="1" dirty="0" err="1">
+                <a:latin typeface="Times New Roman" panose="02020603050405020304" pitchFamily="18" charset="0"/>
+                <a:cs typeface="Times New Roman" panose="02020603050405020304" pitchFamily="18" charset="0"/>
+              </a:rPr>
+              <a:t>Smart</a:t>
+            </a:r>
+            <a:r>
+              <a:rPr lang="pt-BR" sz="2000" b="1" dirty="0">
+                <a:latin typeface="Times New Roman" panose="02020603050405020304" pitchFamily="18" charset="0"/>
+                <a:cs typeface="Times New Roman" panose="02020603050405020304" pitchFamily="18" charset="0"/>
+              </a:rPr>
+              <a:t> </a:t>
+            </a:r>
+            <a:r>
+              <a:rPr lang="pt-BR" sz="2000" b="1" dirty="0" err="1">
+                <a:latin typeface="Times New Roman" panose="02020603050405020304" pitchFamily="18" charset="0"/>
+                <a:cs typeface="Times New Roman" panose="02020603050405020304" pitchFamily="18" charset="0"/>
+              </a:rPr>
+              <a:t>Factory</a:t>
+            </a:r>
+            <a:r>
+              <a:rPr lang="pt-BR" sz="2000" dirty="0">
+                <a:latin typeface="Times New Roman" panose="02020603050405020304" pitchFamily="18" charset="0"/>
+                <a:cs typeface="Times New Roman" panose="02020603050405020304" pitchFamily="18" charset="0"/>
+              </a:rPr>
+              <a:t> (automação nas indústrias)</a:t>
+            </a:r>
+          </a:p>
+          <a:p>
+            <a:pPr algn="just">
+              <a:buFont typeface="Wingdings" panose="05000000000000000000" pitchFamily="2" charset="2"/>
+              <a:buChar char="§"/>
+            </a:pPr>
+            <a:endParaRPr lang="pt-BR" sz="2000" dirty="0">
+              <a:latin typeface="Times New Roman" panose="02020603050405020304" pitchFamily="18" charset="0"/>
+              <a:cs typeface="Times New Roman" panose="02020603050405020304" pitchFamily="18" charset="0"/>
+            </a:endParaRPr>
+          </a:p>
+          <a:p>
+            <a:pPr algn="just">
+              <a:buFont typeface="Wingdings" panose="05000000000000000000" pitchFamily="2" charset="2"/>
+              <a:buChar char="§"/>
+            </a:pPr>
+            <a:endParaRPr lang="pt-BR" sz="2000" dirty="0">
+              <a:solidFill>
+                <a:schemeClr val="tx1"/>
+              </a:solidFill>
+              <a:latin typeface="Times New Roman" panose="02020603050405020304" pitchFamily="18" charset="0"/>
+              <a:cs typeface="Times New Roman" panose="02020603050405020304" pitchFamily="18" charset="0"/>
+            </a:endParaRPr>
+          </a:p>
+        </p:txBody>
+      </p:sp>
+    </p:spTree>
+    <p:extLst>
+      <p:ext uri="{BB962C8B-B14F-4D97-AF65-F5344CB8AC3E}">
+        <p14:creationId xmlns:p14="http://schemas.microsoft.com/office/powerpoint/2010/main" val="4069224352"/>
+      </p:ext>
+    </p:extLst>
+  </p:cSld>
+  <p:clrMapOvr>
+    <a:masterClrMapping/>
+  </p:clrMapOvr>
+  <p:transition spd="med"/>
+</p:sld>
+</file>
+
+<file path=ppt/slides/slide29.xml><?xml version="1.0" encoding="utf-8"?>
+<p:sld xmlns:a="http://schemas.openxmlformats.org/drawingml/2006/main" xmlns:r="http://schemas.openxmlformats.org/officeDocument/2006/relationships" xmlns:p="http://schemas.openxmlformats.org/presentationml/2006/main">
+  <p:cSld>
+    <p:spTree>
+      <p:nvGrpSpPr>
+        <p:cNvPr id="1" name=""/>
+        <p:cNvGrpSpPr/>
+        <p:nvPr/>
+      </p:nvGrpSpPr>
+      <p:grpSpPr>
+        <a:xfrm>
+          <a:off x="0" y="0"/>
+          <a:ext cx="0" cy="0"/>
+          <a:chOff x="0" y="0"/>
+          <a:chExt cx="0" cy="0"/>
+        </a:xfrm>
+      </p:grpSpPr>
+      <p:sp>
+        <p:nvSpPr>
+          <p:cNvPr id="6" name="Title 1"/>
+          <p:cNvSpPr>
+            <a:spLocks noGrp="1"/>
+          </p:cNvSpPr>
+          <p:nvPr>
+            <p:ph type="title"/>
+          </p:nvPr>
+        </p:nvSpPr>
+        <p:spPr>
+          <a:xfrm>
+            <a:off x="457200" y="205980"/>
+            <a:ext cx="8229600" cy="857251"/>
+          </a:xfrm>
+        </p:spPr>
+        <p:txBody>
+          <a:bodyPr>
+            <a:normAutofit/>
+          </a:bodyPr>
+          <a:lstStyle/>
+          <a:p>
+            <a:r>
+              <a:rPr lang="en-US" b="1" dirty="0" err="1">
+                <a:solidFill>
+                  <a:srgbClr val="0070C0"/>
+                </a:solidFill>
+              </a:rPr>
+              <a:t>Leitura</a:t>
+            </a:r>
+            <a:r>
+              <a:rPr lang="en-US" b="1" dirty="0">
+                <a:solidFill>
+                  <a:srgbClr val="0070C0"/>
+                </a:solidFill>
+              </a:rPr>
+              <a:t> </a:t>
+            </a:r>
+            <a:r>
+              <a:rPr lang="en-US" b="1" dirty="0" err="1">
+                <a:solidFill>
+                  <a:srgbClr val="0070C0"/>
+                </a:solidFill>
+              </a:rPr>
+              <a:t>Específica</a:t>
+            </a:r>
+            <a:endParaRPr lang="en-US" b="1" dirty="0">
+              <a:solidFill>
+                <a:srgbClr val="0070C0"/>
+              </a:solidFill>
+            </a:endParaRPr>
+          </a:p>
+        </p:txBody>
+      </p:sp>
+      <p:sp>
+        <p:nvSpPr>
+          <p:cNvPr id="8" name="Text Placeholder 2"/>
+          <p:cNvSpPr>
+            <a:spLocks noGrp="1"/>
+          </p:cNvSpPr>
+          <p:nvPr>
+            <p:ph type="body" sz="half" idx="1"/>
+          </p:nvPr>
+        </p:nvSpPr>
+        <p:spPr>
+          <a:xfrm>
+            <a:off x="142865" y="1200151"/>
+            <a:ext cx="8865056" cy="3394472"/>
+          </a:xfrm>
+        </p:spPr>
+        <p:txBody>
+          <a:bodyPr>
+            <a:noAutofit/>
+          </a:bodyPr>
+          <a:lstStyle/>
+          <a:p>
+            <a:pPr marL="0" indent="0" algn="just">
+              <a:buNone/>
+            </a:pPr>
+            <a:r>
+              <a:rPr lang="pt-BR" sz="2400" dirty="0">
+                <a:latin typeface="Times New Roman" panose="02020603050405020304" pitchFamily="18" charset="0"/>
+                <a:cs typeface="Times New Roman" panose="02020603050405020304" pitchFamily="18" charset="0"/>
+              </a:rPr>
+              <a:t>[1] Plataformas de Middleware e de Comunicação para IOT em Python.</a:t>
+            </a:r>
+          </a:p>
+          <a:p>
+            <a:pPr marL="0" indent="0" algn="just">
+              <a:buNone/>
+            </a:pPr>
+            <a:r>
+              <a:rPr lang="pt-BR" sz="2400" b="1" dirty="0">
+                <a:solidFill>
+                  <a:srgbClr val="FF0000"/>
+                </a:solidFill>
+                <a:latin typeface="Times New Roman" panose="02020603050405020304" pitchFamily="18" charset="0"/>
+                <a:cs typeface="Times New Roman" panose="02020603050405020304" pitchFamily="18" charset="0"/>
+              </a:rPr>
+              <a:t>Disponível em: </a:t>
+            </a:r>
+            <a:r>
+              <a:rPr lang="pt-BR" sz="2400" dirty="0">
+                <a:latin typeface="Times New Roman" panose="02020603050405020304" pitchFamily="18" charset="0"/>
+                <a:cs typeface="Times New Roman" panose="02020603050405020304" pitchFamily="18" charset="0"/>
+                <a:hlinkClick r:id="rId3"/>
+              </a:rPr>
+              <a:t>https://blog.betrybe.com/tecnologia/middleware-tudo-sobre/</a:t>
+            </a:r>
+            <a:endParaRPr lang="pt-BR" sz="2400" dirty="0">
+              <a:latin typeface="Times New Roman" panose="02020603050405020304" pitchFamily="18" charset="0"/>
+              <a:cs typeface="Times New Roman" panose="02020603050405020304" pitchFamily="18" charset="0"/>
+            </a:endParaRPr>
+          </a:p>
+          <a:p>
+            <a:pPr marL="0" indent="0" algn="just">
+              <a:buNone/>
+            </a:pPr>
+            <a:endParaRPr lang="pt-BR" sz="2400" dirty="0">
+              <a:latin typeface="Times New Roman" panose="02020603050405020304" pitchFamily="18" charset="0"/>
+              <a:cs typeface="Times New Roman" panose="02020603050405020304" pitchFamily="18" charset="0"/>
+            </a:endParaRPr>
+          </a:p>
+          <a:p>
+            <a:pPr marL="0" indent="0" algn="just">
+              <a:buNone/>
+            </a:pPr>
+            <a:r>
+              <a:rPr lang="pt-BR" sz="2400" dirty="0">
+                <a:latin typeface="Times New Roman" panose="02020603050405020304" pitchFamily="18" charset="0"/>
+                <a:cs typeface="Times New Roman" panose="02020603050405020304" pitchFamily="18" charset="0"/>
+              </a:rPr>
+              <a:t>[2] Protocolos de Rede para IOT em Python. </a:t>
+            </a:r>
+          </a:p>
+          <a:p>
+            <a:pPr marL="0" indent="0" algn="just">
+              <a:buNone/>
+            </a:pPr>
+            <a:r>
+              <a:rPr lang="pt-BR" sz="2400" b="1" dirty="0">
+                <a:solidFill>
+                  <a:srgbClr val="FF0000"/>
+                </a:solidFill>
+                <a:latin typeface="Times New Roman" panose="02020603050405020304" pitchFamily="18" charset="0"/>
+                <a:cs typeface="Times New Roman" panose="02020603050405020304" pitchFamily="18" charset="0"/>
+              </a:rPr>
+              <a:t>Disponível em: </a:t>
+            </a:r>
+            <a:r>
+              <a:rPr lang="pt-BR" sz="2400" dirty="0">
+                <a:latin typeface="Times New Roman" panose="02020603050405020304" pitchFamily="18" charset="0"/>
+                <a:cs typeface="Times New Roman" panose="02020603050405020304" pitchFamily="18" charset="0"/>
+                <a:hlinkClick r:id="rId4"/>
+              </a:rPr>
+              <a:t>https://embarcados.com.br/protocolos-de-rede-sem-fio-de-iot/#Tipos-de-protocolos-IoT</a:t>
+            </a:r>
+            <a:endParaRPr lang="pt-BR" sz="2400" dirty="0">
+              <a:latin typeface="Times New Roman" panose="02020603050405020304" pitchFamily="18" charset="0"/>
+              <a:cs typeface="Times New Roman" panose="02020603050405020304" pitchFamily="18" charset="0"/>
+            </a:endParaRPr>
+          </a:p>
+          <a:p>
+            <a:pPr marL="0" indent="0" algn="just">
+              <a:buNone/>
+            </a:pPr>
+            <a:r>
+              <a:rPr lang="pt-BR" sz="2400" dirty="0">
+                <a:latin typeface="Times New Roman" panose="02020603050405020304" pitchFamily="18" charset="0"/>
+                <a:cs typeface="Times New Roman" panose="02020603050405020304" pitchFamily="18" charset="0"/>
+                <a:hlinkClick r:id="rId5"/>
+              </a:rPr>
+              <a:t>https://www.techtudo.com.br/noticias/2022/10/o-que-e-internet-das-coisas-veja-como-funciona-a-iot-e-exemplos-de-uso.ghtml</a:t>
+            </a:r>
+            <a:endParaRPr lang="pt-BR" sz="2400" dirty="0">
+              <a:latin typeface="Times New Roman" panose="02020603050405020304" pitchFamily="18" charset="0"/>
+              <a:cs typeface="Times New Roman" panose="02020603050405020304" pitchFamily="18" charset="0"/>
+            </a:endParaRPr>
+          </a:p>
+          <a:p>
+            <a:pPr marL="0" indent="0" algn="just">
+              <a:buNone/>
+            </a:pPr>
+            <a:endParaRPr lang="pt-BR" sz="2400" dirty="0">
+              <a:latin typeface="Times New Roman" panose="02020603050405020304" pitchFamily="18" charset="0"/>
+              <a:cs typeface="Times New Roman" panose="02020603050405020304" pitchFamily="18" charset="0"/>
+            </a:endParaRPr>
+          </a:p>
+          <a:p>
+            <a:pPr marL="0" indent="0" algn="just">
+              <a:buNone/>
+            </a:pPr>
+            <a:endParaRPr lang="pt-BR" sz="2400" dirty="0">
+              <a:latin typeface="Times New Roman" panose="02020603050405020304" pitchFamily="18" charset="0"/>
+              <a:cs typeface="Times New Roman" panose="02020603050405020304" pitchFamily="18" charset="0"/>
+            </a:endParaRPr>
+          </a:p>
+          <a:p>
+            <a:pPr marL="0" indent="0" algn="just">
+              <a:buNone/>
+            </a:pPr>
+            <a:endParaRPr lang="pt-BR" sz="2400" dirty="0">
+              <a:latin typeface="Calibri" panose="020F0502020204030204" pitchFamily="34" charset="0"/>
+            </a:endParaRPr>
+          </a:p>
+        </p:txBody>
+      </p:sp>
+    </p:spTree>
+    <p:extLst>
+      <p:ext uri="{BB962C8B-B14F-4D97-AF65-F5344CB8AC3E}">
+        <p14:creationId xmlns:p14="http://schemas.microsoft.com/office/powerpoint/2010/main" val="3680270425"/>
+      </p:ext>
+    </p:extLst>
+  </p:cSld>
+  <p:clrMapOvr>
+    <a:masterClrMapping/>
+  </p:clrMapOvr>
+  <p:transition spd="med"/>
+</p:sld>
+</file>
+
 <file path=ppt/slides/slide3.xml><?xml version="1.0" encoding="utf-8"?>
 <p:sld xmlns:a="http://schemas.openxmlformats.org/drawingml/2006/main" xmlns:r="http://schemas.openxmlformats.org/officeDocument/2006/relationships" xmlns:p="http://schemas.openxmlformats.org/presentationml/2006/main">
   <p:cSld>
@@ -5218,24 +11447,22 @@
               <a:buNone/>
             </a:pPr>
             <a:r>
-              <a:rPr lang="pt-BR" sz="2000" dirty="0">
+              <a:rPr lang="pt-BR" sz="2400" b="1" dirty="0">
+                <a:solidFill>
+                  <a:srgbClr val="FF0000"/>
+                </a:solidFill>
                 <a:latin typeface="Times New Roman" panose="02020603050405020304" pitchFamily="18" charset="0"/>
                 <a:cs typeface="Times New Roman" panose="02020603050405020304" pitchFamily="18" charset="0"/>
               </a:rPr>
               <a:t>Middleware</a:t>
             </a:r>
-          </a:p>
-          <a:p>
-            <a:pPr marL="0" indent="0" algn="just">
-              <a:buNone/>
-            </a:pPr>
-            <a:endParaRPr lang="pt-BR" sz="2000" dirty="0">
-              <a:solidFill>
-                <a:schemeClr val="tx1"/>
-              </a:solidFill>
-              <a:latin typeface="Times New Roman" panose="02020603050405020304" pitchFamily="18" charset="0"/>
-              <a:cs typeface="Times New Roman" panose="02020603050405020304" pitchFamily="18" charset="0"/>
-            </a:endParaRPr>
+            <a:r>
+              <a:rPr lang="pt-BR" sz="2400" dirty="0">
+                <a:latin typeface="Times New Roman" panose="02020603050405020304" pitchFamily="18" charset="0"/>
+                <a:cs typeface="Times New Roman" panose="02020603050405020304" pitchFamily="18" charset="0"/>
+              </a:rPr>
+              <a:t> é um software que permite um ou mais tipos de comunicação ou conectividade entre dois ou mais aplicativos e/ou componentes de aplicativos em uma rede distribuída.</a:t>
+            </a:r>
           </a:p>
         </p:txBody>
       </p:sp>
@@ -5245,6 +11472,1307 @@
         <p14:creationId xmlns:p14="http://schemas.microsoft.com/office/powerpoint/2010/main" val="1263249216"/>
       </p:ext>
     </p:extLst>
+  </p:cSld>
+  <p:clrMapOvr>
+    <a:masterClrMapping/>
+  </p:clrMapOvr>
+  <p:transition spd="med"/>
+</p:sld>
+</file>
+
+<file path=ppt/slides/slide30.xml><?xml version="1.0" encoding="utf-8"?>
+<p:sld xmlns:a="http://schemas.openxmlformats.org/drawingml/2006/main" xmlns:r="http://schemas.openxmlformats.org/officeDocument/2006/relationships" xmlns:p="http://schemas.openxmlformats.org/presentationml/2006/main">
+  <p:cSld>
+    <p:spTree>
+      <p:nvGrpSpPr>
+        <p:cNvPr id="1" name=""/>
+        <p:cNvGrpSpPr/>
+        <p:nvPr/>
+      </p:nvGrpSpPr>
+      <p:grpSpPr>
+        <a:xfrm>
+          <a:off x="0" y="0"/>
+          <a:ext cx="0" cy="0"/>
+          <a:chOff x="0" y="0"/>
+          <a:chExt cx="0" cy="0"/>
+        </a:xfrm>
+      </p:grpSpPr>
+      <p:sp>
+        <p:nvSpPr>
+          <p:cNvPr id="6" name="Title 1"/>
+          <p:cNvSpPr>
+            <a:spLocks noGrp="1"/>
+          </p:cNvSpPr>
+          <p:nvPr>
+            <p:ph type="title"/>
+          </p:nvPr>
+        </p:nvSpPr>
+        <p:spPr>
+          <a:xfrm>
+            <a:off x="457200" y="205980"/>
+            <a:ext cx="8229600" cy="857251"/>
+          </a:xfrm>
+        </p:spPr>
+        <p:txBody>
+          <a:bodyPr>
+            <a:normAutofit/>
+          </a:bodyPr>
+          <a:lstStyle/>
+          <a:p>
+            <a:r>
+              <a:rPr lang="en-US" b="1" dirty="0" err="1">
+                <a:solidFill>
+                  <a:srgbClr val="0070C0"/>
+                </a:solidFill>
+              </a:rPr>
+              <a:t>Aprenda</a:t>
+            </a:r>
+            <a:r>
+              <a:rPr lang="en-US" b="1" dirty="0">
+                <a:solidFill>
+                  <a:srgbClr val="0070C0"/>
+                </a:solidFill>
+              </a:rPr>
+              <a:t>+</a:t>
+            </a:r>
+          </a:p>
+        </p:txBody>
+      </p:sp>
+      <p:sp>
+        <p:nvSpPr>
+          <p:cNvPr id="8" name="Text Placeholder 2"/>
+          <p:cNvSpPr>
+            <a:spLocks noGrp="1"/>
+          </p:cNvSpPr>
+          <p:nvPr>
+            <p:ph type="body" sz="half" idx="1"/>
+          </p:nvPr>
+        </p:nvSpPr>
+        <p:spPr>
+          <a:xfrm>
+            <a:off x="139472" y="1200150"/>
+            <a:ext cx="8865056" cy="3737370"/>
+          </a:xfrm>
+        </p:spPr>
+        <p:txBody>
+          <a:bodyPr>
+            <a:noAutofit/>
+          </a:bodyPr>
+          <a:lstStyle/>
+          <a:p>
+            <a:pPr marL="0" indent="0" algn="just">
+              <a:buNone/>
+            </a:pPr>
+            <a:r>
+              <a:rPr lang="pt-BR" sz="2400" dirty="0">
+                <a:latin typeface="Times New Roman" panose="02020603050405020304" pitchFamily="18" charset="0"/>
+                <a:cs typeface="Times New Roman" panose="02020603050405020304" pitchFamily="18" charset="0"/>
+              </a:rPr>
+              <a:t>[1] Plataformas de Middleware e de Comunicação para IOT em Python.</a:t>
+            </a:r>
+          </a:p>
+          <a:p>
+            <a:pPr marL="0" indent="0" algn="just">
+              <a:buNone/>
+            </a:pPr>
+            <a:r>
+              <a:rPr lang="pt-BR" sz="2400" b="1" dirty="0">
+                <a:solidFill>
+                  <a:srgbClr val="FF0000"/>
+                </a:solidFill>
+                <a:latin typeface="Times New Roman" panose="02020603050405020304" pitchFamily="18" charset="0"/>
+                <a:cs typeface="Times New Roman" panose="02020603050405020304" pitchFamily="18" charset="0"/>
+              </a:rPr>
+              <a:t>Disponível em: </a:t>
+            </a:r>
+            <a:r>
+              <a:rPr lang="pt-BR" sz="2400" dirty="0">
+                <a:latin typeface="Times New Roman" panose="02020603050405020304" pitchFamily="18" charset="0"/>
+                <a:cs typeface="Times New Roman" panose="02020603050405020304" pitchFamily="18" charset="0"/>
+                <a:hlinkClick r:id="rId3"/>
+              </a:rPr>
+              <a:t>https://youtu.be/m6deMoGpJgQ</a:t>
+            </a:r>
+            <a:endParaRPr lang="pt-BR" sz="2400" dirty="0">
+              <a:latin typeface="Times New Roman" panose="02020603050405020304" pitchFamily="18" charset="0"/>
+              <a:cs typeface="Times New Roman" panose="02020603050405020304" pitchFamily="18" charset="0"/>
+            </a:endParaRPr>
+          </a:p>
+          <a:p>
+            <a:pPr marL="0" indent="0" algn="just">
+              <a:buNone/>
+            </a:pPr>
+            <a:r>
+              <a:rPr lang="pt-BR" sz="2400" dirty="0">
+                <a:latin typeface="Times New Roman" panose="02020603050405020304" pitchFamily="18" charset="0"/>
+                <a:cs typeface="Times New Roman" panose="02020603050405020304" pitchFamily="18" charset="0"/>
+              </a:rPr>
+              <a:t>				 </a:t>
+            </a:r>
+            <a:r>
+              <a:rPr lang="pt-BR" sz="2400" dirty="0">
+                <a:latin typeface="Times New Roman" panose="02020603050405020304" pitchFamily="18" charset="0"/>
+                <a:cs typeface="Times New Roman" panose="02020603050405020304" pitchFamily="18" charset="0"/>
+                <a:hlinkClick r:id="rId4"/>
+              </a:rPr>
+              <a:t>https://youtu.be/5ewQBi1rx58</a:t>
+            </a:r>
+            <a:endParaRPr lang="pt-BR" sz="2400" dirty="0">
+              <a:latin typeface="Times New Roman" panose="02020603050405020304" pitchFamily="18" charset="0"/>
+              <a:cs typeface="Times New Roman" panose="02020603050405020304" pitchFamily="18" charset="0"/>
+            </a:endParaRPr>
+          </a:p>
+          <a:p>
+            <a:pPr marL="0" indent="0" algn="just">
+              <a:buNone/>
+            </a:pPr>
+            <a:endParaRPr lang="pt-BR" sz="2400" dirty="0">
+              <a:latin typeface="Times New Roman" panose="02020603050405020304" pitchFamily="18" charset="0"/>
+              <a:cs typeface="Times New Roman" panose="02020603050405020304" pitchFamily="18" charset="0"/>
+            </a:endParaRPr>
+          </a:p>
+          <a:p>
+            <a:pPr marL="0" indent="0" algn="just">
+              <a:buNone/>
+            </a:pPr>
+            <a:r>
+              <a:rPr lang="pt-BR" sz="2400" dirty="0">
+                <a:latin typeface="Times New Roman" panose="02020603050405020304" pitchFamily="18" charset="0"/>
+                <a:cs typeface="Times New Roman" panose="02020603050405020304" pitchFamily="18" charset="0"/>
+              </a:rPr>
+              <a:t>[2] Protocolos de Rede para IOT em Python. </a:t>
+            </a:r>
+          </a:p>
+          <a:p>
+            <a:pPr marL="0" indent="0" algn="just">
+              <a:buNone/>
+            </a:pPr>
+            <a:r>
+              <a:rPr lang="pt-BR" sz="2400" b="1" dirty="0">
+                <a:solidFill>
+                  <a:srgbClr val="FF0000"/>
+                </a:solidFill>
+                <a:latin typeface="Times New Roman" panose="02020603050405020304" pitchFamily="18" charset="0"/>
+                <a:cs typeface="Times New Roman" panose="02020603050405020304" pitchFamily="18" charset="0"/>
+              </a:rPr>
+              <a:t>Disponível em: </a:t>
+            </a:r>
+            <a:r>
+              <a:rPr lang="pt-BR" sz="2400" dirty="0">
+                <a:latin typeface="Times New Roman" panose="02020603050405020304" pitchFamily="18" charset="0"/>
+                <a:cs typeface="Times New Roman" panose="02020603050405020304" pitchFamily="18" charset="0"/>
+                <a:hlinkClick r:id="rId5"/>
+              </a:rPr>
+              <a:t>https://youtu.be/-tDGzwsBokY</a:t>
+            </a:r>
+            <a:endParaRPr lang="pt-BR" sz="2400" dirty="0">
+              <a:latin typeface="Times New Roman" panose="02020603050405020304" pitchFamily="18" charset="0"/>
+              <a:cs typeface="Times New Roman" panose="02020603050405020304" pitchFamily="18" charset="0"/>
+            </a:endParaRPr>
+          </a:p>
+          <a:p>
+            <a:pPr marL="0" indent="0" algn="just">
+              <a:buNone/>
+            </a:pPr>
+            <a:r>
+              <a:rPr lang="pt-BR" sz="2400" dirty="0">
+                <a:latin typeface="Times New Roman" panose="02020603050405020304" pitchFamily="18" charset="0"/>
+                <a:cs typeface="Times New Roman" panose="02020603050405020304" pitchFamily="18" charset="0"/>
+              </a:rPr>
+              <a:t>				 </a:t>
+            </a:r>
+            <a:r>
+              <a:rPr lang="pt-BR" sz="2400" dirty="0">
+                <a:latin typeface="Times New Roman" panose="02020603050405020304" pitchFamily="18" charset="0"/>
+                <a:cs typeface="Times New Roman" panose="02020603050405020304" pitchFamily="18" charset="0"/>
+                <a:hlinkClick r:id="rId6"/>
+              </a:rPr>
+              <a:t>https://www.youtube.com/watch?v=Ikvs6B2591M</a:t>
+            </a:r>
+            <a:endParaRPr lang="pt-BR" sz="2400" dirty="0">
+              <a:latin typeface="Times New Roman" panose="02020603050405020304" pitchFamily="18" charset="0"/>
+              <a:cs typeface="Times New Roman" panose="02020603050405020304" pitchFamily="18" charset="0"/>
+            </a:endParaRPr>
+          </a:p>
+          <a:p>
+            <a:pPr marL="0" indent="0" algn="just">
+              <a:buNone/>
+            </a:pPr>
+            <a:endParaRPr lang="pt-BR" sz="2400" dirty="0">
+              <a:latin typeface="Times New Roman" panose="02020603050405020304" pitchFamily="18" charset="0"/>
+              <a:cs typeface="Times New Roman" panose="02020603050405020304" pitchFamily="18" charset="0"/>
+            </a:endParaRPr>
+          </a:p>
+          <a:p>
+            <a:pPr marL="0" indent="0" algn="just">
+              <a:buNone/>
+            </a:pPr>
+            <a:endParaRPr lang="pt-BR" sz="2400" dirty="0">
+              <a:latin typeface="Times New Roman" panose="02020603050405020304" pitchFamily="18" charset="0"/>
+              <a:cs typeface="Times New Roman" panose="02020603050405020304" pitchFamily="18" charset="0"/>
+            </a:endParaRPr>
+          </a:p>
+        </p:txBody>
+      </p:sp>
+    </p:spTree>
+    <p:extLst>
+      <p:ext uri="{BB962C8B-B14F-4D97-AF65-F5344CB8AC3E}">
+        <p14:creationId xmlns:p14="http://schemas.microsoft.com/office/powerpoint/2010/main" val="2747596967"/>
+      </p:ext>
+    </p:extLst>
+  </p:cSld>
+  <p:clrMapOvr>
+    <a:masterClrMapping/>
+  </p:clrMapOvr>
+  <p:transition spd="med"/>
+</p:sld>
+</file>
+
+<file path=ppt/slides/slide31.xml><?xml version="1.0" encoding="utf-8"?>
+<p:sld xmlns:a="http://schemas.openxmlformats.org/drawingml/2006/main" xmlns:r="http://schemas.openxmlformats.org/officeDocument/2006/relationships" xmlns:p="http://schemas.openxmlformats.org/presentationml/2006/main">
+  <p:cSld>
+    <p:spTree>
+      <p:nvGrpSpPr>
+        <p:cNvPr id="1" name=""/>
+        <p:cNvGrpSpPr/>
+        <p:nvPr/>
+      </p:nvGrpSpPr>
+      <p:grpSpPr>
+        <a:xfrm>
+          <a:off x="0" y="0"/>
+          <a:ext cx="0" cy="0"/>
+          <a:chOff x="0" y="0"/>
+          <a:chExt cx="0" cy="0"/>
+        </a:xfrm>
+      </p:grpSpPr>
+      <p:sp>
+        <p:nvSpPr>
+          <p:cNvPr id="6" name="Title 1"/>
+          <p:cNvSpPr>
+            <a:spLocks noGrp="1"/>
+          </p:cNvSpPr>
+          <p:nvPr>
+            <p:ph type="title"/>
+          </p:nvPr>
+        </p:nvSpPr>
+        <p:spPr>
+          <a:xfrm>
+            <a:off x="457200" y="205980"/>
+            <a:ext cx="8229600" cy="857251"/>
+          </a:xfrm>
+        </p:spPr>
+        <p:txBody>
+          <a:bodyPr>
+            <a:normAutofit/>
+          </a:bodyPr>
+          <a:lstStyle/>
+          <a:p>
+            <a:r>
+              <a:rPr lang="en-US" b="1" dirty="0" err="1">
+                <a:solidFill>
+                  <a:srgbClr val="0070C0"/>
+                </a:solidFill>
+              </a:rPr>
+              <a:t>Dinâmica</a:t>
+            </a:r>
+            <a:r>
+              <a:rPr lang="en-US" b="1" dirty="0">
+                <a:solidFill>
+                  <a:srgbClr val="0070C0"/>
+                </a:solidFill>
+              </a:rPr>
+              <a:t>/</a:t>
+            </a:r>
+            <a:r>
+              <a:rPr lang="en-US" b="1" dirty="0" err="1">
+                <a:solidFill>
+                  <a:srgbClr val="0070C0"/>
+                </a:solidFill>
+              </a:rPr>
+              <a:t>Atividades</a:t>
+            </a:r>
+            <a:endParaRPr lang="en-US" b="1" dirty="0">
+              <a:solidFill>
+                <a:srgbClr val="0070C0"/>
+              </a:solidFill>
+            </a:endParaRPr>
+          </a:p>
+        </p:txBody>
+      </p:sp>
+      <p:sp>
+        <p:nvSpPr>
+          <p:cNvPr id="8" name="Text Placeholder 2"/>
+          <p:cNvSpPr>
+            <a:spLocks noGrp="1"/>
+          </p:cNvSpPr>
+          <p:nvPr>
+            <p:ph type="body" sz="half" idx="1"/>
+          </p:nvPr>
+        </p:nvSpPr>
+        <p:spPr>
+          <a:xfrm>
+            <a:off x="139472" y="1063230"/>
+            <a:ext cx="8865056" cy="3606305"/>
+          </a:xfrm>
+        </p:spPr>
+        <p:txBody>
+          <a:bodyPr>
+            <a:noAutofit/>
+          </a:bodyPr>
+          <a:lstStyle/>
+          <a:p>
+            <a:pPr marL="0" indent="0" algn="just">
+              <a:buNone/>
+            </a:pPr>
+            <a:r>
+              <a:rPr lang="pt-BR" sz="2000" dirty="0">
+                <a:latin typeface="Times New Roman" panose="02020603050405020304" pitchFamily="18" charset="0"/>
+                <a:cs typeface="Times New Roman" panose="02020603050405020304" pitchFamily="18" charset="0"/>
+              </a:rPr>
+              <a:t>Exercícios (</a:t>
+            </a:r>
+            <a:r>
+              <a:rPr lang="pt-BR" sz="2000" b="1" dirty="0">
+                <a:latin typeface="Times New Roman" panose="02020603050405020304" pitchFamily="18" charset="0"/>
+                <a:cs typeface="Times New Roman" panose="02020603050405020304" pitchFamily="18" charset="0"/>
+              </a:rPr>
+              <a:t>Atividade Verificadora de Aprendizagem</a:t>
+            </a:r>
+            <a:r>
+              <a:rPr lang="pt-BR" sz="2000" dirty="0">
+                <a:latin typeface="Times New Roman" panose="02020603050405020304" pitchFamily="18" charset="0"/>
+                <a:cs typeface="Times New Roman" panose="02020603050405020304" pitchFamily="18" charset="0"/>
+              </a:rPr>
+              <a:t>)</a:t>
+            </a:r>
+          </a:p>
+          <a:p>
+            <a:pPr marL="0" indent="0" algn="just">
+              <a:buNone/>
+            </a:pPr>
+            <a:r>
+              <a:rPr lang="pt-BR" sz="2000" dirty="0">
+                <a:latin typeface="Times New Roman" panose="02020603050405020304" pitchFamily="18" charset="0"/>
+                <a:cs typeface="Times New Roman" panose="02020603050405020304" pitchFamily="18" charset="0"/>
+              </a:rPr>
+              <a:t> 	</a:t>
+            </a:r>
+          </a:p>
+          <a:p>
+            <a:pPr marL="0" indent="0" algn="just">
+              <a:buNone/>
+            </a:pPr>
+            <a:r>
+              <a:rPr lang="pt-BR" sz="2000" dirty="0">
+                <a:latin typeface="Times New Roman" panose="02020603050405020304" pitchFamily="18" charset="0"/>
+                <a:cs typeface="Times New Roman" panose="02020603050405020304" pitchFamily="18" charset="0"/>
+              </a:rPr>
+              <a:t>-- Plataforma </a:t>
+            </a:r>
+            <a:r>
+              <a:rPr lang="pt-BR" sz="2000" dirty="0" err="1">
+                <a:latin typeface="Times New Roman" panose="02020603050405020304" pitchFamily="18" charset="0"/>
+                <a:cs typeface="Times New Roman" panose="02020603050405020304" pitchFamily="18" charset="0"/>
+              </a:rPr>
+              <a:t>Netlify</a:t>
+            </a:r>
+            <a:r>
+              <a:rPr lang="pt-BR" sz="2000" dirty="0">
+                <a:latin typeface="Times New Roman" panose="02020603050405020304" pitchFamily="18" charset="0"/>
+                <a:cs typeface="Times New Roman" panose="02020603050405020304" pitchFamily="18" charset="0"/>
+              </a:rPr>
+              <a:t> (</a:t>
+            </a:r>
+            <a:r>
+              <a:rPr lang="pt-BR" sz="2000" dirty="0">
+                <a:latin typeface="Times New Roman" panose="02020603050405020304" pitchFamily="18" charset="0"/>
+                <a:cs typeface="Times New Roman" panose="02020603050405020304" pitchFamily="18" charset="0"/>
+                <a:hlinkClick r:id="rId3"/>
+              </a:rPr>
+              <a:t>https://www.netlify.com/</a:t>
+            </a:r>
+            <a:r>
+              <a:rPr lang="pt-BR" sz="2000" dirty="0">
+                <a:latin typeface="Times New Roman" panose="02020603050405020304" pitchFamily="18" charset="0"/>
+                <a:cs typeface="Times New Roman" panose="02020603050405020304" pitchFamily="18" charset="0"/>
+              </a:rPr>
+              <a:t>) / </a:t>
+            </a:r>
+            <a:r>
+              <a:rPr lang="pt-BR" sz="2000" b="1" dirty="0" err="1">
+                <a:solidFill>
+                  <a:srgbClr val="FF0000"/>
+                </a:solidFill>
+                <a:latin typeface="Times New Roman" panose="02020603050405020304" pitchFamily="18" charset="0"/>
+                <a:cs typeface="Times New Roman" panose="02020603050405020304" pitchFamily="18" charset="0"/>
+              </a:rPr>
+              <a:t>Github</a:t>
+            </a:r>
+            <a:r>
+              <a:rPr lang="pt-BR" sz="2000" dirty="0">
+                <a:latin typeface="Times New Roman" panose="02020603050405020304" pitchFamily="18" charset="0"/>
+                <a:cs typeface="Times New Roman" panose="02020603050405020304" pitchFamily="18" charset="0"/>
+              </a:rPr>
+              <a:t> / </a:t>
+            </a:r>
+            <a:r>
+              <a:rPr lang="pt-BR" sz="2000" b="1" dirty="0" err="1">
+                <a:solidFill>
+                  <a:srgbClr val="FF0000"/>
+                </a:solidFill>
+                <a:latin typeface="Times New Roman" panose="02020603050405020304" pitchFamily="18" charset="0"/>
+                <a:cs typeface="Times New Roman" panose="02020603050405020304" pitchFamily="18" charset="0"/>
+              </a:rPr>
+              <a:t>Git</a:t>
+            </a:r>
+            <a:endParaRPr lang="pt-BR" sz="2000" b="1" dirty="0">
+              <a:solidFill>
+                <a:srgbClr val="FF0000"/>
+              </a:solidFill>
+              <a:latin typeface="Times New Roman" panose="02020603050405020304" pitchFamily="18" charset="0"/>
+              <a:cs typeface="Times New Roman" panose="02020603050405020304" pitchFamily="18" charset="0"/>
+            </a:endParaRPr>
+          </a:p>
+          <a:p>
+            <a:pPr marL="0" indent="0" algn="just">
+              <a:buNone/>
+            </a:pPr>
+            <a:r>
+              <a:rPr lang="pt-BR" sz="2000" dirty="0">
+                <a:latin typeface="Times New Roman" panose="02020603050405020304" pitchFamily="18" charset="0"/>
+                <a:cs typeface="Times New Roman" panose="02020603050405020304" pitchFamily="18" charset="0"/>
+              </a:rPr>
+              <a:t>Criar e </a:t>
+            </a:r>
+            <a:r>
+              <a:rPr lang="pt-BR" sz="2000" dirty="0" err="1">
+                <a:latin typeface="Times New Roman" panose="02020603050405020304" pitchFamily="18" charset="0"/>
+                <a:cs typeface="Times New Roman" panose="02020603050405020304" pitchFamily="18" charset="0"/>
+              </a:rPr>
+              <a:t>deploy</a:t>
+            </a:r>
+            <a:r>
+              <a:rPr lang="pt-BR" sz="2000" dirty="0">
+                <a:latin typeface="Times New Roman" panose="02020603050405020304" pitchFamily="18" charset="0"/>
+                <a:cs typeface="Times New Roman" panose="02020603050405020304" pitchFamily="18" charset="0"/>
+              </a:rPr>
+              <a:t> app teste</a:t>
+            </a:r>
+          </a:p>
+          <a:p>
+            <a:pPr marL="0" indent="0" algn="just">
+              <a:buNone/>
+            </a:pPr>
+            <a:endParaRPr lang="pt-BR" sz="2000" dirty="0">
+              <a:latin typeface="Times New Roman" panose="02020603050405020304" pitchFamily="18" charset="0"/>
+              <a:cs typeface="Times New Roman" panose="02020603050405020304" pitchFamily="18" charset="0"/>
+            </a:endParaRPr>
+          </a:p>
+          <a:p>
+            <a:pPr marL="0" indent="0" algn="just">
+              <a:buNone/>
+            </a:pPr>
+            <a:r>
+              <a:rPr lang="pt-BR" sz="2000" dirty="0">
+                <a:latin typeface="Times New Roman" panose="02020603050405020304" pitchFamily="18" charset="0"/>
+                <a:cs typeface="Times New Roman" panose="02020603050405020304" pitchFamily="18" charset="0"/>
+                <a:hlinkClick r:id="rId4"/>
+              </a:rPr>
+              <a:t>https://quizizz.com/admin/quiz/5d77f407e3ebe1001bca7a46/areas-desafios-iot</a:t>
+            </a:r>
+            <a:endParaRPr lang="pt-BR" sz="2000" dirty="0">
+              <a:latin typeface="Times New Roman" panose="02020603050405020304" pitchFamily="18" charset="0"/>
+              <a:cs typeface="Times New Roman" panose="02020603050405020304" pitchFamily="18" charset="0"/>
+            </a:endParaRPr>
+          </a:p>
+          <a:p>
+            <a:pPr marL="0" indent="0" algn="just">
+              <a:buNone/>
+            </a:pPr>
+            <a:endParaRPr lang="pt-BR" sz="2000" dirty="0">
+              <a:latin typeface="Times New Roman" panose="02020603050405020304" pitchFamily="18" charset="0"/>
+              <a:cs typeface="Times New Roman" panose="02020603050405020304" pitchFamily="18" charset="0"/>
+            </a:endParaRPr>
+          </a:p>
+          <a:p>
+            <a:pPr marL="0" indent="0" algn="just">
+              <a:buNone/>
+            </a:pPr>
+            <a:r>
+              <a:rPr lang="pt-BR" sz="2000" dirty="0">
+                <a:latin typeface="Times New Roman" panose="02020603050405020304" pitchFamily="18" charset="0"/>
+                <a:cs typeface="Times New Roman" panose="02020603050405020304" pitchFamily="18" charset="0"/>
+                <a:hlinkClick r:id="rId5"/>
+              </a:rPr>
+              <a:t>https://quizizz.com/admin/quiz/63c839489b4345001ede1fb6/td-internet-das-coisas-parte-1</a:t>
+            </a:r>
+            <a:endParaRPr lang="pt-BR" sz="2000" dirty="0">
+              <a:latin typeface="Times New Roman" panose="02020603050405020304" pitchFamily="18" charset="0"/>
+              <a:cs typeface="Times New Roman" panose="02020603050405020304" pitchFamily="18" charset="0"/>
+            </a:endParaRPr>
+          </a:p>
+          <a:p>
+            <a:pPr marL="0" indent="0" algn="just">
+              <a:buNone/>
+            </a:pPr>
+            <a:endParaRPr lang="pt-BR" sz="2000" dirty="0">
+              <a:latin typeface="Times New Roman" panose="02020603050405020304" pitchFamily="18" charset="0"/>
+              <a:cs typeface="Times New Roman" panose="02020603050405020304" pitchFamily="18" charset="0"/>
+            </a:endParaRPr>
+          </a:p>
+          <a:p>
+            <a:pPr marL="0" indent="0" algn="just">
+              <a:buNone/>
+            </a:pPr>
+            <a:endParaRPr lang="pt-BR" sz="2000" dirty="0">
+              <a:latin typeface="Times New Roman" panose="02020603050405020304" pitchFamily="18" charset="0"/>
+              <a:cs typeface="Times New Roman" panose="02020603050405020304" pitchFamily="18" charset="0"/>
+            </a:endParaRPr>
+          </a:p>
+          <a:p>
+            <a:pPr marL="0" indent="0" algn="just">
+              <a:buNone/>
+            </a:pPr>
+            <a:endParaRPr lang="pt-BR" sz="2000" dirty="0">
+              <a:latin typeface="Calibri" panose="020F0502020204030204" pitchFamily="34" charset="0"/>
+            </a:endParaRPr>
+          </a:p>
+        </p:txBody>
+      </p:sp>
+    </p:spTree>
+    <p:extLst>
+      <p:ext uri="{BB962C8B-B14F-4D97-AF65-F5344CB8AC3E}">
+        <p14:creationId xmlns:p14="http://schemas.microsoft.com/office/powerpoint/2010/main" val="1397642976"/>
+      </p:ext>
+    </p:extLst>
+  </p:cSld>
+  <p:clrMapOvr>
+    <a:masterClrMapping/>
+  </p:clrMapOvr>
+  <p:transition spd="med"/>
+</p:sld>
+</file>
+
+<file path=ppt/slides/slide32.xml><?xml version="1.0" encoding="utf-8"?>
+<p:sld xmlns:a="http://schemas.openxmlformats.org/drawingml/2006/main" xmlns:r="http://schemas.openxmlformats.org/officeDocument/2006/relationships" xmlns:p="http://schemas.openxmlformats.org/presentationml/2006/main">
+  <p:cSld>
+    <p:spTree>
+      <p:nvGrpSpPr>
+        <p:cNvPr id="1" name=""/>
+        <p:cNvGrpSpPr/>
+        <p:nvPr/>
+      </p:nvGrpSpPr>
+      <p:grpSpPr>
+        <a:xfrm>
+          <a:off x="0" y="0"/>
+          <a:ext cx="0" cy="0"/>
+          <a:chOff x="0" y="0"/>
+          <a:chExt cx="0" cy="0"/>
+        </a:xfrm>
+      </p:grpSpPr>
+      <p:sp>
+        <p:nvSpPr>
+          <p:cNvPr id="6" name="Title 1"/>
+          <p:cNvSpPr>
+            <a:spLocks noGrp="1"/>
+          </p:cNvSpPr>
+          <p:nvPr>
+            <p:ph type="title"/>
+          </p:nvPr>
+        </p:nvSpPr>
+        <p:spPr>
+          <a:xfrm>
+            <a:off x="457200" y="205980"/>
+            <a:ext cx="8229600" cy="857251"/>
+          </a:xfrm>
+        </p:spPr>
+        <p:txBody>
+          <a:bodyPr>
+            <a:normAutofit/>
+          </a:bodyPr>
+          <a:lstStyle/>
+          <a:p>
+            <a:r>
+              <a:rPr lang="en-US" b="1" dirty="0" err="1">
+                <a:solidFill>
+                  <a:srgbClr val="0070C0"/>
+                </a:solidFill>
+              </a:rPr>
+              <a:t>Referências</a:t>
+            </a:r>
+            <a:r>
+              <a:rPr lang="en-US" b="1" dirty="0">
+                <a:solidFill>
+                  <a:srgbClr val="0070C0"/>
+                </a:solidFill>
+              </a:rPr>
+              <a:t> </a:t>
+            </a:r>
+            <a:r>
+              <a:rPr lang="en-US" b="1" dirty="0" err="1">
+                <a:solidFill>
+                  <a:srgbClr val="0070C0"/>
+                </a:solidFill>
+              </a:rPr>
+              <a:t>Bibliográficas</a:t>
+            </a:r>
+            <a:endParaRPr lang="en-US" b="1" dirty="0">
+              <a:solidFill>
+                <a:srgbClr val="0070C0"/>
+              </a:solidFill>
+            </a:endParaRPr>
+          </a:p>
+        </p:txBody>
+      </p:sp>
+      <p:sp>
+        <p:nvSpPr>
+          <p:cNvPr id="8" name="Text Placeholder 2"/>
+          <p:cNvSpPr>
+            <a:spLocks noGrp="1"/>
+          </p:cNvSpPr>
+          <p:nvPr>
+            <p:ph type="body" sz="half" idx="1"/>
+          </p:nvPr>
+        </p:nvSpPr>
+        <p:spPr>
+          <a:xfrm>
+            <a:off x="142865" y="1200151"/>
+            <a:ext cx="8865056" cy="3394472"/>
+          </a:xfrm>
+        </p:spPr>
+        <p:txBody>
+          <a:bodyPr>
+            <a:noAutofit/>
+          </a:bodyPr>
+          <a:lstStyle/>
+          <a:p>
+            <a:pPr marL="0" indent="0" algn="just">
+              <a:buNone/>
+            </a:pPr>
+            <a:r>
+              <a:rPr lang="pt-BR" sz="2000" dirty="0">
+                <a:latin typeface="Times New Roman" panose="02020603050405020304" pitchFamily="18" charset="0"/>
+                <a:cs typeface="Times New Roman" panose="02020603050405020304" pitchFamily="18" charset="0"/>
+              </a:rPr>
+              <a:t>[1] </a:t>
+            </a:r>
+            <a:r>
+              <a:rPr lang="pt-BR" sz="2000" b="1" dirty="0">
+                <a:solidFill>
+                  <a:srgbClr val="FF0000"/>
+                </a:solidFill>
+                <a:latin typeface="Times New Roman" panose="02020603050405020304" pitchFamily="18" charset="0"/>
+                <a:cs typeface="Times New Roman" panose="02020603050405020304" pitchFamily="18" charset="0"/>
+              </a:rPr>
+              <a:t>SERGIO, </a:t>
+            </a:r>
+            <a:r>
+              <a:rPr lang="pt-BR" sz="2000" b="1" dirty="0" err="1">
+                <a:solidFill>
+                  <a:srgbClr val="FF0000"/>
+                </a:solidFill>
+                <a:latin typeface="Times New Roman" panose="02020603050405020304" pitchFamily="18" charset="0"/>
+                <a:cs typeface="Times New Roman" panose="02020603050405020304" pitchFamily="18" charset="0"/>
+              </a:rPr>
+              <a:t>Luis</a:t>
+            </a:r>
+            <a:r>
+              <a:rPr lang="pt-BR" sz="2000" b="1" dirty="0">
+                <a:solidFill>
+                  <a:srgbClr val="FF0000"/>
+                </a:solidFill>
+                <a:latin typeface="Times New Roman" panose="02020603050405020304" pitchFamily="18" charset="0"/>
+                <a:cs typeface="Times New Roman" panose="02020603050405020304" pitchFamily="18" charset="0"/>
+              </a:rPr>
+              <a:t> </a:t>
+            </a:r>
+            <a:r>
+              <a:rPr lang="pt-BR" sz="2000" b="1" dirty="0" err="1">
+                <a:solidFill>
+                  <a:srgbClr val="FF0000"/>
+                </a:solidFill>
+                <a:latin typeface="Times New Roman" panose="02020603050405020304" pitchFamily="18" charset="0"/>
+                <a:cs typeface="Times New Roman" panose="02020603050405020304" pitchFamily="18" charset="0"/>
+              </a:rPr>
+              <a:t>Antonio</a:t>
+            </a:r>
+            <a:r>
+              <a:rPr lang="pt-BR" sz="2000" b="1" dirty="0">
+                <a:solidFill>
+                  <a:srgbClr val="FF0000"/>
+                </a:solidFill>
+                <a:latin typeface="Times New Roman" panose="02020603050405020304" pitchFamily="18" charset="0"/>
+                <a:cs typeface="Times New Roman" panose="02020603050405020304" pitchFamily="18" charset="0"/>
+              </a:rPr>
+              <a:t> Pereira</a:t>
+            </a:r>
+            <a:r>
+              <a:rPr lang="pt-BR" sz="2000" dirty="0">
+                <a:latin typeface="Times New Roman" panose="02020603050405020304" pitchFamily="18" charset="0"/>
+                <a:cs typeface="Times New Roman" panose="02020603050405020304" pitchFamily="18" charset="0"/>
+              </a:rPr>
+              <a:t>. Plataformas de middleware </a:t>
+            </a:r>
+            <a:r>
+              <a:rPr lang="pt-BR" sz="2000" dirty="0" err="1">
+                <a:latin typeface="Times New Roman" panose="02020603050405020304" pitchFamily="18" charset="0"/>
+                <a:cs typeface="Times New Roman" panose="02020603050405020304" pitchFamily="18" charset="0"/>
+              </a:rPr>
+              <a:t>IoT</a:t>
+            </a:r>
+            <a:r>
+              <a:rPr lang="pt-BR" sz="2000" dirty="0">
+                <a:latin typeface="Times New Roman" panose="02020603050405020304" pitchFamily="18" charset="0"/>
+                <a:cs typeface="Times New Roman" panose="02020603050405020304" pitchFamily="18" charset="0"/>
+              </a:rPr>
+              <a:t> livres para fins didáticos.</a:t>
+            </a:r>
+          </a:p>
+          <a:p>
+            <a:pPr marL="0" indent="0" algn="just">
+              <a:buNone/>
+            </a:pPr>
+            <a:endParaRPr lang="pt-BR" sz="2000" dirty="0">
+              <a:latin typeface="Times New Roman" panose="02020603050405020304" pitchFamily="18" charset="0"/>
+              <a:cs typeface="Times New Roman" panose="02020603050405020304" pitchFamily="18" charset="0"/>
+            </a:endParaRPr>
+          </a:p>
+          <a:p>
+            <a:pPr marL="0" indent="0" algn="just">
+              <a:buNone/>
+            </a:pPr>
+            <a:r>
+              <a:rPr lang="pt-BR" sz="2000" dirty="0">
+                <a:latin typeface="Times New Roman" panose="02020603050405020304" pitchFamily="18" charset="0"/>
+                <a:cs typeface="Times New Roman" panose="02020603050405020304" pitchFamily="18" charset="0"/>
+              </a:rPr>
+              <a:t>[2] </a:t>
+            </a:r>
+            <a:r>
+              <a:rPr lang="pt-BR" sz="2000" b="1" dirty="0">
+                <a:solidFill>
+                  <a:srgbClr val="FF0000"/>
+                </a:solidFill>
+                <a:latin typeface="Calibri" panose="020F0502020204030204" pitchFamily="34" charset="0"/>
+              </a:rPr>
+              <a:t>PIRES, Paulo F. </a:t>
+            </a:r>
+            <a:r>
+              <a:rPr lang="pt-BR" sz="2000" dirty="0">
+                <a:latin typeface="Calibri" panose="020F0502020204030204" pitchFamily="34" charset="0"/>
+              </a:rPr>
+              <a:t>et al. Plataformas para a internet das coisas. Minicursos SBRC-Simpósio Brasileiro de Redes de Computadores e Sistemas Distribuídos, 2015.</a:t>
+            </a:r>
+          </a:p>
+          <a:p>
+            <a:pPr marL="0" indent="0" algn="just">
+              <a:buNone/>
+            </a:pPr>
+            <a:endParaRPr lang="pt-BR" sz="2000" dirty="0">
+              <a:latin typeface="Calibri" panose="020F0502020204030204" pitchFamily="34" charset="0"/>
+            </a:endParaRPr>
+          </a:p>
+          <a:p>
+            <a:pPr marL="0" indent="0" algn="just">
+              <a:buNone/>
+            </a:pPr>
+            <a:r>
+              <a:rPr lang="pt-BR" sz="2000" dirty="0">
+                <a:latin typeface="Calibri" panose="020F0502020204030204" pitchFamily="34" charset="0"/>
+              </a:rPr>
+              <a:t>[3] </a:t>
+            </a:r>
+            <a:r>
+              <a:rPr lang="pt-BR" sz="2000" b="1" dirty="0">
+                <a:solidFill>
+                  <a:srgbClr val="FF0000"/>
+                </a:solidFill>
+                <a:latin typeface="Calibri" panose="020F0502020204030204" pitchFamily="34" charset="0"/>
+              </a:rPr>
+              <a:t>SCHENFELD, Matheus Crespi </a:t>
+            </a:r>
+            <a:r>
+              <a:rPr lang="pt-BR" sz="2000" dirty="0">
+                <a:latin typeface="Calibri" panose="020F0502020204030204" pitchFamily="34" charset="0"/>
+              </a:rPr>
+              <a:t>et al. Arquitetura para fog </a:t>
+            </a:r>
+            <a:r>
+              <a:rPr lang="pt-BR" sz="2000" dirty="0" err="1">
+                <a:latin typeface="Calibri" panose="020F0502020204030204" pitchFamily="34" charset="0"/>
+              </a:rPr>
+              <a:t>computing</a:t>
+            </a:r>
+            <a:r>
+              <a:rPr lang="pt-BR" sz="2000" dirty="0">
+                <a:latin typeface="Calibri" panose="020F0502020204030204" pitchFamily="34" charset="0"/>
+              </a:rPr>
+              <a:t> em sistemas de middleware para internet das coisas. In: Anais do XLIII Seminário Integrado de Software e Hardware. SBC, 2016. p. 1819-1829.</a:t>
+            </a:r>
+          </a:p>
+        </p:txBody>
+      </p:sp>
+    </p:spTree>
+    <p:extLst>
+      <p:ext uri="{BB962C8B-B14F-4D97-AF65-F5344CB8AC3E}">
+        <p14:creationId xmlns:p14="http://schemas.microsoft.com/office/powerpoint/2010/main" val="1115311843"/>
+      </p:ext>
+    </p:extLst>
+  </p:cSld>
+  <p:clrMapOvr>
+    <a:masterClrMapping/>
+  </p:clrMapOvr>
+  <p:transition spd="med"/>
+</p:sld>
+</file>
+
+<file path=ppt/slides/slide33.xml><?xml version="1.0" encoding="utf-8"?>
+<p:sld xmlns:a="http://schemas.openxmlformats.org/drawingml/2006/main" xmlns:r="http://schemas.openxmlformats.org/officeDocument/2006/relationships" xmlns:p="http://schemas.openxmlformats.org/presentationml/2006/main">
+  <p:cSld>
+    <p:spTree>
+      <p:nvGrpSpPr>
+        <p:cNvPr id="1" name=""/>
+        <p:cNvGrpSpPr/>
+        <p:nvPr/>
+      </p:nvGrpSpPr>
+      <p:grpSpPr>
+        <a:xfrm>
+          <a:off x="0" y="0"/>
+          <a:ext cx="0" cy="0"/>
+          <a:chOff x="0" y="0"/>
+          <a:chExt cx="0" cy="0"/>
+        </a:xfrm>
+      </p:grpSpPr>
+      <p:pic>
+        <p:nvPicPr>
+          <p:cNvPr id="112" name="Picture 6" descr="Picture 6"/>
+          <p:cNvPicPr>
+            <a:picLocks noChangeAspect="1"/>
+          </p:cNvPicPr>
+          <p:nvPr/>
+        </p:nvPicPr>
+        <p:blipFill>
+          <a:blip r:embed="rId2"/>
+          <a:stretch>
+            <a:fillRect/>
+          </a:stretch>
+        </p:blipFill>
+        <p:spPr>
+          <a:xfrm>
+            <a:off x="0" y="0"/>
+            <a:ext cx="9144000" cy="5143500"/>
+          </a:xfrm>
+          <a:prstGeom prst="rect">
+            <a:avLst/>
+          </a:prstGeom>
+          <a:ln w="12700">
+            <a:miter lim="400000"/>
+            <a:headEnd/>
+            <a:tailEnd/>
+          </a:ln>
+        </p:spPr>
+      </p:pic>
+      <p:pic>
+        <p:nvPicPr>
+          <p:cNvPr id="114" name="Picture 5" descr="Picture 5"/>
+          <p:cNvPicPr>
+            <a:picLocks noChangeAspect="1"/>
+          </p:cNvPicPr>
+          <p:nvPr/>
+        </p:nvPicPr>
+        <p:blipFill>
+          <a:blip r:embed="rId3"/>
+          <a:stretch>
+            <a:fillRect/>
+          </a:stretch>
+        </p:blipFill>
+        <p:spPr>
+          <a:xfrm>
+            <a:off x="469900" y="0"/>
+            <a:ext cx="4391984" cy="171450"/>
+          </a:xfrm>
+          <a:prstGeom prst="rect">
+            <a:avLst/>
+          </a:prstGeom>
+          <a:ln w="12700">
+            <a:miter lim="400000"/>
+            <a:headEnd/>
+            <a:tailEnd/>
+          </a:ln>
+        </p:spPr>
+      </p:pic>
+      <p:sp>
+        <p:nvSpPr>
+          <p:cNvPr id="3" name="Título 2"/>
+          <p:cNvSpPr>
+            <a:spLocks noGrp="1"/>
+          </p:cNvSpPr>
+          <p:nvPr>
+            <p:ph type="title"/>
+          </p:nvPr>
+        </p:nvSpPr>
+        <p:spPr>
+          <a:xfrm>
+            <a:off x="285751" y="2386770"/>
+            <a:ext cx="8615364" cy="1102519"/>
+          </a:xfrm>
+        </p:spPr>
+        <p:txBody>
+          <a:bodyPr>
+            <a:noAutofit/>
+          </a:bodyPr>
+          <a:lstStyle/>
+          <a:p>
+            <a:r>
+              <a:rPr lang="pt-BR" sz="4800" b="1" dirty="0">
+                <a:solidFill>
+                  <a:schemeClr val="bg1"/>
+                </a:solidFill>
+              </a:rPr>
+              <a:t>Aplicação Cloud Indústria 40 Python</a:t>
+            </a:r>
+          </a:p>
+        </p:txBody>
+      </p:sp>
+      <p:sp>
+        <p:nvSpPr>
+          <p:cNvPr id="6" name="Título 2"/>
+          <p:cNvSpPr txBox="1"/>
+          <p:nvPr/>
+        </p:nvSpPr>
+        <p:spPr>
+          <a:xfrm>
+            <a:off x="975683" y="3866663"/>
+            <a:ext cx="7772400" cy="1102519"/>
+          </a:xfrm>
+          <a:prstGeom prst="rect">
+            <a:avLst/>
+          </a:prstGeom>
+          <a:ln w="12700">
+            <a:miter lim="400000"/>
+          </a:ln>
+        </p:spPr>
+        <p:txBody>
+          <a:bodyPr lIns="45718" tIns="45718" rIns="45718" bIns="45718" anchor="ctr">
+            <a:noAutofit/>
+          </a:bodyPr>
+          <a:lstStyle>
+            <a:lvl1pPr marL="0" marR="0" indent="0" algn="ctr" defTabSz="457200" rtl="0" latinLnBrk="0">
+              <a:lnSpc>
+                <a:spcPct val="100000"/>
+              </a:lnSpc>
+              <a:spcBef>
+                <a:spcPts val="0"/>
+              </a:spcBef>
+              <a:spcAft>
+                <a:spcPts val="0"/>
+              </a:spcAft>
+              <a:buClrTx/>
+              <a:buSzTx/>
+              <a:buFontTx/>
+              <a:buNone/>
+              <a:defRPr sz="4400" b="0" i="0" u="none" strike="noStrike" cap="none" spc="0" baseline="0">
+                <a:ln>
+                  <a:noFill/>
+                </a:ln>
+                <a:solidFill>
+                  <a:srgbClr val="000000"/>
+                </a:solidFill>
+                <a:uFillTx/>
+                <a:latin typeface="+mj-lt"/>
+                <a:ea typeface="+mj-ea"/>
+                <a:cs typeface="+mj-cs"/>
+                <a:sym typeface="Calibri"/>
+              </a:defRPr>
+            </a:lvl1pPr>
+            <a:lvl2pPr marL="0" marR="0" indent="0" algn="ctr" defTabSz="457200" rtl="0" latinLnBrk="0">
+              <a:lnSpc>
+                <a:spcPct val="100000"/>
+              </a:lnSpc>
+              <a:spcBef>
+                <a:spcPts val="0"/>
+              </a:spcBef>
+              <a:spcAft>
+                <a:spcPts val="0"/>
+              </a:spcAft>
+              <a:buClrTx/>
+              <a:buSzTx/>
+              <a:buFontTx/>
+              <a:buNone/>
+              <a:defRPr sz="4400" b="0" i="0" u="none" strike="noStrike" cap="none" spc="0" baseline="0">
+                <a:ln>
+                  <a:noFill/>
+                </a:ln>
+                <a:solidFill>
+                  <a:srgbClr val="000000"/>
+                </a:solidFill>
+                <a:uFillTx/>
+                <a:latin typeface="+mj-lt"/>
+                <a:ea typeface="+mj-ea"/>
+                <a:cs typeface="+mj-cs"/>
+                <a:sym typeface="Calibri"/>
+              </a:defRPr>
+            </a:lvl2pPr>
+            <a:lvl3pPr marL="0" marR="0" indent="0" algn="ctr" defTabSz="457200" rtl="0" latinLnBrk="0">
+              <a:lnSpc>
+                <a:spcPct val="100000"/>
+              </a:lnSpc>
+              <a:spcBef>
+                <a:spcPts val="0"/>
+              </a:spcBef>
+              <a:spcAft>
+                <a:spcPts val="0"/>
+              </a:spcAft>
+              <a:buClrTx/>
+              <a:buSzTx/>
+              <a:buFontTx/>
+              <a:buNone/>
+              <a:defRPr sz="4400" b="0" i="0" u="none" strike="noStrike" cap="none" spc="0" baseline="0">
+                <a:ln>
+                  <a:noFill/>
+                </a:ln>
+                <a:solidFill>
+                  <a:srgbClr val="000000"/>
+                </a:solidFill>
+                <a:uFillTx/>
+                <a:latin typeface="+mj-lt"/>
+                <a:ea typeface="+mj-ea"/>
+                <a:cs typeface="+mj-cs"/>
+                <a:sym typeface="Calibri"/>
+              </a:defRPr>
+            </a:lvl3pPr>
+            <a:lvl4pPr marL="0" marR="0" indent="0" algn="ctr" defTabSz="457200" rtl="0" latinLnBrk="0">
+              <a:lnSpc>
+                <a:spcPct val="100000"/>
+              </a:lnSpc>
+              <a:spcBef>
+                <a:spcPts val="0"/>
+              </a:spcBef>
+              <a:spcAft>
+                <a:spcPts val="0"/>
+              </a:spcAft>
+              <a:buClrTx/>
+              <a:buSzTx/>
+              <a:buFontTx/>
+              <a:buNone/>
+              <a:defRPr sz="4400" b="0" i="0" u="none" strike="noStrike" cap="none" spc="0" baseline="0">
+                <a:ln>
+                  <a:noFill/>
+                </a:ln>
+                <a:solidFill>
+                  <a:srgbClr val="000000"/>
+                </a:solidFill>
+                <a:uFillTx/>
+                <a:latin typeface="+mj-lt"/>
+                <a:ea typeface="+mj-ea"/>
+                <a:cs typeface="+mj-cs"/>
+                <a:sym typeface="Calibri"/>
+              </a:defRPr>
+            </a:lvl4pPr>
+            <a:lvl5pPr marL="0" marR="0" indent="0" algn="ctr" defTabSz="457200" rtl="0" latinLnBrk="0">
+              <a:lnSpc>
+                <a:spcPct val="100000"/>
+              </a:lnSpc>
+              <a:spcBef>
+                <a:spcPts val="0"/>
+              </a:spcBef>
+              <a:spcAft>
+                <a:spcPts val="0"/>
+              </a:spcAft>
+              <a:buClrTx/>
+              <a:buSzTx/>
+              <a:buFontTx/>
+              <a:buNone/>
+              <a:defRPr sz="4400" b="0" i="0" u="none" strike="noStrike" cap="none" spc="0" baseline="0">
+                <a:ln>
+                  <a:noFill/>
+                </a:ln>
+                <a:solidFill>
+                  <a:srgbClr val="000000"/>
+                </a:solidFill>
+                <a:uFillTx/>
+                <a:latin typeface="+mj-lt"/>
+                <a:ea typeface="+mj-ea"/>
+                <a:cs typeface="+mj-cs"/>
+                <a:sym typeface="Calibri"/>
+              </a:defRPr>
+            </a:lvl5pPr>
+            <a:lvl6pPr marL="0" marR="0" indent="0" algn="ctr" defTabSz="457200" rtl="0" latinLnBrk="0">
+              <a:lnSpc>
+                <a:spcPct val="100000"/>
+              </a:lnSpc>
+              <a:spcBef>
+                <a:spcPts val="0"/>
+              </a:spcBef>
+              <a:spcAft>
+                <a:spcPts val="0"/>
+              </a:spcAft>
+              <a:buClrTx/>
+              <a:buSzTx/>
+              <a:buFontTx/>
+              <a:buNone/>
+              <a:defRPr sz="4400" b="0" i="0" u="none" strike="noStrike" cap="none" spc="0" baseline="0">
+                <a:ln>
+                  <a:noFill/>
+                </a:ln>
+                <a:solidFill>
+                  <a:srgbClr val="000000"/>
+                </a:solidFill>
+                <a:uFillTx/>
+                <a:latin typeface="+mj-lt"/>
+                <a:ea typeface="+mj-ea"/>
+                <a:cs typeface="+mj-cs"/>
+                <a:sym typeface="Calibri"/>
+              </a:defRPr>
+            </a:lvl6pPr>
+            <a:lvl7pPr marL="0" marR="0" indent="0" algn="ctr" defTabSz="457200" rtl="0" latinLnBrk="0">
+              <a:lnSpc>
+                <a:spcPct val="100000"/>
+              </a:lnSpc>
+              <a:spcBef>
+                <a:spcPts val="0"/>
+              </a:spcBef>
+              <a:spcAft>
+                <a:spcPts val="0"/>
+              </a:spcAft>
+              <a:buClrTx/>
+              <a:buSzTx/>
+              <a:buFontTx/>
+              <a:buNone/>
+              <a:defRPr sz="4400" b="0" i="0" u="none" strike="noStrike" cap="none" spc="0" baseline="0">
+                <a:ln>
+                  <a:noFill/>
+                </a:ln>
+                <a:solidFill>
+                  <a:srgbClr val="000000"/>
+                </a:solidFill>
+                <a:uFillTx/>
+                <a:latin typeface="+mj-lt"/>
+                <a:ea typeface="+mj-ea"/>
+                <a:cs typeface="+mj-cs"/>
+                <a:sym typeface="Calibri"/>
+              </a:defRPr>
+            </a:lvl7pPr>
+            <a:lvl8pPr marL="0" marR="0" indent="0" algn="ctr" defTabSz="457200" rtl="0" latinLnBrk="0">
+              <a:lnSpc>
+                <a:spcPct val="100000"/>
+              </a:lnSpc>
+              <a:spcBef>
+                <a:spcPts val="0"/>
+              </a:spcBef>
+              <a:spcAft>
+                <a:spcPts val="0"/>
+              </a:spcAft>
+              <a:buClrTx/>
+              <a:buSzTx/>
+              <a:buFontTx/>
+              <a:buNone/>
+              <a:defRPr sz="4400" b="0" i="0" u="none" strike="noStrike" cap="none" spc="0" baseline="0">
+                <a:ln>
+                  <a:noFill/>
+                </a:ln>
+                <a:solidFill>
+                  <a:srgbClr val="000000"/>
+                </a:solidFill>
+                <a:uFillTx/>
+                <a:latin typeface="+mj-lt"/>
+                <a:ea typeface="+mj-ea"/>
+                <a:cs typeface="+mj-cs"/>
+                <a:sym typeface="Calibri"/>
+              </a:defRPr>
+            </a:lvl8pPr>
+            <a:lvl9pPr marL="0" marR="0" indent="0" algn="ctr" defTabSz="457200" rtl="0" latinLnBrk="0">
+              <a:lnSpc>
+                <a:spcPct val="100000"/>
+              </a:lnSpc>
+              <a:spcBef>
+                <a:spcPts val="0"/>
+              </a:spcBef>
+              <a:spcAft>
+                <a:spcPts val="0"/>
+              </a:spcAft>
+              <a:buClrTx/>
+              <a:buSzTx/>
+              <a:buFontTx/>
+              <a:buNone/>
+              <a:defRPr sz="4400" b="0" i="0" u="none" strike="noStrike" cap="none" spc="0" baseline="0">
+                <a:ln>
+                  <a:noFill/>
+                </a:ln>
+                <a:solidFill>
+                  <a:srgbClr val="000000"/>
+                </a:solidFill>
+                <a:uFillTx/>
+                <a:latin typeface="+mj-lt"/>
+                <a:ea typeface="+mj-ea"/>
+                <a:cs typeface="+mj-cs"/>
+                <a:sym typeface="Calibri"/>
+              </a:defRPr>
+            </a:lvl9pPr>
+          </a:lstStyle>
+          <a:p>
+            <a:pPr algn="r" hangingPunct="1"/>
+            <a:r>
+              <a:rPr lang="pt-BR" sz="2000" b="1" dirty="0">
+                <a:solidFill>
+                  <a:schemeClr val="bg1"/>
+                </a:solidFill>
+              </a:rPr>
+              <a:t>Professor </a:t>
+            </a:r>
+            <a:r>
+              <a:rPr lang="pt-BR" sz="2000" b="1">
+                <a:solidFill>
+                  <a:schemeClr val="bg1"/>
+                </a:solidFill>
+              </a:rPr>
+              <a:t>M.Sc</a:t>
+            </a:r>
+            <a:r>
+              <a:rPr lang="pt-BR" sz="2000" b="1" dirty="0">
+                <a:solidFill>
+                  <a:schemeClr val="bg1"/>
+                </a:solidFill>
+              </a:rPr>
+              <a:t>. Heleno Cardoso</a:t>
+            </a:r>
+          </a:p>
+        </p:txBody>
+      </p:sp>
+      <p:pic>
+        <p:nvPicPr>
+          <p:cNvPr id="2" name="Google Shape;62;p1" descr="Imagem">
+            <a:extLst>
+              <a:ext uri="{FF2B5EF4-FFF2-40B4-BE49-F238E27FC236}">
+                <a16:creationId xmlns:a16="http://schemas.microsoft.com/office/drawing/2014/main" id="{9C895622-2963-024D-634E-EA58F5381D06}"/>
+              </a:ext>
+            </a:extLst>
+          </p:cNvPr>
+          <p:cNvPicPr preferRelativeResize="0"/>
+          <p:nvPr/>
+        </p:nvPicPr>
+        <p:blipFill rotWithShape="1">
+          <a:blip r:embed="rId4">
+            <a:alphaModFix/>
+          </a:blip>
+          <a:srcRect/>
+          <a:stretch/>
+        </p:blipFill>
+        <p:spPr>
+          <a:xfrm>
+            <a:off x="469898" y="343798"/>
+            <a:ext cx="2858518" cy="1338697"/>
+          </a:xfrm>
+          <a:prstGeom prst="rect">
+            <a:avLst/>
+          </a:prstGeom>
+          <a:noFill/>
+          <a:ln>
+            <a:noFill/>
+          </a:ln>
+        </p:spPr>
+      </p:pic>
+    </p:spTree>
   </p:cSld>
   <p:clrMapOvr>
     <a:masterClrMapping/>
@@ -5298,15 +12826,7 @@
                   <a:srgbClr val="0070C0"/>
                 </a:solidFill>
               </a:rPr>
-              <a:t>Plataformas de Comunicação </a:t>
-            </a:r>
-            <a:r>
-              <a:rPr lang="pt-BR" b="1" dirty="0" err="1">
-                <a:solidFill>
-                  <a:srgbClr val="0070C0"/>
-                </a:solidFill>
-              </a:rPr>
-              <a:t>IoT</a:t>
+              <a:t>Plataformas Middleware</a:t>
             </a:r>
             <a:endParaRPr lang="en-US" b="1" dirty="0">
               <a:solidFill>
@@ -5341,13 +12861,6 @@
             <a:pPr marL="0" indent="0" algn="just">
               <a:buNone/>
             </a:pPr>
-            <a:r>
-              <a:rPr lang="pt-BR" sz="2000" dirty="0">
-                <a:latin typeface="Times New Roman" panose="02020603050405020304" pitchFamily="18" charset="0"/>
-                <a:cs typeface="Times New Roman" panose="02020603050405020304" pitchFamily="18" charset="0"/>
-              </a:rPr>
-              <a:t>Comunicação</a:t>
-            </a:r>
             <a:endParaRPr lang="pt-BR" sz="2000" dirty="0">
               <a:solidFill>
                 <a:schemeClr val="tx1"/>
@@ -5356,12 +12869,54 @@
               <a:cs typeface="Times New Roman" panose="02020603050405020304" pitchFamily="18" charset="0"/>
             </a:endParaRPr>
           </a:p>
+          <a:p>
+            <a:pPr marL="0" indent="0" algn="just">
+              <a:buNone/>
+            </a:pPr>
+            <a:endParaRPr lang="pt-BR" sz="2000" dirty="0">
+              <a:solidFill>
+                <a:schemeClr val="tx1"/>
+              </a:solidFill>
+              <a:latin typeface="Times New Roman" panose="02020603050405020304" pitchFamily="18" charset="0"/>
+              <a:cs typeface="Times New Roman" panose="02020603050405020304" pitchFamily="18" charset="0"/>
+            </a:endParaRPr>
+          </a:p>
         </p:txBody>
       </p:sp>
+      <p:pic>
+        <p:nvPicPr>
+          <p:cNvPr id="3" name="Imagem 2">
+            <a:extLst>
+              <a:ext uri="{FF2B5EF4-FFF2-40B4-BE49-F238E27FC236}">
+                <a16:creationId xmlns:a16="http://schemas.microsoft.com/office/drawing/2014/main" id="{381F273A-F930-C6BF-15E6-BD0439DC299F}"/>
+              </a:ext>
+            </a:extLst>
+          </p:cNvPr>
+          <p:cNvPicPr>
+            <a:picLocks noChangeAspect="1"/>
+          </p:cNvPicPr>
+          <p:nvPr/>
+        </p:nvPicPr>
+        <p:blipFill>
+          <a:blip r:embed="rId3"/>
+          <a:stretch>
+            <a:fillRect/>
+          </a:stretch>
+        </p:blipFill>
+        <p:spPr>
+          <a:xfrm>
+            <a:off x="1480946" y="1200150"/>
+            <a:ext cx="5705782" cy="3505962"/>
+          </a:xfrm>
+          <a:prstGeom prst="rect">
+            <a:avLst/>
+          </a:prstGeom>
+        </p:spPr>
+      </p:pic>
     </p:spTree>
     <p:extLst>
       <p:ext uri="{BB962C8B-B14F-4D97-AF65-F5344CB8AC3E}">
-        <p14:creationId xmlns:p14="http://schemas.microsoft.com/office/powerpoint/2010/main" val="1362980025"/>
+        <p14:creationId xmlns:p14="http://schemas.microsoft.com/office/powerpoint/2010/main" val="2835760340"/>
       </p:ext>
     </p:extLst>
   </p:cSld>
@@ -5449,90 +13004,45 @@
           </a:bodyPr>
           <a:lstStyle/>
           <a:p>
-            <a:pPr algn="just">
-              <a:buFont typeface="Wingdings" panose="05000000000000000000" pitchFamily="2" charset="2"/>
-              <a:buChar char="§"/>
-            </a:pPr>
-            <a:r>
-              <a:rPr lang="pt-BR" sz="2000" dirty="0">
-                <a:solidFill>
-                  <a:schemeClr val="tx1"/>
-                </a:solidFill>
-                <a:latin typeface="Times New Roman" panose="02020603050405020304" pitchFamily="18" charset="0"/>
-                <a:cs typeface="Times New Roman" panose="02020603050405020304" pitchFamily="18" charset="0"/>
-              </a:rPr>
-              <a:t>XIVELY</a:t>
-            </a:r>
-          </a:p>
-          <a:p>
-            <a:pPr algn="just">
-              <a:buFont typeface="Wingdings" panose="05000000000000000000" pitchFamily="2" charset="2"/>
-              <a:buChar char="§"/>
-            </a:pPr>
-            <a:r>
-              <a:rPr lang="pt-BR" sz="2000" dirty="0">
-                <a:solidFill>
-                  <a:schemeClr val="tx1"/>
-                </a:solidFill>
-                <a:latin typeface="Times New Roman" panose="02020603050405020304" pitchFamily="18" charset="0"/>
-                <a:cs typeface="Times New Roman" panose="02020603050405020304" pitchFamily="18" charset="0"/>
-              </a:rPr>
-              <a:t>WSO2</a:t>
-            </a:r>
-          </a:p>
-          <a:p>
-            <a:pPr algn="just">
-              <a:buFont typeface="Wingdings" panose="05000000000000000000" pitchFamily="2" charset="2"/>
-              <a:buChar char="§"/>
-            </a:pPr>
-            <a:r>
-              <a:rPr lang="pt-BR" sz="2000" dirty="0">
-                <a:solidFill>
-                  <a:schemeClr val="tx1"/>
-                </a:solidFill>
-                <a:latin typeface="Times New Roman" panose="02020603050405020304" pitchFamily="18" charset="0"/>
-                <a:cs typeface="Times New Roman" panose="02020603050405020304" pitchFamily="18" charset="0"/>
-              </a:rPr>
-              <a:t>THINGSPEAK</a:t>
-            </a:r>
-          </a:p>
-          <a:p>
-            <a:pPr algn="just">
-              <a:buFont typeface="Wingdings" panose="05000000000000000000" pitchFamily="2" charset="2"/>
-              <a:buChar char="§"/>
-            </a:pPr>
-            <a:r>
-              <a:rPr lang="pt-BR" sz="2000" dirty="0">
-                <a:solidFill>
-                  <a:schemeClr val="tx1"/>
-                </a:solidFill>
-                <a:latin typeface="Times New Roman" panose="02020603050405020304" pitchFamily="18" charset="0"/>
-                <a:cs typeface="Times New Roman" panose="02020603050405020304" pitchFamily="18" charset="0"/>
-              </a:rPr>
-              <a:t>OPENIOT</a:t>
-            </a:r>
-          </a:p>
-          <a:p>
-            <a:pPr algn="just">
-              <a:buFont typeface="Wingdings" panose="05000000000000000000" pitchFamily="2" charset="2"/>
-              <a:buChar char="§"/>
-            </a:pPr>
-            <a:r>
-              <a:rPr lang="pt-BR" sz="2000" dirty="0">
-                <a:solidFill>
-                  <a:schemeClr val="tx1"/>
-                </a:solidFill>
-                <a:latin typeface="Times New Roman" panose="02020603050405020304" pitchFamily="18" charset="0"/>
-                <a:cs typeface="Times New Roman" panose="02020603050405020304" pitchFamily="18" charset="0"/>
-              </a:rPr>
-              <a:t>THINGSBOARD</a:t>
-            </a:r>
-          </a:p>
-          <a:p>
             <a:pPr marL="0" indent="0" algn="just">
               <a:buNone/>
             </a:pPr>
-            <a:endParaRPr lang="pt-BR" sz="2000" dirty="0">
+            <a:r>
+              <a:rPr lang="pt-BR" sz="2400" dirty="0">
+                <a:solidFill>
+                  <a:schemeClr val="tx1"/>
+                </a:solidFill>
+                <a:latin typeface="Times New Roman" panose="02020603050405020304" pitchFamily="18" charset="0"/>
+                <a:cs typeface="Times New Roman" panose="02020603050405020304" pitchFamily="18" charset="0"/>
+              </a:rPr>
+              <a:t>Existem muitos </a:t>
+            </a:r>
+            <a:r>
+              <a:rPr lang="pt-BR" sz="2400" b="1" dirty="0">
+                <a:solidFill>
+                  <a:schemeClr val="tx1"/>
+                </a:solidFill>
+                <a:latin typeface="Times New Roman" panose="02020603050405020304" pitchFamily="18" charset="0"/>
+                <a:cs typeface="Times New Roman" panose="02020603050405020304" pitchFamily="18" charset="0"/>
+              </a:rPr>
+              <a:t>tipos de middleware</a:t>
+            </a:r>
+            <a:r>
+              <a:rPr lang="pt-BR" sz="2400" dirty="0">
+                <a:solidFill>
+                  <a:schemeClr val="tx1"/>
+                </a:solidFill>
+                <a:latin typeface="Times New Roman" panose="02020603050405020304" pitchFamily="18" charset="0"/>
+                <a:cs typeface="Times New Roman" panose="02020603050405020304" pitchFamily="18" charset="0"/>
+              </a:rPr>
+              <a:t>:</a:t>
+            </a:r>
+          </a:p>
+          <a:p>
+            <a:pPr marL="0" indent="0" algn="just">
+              <a:buNone/>
+            </a:pPr>
+            <a:endParaRPr lang="pt-BR" sz="2400" dirty="0">
               <a:solidFill>
                 <a:schemeClr val="tx1"/>
               </a:solidFill>
@@ -5540,12 +13050,140 @@
               <a:cs typeface="Times New Roman" panose="02020603050405020304" pitchFamily="18" charset="0"/>
             </a:endParaRPr>
           </a:p>
+          <a:p>
+            <a:pPr algn="just">
+              <a:buFont typeface="Wingdings" panose="05000000000000000000" pitchFamily="2" charset="2"/>
+              <a:buChar char="ü"/>
+            </a:pPr>
+            <a:r>
+              <a:rPr lang="pt-BR" sz="2400" dirty="0">
+                <a:solidFill>
+                  <a:schemeClr val="tx1"/>
+                </a:solidFill>
+                <a:latin typeface="Times New Roman" panose="02020603050405020304" pitchFamily="18" charset="0"/>
+                <a:cs typeface="Times New Roman" panose="02020603050405020304" pitchFamily="18" charset="0"/>
+              </a:rPr>
+              <a:t>Corretores de mensagens ou monitores de processamento de transações</a:t>
+            </a:r>
+          </a:p>
+          <a:p>
+            <a:pPr algn="just">
+              <a:buFont typeface="Wingdings" panose="05000000000000000000" pitchFamily="2" charset="2"/>
+              <a:buChar char="ü"/>
+            </a:pPr>
+            <a:r>
+              <a:rPr lang="pt-BR" sz="2400" dirty="0">
+                <a:solidFill>
+                  <a:schemeClr val="tx1"/>
+                </a:solidFill>
+                <a:latin typeface="Times New Roman" panose="02020603050405020304" pitchFamily="18" charset="0"/>
+                <a:cs typeface="Times New Roman" panose="02020603050405020304" pitchFamily="18" charset="0"/>
+              </a:rPr>
+              <a:t>Servidores de aplicativos da web ou de dispositivo móvel</a:t>
+            </a:r>
+          </a:p>
+          <a:p>
+            <a:pPr algn="just">
+              <a:buFont typeface="Wingdings" panose="05000000000000000000" pitchFamily="2" charset="2"/>
+              <a:buChar char="ü"/>
+            </a:pPr>
+            <a:r>
+              <a:rPr lang="pt-BR" sz="2400" dirty="0">
+                <a:solidFill>
+                  <a:schemeClr val="tx1"/>
+                </a:solidFill>
+                <a:latin typeface="Times New Roman" panose="02020603050405020304" pitchFamily="18" charset="0"/>
+                <a:cs typeface="Times New Roman" panose="02020603050405020304" pitchFamily="18" charset="0"/>
+              </a:rPr>
+              <a:t>Plataforma de integração baseada em nuvem como oferta de serviço (</a:t>
+            </a:r>
+            <a:r>
+              <a:rPr lang="pt-BR" sz="2400" b="1" dirty="0" err="1">
+                <a:solidFill>
+                  <a:srgbClr val="FF0000"/>
+                </a:solidFill>
+                <a:latin typeface="Times New Roman" panose="02020603050405020304" pitchFamily="18" charset="0"/>
+                <a:cs typeface="Times New Roman" panose="02020603050405020304" pitchFamily="18" charset="0"/>
+              </a:rPr>
+              <a:t>iPaaS</a:t>
+            </a:r>
+            <a:r>
+              <a:rPr lang="pt-BR" sz="2400" dirty="0">
+                <a:solidFill>
+                  <a:schemeClr val="tx1"/>
+                </a:solidFill>
+                <a:latin typeface="Times New Roman" panose="02020603050405020304" pitchFamily="18" charset="0"/>
+                <a:cs typeface="Times New Roman" panose="02020603050405020304" pitchFamily="18" charset="0"/>
+              </a:rPr>
+              <a:t> — </a:t>
+            </a:r>
+            <a:r>
+              <a:rPr lang="pt-BR" sz="2400" dirty="0" err="1">
+                <a:solidFill>
+                  <a:schemeClr val="tx1"/>
+                </a:solidFill>
+                <a:latin typeface="Times New Roman" panose="02020603050405020304" pitchFamily="18" charset="0"/>
+                <a:cs typeface="Times New Roman" panose="02020603050405020304" pitchFamily="18" charset="0"/>
+              </a:rPr>
+              <a:t>Integration</a:t>
+            </a:r>
+            <a:r>
+              <a:rPr lang="pt-BR" sz="2400" dirty="0">
+                <a:solidFill>
+                  <a:schemeClr val="tx1"/>
+                </a:solidFill>
+                <a:latin typeface="Times New Roman" panose="02020603050405020304" pitchFamily="18" charset="0"/>
+                <a:cs typeface="Times New Roman" panose="02020603050405020304" pitchFamily="18" charset="0"/>
+              </a:rPr>
+              <a:t> </a:t>
+            </a:r>
+            <a:r>
+              <a:rPr lang="pt-BR" sz="2400" dirty="0" err="1">
+                <a:solidFill>
+                  <a:schemeClr val="tx1"/>
+                </a:solidFill>
+                <a:latin typeface="Times New Roman" panose="02020603050405020304" pitchFamily="18" charset="0"/>
+                <a:cs typeface="Times New Roman" panose="02020603050405020304" pitchFamily="18" charset="0"/>
+              </a:rPr>
+              <a:t>Plataform</a:t>
+            </a:r>
+            <a:r>
+              <a:rPr lang="pt-BR" sz="2400" dirty="0">
+                <a:solidFill>
+                  <a:schemeClr val="tx1"/>
+                </a:solidFill>
+                <a:latin typeface="Times New Roman" panose="02020603050405020304" pitchFamily="18" charset="0"/>
+                <a:cs typeface="Times New Roman" panose="02020603050405020304" pitchFamily="18" charset="0"/>
+              </a:rPr>
+              <a:t> as a Service) ou um barramento de serviço corporativo (</a:t>
+            </a:r>
+            <a:r>
+              <a:rPr lang="pt-BR" sz="2400" b="1" dirty="0">
+                <a:solidFill>
+                  <a:srgbClr val="FF0000"/>
+                </a:solidFill>
+                <a:latin typeface="Times New Roman" panose="02020603050405020304" pitchFamily="18" charset="0"/>
+                <a:cs typeface="Times New Roman" panose="02020603050405020304" pitchFamily="18" charset="0"/>
+              </a:rPr>
+              <a:t>EBS</a:t>
+            </a:r>
+            <a:r>
+              <a:rPr lang="pt-BR" sz="2400" dirty="0">
+                <a:solidFill>
+                  <a:schemeClr val="tx1"/>
+                </a:solidFill>
+                <a:latin typeface="Times New Roman" panose="02020603050405020304" pitchFamily="18" charset="0"/>
+                <a:cs typeface="Times New Roman" panose="02020603050405020304" pitchFamily="18" charset="0"/>
+              </a:rPr>
+              <a:t> — Enterprise Service Bus)</a:t>
+            </a:r>
+          </a:p>
         </p:txBody>
       </p:sp>
     </p:spTree>
     <p:extLst>
       <p:ext uri="{BB962C8B-B14F-4D97-AF65-F5344CB8AC3E}">
-        <p14:creationId xmlns:p14="http://schemas.microsoft.com/office/powerpoint/2010/main" val="2053137068"/>
+        <p14:creationId xmlns:p14="http://schemas.microsoft.com/office/powerpoint/2010/main" val="2764289656"/>
       </p:ext>
     </p:extLst>
   </p:cSld>
@@ -5601,7 +13239,7 @@
                   <a:srgbClr val="0070C0"/>
                 </a:solidFill>
               </a:rPr>
-              <a:t>Protocolos de Rede para IOT</a:t>
+              <a:t>Plataformas Middleware</a:t>
             </a:r>
             <a:endParaRPr lang="en-US" b="1" dirty="0">
               <a:solidFill>
@@ -5633,6 +13271,58 @@
           </a:bodyPr>
           <a:lstStyle/>
           <a:p>
+            <a:pPr marL="0" indent="0" algn="just">
+              <a:buNone/>
+            </a:pPr>
+            <a:r>
+              <a:rPr lang="pt-BR" sz="2000" dirty="0">
+                <a:latin typeface="Times New Roman" panose="02020603050405020304" pitchFamily="18" charset="0"/>
+                <a:cs typeface="Times New Roman" panose="02020603050405020304" pitchFamily="18" charset="0"/>
+              </a:rPr>
+              <a:t>Podem fornecer </a:t>
+            </a:r>
+            <a:r>
+              <a:rPr lang="pt-BR" sz="2000" b="1" dirty="0">
+                <a:solidFill>
+                  <a:srgbClr val="FF0000"/>
+                </a:solidFill>
+                <a:latin typeface="Times New Roman" panose="02020603050405020304" pitchFamily="18" charset="0"/>
+                <a:cs typeface="Times New Roman" panose="02020603050405020304" pitchFamily="18" charset="0"/>
+              </a:rPr>
+              <a:t>serviços</a:t>
+            </a:r>
+            <a:r>
+              <a:rPr lang="pt-BR" sz="2000" dirty="0">
+                <a:latin typeface="Times New Roman" panose="02020603050405020304" pitchFamily="18" charset="0"/>
+                <a:cs typeface="Times New Roman" panose="02020603050405020304" pitchFamily="18" charset="0"/>
+              </a:rPr>
+              <a:t> que permitem que diferentes aplicativos e serviços se comuniquem usando </a:t>
+            </a:r>
+            <a:r>
+              <a:rPr lang="pt-BR" sz="2000" b="1" dirty="0">
+                <a:latin typeface="Times New Roman" panose="02020603050405020304" pitchFamily="18" charset="0"/>
+                <a:cs typeface="Times New Roman" panose="02020603050405020304" pitchFamily="18" charset="0"/>
+              </a:rPr>
+              <a:t>estruturas de mensagens </a:t>
+            </a:r>
+            <a:r>
+              <a:rPr lang="pt-BR" sz="2000" dirty="0">
+                <a:latin typeface="Times New Roman" panose="02020603050405020304" pitchFamily="18" charset="0"/>
+                <a:cs typeface="Times New Roman" panose="02020603050405020304" pitchFamily="18" charset="0"/>
+              </a:rPr>
+              <a:t>comuns, como:</a:t>
+            </a:r>
+          </a:p>
+          <a:p>
+            <a:pPr marL="0" indent="0" algn="just">
+              <a:buNone/>
+            </a:pPr>
+            <a:endParaRPr lang="pt-BR" sz="2000" dirty="0">
+              <a:latin typeface="Times New Roman" panose="02020603050405020304" pitchFamily="18" charset="0"/>
+              <a:cs typeface="Times New Roman" panose="02020603050405020304" pitchFamily="18" charset="0"/>
+            </a:endParaRPr>
+          </a:p>
+          <a:p>
             <a:pPr algn="just">
               <a:buFont typeface="Wingdings" panose="05000000000000000000" pitchFamily="2" charset="2"/>
               <a:buChar char="§"/>
@@ -5642,7 +13332,21 @@
                 <a:latin typeface="Times New Roman" panose="02020603050405020304" pitchFamily="18" charset="0"/>
                 <a:cs typeface="Times New Roman" panose="02020603050405020304" pitchFamily="18" charset="0"/>
               </a:rPr>
-              <a:t>MQTT</a:t>
+              <a:t>JSON (notação de objeto </a:t>
+            </a:r>
+            <a:r>
+              <a:rPr lang="pt-BR" sz="2000" dirty="0" err="1">
+                <a:latin typeface="Times New Roman" panose="02020603050405020304" pitchFamily="18" charset="0"/>
+                <a:cs typeface="Times New Roman" panose="02020603050405020304" pitchFamily="18" charset="0"/>
+              </a:rPr>
+              <a:t>JavaScript</a:t>
+            </a:r>
+            <a:r>
+              <a:rPr lang="pt-BR" sz="2000" dirty="0">
+                <a:latin typeface="Times New Roman" panose="02020603050405020304" pitchFamily="18" charset="0"/>
+                <a:cs typeface="Times New Roman" panose="02020603050405020304" pitchFamily="18" charset="0"/>
+              </a:rPr>
+              <a:t>);</a:t>
             </a:r>
           </a:p>
           <a:p>
@@ -5655,7 +13359,7 @@
                 <a:latin typeface="Times New Roman" panose="02020603050405020304" pitchFamily="18" charset="0"/>
                 <a:cs typeface="Times New Roman" panose="02020603050405020304" pitchFamily="18" charset="0"/>
               </a:rPr>
-              <a:t>COAP</a:t>
+              <a:t>REST (transferência de estado representacional);</a:t>
             </a:r>
           </a:p>
           <a:p>
@@ -5668,7 +13372,7 @@
                 <a:latin typeface="Times New Roman" panose="02020603050405020304" pitchFamily="18" charset="0"/>
                 <a:cs typeface="Times New Roman" panose="02020603050405020304" pitchFamily="18" charset="0"/>
               </a:rPr>
-              <a:t>XMPP­IOT</a:t>
+              <a:t>XML (linguagem de marcação extensível);</a:t>
             </a:r>
           </a:p>
           <a:p>
@@ -5681,7 +13385,7 @@
                 <a:latin typeface="Times New Roman" panose="02020603050405020304" pitchFamily="18" charset="0"/>
                 <a:cs typeface="Times New Roman" panose="02020603050405020304" pitchFamily="18" charset="0"/>
               </a:rPr>
-              <a:t>RESTFUL HTTP </a:t>
+              <a:t>SOAP (protocolo de acesso a objeto simples);</a:t>
             </a:r>
           </a:p>
           <a:p>
@@ -5694,27 +13398,52 @@
                 <a:latin typeface="Times New Roman" panose="02020603050405020304" pitchFamily="18" charset="0"/>
                 <a:cs typeface="Times New Roman" panose="02020603050405020304" pitchFamily="18" charset="0"/>
               </a:rPr>
-              <a:t>DDS</a:t>
-            </a:r>
-          </a:p>
-          <a:p>
-            <a:pPr algn="just">
-              <a:buFont typeface="Wingdings" panose="05000000000000000000" pitchFamily="2" charset="2"/>
-              <a:buChar char="§"/>
-            </a:pPr>
-            <a:r>
-              <a:rPr lang="pt-BR" sz="2000" dirty="0">
-                <a:latin typeface="Times New Roman" panose="02020603050405020304" pitchFamily="18" charset="0"/>
-                <a:cs typeface="Times New Roman" panose="02020603050405020304" pitchFamily="18" charset="0"/>
-              </a:rPr>
-              <a:t>AMQP</a:t>
+              <a:t>Serviços web.</a:t>
             </a:r>
           </a:p>
           <a:p>
             <a:pPr marL="0" indent="0" algn="just">
               <a:buNone/>
             </a:pPr>
-            <a:endParaRPr lang="pt-BR" sz="2000" dirty="0">
+            <a:r>
+              <a:rPr lang="pt-BR" sz="2000" dirty="0">
+                <a:latin typeface="Times New Roman" panose="02020603050405020304" pitchFamily="18" charset="0"/>
+                <a:cs typeface="Times New Roman" panose="02020603050405020304" pitchFamily="18" charset="0"/>
+              </a:rPr>
+              <a:t>Escritos em várias linguagens: </a:t>
+            </a:r>
+            <a:r>
+              <a:rPr lang="pt-BR" sz="2000" b="1" dirty="0">
+                <a:solidFill>
+                  <a:srgbClr val="FF0000"/>
+                </a:solidFill>
+                <a:latin typeface="Times New Roman" panose="02020603050405020304" pitchFamily="18" charset="0"/>
+                <a:cs typeface="Times New Roman" panose="02020603050405020304" pitchFamily="18" charset="0"/>
+              </a:rPr>
+              <a:t>Java, C++, PHP e Python,</a:t>
+            </a:r>
+            <a:r>
+              <a:rPr lang="pt-BR" sz="2000" dirty="0">
+                <a:latin typeface="Times New Roman" panose="02020603050405020304" pitchFamily="18" charset="0"/>
+                <a:cs typeface="Times New Roman" panose="02020603050405020304" pitchFamily="18" charset="0"/>
+              </a:rPr>
+              <a:t> </a:t>
+            </a:r>
+            <a:r>
+              <a:rPr lang="pt-BR" sz="2000" dirty="0" err="1">
+                <a:latin typeface="Times New Roman" panose="02020603050405020304" pitchFamily="18" charset="0"/>
+                <a:cs typeface="Times New Roman" panose="02020603050405020304" pitchFamily="18" charset="0"/>
+              </a:rPr>
+              <a:t>etc</a:t>
+            </a:r>
+            <a:r>
+              <a:rPr lang="pt-BR" sz="2000" dirty="0">
+                <a:latin typeface="Times New Roman" panose="02020603050405020304" pitchFamily="18" charset="0"/>
+                <a:cs typeface="Times New Roman" panose="02020603050405020304" pitchFamily="18" charset="0"/>
+              </a:rPr>
+              <a:t>, conversem entre si.</a:t>
+            </a:r>
+            <a:endParaRPr lang="pt-BR" sz="1800" dirty="0">
               <a:solidFill>
                 <a:schemeClr val="tx1"/>
               </a:solidFill>
@@ -5727,7 +13456,7 @@
     </p:spTree>
     <p:extLst>
       <p:ext uri="{BB962C8B-B14F-4D97-AF65-F5344CB8AC3E}">
-        <p14:creationId xmlns:p14="http://schemas.microsoft.com/office/powerpoint/2010/main" val="1754424786"/>
+        <p14:creationId xmlns:p14="http://schemas.microsoft.com/office/powerpoint/2010/main" val="2616633350"/>
       </p:ext>
     </p:extLst>
   </p:cSld>
@@ -5778,28 +13507,12 @@
           <a:lstStyle/>
           <a:p>
             <a:r>
-              <a:rPr lang="en-US" b="1" dirty="0" err="1">
+              <a:rPr lang="pt-BR" b="1" dirty="0">
                 <a:solidFill>
                   <a:srgbClr val="0070C0"/>
                 </a:solidFill>
               </a:rPr>
-              <a:t>Leitura</a:t>
-            </a:r>
-            <a:r>
-              <a:rPr lang="en-US" b="1" dirty="0">
-                <a:solidFill>
-                  <a:srgbClr val="0070C0"/>
-                </a:solidFill>
-              </a:rPr>
-              <a:t> </a:t>
-            </a:r>
-            <a:r>
-              <a:rPr lang="en-US" b="1" dirty="0" err="1">
-                <a:solidFill>
-                  <a:srgbClr val="0070C0"/>
-                </a:solidFill>
-              </a:rPr>
-              <a:t>Específica</a:t>
+              <a:t>Plataformas Middleware</a:t>
             </a:r>
             <a:endParaRPr lang="en-US" b="1" dirty="0">
               <a:solidFill>
@@ -5821,8 +13534,8 @@
         </p:nvSpPr>
         <p:spPr>
           <a:xfrm>
-            <a:off x="142865" y="1200151"/>
-            <a:ext cx="8865056" cy="3394472"/>
+            <a:off x="142865" y="1200150"/>
+            <a:ext cx="8865056" cy="3737370"/>
           </a:xfrm>
         </p:spPr>
         <p:txBody>
@@ -5835,43 +13548,49 @@
               <a:buNone/>
             </a:pPr>
             <a:r>
+              <a:rPr lang="pt-BR" sz="2400" b="1" dirty="0">
+                <a:solidFill>
+                  <a:srgbClr val="FF0000"/>
+                </a:solidFill>
+                <a:latin typeface="Times New Roman" panose="02020603050405020304" pitchFamily="18" charset="0"/>
+                <a:cs typeface="Times New Roman" panose="02020603050405020304" pitchFamily="18" charset="0"/>
+              </a:rPr>
+              <a:t>Serviços</a:t>
+            </a:r>
+            <a:r>
               <a:rPr lang="pt-BR" sz="2400" dirty="0">
                 <a:latin typeface="Times New Roman" panose="02020603050405020304" pitchFamily="18" charset="0"/>
                 <a:cs typeface="Times New Roman" panose="02020603050405020304" pitchFamily="18" charset="0"/>
               </a:rPr>
-              <a:t>[1] Plataformas de Middleware e de Comunicação para IOT em Python.</a:t>
+              <a:t>, como:</a:t>
             </a:r>
           </a:p>
           <a:p>
             <a:pPr marL="0" indent="0" algn="just">
               <a:buNone/>
             </a:pPr>
-            <a:r>
-              <a:rPr lang="pt-BR" sz="2400" b="1" dirty="0">
-                <a:solidFill>
-                  <a:srgbClr val="FF0000"/>
-                </a:solidFill>
-                <a:latin typeface="Times New Roman" panose="02020603050405020304" pitchFamily="18" charset="0"/>
-                <a:cs typeface="Times New Roman" panose="02020603050405020304" pitchFamily="18" charset="0"/>
-              </a:rPr>
-              <a:t>Disponível em: </a:t>
-            </a:r>
-            <a:r>
-              <a:rPr lang="pt-BR" sz="2400" dirty="0">
-                <a:latin typeface="Times New Roman" panose="02020603050405020304" pitchFamily="18" charset="0"/>
-                <a:cs typeface="Times New Roman" panose="02020603050405020304" pitchFamily="18" charset="0"/>
-                <a:hlinkClick r:id="rId3"/>
-              </a:rPr>
-              <a:t>https://</a:t>
-            </a:r>
             <a:endParaRPr lang="pt-BR" sz="2400" dirty="0">
               <a:latin typeface="Times New Roman" panose="02020603050405020304" pitchFamily="18" charset="0"/>
               <a:cs typeface="Times New Roman" panose="02020603050405020304" pitchFamily="18" charset="0"/>
             </a:endParaRPr>
           </a:p>
           <a:p>
-            <a:pPr marL="0" indent="0" algn="just">
-              <a:buNone/>
+            <a:pPr algn="just">
+              <a:buFont typeface="Wingdings" panose="05000000000000000000" pitchFamily="2" charset="2"/>
+              <a:buChar char="§"/>
+            </a:pPr>
+            <a:r>
+              <a:rPr lang="pt-BR" sz="2400" dirty="0">
+                <a:latin typeface="Times New Roman" panose="02020603050405020304" pitchFamily="18" charset="0"/>
+                <a:cs typeface="Times New Roman" panose="02020603050405020304" pitchFamily="18" charset="0"/>
+              </a:rPr>
+              <a:t>Configure e controle conexões e integrações</a:t>
+            </a:r>
+          </a:p>
+          <a:p>
+            <a:pPr algn="just">
+              <a:buFont typeface="Wingdings" panose="05000000000000000000" pitchFamily="2" charset="2"/>
+              <a:buChar char="§"/>
             </a:pPr>
             <a:endParaRPr lang="pt-BR" sz="2400" dirty="0">
               <a:latin typeface="Times New Roman" panose="02020603050405020304" pitchFamily="18" charset="0"/>
@@ -5879,50 +13598,22 @@
             </a:endParaRPr>
           </a:p>
           <a:p>
-            <a:pPr marL="0" indent="0" algn="just">
-              <a:buNone/>
+            <a:pPr algn="just">
+              <a:buFont typeface="Wingdings" panose="05000000000000000000" pitchFamily="2" charset="2"/>
+              <a:buChar char="§"/>
             </a:pPr>
             <a:r>
               <a:rPr lang="pt-BR" sz="2400" dirty="0">
                 <a:latin typeface="Times New Roman" panose="02020603050405020304" pitchFamily="18" charset="0"/>
                 <a:cs typeface="Times New Roman" panose="02020603050405020304" pitchFamily="18" charset="0"/>
               </a:rPr>
-              <a:t>[2] Protocolos de Rede para IOT em Python. </a:t>
-            </a:r>
-          </a:p>
-          <a:p>
-            <a:pPr marL="0" indent="0" algn="just">
-              <a:buNone/>
-            </a:pPr>
-            <a:r>
-              <a:rPr lang="pt-BR" sz="2400" b="1" dirty="0">
-                <a:solidFill>
-                  <a:srgbClr val="FF0000"/>
-                </a:solidFill>
-                <a:latin typeface="Times New Roman" panose="02020603050405020304" pitchFamily="18" charset="0"/>
-                <a:cs typeface="Times New Roman" panose="02020603050405020304" pitchFamily="18" charset="0"/>
-              </a:rPr>
-              <a:t>Disponível em: </a:t>
-            </a:r>
-            <a:r>
-              <a:rPr lang="pt-BR" sz="2400" dirty="0">
-                <a:latin typeface="Times New Roman" panose="02020603050405020304" pitchFamily="18" charset="0"/>
-                <a:cs typeface="Times New Roman" panose="02020603050405020304" pitchFamily="18" charset="0"/>
-                <a:hlinkClick r:id="rId4"/>
-              </a:rPr>
-              <a:t>https:</a:t>
-            </a:r>
-            <a:r>
-              <a:rPr lang="pt-BR" sz="2400" dirty="0">
-                <a:latin typeface="Times New Roman" panose="02020603050405020304" pitchFamily="18" charset="0"/>
-                <a:cs typeface="Times New Roman" panose="02020603050405020304" pitchFamily="18" charset="0"/>
-              </a:rPr>
-              <a:t>//</a:t>
-            </a:r>
-          </a:p>
-          <a:p>
-            <a:pPr marL="0" indent="0" algn="just">
-              <a:buNone/>
+              <a:t>Conexões seguras e transferência de dados</a:t>
+            </a:r>
+          </a:p>
+          <a:p>
+            <a:pPr algn="just">
+              <a:buFont typeface="Wingdings" panose="05000000000000000000" pitchFamily="2" charset="2"/>
+              <a:buChar char="§"/>
             </a:pPr>
             <a:endParaRPr lang="pt-BR" sz="2400" dirty="0">
               <a:latin typeface="Times New Roman" panose="02020603050405020304" pitchFamily="18" charset="0"/>
@@ -5930,29 +13621,23 @@
             </a:endParaRPr>
           </a:p>
           <a:p>
-            <a:pPr marL="0" indent="0" algn="just">
-              <a:buNone/>
-            </a:pPr>
+            <a:pPr algn="just">
+              <a:buFont typeface="Wingdings" panose="05000000000000000000" pitchFamily="2" charset="2"/>
+              <a:buChar char="§"/>
+            </a:pPr>
+            <a:r>
+              <a:rPr lang="pt-BR" sz="2400" dirty="0">
+                <a:latin typeface="Times New Roman" panose="02020603050405020304" pitchFamily="18" charset="0"/>
+                <a:cs typeface="Times New Roman" panose="02020603050405020304" pitchFamily="18" charset="0"/>
+              </a:rPr>
+              <a:t>Gerencie o tráfego dinamicamente em sistemas distribuídos</a:t>
+            </a:r>
             <a:endParaRPr lang="pt-BR" sz="2400" dirty="0">
+              <a:solidFill>
+                <a:schemeClr val="tx1"/>
+              </a:solidFill>
               <a:latin typeface="Times New Roman" panose="02020603050405020304" pitchFamily="18" charset="0"/>
               <a:cs typeface="Times New Roman" panose="02020603050405020304" pitchFamily="18" charset="0"/>
-            </a:endParaRPr>
-          </a:p>
-          <a:p>
-            <a:pPr marL="0" indent="0" algn="just">
-              <a:buNone/>
-            </a:pPr>
-            <a:endParaRPr lang="pt-BR" sz="2400" dirty="0">
-              <a:latin typeface="Times New Roman" panose="02020603050405020304" pitchFamily="18" charset="0"/>
-              <a:cs typeface="Times New Roman" panose="02020603050405020304" pitchFamily="18" charset="0"/>
-            </a:endParaRPr>
-          </a:p>
-          <a:p>
-            <a:pPr marL="0" indent="0" algn="just">
-              <a:buNone/>
-            </a:pPr>
-            <a:endParaRPr lang="pt-BR" sz="2400" dirty="0">
-              <a:latin typeface="Calibri" panose="020F0502020204030204" pitchFamily="34" charset="0"/>
             </a:endParaRPr>
           </a:p>
         </p:txBody>
@@ -5960,7 +13645,7 @@
     </p:spTree>
     <p:extLst>
       <p:ext uri="{BB962C8B-B14F-4D97-AF65-F5344CB8AC3E}">
-        <p14:creationId xmlns:p14="http://schemas.microsoft.com/office/powerpoint/2010/main" val="3680270425"/>
+        <p14:creationId xmlns:p14="http://schemas.microsoft.com/office/powerpoint/2010/main" val="724910840"/>
       </p:ext>
     </p:extLst>
   </p:cSld>
@@ -6011,21 +13696,18 @@
           <a:lstStyle/>
           <a:p>
             <a:r>
-              <a:rPr lang="en-US" b="1" dirty="0" err="1">
+              <a:rPr lang="pt-BR" b="1" dirty="0">
                 <a:solidFill>
                   <a:srgbClr val="0070C0"/>
                 </a:solidFill>
               </a:rPr>
-              <a:t>Aprenda</a:t>
-            </a:r>
-            <a:r>
-              <a:rPr lang="en-US" b="1" dirty="0">
-                <a:solidFill>
-                  <a:srgbClr val="0070C0"/>
-                </a:solidFill>
-              </a:rPr>
-              <a:t>+</a:t>
-            </a:r>
+              <a:t>Plataformas Middleware</a:t>
+            </a:r>
+            <a:endParaRPr lang="en-US" b="1" dirty="0">
+              <a:solidFill>
+                <a:srgbClr val="0070C0"/>
+              </a:solidFill>
+            </a:endParaRPr>
           </a:p>
         </p:txBody>
       </p:sp>
@@ -6055,93 +13737,87 @@
               <a:buNone/>
             </a:pPr>
             <a:r>
+              <a:rPr lang="pt-BR" sz="2400" b="1" dirty="0">
+                <a:solidFill>
+                  <a:srgbClr val="FF0000"/>
+                </a:solidFill>
+                <a:latin typeface="Times New Roman" panose="02020603050405020304" pitchFamily="18" charset="0"/>
+                <a:cs typeface="Times New Roman" panose="02020603050405020304" pitchFamily="18" charset="0"/>
+              </a:rPr>
+              <a:t>Camadas</a:t>
+            </a:r>
+            <a:r>
               <a:rPr lang="pt-BR" sz="2400" dirty="0">
                 <a:latin typeface="Times New Roman" panose="02020603050405020304" pitchFamily="18" charset="0"/>
                 <a:cs typeface="Times New Roman" panose="02020603050405020304" pitchFamily="18" charset="0"/>
               </a:rPr>
-              <a:t>[1] Plataformas de Middleware e de Comunicação para IOT em Python.</a:t>
+              <a:t>, como:</a:t>
             </a:r>
           </a:p>
           <a:p>
             <a:pPr marL="0" indent="0" algn="just">
               <a:buNone/>
             </a:pPr>
-            <a:r>
-              <a:rPr lang="pt-BR" sz="2400" b="1" dirty="0">
-                <a:solidFill>
-                  <a:srgbClr val="FF0000"/>
-                </a:solidFill>
-                <a:latin typeface="Times New Roman" panose="02020603050405020304" pitchFamily="18" charset="0"/>
-                <a:cs typeface="Times New Roman" panose="02020603050405020304" pitchFamily="18" charset="0"/>
-              </a:rPr>
-              <a:t>Disponível em: </a:t>
-            </a:r>
-            <a:r>
-              <a:rPr lang="pt-BR" sz="2400" dirty="0">
-                <a:latin typeface="Times New Roman" panose="02020603050405020304" pitchFamily="18" charset="0"/>
-                <a:cs typeface="Times New Roman" panose="02020603050405020304" pitchFamily="18" charset="0"/>
-                <a:hlinkClick r:id="rId3"/>
-              </a:rPr>
-              <a:t>https://</a:t>
-            </a:r>
             <a:endParaRPr lang="pt-BR" sz="2400" dirty="0">
               <a:latin typeface="Times New Roman" panose="02020603050405020304" pitchFamily="18" charset="0"/>
               <a:cs typeface="Times New Roman" panose="02020603050405020304" pitchFamily="18" charset="0"/>
             </a:endParaRPr>
           </a:p>
           <a:p>
-            <a:pPr marL="0" indent="0" algn="just">
-              <a:buNone/>
-            </a:pPr>
+            <a:pPr algn="just">
+              <a:buFont typeface="Wingdings" panose="05000000000000000000" pitchFamily="2" charset="2"/>
+              <a:buChar char="§"/>
+            </a:pPr>
+            <a:r>
+              <a:rPr lang="pt-BR" sz="2400" dirty="0">
+                <a:latin typeface="Times New Roman" panose="02020603050405020304" pitchFamily="18" charset="0"/>
+                <a:cs typeface="Times New Roman" panose="02020603050405020304" pitchFamily="18" charset="0"/>
+              </a:rPr>
+              <a:t>Camada de containers (CI/CD)</a:t>
+            </a:r>
+          </a:p>
+          <a:p>
+            <a:pPr algn="just">
+              <a:buFont typeface="Wingdings" panose="05000000000000000000" pitchFamily="2" charset="2"/>
+              <a:buChar char="§"/>
+            </a:pPr>
+            <a:r>
+              <a:rPr lang="pt-BR" sz="2400" dirty="0">
+                <a:latin typeface="Times New Roman" panose="02020603050405020304" pitchFamily="18" charset="0"/>
+                <a:cs typeface="Times New Roman" panose="02020603050405020304" pitchFamily="18" charset="0"/>
+              </a:rPr>
+              <a:t>Camada de ambientes de execução</a:t>
+            </a:r>
+          </a:p>
+          <a:p>
+            <a:pPr algn="just">
+              <a:buFont typeface="Wingdings" panose="05000000000000000000" pitchFamily="2" charset="2"/>
+              <a:buChar char="§"/>
+            </a:pPr>
+            <a:r>
+              <a:rPr lang="pt-BR" sz="2400" dirty="0">
+                <a:latin typeface="Times New Roman" panose="02020603050405020304" pitchFamily="18" charset="0"/>
+                <a:cs typeface="Times New Roman" panose="02020603050405020304" pitchFamily="18" charset="0"/>
+              </a:rPr>
+              <a:t>Camada de integração</a:t>
+            </a:r>
+          </a:p>
+          <a:p>
+            <a:pPr algn="just">
+              <a:buFont typeface="Wingdings" panose="05000000000000000000" pitchFamily="2" charset="2"/>
+              <a:buChar char="§"/>
+            </a:pPr>
+            <a:r>
+              <a:rPr lang="pt-BR" sz="2400" dirty="0">
+                <a:latin typeface="Times New Roman" panose="02020603050405020304" pitchFamily="18" charset="0"/>
+                <a:cs typeface="Times New Roman" panose="02020603050405020304" pitchFamily="18" charset="0"/>
+              </a:rPr>
+              <a:t>Camada de automação de processos e gerenciamento de decisões </a:t>
+            </a:r>
             <a:endParaRPr lang="pt-BR" sz="2400" dirty="0">
-              <a:latin typeface="Times New Roman" panose="02020603050405020304" pitchFamily="18" charset="0"/>
-              <a:cs typeface="Times New Roman" panose="02020603050405020304" pitchFamily="18" charset="0"/>
-            </a:endParaRPr>
-          </a:p>
-          <a:p>
-            <a:pPr marL="0" indent="0" algn="just">
-              <a:buNone/>
-            </a:pPr>
-            <a:r>
-              <a:rPr lang="pt-BR" sz="2400" dirty="0">
-                <a:latin typeface="Times New Roman" panose="02020603050405020304" pitchFamily="18" charset="0"/>
-                <a:cs typeface="Times New Roman" panose="02020603050405020304" pitchFamily="18" charset="0"/>
-              </a:rPr>
-              <a:t>[2] Protocolos de Rede para IOT em Python. </a:t>
-            </a:r>
-          </a:p>
-          <a:p>
-            <a:pPr marL="0" indent="0" algn="just">
-              <a:buNone/>
-            </a:pPr>
-            <a:r>
-              <a:rPr lang="pt-BR" sz="2400" b="1" dirty="0">
-                <a:solidFill>
-                  <a:srgbClr val="FF0000"/>
-                </a:solidFill>
-                <a:latin typeface="Times New Roman" panose="02020603050405020304" pitchFamily="18" charset="0"/>
-                <a:cs typeface="Times New Roman" panose="02020603050405020304" pitchFamily="18" charset="0"/>
-              </a:rPr>
-              <a:t>Disponível em: </a:t>
-            </a:r>
-            <a:r>
-              <a:rPr lang="pt-BR" sz="2400" dirty="0">
-                <a:latin typeface="Times New Roman" panose="02020603050405020304" pitchFamily="18" charset="0"/>
-                <a:cs typeface="Times New Roman" panose="02020603050405020304" pitchFamily="18" charset="0"/>
-                <a:hlinkClick r:id="rId4"/>
-              </a:rPr>
-              <a:t>https://</a:t>
-            </a:r>
-            <a:endParaRPr lang="pt-BR" sz="2400" dirty="0">
-              <a:latin typeface="Times New Roman" panose="02020603050405020304" pitchFamily="18" charset="0"/>
-              <a:cs typeface="Times New Roman" panose="02020603050405020304" pitchFamily="18" charset="0"/>
-            </a:endParaRPr>
-          </a:p>
-          <a:p>
-            <a:pPr marL="0" indent="0" algn="just">
-              <a:buNone/>
-            </a:pPr>
-            <a:endParaRPr lang="pt-BR" sz="2400" dirty="0">
+              <a:solidFill>
+                <a:schemeClr val="tx1"/>
+              </a:solidFill>
               <a:latin typeface="Times New Roman" panose="02020603050405020304" pitchFamily="18" charset="0"/>
               <a:cs typeface="Times New Roman" panose="02020603050405020304" pitchFamily="18" charset="0"/>
             </a:endParaRPr>
@@ -6151,7 +13827,7 @@
     </p:spTree>
     <p:extLst>
       <p:ext uri="{BB962C8B-B14F-4D97-AF65-F5344CB8AC3E}">
-        <p14:creationId xmlns:p14="http://schemas.microsoft.com/office/powerpoint/2010/main" val="2747596967"/>
+        <p14:creationId xmlns:p14="http://schemas.microsoft.com/office/powerpoint/2010/main" val="1204418082"/>
       </p:ext>
     </p:extLst>
   </p:cSld>
@@ -6202,28 +13878,12 @@
           <a:lstStyle/>
           <a:p>
             <a:r>
-              <a:rPr lang="en-US" b="1" dirty="0" err="1">
+              <a:rPr lang="pt-BR" b="1" dirty="0">
                 <a:solidFill>
                   <a:srgbClr val="0070C0"/>
                 </a:solidFill>
               </a:rPr>
-              <a:t>Dinâmica</a:t>
-            </a:r>
-            <a:r>
-              <a:rPr lang="en-US" b="1" dirty="0">
-                <a:solidFill>
-                  <a:srgbClr val="0070C0"/>
-                </a:solidFill>
-              </a:rPr>
-              <a:t>/</a:t>
-            </a:r>
-            <a:r>
-              <a:rPr lang="en-US" b="1" dirty="0" err="1">
-                <a:solidFill>
-                  <a:srgbClr val="0070C0"/>
-                </a:solidFill>
-              </a:rPr>
-              <a:t>Atividades</a:t>
+              <a:t>Plataformas Middleware</a:t>
             </a:r>
             <a:endParaRPr lang="en-US" b="1" dirty="0">
               <a:solidFill>
@@ -6245,8 +13905,8 @@
         </p:nvSpPr>
         <p:spPr>
           <a:xfrm>
-            <a:off x="139472" y="1063230"/>
-            <a:ext cx="8865056" cy="3606305"/>
+            <a:off x="142865" y="1200150"/>
+            <a:ext cx="8865056" cy="3737370"/>
           </a:xfrm>
         </p:spPr>
         <p:txBody>
@@ -6259,159 +13919,172 @@
               <a:buNone/>
             </a:pPr>
             <a:r>
+              <a:rPr lang="pt-BR" sz="2400" b="1" dirty="0">
+                <a:solidFill>
+                  <a:srgbClr val="FF0000"/>
+                </a:solidFill>
+                <a:latin typeface="Times New Roman" panose="02020603050405020304" pitchFamily="18" charset="0"/>
+                <a:cs typeface="Times New Roman" panose="02020603050405020304" pitchFamily="18" charset="0"/>
+              </a:rPr>
+              <a:t>Tipos</a:t>
+            </a:r>
+            <a:r>
               <a:rPr lang="pt-BR" sz="2400" dirty="0">
                 <a:latin typeface="Times New Roman" panose="02020603050405020304" pitchFamily="18" charset="0"/>
                 <a:cs typeface="Times New Roman" panose="02020603050405020304" pitchFamily="18" charset="0"/>
               </a:rPr>
-              <a:t>Exercícios (Atividade Verificadora de Aprendizagem)</a:t>
+              <a:t>, como:</a:t>
             </a:r>
           </a:p>
           <a:p>
             <a:pPr marL="0" indent="0" algn="just">
               <a:buNone/>
             </a:pPr>
-            <a:r>
-              <a:rPr lang="pt-BR" sz="2400" dirty="0">
-                <a:latin typeface="Times New Roman" panose="02020603050405020304" pitchFamily="18" charset="0"/>
-                <a:cs typeface="Times New Roman" panose="02020603050405020304" pitchFamily="18" charset="0"/>
-              </a:rPr>
-              <a:t> 	</a:t>
-            </a:r>
-          </a:p>
-          <a:p>
-            <a:pPr marL="0" indent="0" algn="just">
-              <a:buNone/>
-            </a:pPr>
-            <a:r>
-              <a:rPr lang="pt-BR" sz="2400" dirty="0">
-                <a:latin typeface="Times New Roman" panose="02020603050405020304" pitchFamily="18" charset="0"/>
-                <a:cs typeface="Times New Roman" panose="02020603050405020304" pitchFamily="18" charset="0"/>
-              </a:rPr>
-              <a:t>-- Plataforma </a:t>
-            </a:r>
-            <a:r>
-              <a:rPr lang="pt-BR" sz="2400" dirty="0" err="1">
-                <a:latin typeface="Times New Roman" panose="02020603050405020304" pitchFamily="18" charset="0"/>
-                <a:cs typeface="Times New Roman" panose="02020603050405020304" pitchFamily="18" charset="0"/>
-              </a:rPr>
-              <a:t>Netlify</a:t>
-            </a:r>
-            <a:r>
-              <a:rPr lang="pt-BR" sz="2400" dirty="0">
-                <a:latin typeface="Times New Roman" panose="02020603050405020304" pitchFamily="18" charset="0"/>
-                <a:cs typeface="Times New Roman" panose="02020603050405020304" pitchFamily="18" charset="0"/>
-              </a:rPr>
-              <a:t> (</a:t>
-            </a:r>
-            <a:r>
-              <a:rPr lang="pt-BR" sz="2400" dirty="0">
-                <a:latin typeface="Times New Roman" panose="02020603050405020304" pitchFamily="18" charset="0"/>
-                <a:cs typeface="Times New Roman" panose="02020603050405020304" pitchFamily="18" charset="0"/>
-                <a:hlinkClick r:id="rId3"/>
-              </a:rPr>
-              <a:t>https://www.netlify.com/</a:t>
-            </a:r>
-            <a:r>
-              <a:rPr lang="pt-BR" sz="2400" dirty="0">
-                <a:latin typeface="Times New Roman" panose="02020603050405020304" pitchFamily="18" charset="0"/>
-                <a:cs typeface="Times New Roman" panose="02020603050405020304" pitchFamily="18" charset="0"/>
-              </a:rPr>
-              <a:t>) / </a:t>
-            </a:r>
-            <a:r>
-              <a:rPr lang="pt-BR" sz="2400" dirty="0" err="1">
-                <a:latin typeface="Times New Roman" panose="02020603050405020304" pitchFamily="18" charset="0"/>
-                <a:cs typeface="Times New Roman" panose="02020603050405020304" pitchFamily="18" charset="0"/>
-              </a:rPr>
-              <a:t>Github</a:t>
-            </a:r>
-            <a:r>
-              <a:rPr lang="pt-BR" sz="2400" dirty="0">
-                <a:latin typeface="Times New Roman" panose="02020603050405020304" pitchFamily="18" charset="0"/>
-                <a:cs typeface="Times New Roman" panose="02020603050405020304" pitchFamily="18" charset="0"/>
-              </a:rPr>
-              <a:t> / </a:t>
-            </a:r>
-            <a:r>
-              <a:rPr lang="pt-BR" sz="2400" dirty="0" err="1">
-                <a:latin typeface="Times New Roman" panose="02020603050405020304" pitchFamily="18" charset="0"/>
-                <a:cs typeface="Times New Roman" panose="02020603050405020304" pitchFamily="18" charset="0"/>
-              </a:rPr>
-              <a:t>Git</a:t>
-            </a:r>
             <a:endParaRPr lang="pt-BR" sz="2400" dirty="0">
               <a:latin typeface="Times New Roman" panose="02020603050405020304" pitchFamily="18" charset="0"/>
               <a:cs typeface="Times New Roman" panose="02020603050405020304" pitchFamily="18" charset="0"/>
             </a:endParaRPr>
           </a:p>
           <a:p>
-            <a:pPr marL="0" indent="0" algn="just">
-              <a:buNone/>
+            <a:pPr algn="just">
+              <a:buFont typeface="Wingdings" panose="05000000000000000000" pitchFamily="2" charset="2"/>
+              <a:buChar char="§"/>
             </a:pPr>
             <a:r>
               <a:rPr lang="pt-BR" sz="2400" dirty="0">
                 <a:latin typeface="Times New Roman" panose="02020603050405020304" pitchFamily="18" charset="0"/>
                 <a:cs typeface="Times New Roman" panose="02020603050405020304" pitchFamily="18" charset="0"/>
-                <a:hlinkClick r:id="rId4"/>
-              </a:rPr>
-              <a:t>https://github.com/</a:t>
-            </a:r>
+              </a:rPr>
+              <a:t>Orientado a mensagens (MOM)</a:t>
+            </a:r>
+          </a:p>
+          <a:p>
+            <a:pPr algn="just">
+              <a:buFont typeface="Wingdings" panose="05000000000000000000" pitchFamily="2" charset="2"/>
+              <a:buChar char="§"/>
+            </a:pPr>
             <a:r>
               <a:rPr lang="pt-BR" sz="2400" dirty="0">
                 <a:latin typeface="Times New Roman" panose="02020603050405020304" pitchFamily="18" charset="0"/>
                 <a:cs typeface="Times New Roman" panose="02020603050405020304" pitchFamily="18" charset="0"/>
               </a:rPr>
-              <a:t> ; </a:t>
-            </a:r>
+              <a:t>Chamada de procedimento remoto (RPC)</a:t>
+            </a:r>
+          </a:p>
+          <a:p>
+            <a:pPr algn="just">
+              <a:buFont typeface="Wingdings" panose="05000000000000000000" pitchFamily="2" charset="2"/>
+              <a:buChar char="§"/>
+            </a:pPr>
             <a:r>
               <a:rPr lang="pt-BR" sz="2400" dirty="0">
                 <a:latin typeface="Times New Roman" panose="02020603050405020304" pitchFamily="18" charset="0"/>
                 <a:cs typeface="Times New Roman" panose="02020603050405020304" pitchFamily="18" charset="0"/>
-                <a:hlinkClick r:id="rId5"/>
-              </a:rPr>
-              <a:t>https://git-scm.com/downloads</a:t>
+              </a:rPr>
+              <a:t>Dados ou banco de dados</a:t>
+            </a:r>
+          </a:p>
+          <a:p>
+            <a:pPr algn="just">
+              <a:buFont typeface="Wingdings" panose="05000000000000000000" pitchFamily="2" charset="2"/>
+              <a:buChar char="§"/>
+            </a:pPr>
+            <a:r>
+              <a:rPr lang="pt-BR" sz="2400" dirty="0">
+                <a:latin typeface="Times New Roman" panose="02020603050405020304" pitchFamily="18" charset="0"/>
+                <a:cs typeface="Times New Roman" panose="02020603050405020304" pitchFamily="18" charset="0"/>
+              </a:rPr>
+              <a:t>API (interface de programação de aplicativos)</a:t>
+            </a:r>
+          </a:p>
+          <a:p>
+            <a:pPr algn="just">
+              <a:buFont typeface="Wingdings" panose="05000000000000000000" pitchFamily="2" charset="2"/>
+              <a:buChar char="§"/>
+            </a:pPr>
+            <a:r>
+              <a:rPr lang="pt-BR" sz="2400" dirty="0">
+                <a:latin typeface="Times New Roman" panose="02020603050405020304" pitchFamily="18" charset="0"/>
+                <a:cs typeface="Times New Roman" panose="02020603050405020304" pitchFamily="18" charset="0"/>
+              </a:rPr>
+              <a:t>ORB (</a:t>
+            </a:r>
+            <a:r>
+              <a:rPr lang="pt-BR" sz="2400" dirty="0" err="1">
+                <a:latin typeface="Times New Roman" panose="02020603050405020304" pitchFamily="18" charset="0"/>
+                <a:cs typeface="Times New Roman" panose="02020603050405020304" pitchFamily="18" charset="0"/>
+              </a:rPr>
+              <a:t>Object</a:t>
+            </a:r>
+            <a:r>
+              <a:rPr lang="pt-BR" sz="2400" dirty="0">
+                <a:latin typeface="Times New Roman" panose="02020603050405020304" pitchFamily="18" charset="0"/>
+                <a:cs typeface="Times New Roman" panose="02020603050405020304" pitchFamily="18" charset="0"/>
+              </a:rPr>
+              <a:t> </a:t>
+            </a:r>
+            <a:r>
+              <a:rPr lang="pt-BR" sz="2400" dirty="0" err="1">
+                <a:latin typeface="Times New Roman" panose="02020603050405020304" pitchFamily="18" charset="0"/>
+                <a:cs typeface="Times New Roman" panose="02020603050405020304" pitchFamily="18" charset="0"/>
+              </a:rPr>
+              <a:t>Request</a:t>
+            </a:r>
+            <a:r>
+              <a:rPr lang="pt-BR" sz="2400" dirty="0">
+                <a:latin typeface="Times New Roman" panose="02020603050405020304" pitchFamily="18" charset="0"/>
+                <a:cs typeface="Times New Roman" panose="02020603050405020304" pitchFamily="18" charset="0"/>
+              </a:rPr>
+              <a:t> Broker) middleware de especificação CORBA (Common </a:t>
+            </a:r>
+            <a:r>
+              <a:rPr lang="pt-BR" sz="2400" dirty="0" err="1">
+                <a:latin typeface="Times New Roman" panose="02020603050405020304" pitchFamily="18" charset="0"/>
+                <a:cs typeface="Times New Roman" panose="02020603050405020304" pitchFamily="18" charset="0"/>
+              </a:rPr>
+              <a:t>Object</a:t>
+            </a:r>
+            <a:r>
+              <a:rPr lang="pt-BR" sz="2400" dirty="0">
+                <a:latin typeface="Times New Roman" panose="02020603050405020304" pitchFamily="18" charset="0"/>
+                <a:cs typeface="Times New Roman" panose="02020603050405020304" pitchFamily="18" charset="0"/>
+              </a:rPr>
+              <a:t> </a:t>
+            </a:r>
+            <a:r>
+              <a:rPr lang="pt-BR" sz="2400" dirty="0" err="1">
+                <a:latin typeface="Times New Roman" panose="02020603050405020304" pitchFamily="18" charset="0"/>
+                <a:cs typeface="Times New Roman" panose="02020603050405020304" pitchFamily="18" charset="0"/>
+              </a:rPr>
+              <a:t>Request</a:t>
+            </a:r>
+            <a:r>
+              <a:rPr lang="pt-BR" sz="2400" dirty="0">
+                <a:latin typeface="Times New Roman" panose="02020603050405020304" pitchFamily="18" charset="0"/>
+                <a:cs typeface="Times New Roman" panose="02020603050405020304" pitchFamily="18" charset="0"/>
+              </a:rPr>
+              <a:t> Broker </a:t>
+            </a:r>
+            <a:r>
+              <a:rPr lang="pt-BR" sz="2400" dirty="0" err="1">
+                <a:latin typeface="Times New Roman" panose="02020603050405020304" pitchFamily="18" charset="0"/>
+                <a:cs typeface="Times New Roman" panose="02020603050405020304" pitchFamily="18" charset="0"/>
+              </a:rPr>
+              <a:t>Architecture</a:t>
+            </a:r>
+            <a:r>
+              <a:rPr lang="pt-BR" sz="2400" dirty="0">
+                <a:latin typeface="Times New Roman" panose="02020603050405020304" pitchFamily="18" charset="0"/>
+                <a:cs typeface="Times New Roman" panose="02020603050405020304" pitchFamily="18" charset="0"/>
+              </a:rPr>
+              <a:t>)</a:t>
             </a:r>
             <a:endParaRPr lang="pt-BR" sz="2400" dirty="0">
+              <a:solidFill>
+                <a:schemeClr val="tx1"/>
+              </a:solidFill>
               <a:latin typeface="Times New Roman" panose="02020603050405020304" pitchFamily="18" charset="0"/>
               <a:cs typeface="Times New Roman" panose="02020603050405020304" pitchFamily="18" charset="0"/>
-            </a:endParaRPr>
-          </a:p>
-          <a:p>
-            <a:pPr marL="0" indent="0" algn="just">
-              <a:buNone/>
-            </a:pPr>
-            <a:endParaRPr lang="pt-BR" sz="2400" dirty="0">
-              <a:latin typeface="Times New Roman" panose="02020603050405020304" pitchFamily="18" charset="0"/>
-              <a:cs typeface="Times New Roman" panose="02020603050405020304" pitchFamily="18" charset="0"/>
-            </a:endParaRPr>
-          </a:p>
-          <a:p>
-            <a:pPr marL="0" indent="0" algn="just">
-              <a:buNone/>
-            </a:pPr>
-            <a:r>
-              <a:rPr lang="pt-BR" sz="2400" dirty="0">
-                <a:latin typeface="Times New Roman" panose="02020603050405020304" pitchFamily="18" charset="0"/>
-                <a:cs typeface="Times New Roman" panose="02020603050405020304" pitchFamily="18" charset="0"/>
-              </a:rPr>
-              <a:t>Criar e </a:t>
-            </a:r>
-            <a:r>
-              <a:rPr lang="pt-BR" sz="2400" dirty="0" err="1">
-                <a:latin typeface="Times New Roman" panose="02020603050405020304" pitchFamily="18" charset="0"/>
-                <a:cs typeface="Times New Roman" panose="02020603050405020304" pitchFamily="18" charset="0"/>
-              </a:rPr>
-              <a:t>deploy</a:t>
-            </a:r>
-            <a:r>
-              <a:rPr lang="pt-BR" sz="2400" dirty="0">
-                <a:latin typeface="Times New Roman" panose="02020603050405020304" pitchFamily="18" charset="0"/>
-                <a:cs typeface="Times New Roman" panose="02020603050405020304" pitchFamily="18" charset="0"/>
-              </a:rPr>
-              <a:t> app teste</a:t>
-            </a:r>
-            <a:endParaRPr lang="pt-BR" sz="2400" dirty="0">
-              <a:latin typeface="Calibri" panose="020F0502020204030204" pitchFamily="34" charset="0"/>
             </a:endParaRPr>
           </a:p>
         </p:txBody>
@@ -6419,7 +14092,7 @@
     </p:spTree>
     <p:extLst>
       <p:ext uri="{BB962C8B-B14F-4D97-AF65-F5344CB8AC3E}">
-        <p14:creationId xmlns:p14="http://schemas.microsoft.com/office/powerpoint/2010/main" val="1397642976"/>
+        <p14:creationId xmlns:p14="http://schemas.microsoft.com/office/powerpoint/2010/main" val="1254414427"/>
       </p:ext>
     </p:extLst>
   </p:cSld>

--- a/01 Classes/Aula 02 - Aplicação Cloud Indústria 40 Python.pptx
+++ b/01 Classes/Aula 02 - Aplicação Cloud Indústria 40 Python.pptx
@@ -5993,7 +5993,7 @@
               <a:t>e nativos da nuvem são aplicativos desenvolvidos a partir de </a:t>
             </a:r>
             <a:r>
-              <a:rPr lang="pt-BR" sz="2400" dirty="0" err="1">
+              <a:rPr lang="pt-BR" sz="2400" b="1" dirty="0" err="1">
                 <a:solidFill>
                   <a:schemeClr val="tx1"/>
                 </a:solidFill>
@@ -6418,6 +6418,22 @@
               <a:t> Open Shift</a:t>
             </a:r>
           </a:p>
+          <a:p>
+            <a:pPr algn="just">
+              <a:buFont typeface="Wingdings" panose="05000000000000000000" pitchFamily="2" charset="2"/>
+              <a:buChar char="§"/>
+            </a:pPr>
+            <a:r>
+              <a:rPr lang="pt-BR" sz="2400" dirty="0">
+                <a:solidFill>
+                  <a:schemeClr val="tx1"/>
+                </a:solidFill>
+                <a:latin typeface="Times New Roman" panose="02020603050405020304" pitchFamily="18" charset="0"/>
+                <a:cs typeface="Times New Roman" panose="02020603050405020304" pitchFamily="18" charset="0"/>
+              </a:rPr>
+              <a:t>Azure Microsoft</a:t>
+            </a:r>
+          </a:p>
         </p:txBody>
       </p:sp>
     </p:spTree>
@@ -7356,25 +7372,8 @@
                 <a:latin typeface="Times New Roman" panose="02020603050405020304" pitchFamily="18" charset="0"/>
                 <a:cs typeface="Times New Roman" panose="02020603050405020304" pitchFamily="18" charset="0"/>
               </a:rPr>
-              <a:t>Computação </a:t>
-            </a:r>
-            <a:r>
-              <a:rPr lang="pt-BR" sz="2000" dirty="0" err="1">
-                <a:solidFill>
-                  <a:schemeClr val="tx1"/>
-                </a:solidFill>
-                <a:latin typeface="Times New Roman" panose="02020603050405020304" pitchFamily="18" charset="0"/>
-                <a:cs typeface="Times New Roman" panose="02020603050405020304" pitchFamily="18" charset="0"/>
-              </a:rPr>
-              <a:t>coginitiva</a:t>
-            </a:r>
-            <a:endParaRPr lang="pt-BR" sz="2000" dirty="0">
-              <a:solidFill>
-                <a:schemeClr val="tx1"/>
-              </a:solidFill>
-              <a:latin typeface="Times New Roman" panose="02020603050405020304" pitchFamily="18" charset="0"/>
-              <a:cs typeface="Times New Roman" panose="02020603050405020304" pitchFamily="18" charset="0"/>
-            </a:endParaRPr>
+              <a:t>Computação Cognitiva</a:t>
+            </a:r>
           </a:p>
           <a:p>
             <a:pPr algn="just">
@@ -7883,8 +7882,21 @@
                   <a:schemeClr val="bg1"/>
                 </a:solidFill>
               </a:rPr>
-              <a:t>Plataformas Middleware,  Comunicação e Protocolos de Rede IOT</a:t>
-            </a:r>
+              <a:t>Plataformas Middleware,  Comunicação e Protocolos de Rede </a:t>
+            </a:r>
+            <a:r>
+              <a:rPr lang="pt-BR" sz="3600" b="1" dirty="0" err="1">
+                <a:solidFill>
+                  <a:schemeClr val="bg1"/>
+                </a:solidFill>
+              </a:rPr>
+              <a:t>IoT</a:t>
+            </a:r>
+            <a:endParaRPr lang="pt-BR" sz="3600" b="1" dirty="0">
+              <a:solidFill>
+                <a:schemeClr val="bg1"/>
+              </a:solidFill>
+            </a:endParaRPr>
           </a:p>
         </p:txBody>
       </p:sp>
@@ -8332,7 +8344,37 @@
                 <a:latin typeface="Times New Roman" panose="02020603050405020304" pitchFamily="18" charset="0"/>
                 <a:cs typeface="Times New Roman" panose="02020603050405020304" pitchFamily="18" charset="0"/>
               </a:rPr>
-              <a:t>Arduíno</a:t>
+              <a:t>Arduíno (</a:t>
+            </a:r>
+            <a:r>
+              <a:rPr lang="pt-BR" sz="2000" b="1" dirty="0">
+                <a:solidFill>
+                  <a:srgbClr val="FF0000"/>
+                </a:solidFill>
+                <a:latin typeface="Times New Roman" panose="02020603050405020304" pitchFamily="18" charset="0"/>
+                <a:cs typeface="Times New Roman" panose="02020603050405020304" pitchFamily="18" charset="0"/>
+              </a:rPr>
+              <a:t>Windows, Linux, Mac OS</a:t>
+            </a:r>
+            <a:r>
+              <a:rPr lang="pt-BR" sz="2000" dirty="0">
+                <a:solidFill>
+                  <a:schemeClr val="tx1"/>
+                </a:solidFill>
+                <a:latin typeface="Times New Roman" panose="02020603050405020304" pitchFamily="18" charset="0"/>
+                <a:cs typeface="Times New Roman" panose="02020603050405020304" pitchFamily="18" charset="0"/>
+              </a:rPr>
+              <a:t>). </a:t>
+            </a:r>
+            <a:r>
+              <a:rPr lang="pt-BR" sz="2000" b="1" dirty="0">
+                <a:solidFill>
+                  <a:schemeClr val="tx1"/>
+                </a:solidFill>
+                <a:latin typeface="Times New Roman" panose="02020603050405020304" pitchFamily="18" charset="0"/>
+                <a:cs typeface="Times New Roman" panose="02020603050405020304" pitchFamily="18" charset="0"/>
+              </a:rPr>
+              <a:t>microcontrolador Atmel AVR</a:t>
             </a:r>
           </a:p>
           <a:p>
@@ -8358,7 +8400,27 @@
                 <a:latin typeface="Times New Roman" panose="02020603050405020304" pitchFamily="18" charset="0"/>
                 <a:cs typeface="Times New Roman" panose="02020603050405020304" pitchFamily="18" charset="0"/>
               </a:rPr>
-              <a:t> PI</a:t>
+              <a:t> PI (</a:t>
+            </a:r>
+            <a:r>
+              <a:rPr lang="pt-BR" sz="2000" b="1" dirty="0">
+                <a:solidFill>
+                  <a:srgbClr val="FF0000"/>
+                </a:solidFill>
+                <a:latin typeface="Times New Roman" panose="02020603050405020304" pitchFamily="18" charset="0"/>
+                <a:cs typeface="Times New Roman" panose="02020603050405020304" pitchFamily="18" charset="0"/>
+              </a:rPr>
+              <a:t>Linux</a:t>
+            </a:r>
+            <a:r>
+              <a:rPr lang="pt-BR" sz="2000" dirty="0">
+                <a:solidFill>
+                  <a:schemeClr val="tx1"/>
+                </a:solidFill>
+                <a:latin typeface="Times New Roman" panose="02020603050405020304" pitchFamily="18" charset="0"/>
+                <a:cs typeface="Times New Roman" panose="02020603050405020304" pitchFamily="18" charset="0"/>
+              </a:rPr>
+              <a:t>)</a:t>
             </a:r>
           </a:p>
           <a:p>
@@ -8374,7 +8436,27 @@
                 <a:latin typeface="Times New Roman" panose="02020603050405020304" pitchFamily="18" charset="0"/>
                 <a:cs typeface="Times New Roman" panose="02020603050405020304" pitchFamily="18" charset="0"/>
               </a:rPr>
-              <a:t>Intel Edison</a:t>
+              <a:t>Intel Edison (</a:t>
+            </a:r>
+            <a:r>
+              <a:rPr lang="pt-BR" sz="2000" b="1" dirty="0">
+                <a:solidFill>
+                  <a:srgbClr val="FF0000"/>
+                </a:solidFill>
+                <a:latin typeface="Times New Roman" panose="02020603050405020304" pitchFamily="18" charset="0"/>
+                <a:cs typeface="Times New Roman" panose="02020603050405020304" pitchFamily="18" charset="0"/>
+              </a:rPr>
+              <a:t>Windows</a:t>
+            </a:r>
+            <a:r>
+              <a:rPr lang="pt-BR" sz="2000" dirty="0">
+                <a:solidFill>
+                  <a:schemeClr val="tx1"/>
+                </a:solidFill>
+                <a:latin typeface="Times New Roman" panose="02020603050405020304" pitchFamily="18" charset="0"/>
+                <a:cs typeface="Times New Roman" panose="02020603050405020304" pitchFamily="18" charset="0"/>
+              </a:rPr>
+              <a:t>)</a:t>
             </a:r>
           </a:p>
           <a:p>
@@ -8400,7 +8482,53 @@
                 <a:latin typeface="Times New Roman" panose="02020603050405020304" pitchFamily="18" charset="0"/>
                 <a:cs typeface="Times New Roman" panose="02020603050405020304" pitchFamily="18" charset="0"/>
               </a:rPr>
-              <a:t> (https://www.tinkercad.com/</a:t>
+              <a:t> (</a:t>
+            </a:r>
+            <a:r>
+              <a:rPr lang="pt-BR" sz="2000" b="1" dirty="0">
+                <a:solidFill>
+                  <a:srgbClr val="FF0000"/>
+                </a:solidFill>
+                <a:latin typeface="Times New Roman" panose="02020603050405020304" pitchFamily="18" charset="0"/>
+                <a:cs typeface="Times New Roman" panose="02020603050405020304" pitchFamily="18" charset="0"/>
+              </a:rPr>
+              <a:t>Arduíno</a:t>
+            </a:r>
+            <a:r>
+              <a:rPr lang="pt-BR" sz="2000" dirty="0">
+                <a:solidFill>
+                  <a:schemeClr val="tx1"/>
+                </a:solidFill>
+                <a:latin typeface="Times New Roman" panose="02020603050405020304" pitchFamily="18" charset="0"/>
+                <a:cs typeface="Times New Roman" panose="02020603050405020304" pitchFamily="18" charset="0"/>
+              </a:rPr>
+              <a:t>)</a:t>
+            </a:r>
+          </a:p>
+          <a:p>
+            <a:pPr marL="0" indent="0" algn="just">
+              <a:buNone/>
+            </a:pPr>
+            <a:r>
+              <a:rPr lang="pt-BR" sz="2000" dirty="0">
+                <a:solidFill>
+                  <a:schemeClr val="tx1"/>
+                </a:solidFill>
+                <a:latin typeface="Times New Roman" panose="02020603050405020304" pitchFamily="18" charset="0"/>
+                <a:cs typeface="Times New Roman" panose="02020603050405020304" pitchFamily="18" charset="0"/>
+              </a:rPr>
+              <a:t>	(</a:t>
+            </a:r>
+            <a:r>
+              <a:rPr lang="pt-BR" sz="2000" dirty="0">
+                <a:solidFill>
+                  <a:schemeClr val="tx1"/>
+                </a:solidFill>
+                <a:latin typeface="Times New Roman" panose="02020603050405020304" pitchFamily="18" charset="0"/>
+                <a:cs typeface="Times New Roman" panose="02020603050405020304" pitchFamily="18" charset="0"/>
+                <a:hlinkClick r:id="rId3"/>
+              </a:rPr>
+              <a:t>https://www.tinkercad.com/</a:t>
             </a:r>
             <a:r>
               <a:rPr lang="pt-BR" sz="2000" dirty="0" err="1">
@@ -8409,6 +8537,7 @@
                 </a:solidFill>
                 <a:latin typeface="Times New Roman" panose="02020603050405020304" pitchFamily="18" charset="0"/>
                 <a:cs typeface="Times New Roman" panose="02020603050405020304" pitchFamily="18" charset="0"/>
+                <a:hlinkClick r:id="rId3"/>
               </a:rPr>
               <a:t>things</a:t>
             </a:r>
@@ -8419,15 +8548,10 @@
                 </a:solidFill>
                 <a:latin typeface="Times New Roman" panose="02020603050405020304" pitchFamily="18" charset="0"/>
                 <a:cs typeface="Times New Roman" panose="02020603050405020304" pitchFamily="18" charset="0"/>
-              </a:rPr>
-              <a:t>/aSBH9ShfJ80-iot-project-)</a:t>
-            </a:r>
-          </a:p>
-          <a:p>
-            <a:pPr algn="just">
-              <a:buFont typeface="Wingdings" panose="05000000000000000000" pitchFamily="2" charset="2"/>
-              <a:buChar char="§"/>
-            </a:pPr>
+                <a:hlinkClick r:id="rId3"/>
+              </a:rPr>
+              <a:t>/aSBH9ShfJ80-iot-project-</a:t>
+            </a:r>
             <a:r>
               <a:rPr lang="pt-BR" sz="2000" dirty="0">
                 <a:solidFill>
@@ -8436,7 +8560,80 @@
                 <a:latin typeface="Times New Roman" panose="02020603050405020304" pitchFamily="18" charset="0"/>
                 <a:cs typeface="Times New Roman" panose="02020603050405020304" pitchFamily="18" charset="0"/>
               </a:rPr>
-              <a:t>THINGSBOARD</a:t>
+              <a:t>)</a:t>
+            </a:r>
+          </a:p>
+          <a:p>
+            <a:pPr marL="0" indent="0" algn="just">
+              <a:buNone/>
+            </a:pPr>
+            <a:endParaRPr lang="pt-BR" sz="2000" dirty="0">
+              <a:solidFill>
+                <a:schemeClr val="tx1"/>
+              </a:solidFill>
+              <a:latin typeface="Times New Roman" panose="02020603050405020304" pitchFamily="18" charset="0"/>
+              <a:cs typeface="Times New Roman" panose="02020603050405020304" pitchFamily="18" charset="0"/>
+            </a:endParaRPr>
+          </a:p>
+          <a:p>
+            <a:pPr marL="0" indent="0" algn="just">
+              <a:buNone/>
+            </a:pPr>
+            <a:r>
+              <a:rPr lang="pt-BR" sz="2000" b="1" dirty="0">
+                <a:solidFill>
+                  <a:srgbClr val="FF0000"/>
+                </a:solidFill>
+                <a:latin typeface="Times New Roman" panose="02020603050405020304" pitchFamily="18" charset="0"/>
+                <a:cs typeface="Times New Roman" panose="02020603050405020304" pitchFamily="18" charset="0"/>
+              </a:rPr>
+              <a:t>Outro Tipo de Plataforma</a:t>
+            </a:r>
+            <a:r>
+              <a:rPr lang="pt-BR" sz="2000" dirty="0">
+                <a:solidFill>
+                  <a:schemeClr val="tx1"/>
+                </a:solidFill>
+                <a:latin typeface="Times New Roman" panose="02020603050405020304" pitchFamily="18" charset="0"/>
+                <a:cs typeface="Times New Roman" panose="02020603050405020304" pitchFamily="18" charset="0"/>
+              </a:rPr>
+              <a:t>:</a:t>
+            </a:r>
+          </a:p>
+          <a:p>
+            <a:pPr marL="0" indent="0" algn="just">
+              <a:buNone/>
+            </a:pPr>
+            <a:r>
+              <a:rPr lang="pt-BR" sz="2000" dirty="0">
+                <a:solidFill>
+                  <a:schemeClr val="tx1"/>
+                </a:solidFill>
+                <a:latin typeface="Times New Roman" panose="02020603050405020304" pitchFamily="18" charset="0"/>
+                <a:cs typeface="Times New Roman" panose="02020603050405020304" pitchFamily="18" charset="0"/>
+              </a:rPr>
+              <a:t>	THINGSBOARD (</a:t>
+            </a:r>
+            <a:r>
+              <a:rPr lang="pt-BR" sz="2000" dirty="0">
+                <a:solidFill>
+                  <a:schemeClr val="tx1"/>
+                </a:solidFill>
+                <a:latin typeface="Times New Roman" panose="02020603050405020304" pitchFamily="18" charset="0"/>
+                <a:cs typeface="Times New Roman" panose="02020603050405020304" pitchFamily="18" charset="0"/>
+                <a:hlinkClick r:id="rId4"/>
+              </a:rPr>
+              <a:t>https://thingsboard.io/</a:t>
+            </a:r>
+            <a:r>
+              <a:rPr lang="pt-BR" sz="2000" dirty="0">
+                <a:solidFill>
+                  <a:schemeClr val="tx1"/>
+                </a:solidFill>
+                <a:latin typeface="Times New Roman" panose="02020603050405020304" pitchFamily="18" charset="0"/>
+                <a:cs typeface="Times New Roman" panose="02020603050405020304" pitchFamily="18" charset="0"/>
+              </a:rPr>
+              <a:t>)</a:t>
             </a:r>
           </a:p>
           <a:p>
@@ -9750,11 +9947,75 @@
               <a:buChar char="§"/>
             </a:pPr>
             <a:r>
+              <a:rPr lang="pt-BR" sz="2000" b="1" dirty="0" err="1">
+                <a:latin typeface="Times New Roman" panose="02020603050405020304" pitchFamily="18" charset="0"/>
+                <a:cs typeface="Times New Roman" panose="02020603050405020304" pitchFamily="18" charset="0"/>
+              </a:rPr>
+              <a:t>RESTful</a:t>
+            </a:r>
+            <a:r>
               <a:rPr lang="pt-BR" sz="2000" b="1" dirty="0">
                 <a:latin typeface="Times New Roman" panose="02020603050405020304" pitchFamily="18" charset="0"/>
                 <a:cs typeface="Times New Roman" panose="02020603050405020304" pitchFamily="18" charset="0"/>
               </a:rPr>
-              <a:t>RESTFUL HTTP </a:t>
+              <a:t> HTTP (</a:t>
+            </a:r>
+            <a:r>
+              <a:rPr lang="pt-BR" sz="2000" b="1" dirty="0" err="1">
+                <a:solidFill>
+                  <a:srgbClr val="FF0000"/>
+                </a:solidFill>
+                <a:latin typeface="Times New Roman" panose="02020603050405020304" pitchFamily="18" charset="0"/>
+                <a:cs typeface="Times New Roman" panose="02020603050405020304" pitchFamily="18" charset="0"/>
+              </a:rPr>
+              <a:t>representational</a:t>
+            </a:r>
+            <a:r>
+              <a:rPr lang="pt-BR" sz="2000" b="1" dirty="0">
+                <a:solidFill>
+                  <a:srgbClr val="FF0000"/>
+                </a:solidFill>
+                <a:latin typeface="Times New Roman" panose="02020603050405020304" pitchFamily="18" charset="0"/>
+                <a:cs typeface="Times New Roman" panose="02020603050405020304" pitchFamily="18" charset="0"/>
+              </a:rPr>
+              <a:t> </a:t>
+            </a:r>
+            <a:r>
+              <a:rPr lang="pt-BR" sz="2000" b="1" dirty="0" err="1">
+                <a:solidFill>
+                  <a:srgbClr val="FF0000"/>
+                </a:solidFill>
+                <a:latin typeface="Times New Roman" panose="02020603050405020304" pitchFamily="18" charset="0"/>
+                <a:cs typeface="Times New Roman" panose="02020603050405020304" pitchFamily="18" charset="0"/>
+              </a:rPr>
+              <a:t>state</a:t>
+            </a:r>
+            <a:r>
+              <a:rPr lang="pt-BR" sz="2000" b="1" dirty="0">
+                <a:solidFill>
+                  <a:srgbClr val="FF0000"/>
+                </a:solidFill>
+                <a:latin typeface="Times New Roman" panose="02020603050405020304" pitchFamily="18" charset="0"/>
+                <a:cs typeface="Times New Roman" panose="02020603050405020304" pitchFamily="18" charset="0"/>
+              </a:rPr>
+              <a:t> </a:t>
+            </a:r>
+            <a:r>
+              <a:rPr lang="pt-BR" sz="2000" b="1" dirty="0" err="1">
+                <a:solidFill>
+                  <a:srgbClr val="FF0000"/>
+                </a:solidFill>
+                <a:latin typeface="Times New Roman" panose="02020603050405020304" pitchFamily="18" charset="0"/>
+                <a:cs typeface="Times New Roman" panose="02020603050405020304" pitchFamily="18" charset="0"/>
+              </a:rPr>
+              <a:t>transfer</a:t>
+            </a:r>
+            <a:r>
+              <a:rPr lang="pt-BR" sz="2000" b="1" dirty="0">
+                <a:latin typeface="Times New Roman" panose="02020603050405020304" pitchFamily="18" charset="0"/>
+                <a:cs typeface="Times New Roman" panose="02020603050405020304" pitchFamily="18" charset="0"/>
+              </a:rPr>
+              <a:t>)</a:t>
             </a:r>
           </a:p>
           <a:p>
@@ -14010,32 +14271,51 @@
               <a:t>ORB (</a:t>
             </a:r>
             <a:r>
-              <a:rPr lang="pt-BR" sz="2400" dirty="0" err="1">
+              <a:rPr lang="pt-BR" sz="2400" b="1" dirty="0" err="1">
+                <a:solidFill>
+                  <a:srgbClr val="FF0000"/>
+                </a:solidFill>
                 <a:latin typeface="Times New Roman" panose="02020603050405020304" pitchFamily="18" charset="0"/>
                 <a:cs typeface="Times New Roman" panose="02020603050405020304" pitchFamily="18" charset="0"/>
               </a:rPr>
               <a:t>Object</a:t>
             </a:r>
             <a:r>
+              <a:rPr lang="pt-BR" sz="2400" b="1" dirty="0">
+                <a:solidFill>
+                  <a:srgbClr val="FF0000"/>
+                </a:solidFill>
+                <a:latin typeface="Times New Roman" panose="02020603050405020304" pitchFamily="18" charset="0"/>
+                <a:cs typeface="Times New Roman" panose="02020603050405020304" pitchFamily="18" charset="0"/>
+              </a:rPr>
+              <a:t> </a:t>
+            </a:r>
+            <a:r>
+              <a:rPr lang="pt-BR" sz="2400" b="1" dirty="0" err="1">
+                <a:solidFill>
+                  <a:srgbClr val="FF0000"/>
+                </a:solidFill>
+                <a:latin typeface="Times New Roman" panose="02020603050405020304" pitchFamily="18" charset="0"/>
+                <a:cs typeface="Times New Roman" panose="02020603050405020304" pitchFamily="18" charset="0"/>
+              </a:rPr>
+              <a:t>Request</a:t>
+            </a:r>
+            <a:r>
+              <a:rPr lang="pt-BR" sz="2400" b="1" dirty="0">
+                <a:solidFill>
+                  <a:srgbClr val="FF0000"/>
+                </a:solidFill>
+                <a:latin typeface="Times New Roman" panose="02020603050405020304" pitchFamily="18" charset="0"/>
+                <a:cs typeface="Times New Roman" panose="02020603050405020304" pitchFamily="18" charset="0"/>
+              </a:rPr>
+              <a:t> Broker</a:t>
+            </a:r>
+            <a:r>
               <a:rPr lang="pt-BR" sz="2400" dirty="0">
                 <a:latin typeface="Times New Roman" panose="02020603050405020304" pitchFamily="18" charset="0"/>
                 <a:cs typeface="Times New Roman" panose="02020603050405020304" pitchFamily="18" charset="0"/>
               </a:rPr>
-              <a:t> </a:t>
-            </a:r>
-            <a:r>
-              <a:rPr lang="pt-BR" sz="2400" dirty="0" err="1">
-                <a:latin typeface="Times New Roman" panose="02020603050405020304" pitchFamily="18" charset="0"/>
-                <a:cs typeface="Times New Roman" panose="02020603050405020304" pitchFamily="18" charset="0"/>
-              </a:rPr>
-              <a:t>Request</a:t>
-            </a:r>
-            <a:r>
-              <a:rPr lang="pt-BR" sz="2400" dirty="0">
-                <a:latin typeface="Times New Roman" panose="02020603050405020304" pitchFamily="18" charset="0"/>
-                <a:cs typeface="Times New Roman" panose="02020603050405020304" pitchFamily="18" charset="0"/>
-              </a:rPr>
-              <a:t> Broker) middleware de especificação CORBA (Common </a:t>
+              <a:t>) middleware de especificação CORBA (Common </a:t>
             </a:r>
             <a:r>
               <a:rPr lang="pt-BR" sz="2400" dirty="0" err="1">
